--- a/Courses/Software-Sciences/Module-4-Information-Systems-New/01-Introduction-to-IT-Systems/01-Introduction-to-IT-Systems.pptx
+++ b/Courses/Software-Sciences/Module-4-Information-Systems-New/01-Introduction-to-IT-Systems/01-Introduction-to-IT-Systems.pptx
@@ -321,7 +321,7 @@
           <a:p>
             <a:fld id="{4E087215-0C8F-4762-A664-737A353EC9A4}" type="datetimeFigureOut">
               <a:rPr lang="bg-BG" smtClean="0"/>
-              <a:t>26.03.24 г.</a:t>
+              <a:t>28.03.24 г.</a:t>
             </a:fld>
             <a:endParaRPr lang="bg-BG"/>
           </a:p>
@@ -517,7 +517,7 @@
           <a:p>
             <a:fld id="{72D84649-876A-46C9-8472-14CB09C070D8}" type="datetimeFigureOut">
               <a:rPr lang="en-US" smtClean="0"/>
-              <a:t>3/26/24</a:t>
+              <a:t>3/28/24</a:t>
             </a:fld>
             <a:endParaRPr lang="en-US"/>
           </a:p>
@@ -13393,8 +13393,8 @@
         </p:blipFill>
         <p:spPr>
           <a:xfrm>
-            <a:off x="532162" y="3019356"/>
-            <a:ext cx="1977650" cy="922618"/>
+            <a:off x="532162" y="3037179"/>
+            <a:ext cx="1977650" cy="886971"/>
           </a:xfrm>
           <a:prstGeom prst="rect">
             <a:avLst/>
@@ -15961,15 +15961,7 @@
             </a:r>
             <a:r>
               <a:rPr lang="bg-BG" sz="3000" dirty="0"/>
-              <a:t>(уеб браузъри, медийни </a:t>
-            </a:r>
-            <a:r>
-              <a:rPr lang="bg-BG" sz="3000" dirty="0" err="1"/>
-              <a:t>плеъри</a:t>
-            </a:r>
-            <a:r>
-              <a:rPr lang="bg-BG" sz="3000" dirty="0"/>
-              <a:t>, офис приложения</a:t>
+              <a:t>(уеб браузъри, медийни плеъри, офис приложения</a:t>
             </a:r>
             <a:r>
               <a:rPr lang="en-US" sz="3000" dirty="0"/>
@@ -18264,6 +18256,10 @@
           <a:lstStyle/>
           <a:p>
             <a:r>
+              <a:rPr lang="en-US" dirty="0"/>
+              <a:t>​</a:t>
+            </a:r>
+            <a:r>
               <a:rPr lang="bg-BG" b="1" dirty="0"/>
               <a:t>Информационни системи</a:t>
             </a:r>
@@ -25237,7 +25233,7 @@
             </a:r>
             <a:r>
               <a:rPr lang="bg-BG" sz="3400" dirty="0"/>
-              <a:t> информация за вземането на решения и управлението на организации</a:t>
+              <a:t> информация за управлението на организации</a:t>
             </a:r>
           </a:p>
           <a:p>
@@ -25324,7 +25320,7 @@
         </p:blipFill>
         <p:spPr>
           <a:xfrm>
-            <a:off x="4871304" y="4981800"/>
+            <a:off x="4871304" y="4689000"/>
             <a:ext cx="2449392" cy="1496850"/>
           </a:xfrm>
           <a:prstGeom prst="rect">
@@ -25769,7 +25765,7 @@
             </a:r>
             <a:r>
               <a:rPr lang="bg-BG" dirty="0"/>
-              <a:t>(електронна поща, видео конферентни системи, социални мрежи и др.</a:t>
+              <a:t>(електронна поща, социални мрежи и др.</a:t>
             </a:r>
             <a:r>
               <a:rPr lang="en-US" dirty="0"/>
@@ -26267,7 +26263,7 @@
             <a:pPr lvl="1"/>
             <a:r>
               <a:rPr lang="bg-BG" sz="3000" dirty="0"/>
-              <a:t>Предоставят и улесняват достъпа до </a:t>
+              <a:t>Улесняват достъпа до </a:t>
             </a:r>
             <a:r>
               <a:rPr lang="bg-BG" sz="3000" b="1" dirty="0">
@@ -26325,7 +26321,7 @@
                   <a:schemeClr val="bg1"/>
                 </a:solidFill>
               </a:rPr>
-              <a:t>обменът на информация</a:t>
+              <a:t>обмена на информация</a:t>
             </a:r>
           </a:p>
         </p:txBody>
@@ -26767,10 +26763,10 @@
       </p:sp>
       <p:pic>
         <p:nvPicPr>
-          <p:cNvPr id="12" name="Picture 11">
+          <p:cNvPr id="7" name="Picture 6">
             <a:extLst>
               <a:ext uri="{FF2B5EF4-FFF2-40B4-BE49-F238E27FC236}">
-                <a16:creationId xmlns:a16="http://schemas.microsoft.com/office/drawing/2014/main" id="{DEDE41ED-F218-93B1-1756-631832369C41}"/>
+                <a16:creationId xmlns:a16="http://schemas.microsoft.com/office/drawing/2014/main" id="{16037E2D-9DF3-ECB2-5ABF-ECF3D555607F}"/>
               </a:ext>
             </a:extLst>
           </p:cNvPr>
@@ -26793,8 +26789,8 @@
         </p:blipFill>
         <p:spPr>
           <a:xfrm>
-            <a:off x="4680330" y="1826311"/>
-            <a:ext cx="2831340" cy="1701843"/>
+            <a:off x="4892250" y="1674000"/>
+            <a:ext cx="2407500" cy="2042563"/>
           </a:xfrm>
           <a:prstGeom prst="rect">
             <a:avLst/>

--- a/Courses/Software-Sciences/Module-4-Information-Systems-New/01-Introduction-to-IT-Systems/01-Introduction-to-IT-Systems.pptx
+++ b/Courses/Software-Sciences/Module-4-Information-Systems-New/01-Introduction-to-IT-Systems/01-Introduction-to-IT-Systems.pptx
@@ -5,10 +5,10 @@
     <p:sldMasterId id="2147483675" r:id="rId1"/>
   </p:sldMasterIdLst>
   <p:notesMasterIdLst>
-    <p:notesMasterId r:id="rId36"/>
+    <p:notesMasterId r:id="rId38"/>
   </p:notesMasterIdLst>
   <p:handoutMasterIdLst>
-    <p:handoutMasterId r:id="rId37"/>
+    <p:handoutMasterId r:id="rId39"/>
   </p:handoutMasterIdLst>
   <p:sldIdLst>
     <p:sldId id="503" r:id="rId2"/>
@@ -32,19 +32,21 @@
     <p:sldId id="620" r:id="rId20"/>
     <p:sldId id="639" r:id="rId21"/>
     <p:sldId id="640" r:id="rId22"/>
-    <p:sldId id="635" r:id="rId23"/>
-    <p:sldId id="642" r:id="rId24"/>
-    <p:sldId id="634" r:id="rId25"/>
-    <p:sldId id="641" r:id="rId26"/>
-    <p:sldId id="636" r:id="rId27"/>
-    <p:sldId id="643" r:id="rId28"/>
-    <p:sldId id="637" r:id="rId29"/>
-    <p:sldId id="644" r:id="rId30"/>
-    <p:sldId id="638" r:id="rId31"/>
-    <p:sldId id="645" r:id="rId32"/>
-    <p:sldId id="633" r:id="rId33"/>
-    <p:sldId id="504" r:id="rId34"/>
-    <p:sldId id="505" r:id="rId35"/>
+    <p:sldId id="649" r:id="rId23"/>
+    <p:sldId id="635" r:id="rId24"/>
+    <p:sldId id="642" r:id="rId25"/>
+    <p:sldId id="634" r:id="rId26"/>
+    <p:sldId id="641" r:id="rId27"/>
+    <p:sldId id="636" r:id="rId28"/>
+    <p:sldId id="643" r:id="rId29"/>
+    <p:sldId id="637" r:id="rId30"/>
+    <p:sldId id="644" r:id="rId31"/>
+    <p:sldId id="650" r:id="rId32"/>
+    <p:sldId id="638" r:id="rId33"/>
+    <p:sldId id="645" r:id="rId34"/>
+    <p:sldId id="633" r:id="rId35"/>
+    <p:sldId id="504" r:id="rId36"/>
+    <p:sldId id="505" r:id="rId37"/>
   </p:sldIdLst>
   <p:sldSz cx="12192000" cy="6858000"/>
   <p:notesSz cx="6858000" cy="9144000"/>
@@ -185,6 +187,7 @@
             <p14:sldId id="620"/>
             <p14:sldId id="639"/>
             <p14:sldId id="640"/>
+            <p14:sldId id="649"/>
             <p14:sldId id="635"/>
             <p14:sldId id="642"/>
             <p14:sldId id="634"/>
@@ -193,6 +196,7 @@
             <p14:sldId id="643"/>
             <p14:sldId id="637"/>
             <p14:sldId id="644"/>
+            <p14:sldId id="650"/>
             <p14:sldId id="638"/>
             <p14:sldId id="645"/>
           </p14:sldIdLst>
@@ -321,7 +325,7 @@
           <a:p>
             <a:fld id="{4E087215-0C8F-4762-A664-737A353EC9A4}" type="datetimeFigureOut">
               <a:rPr lang="bg-BG" smtClean="0"/>
-              <a:t>28.03.24 г.</a:t>
+              <a:t>3.04.24 г.</a:t>
             </a:fld>
             <a:endParaRPr lang="bg-BG"/>
           </a:p>
@@ -517,7 +521,7 @@
           <a:p>
             <a:fld id="{72D84649-876A-46C9-8472-14CB09C070D8}" type="datetimeFigureOut">
               <a:rPr lang="en-US" smtClean="0"/>
-              <a:t>3/28/24</a:t>
+              <a:t>4/3/24</a:t>
             </a:fld>
             <a:endParaRPr lang="en-US"/>
           </a:p>
@@ -3707,7 +3711,7 @@
     </p:spTree>
     <p:extLst>
       <p:ext uri="{BB962C8B-B14F-4D97-AF65-F5344CB8AC3E}">
-        <p14:creationId xmlns:p14="http://schemas.microsoft.com/office/powerpoint/2010/main" val="1000881190"/>
+        <p14:creationId xmlns:p14="http://schemas.microsoft.com/office/powerpoint/2010/main" val="439804960"/>
       </p:ext>
     </p:extLst>
   </p:cSld>
@@ -3937,7 +3941,7 @@
     </p:spTree>
     <p:extLst>
       <p:ext uri="{BB962C8B-B14F-4D97-AF65-F5344CB8AC3E}">
-        <p14:creationId xmlns:p14="http://schemas.microsoft.com/office/powerpoint/2010/main" val="1698850810"/>
+        <p14:creationId xmlns:p14="http://schemas.microsoft.com/office/powerpoint/2010/main" val="1000881190"/>
       </p:ext>
     </p:extLst>
   </p:cSld>
@@ -4167,7 +4171,7 @@
     </p:spTree>
     <p:extLst>
       <p:ext uri="{BB962C8B-B14F-4D97-AF65-F5344CB8AC3E}">
-        <p14:creationId xmlns:p14="http://schemas.microsoft.com/office/powerpoint/2010/main" val="1788490882"/>
+        <p14:creationId xmlns:p14="http://schemas.microsoft.com/office/powerpoint/2010/main" val="1698850810"/>
       </p:ext>
     </p:extLst>
   </p:cSld>
@@ -4397,7 +4401,7 @@
     </p:spTree>
     <p:extLst>
       <p:ext uri="{BB962C8B-B14F-4D97-AF65-F5344CB8AC3E}">
-        <p14:creationId xmlns:p14="http://schemas.microsoft.com/office/powerpoint/2010/main" val="2903596723"/>
+        <p14:creationId xmlns:p14="http://schemas.microsoft.com/office/powerpoint/2010/main" val="1788490882"/>
       </p:ext>
     </p:extLst>
   </p:cSld>
@@ -4627,7 +4631,7 @@
     </p:spTree>
     <p:extLst>
       <p:ext uri="{BB962C8B-B14F-4D97-AF65-F5344CB8AC3E}">
-        <p14:creationId xmlns:p14="http://schemas.microsoft.com/office/powerpoint/2010/main" val="2566611129"/>
+        <p14:creationId xmlns:p14="http://schemas.microsoft.com/office/powerpoint/2010/main" val="2903596723"/>
       </p:ext>
     </p:extLst>
   </p:cSld>
@@ -4857,7 +4861,7 @@
     </p:spTree>
     <p:extLst>
       <p:ext uri="{BB962C8B-B14F-4D97-AF65-F5344CB8AC3E}">
-        <p14:creationId xmlns:p14="http://schemas.microsoft.com/office/powerpoint/2010/main" val="1244499502"/>
+        <p14:creationId xmlns:p14="http://schemas.microsoft.com/office/powerpoint/2010/main" val="2566611129"/>
       </p:ext>
     </p:extLst>
   </p:cSld>
@@ -5087,7 +5091,7 @@
     </p:spTree>
     <p:extLst>
       <p:ext uri="{BB962C8B-B14F-4D97-AF65-F5344CB8AC3E}">
-        <p14:creationId xmlns:p14="http://schemas.microsoft.com/office/powerpoint/2010/main" val="1959710392"/>
+        <p14:creationId xmlns:p14="http://schemas.microsoft.com/office/powerpoint/2010/main" val="1244499502"/>
       </p:ext>
     </p:extLst>
   </p:cSld>
@@ -5317,7 +5321,7 @@
     </p:spTree>
     <p:extLst>
       <p:ext uri="{BB962C8B-B14F-4D97-AF65-F5344CB8AC3E}">
-        <p14:creationId xmlns:p14="http://schemas.microsoft.com/office/powerpoint/2010/main" val="751907221"/>
+        <p14:creationId xmlns:p14="http://schemas.microsoft.com/office/powerpoint/2010/main" val="1959710392"/>
       </p:ext>
     </p:extLst>
   </p:cSld>
@@ -5547,7 +5551,7 @@
     </p:spTree>
     <p:extLst>
       <p:ext uri="{BB962C8B-B14F-4D97-AF65-F5344CB8AC3E}">
-        <p14:creationId xmlns:p14="http://schemas.microsoft.com/office/powerpoint/2010/main" val="4188773771"/>
+        <p14:creationId xmlns:p14="http://schemas.microsoft.com/office/powerpoint/2010/main" val="751907221"/>
       </p:ext>
     </p:extLst>
   </p:cSld>
@@ -5777,7 +5781,7 @@
     </p:spTree>
     <p:extLst>
       <p:ext uri="{BB962C8B-B14F-4D97-AF65-F5344CB8AC3E}">
-        <p14:creationId xmlns:p14="http://schemas.microsoft.com/office/powerpoint/2010/main" val="3774608689"/>
+        <p14:creationId xmlns:p14="http://schemas.microsoft.com/office/powerpoint/2010/main" val="2007254212"/>
       </p:ext>
     </p:extLst>
   </p:cSld>
@@ -6061,16 +6065,16 @@
           <a:bodyPr/>
           <a:lstStyle/>
           <a:p>
-            <a:endParaRPr lang="en-US" dirty="0"/>
+            <a:endParaRPr lang="en-US"/>
           </a:p>
         </p:txBody>
       </p:sp>
       <p:sp>
         <p:nvSpPr>
-          <p:cNvPr id="7" name="Slide Number Placeholder 5">
+          <p:cNvPr id="6" name="Slide Number Placeholder 5">
             <a:extLst>
               <a:ext uri="{FF2B5EF4-FFF2-40B4-BE49-F238E27FC236}">
-                <a16:creationId xmlns:a16="http://schemas.microsoft.com/office/drawing/2014/main" id="{E65F1CA9-65DC-416B-8882-B3A5E415CE67}"/>
+                <a16:creationId xmlns:a16="http://schemas.microsoft.com/office/drawing/2014/main" id="{973EF363-177A-44DE-80E9-FC9248B7DCA2}"/>
               </a:ext>
             </a:extLst>
           </p:cNvPr>
@@ -6197,10 +6201,10 @@
       </p:sp>
       <p:sp>
         <p:nvSpPr>
-          <p:cNvPr id="5" name="Footer Placeholder 7">
+          <p:cNvPr id="4" name="Footer Placeholder 3">
             <a:extLst>
               <a:ext uri="{FF2B5EF4-FFF2-40B4-BE49-F238E27FC236}">
-                <a16:creationId xmlns:a16="http://schemas.microsoft.com/office/drawing/2014/main" id="{43FAF785-0C8D-730E-8E59-68198DC82CE0}"/>
+                <a16:creationId xmlns:a16="http://schemas.microsoft.com/office/drawing/2014/main" id="{8EE613EE-6697-4964-A067-C2136C00C834}"/>
               </a:ext>
             </a:extLst>
           </p:cNvPr>
@@ -6211,49 +6215,33 @@
             <p:ph type="ftr" sz="quarter" idx="4"/>
           </p:nvPr>
         </p:nvSpPr>
-        <p:spPr>
-          <a:xfrm>
-            <a:off x="-1" y="8892000"/>
-            <a:ext cx="6488999" cy="252000"/>
-          </a:xfrm>
-          <a:prstGeom prst="rect">
-            <a:avLst/>
-          </a:prstGeom>
-        </p:spPr>
+        <p:spPr/>
         <p:txBody>
-          <a:bodyPr vert="horz" lIns="91440" tIns="45720" rIns="91440" bIns="45720" rtlCol="0" anchor="b"/>
-          <a:lstStyle>
-            <a:lvl1pPr algn="l">
-              <a:defRPr sz="1100"/>
-            </a:lvl1pPr>
-          </a:lstStyle>
-          <a:p>
-            <a:r>
-              <a:rPr lang="bg-BG" sz="1100" dirty="0"/>
-              <a:t>Работна група </a:t>
-            </a:r>
-            <a:r>
-              <a:rPr lang="bg-BG" dirty="0"/>
-              <a:t>"Образование по програмиране и ИТ"</a:t>
-            </a:r>
-            <a:r>
-              <a:rPr lang="bg-BG" sz="1100" dirty="0"/>
-              <a:t>, с подкрепата на </a:t>
-            </a:r>
-            <a:r>
-              <a:rPr lang="en-US" sz="1100" dirty="0">
+          <a:bodyPr/>
+          <a:lstStyle/>
+          <a:p>
+            <a:r>
+              <a:rPr lang="en-US"/>
+              <a:t>© SoftUni – </a:t>
+            </a:r>
+            <a:r>
+              <a:rPr lang="en-US" u="sng">
                 <a:hlinkClick r:id="rId3"/>
               </a:rPr>
-              <a:t>SoftUni</a:t>
-            </a:r>
-            <a:endParaRPr lang="en-US" sz="1100" dirty="0"/>
+              <a:t>https://softuni.org</a:t>
+            </a:r>
+            <a:r>
+              <a:rPr lang="en-US"/>
+              <a:t>. Copyrighted document. Unauthorized copy or reproduction is not permitted.</a:t>
+            </a:r>
+            <a:endParaRPr lang="en-US" dirty="0"/>
           </a:p>
         </p:txBody>
       </p:sp>
     </p:spTree>
     <p:extLst>
       <p:ext uri="{BB962C8B-B14F-4D97-AF65-F5344CB8AC3E}">
-        <p14:creationId xmlns:p14="http://schemas.microsoft.com/office/powerpoint/2010/main" val="2689344733"/>
+        <p14:creationId xmlns:p14="http://schemas.microsoft.com/office/powerpoint/2010/main" val="4188773771"/>
       </p:ext>
     </p:extLst>
   </p:cSld>
@@ -6307,16 +6295,16 @@
           <a:bodyPr/>
           <a:lstStyle/>
           <a:p>
-            <a:endParaRPr lang="en-US" dirty="0"/>
+            <a:endParaRPr lang="en-US"/>
           </a:p>
         </p:txBody>
       </p:sp>
       <p:sp>
         <p:nvSpPr>
-          <p:cNvPr id="7" name="Slide Number Placeholder 5">
+          <p:cNvPr id="6" name="Slide Number Placeholder 5">
             <a:extLst>
               <a:ext uri="{FF2B5EF4-FFF2-40B4-BE49-F238E27FC236}">
-                <a16:creationId xmlns:a16="http://schemas.microsoft.com/office/drawing/2014/main" id="{5049B984-F964-47FF-8179-0A3007CE21CD}"/>
+                <a16:creationId xmlns:a16="http://schemas.microsoft.com/office/drawing/2014/main" id="{973EF363-177A-44DE-80E9-FC9248B7DCA2}"/>
               </a:ext>
             </a:extLst>
           </p:cNvPr>
@@ -6446,7 +6434,7 @@
           <p:cNvPr id="4" name="Footer Placeholder 3">
             <a:extLst>
               <a:ext uri="{FF2B5EF4-FFF2-40B4-BE49-F238E27FC236}">
-                <a16:creationId xmlns:a16="http://schemas.microsoft.com/office/drawing/2014/main" id="{8E059BE0-D868-413B-AAA1-1CC88D1F52C5}"/>
+                <a16:creationId xmlns:a16="http://schemas.microsoft.com/office/drawing/2014/main" id="{8EE613EE-6697-4964-A067-C2136C00C834}"/>
               </a:ext>
             </a:extLst>
           </p:cNvPr>
@@ -6483,7 +6471,7 @@
     </p:spTree>
     <p:extLst>
       <p:ext uri="{BB962C8B-B14F-4D97-AF65-F5344CB8AC3E}">
-        <p14:creationId xmlns:p14="http://schemas.microsoft.com/office/powerpoint/2010/main" val="3466590374"/>
+        <p14:creationId xmlns:p14="http://schemas.microsoft.com/office/powerpoint/2010/main" val="3774608689"/>
       </p:ext>
     </p:extLst>
   </p:cSld>
@@ -6537,16 +6525,16 @@
           <a:bodyPr/>
           <a:lstStyle/>
           <a:p>
-            <a:endParaRPr lang="en-US"/>
+            <a:endParaRPr lang="en-US" dirty="0"/>
           </a:p>
         </p:txBody>
       </p:sp>
       <p:sp>
         <p:nvSpPr>
-          <p:cNvPr id="6" name="Slide Number Placeholder 5">
+          <p:cNvPr id="7" name="Slide Number Placeholder 5">
             <a:extLst>
               <a:ext uri="{FF2B5EF4-FFF2-40B4-BE49-F238E27FC236}">
-                <a16:creationId xmlns:a16="http://schemas.microsoft.com/office/drawing/2014/main" id="{6627548A-4D3C-449B-81A5-FA4BE4628490}"/>
+                <a16:creationId xmlns:a16="http://schemas.microsoft.com/office/drawing/2014/main" id="{E65F1CA9-65DC-416B-8882-B3A5E415CE67}"/>
               </a:ext>
             </a:extLst>
           </p:cNvPr>
@@ -6666,6 +6654,482 @@
               <a:rPr lang="en-US" smtClean="0"/>
               <a:pPr/>
               <a:t>34</a:t>
+            </a:fld>
+            <a:endParaRPr lang="en-US" dirty="0"/>
+          </a:p>
+        </p:txBody>
+      </p:sp>
+      <p:sp>
+        <p:nvSpPr>
+          <p:cNvPr id="5" name="Footer Placeholder 7">
+            <a:extLst>
+              <a:ext uri="{FF2B5EF4-FFF2-40B4-BE49-F238E27FC236}">
+                <a16:creationId xmlns:a16="http://schemas.microsoft.com/office/drawing/2014/main" id="{43FAF785-0C8D-730E-8E59-68198DC82CE0}"/>
+              </a:ext>
+            </a:extLst>
+          </p:cNvPr>
+          <p:cNvSpPr>
+            <a:spLocks noGrp="1"/>
+          </p:cNvSpPr>
+          <p:nvPr>
+            <p:ph type="ftr" sz="quarter" idx="4"/>
+          </p:nvPr>
+        </p:nvSpPr>
+        <p:spPr>
+          <a:xfrm>
+            <a:off x="-1" y="8892000"/>
+            <a:ext cx="6488999" cy="252000"/>
+          </a:xfrm>
+          <a:prstGeom prst="rect">
+            <a:avLst/>
+          </a:prstGeom>
+        </p:spPr>
+        <p:txBody>
+          <a:bodyPr vert="horz" lIns="91440" tIns="45720" rIns="91440" bIns="45720" rtlCol="0" anchor="b"/>
+          <a:lstStyle>
+            <a:lvl1pPr algn="l">
+              <a:defRPr sz="1100"/>
+            </a:lvl1pPr>
+          </a:lstStyle>
+          <a:p>
+            <a:r>
+              <a:rPr lang="bg-BG" sz="1100" dirty="0"/>
+              <a:t>Работна група </a:t>
+            </a:r>
+            <a:r>
+              <a:rPr lang="bg-BG" dirty="0"/>
+              <a:t>"Образование по програмиране и ИТ"</a:t>
+            </a:r>
+            <a:r>
+              <a:rPr lang="bg-BG" sz="1100" dirty="0"/>
+              <a:t>, с подкрепата на </a:t>
+            </a:r>
+            <a:r>
+              <a:rPr lang="en-US" sz="1100" dirty="0">
+                <a:hlinkClick r:id="rId3"/>
+              </a:rPr>
+              <a:t>SoftUni</a:t>
+            </a:r>
+            <a:endParaRPr lang="en-US" sz="1100" dirty="0"/>
+          </a:p>
+        </p:txBody>
+      </p:sp>
+    </p:spTree>
+    <p:extLst>
+      <p:ext uri="{BB962C8B-B14F-4D97-AF65-F5344CB8AC3E}">
+        <p14:creationId xmlns:p14="http://schemas.microsoft.com/office/powerpoint/2010/main" val="2689344733"/>
+      </p:ext>
+    </p:extLst>
+  </p:cSld>
+  <p:clrMapOvr>
+    <a:masterClrMapping/>
+  </p:clrMapOvr>
+</p:notes>
+</file>
+
+<file path=ppt/notesSlides/notesSlide33.xml><?xml version="1.0" encoding="utf-8"?>
+<p:notes xmlns:a="http://schemas.openxmlformats.org/drawingml/2006/main" xmlns:r="http://schemas.openxmlformats.org/officeDocument/2006/relationships" xmlns:p="http://schemas.openxmlformats.org/presentationml/2006/main">
+  <p:cSld>
+    <p:spTree>
+      <p:nvGrpSpPr>
+        <p:cNvPr id="1" name=""/>
+        <p:cNvGrpSpPr/>
+        <p:nvPr/>
+      </p:nvGrpSpPr>
+      <p:grpSpPr>
+        <a:xfrm>
+          <a:off x="0" y="0"/>
+          <a:ext cx="0" cy="0"/>
+          <a:chOff x="0" y="0"/>
+          <a:chExt cx="0" cy="0"/>
+        </a:xfrm>
+      </p:grpSpPr>
+      <p:sp>
+        <p:nvSpPr>
+          <p:cNvPr id="2" name="Slide Image Placeholder 1"/>
+          <p:cNvSpPr>
+            <a:spLocks noGrp="1" noRot="1" noChangeAspect="1"/>
+          </p:cNvSpPr>
+          <p:nvPr>
+            <p:ph type="sldImg"/>
+          </p:nvPr>
+        </p:nvSpPr>
+        <p:spPr/>
+      </p:sp>
+      <p:sp>
+        <p:nvSpPr>
+          <p:cNvPr id="3" name="Notes Placeholder 2"/>
+          <p:cNvSpPr>
+            <a:spLocks noGrp="1"/>
+          </p:cNvSpPr>
+          <p:nvPr>
+            <p:ph type="body" idx="1"/>
+          </p:nvPr>
+        </p:nvSpPr>
+        <p:spPr/>
+        <p:txBody>
+          <a:bodyPr/>
+          <a:lstStyle/>
+          <a:p>
+            <a:endParaRPr lang="en-US" dirty="0"/>
+          </a:p>
+        </p:txBody>
+      </p:sp>
+      <p:sp>
+        <p:nvSpPr>
+          <p:cNvPr id="7" name="Slide Number Placeholder 5">
+            <a:extLst>
+              <a:ext uri="{FF2B5EF4-FFF2-40B4-BE49-F238E27FC236}">
+                <a16:creationId xmlns:a16="http://schemas.microsoft.com/office/drawing/2014/main" id="{5049B984-F964-47FF-8179-0A3007CE21CD}"/>
+              </a:ext>
+            </a:extLst>
+          </p:cNvPr>
+          <p:cNvSpPr txBox="1">
+            <a:spLocks/>
+          </p:cNvSpPr>
+          <p:nvPr/>
+        </p:nvSpPr>
+        <p:spPr>
+          <a:xfrm>
+            <a:off x="6488999" y="8847000"/>
+            <a:ext cx="367414" cy="297000"/>
+          </a:xfrm>
+          <a:prstGeom prst="rect">
+            <a:avLst/>
+          </a:prstGeom>
+        </p:spPr>
+        <p:txBody>
+          <a:bodyPr vert="horz" lIns="91440" tIns="45720" rIns="91440" bIns="45720" rtlCol="0" anchor="b"/>
+          <a:lstStyle>
+            <a:defPPr>
+              <a:defRPr lang="en-US"/>
+            </a:defPPr>
+            <a:lvl1pPr marL="0" algn="r" defTabSz="914400" rtl="0" eaLnBrk="1" latinLnBrk="0" hangingPunct="1">
+              <a:defRPr sz="1200" kern="1200">
+                <a:solidFill>
+                  <a:schemeClr val="tx1"/>
+                </a:solidFill>
+                <a:latin typeface="+mn-lt"/>
+                <a:ea typeface="+mn-ea"/>
+                <a:cs typeface="+mn-cs"/>
+              </a:defRPr>
+            </a:lvl1pPr>
+            <a:lvl2pPr marL="457200" algn="l" defTabSz="914400" rtl="0" eaLnBrk="1" latinLnBrk="0" hangingPunct="1">
+              <a:defRPr sz="1800" kern="1200">
+                <a:solidFill>
+                  <a:schemeClr val="tx1"/>
+                </a:solidFill>
+                <a:latin typeface="+mn-lt"/>
+                <a:ea typeface="+mn-ea"/>
+                <a:cs typeface="+mn-cs"/>
+              </a:defRPr>
+            </a:lvl2pPr>
+            <a:lvl3pPr marL="914400" algn="l" defTabSz="914400" rtl="0" eaLnBrk="1" latinLnBrk="0" hangingPunct="1">
+              <a:defRPr sz="1800" kern="1200">
+                <a:solidFill>
+                  <a:schemeClr val="tx1"/>
+                </a:solidFill>
+                <a:latin typeface="+mn-lt"/>
+                <a:ea typeface="+mn-ea"/>
+                <a:cs typeface="+mn-cs"/>
+              </a:defRPr>
+            </a:lvl3pPr>
+            <a:lvl4pPr marL="1371600" algn="l" defTabSz="914400" rtl="0" eaLnBrk="1" latinLnBrk="0" hangingPunct="1">
+              <a:defRPr sz="1800" kern="1200">
+                <a:solidFill>
+                  <a:schemeClr val="tx1"/>
+                </a:solidFill>
+                <a:latin typeface="+mn-lt"/>
+                <a:ea typeface="+mn-ea"/>
+                <a:cs typeface="+mn-cs"/>
+              </a:defRPr>
+            </a:lvl4pPr>
+            <a:lvl5pPr marL="1828800" algn="l" defTabSz="914400" rtl="0" eaLnBrk="1" latinLnBrk="0" hangingPunct="1">
+              <a:defRPr sz="1800" kern="1200">
+                <a:solidFill>
+                  <a:schemeClr val="tx1"/>
+                </a:solidFill>
+                <a:latin typeface="+mn-lt"/>
+                <a:ea typeface="+mn-ea"/>
+                <a:cs typeface="+mn-cs"/>
+              </a:defRPr>
+            </a:lvl5pPr>
+            <a:lvl6pPr marL="2286000" algn="l" defTabSz="914400" rtl="0" eaLnBrk="1" latinLnBrk="0" hangingPunct="1">
+              <a:defRPr sz="1800" kern="1200">
+                <a:solidFill>
+                  <a:schemeClr val="tx1"/>
+                </a:solidFill>
+                <a:latin typeface="+mn-lt"/>
+                <a:ea typeface="+mn-ea"/>
+                <a:cs typeface="+mn-cs"/>
+              </a:defRPr>
+            </a:lvl6pPr>
+            <a:lvl7pPr marL="2743200" algn="l" defTabSz="914400" rtl="0" eaLnBrk="1" latinLnBrk="0" hangingPunct="1">
+              <a:defRPr sz="1800" kern="1200">
+                <a:solidFill>
+                  <a:schemeClr val="tx1"/>
+                </a:solidFill>
+                <a:latin typeface="+mn-lt"/>
+                <a:ea typeface="+mn-ea"/>
+                <a:cs typeface="+mn-cs"/>
+              </a:defRPr>
+            </a:lvl7pPr>
+            <a:lvl8pPr marL="3200400" algn="l" defTabSz="914400" rtl="0" eaLnBrk="1" latinLnBrk="0" hangingPunct="1">
+              <a:defRPr sz="1800" kern="1200">
+                <a:solidFill>
+                  <a:schemeClr val="tx1"/>
+                </a:solidFill>
+                <a:latin typeface="+mn-lt"/>
+                <a:ea typeface="+mn-ea"/>
+                <a:cs typeface="+mn-cs"/>
+              </a:defRPr>
+            </a:lvl8pPr>
+            <a:lvl9pPr marL="3657600" algn="l" defTabSz="914400" rtl="0" eaLnBrk="1" latinLnBrk="0" hangingPunct="1">
+              <a:defRPr sz="1800" kern="1200">
+                <a:solidFill>
+                  <a:schemeClr val="tx1"/>
+                </a:solidFill>
+                <a:latin typeface="+mn-lt"/>
+                <a:ea typeface="+mn-ea"/>
+                <a:cs typeface="+mn-cs"/>
+              </a:defRPr>
+            </a:lvl9pPr>
+          </a:lstStyle>
+          <a:p>
+            <a:fld id="{3EBA5BD7-F043-4D1B-AA17-CD412FC534DE}" type="slidenum">
+              <a:rPr lang="en-US" smtClean="0"/>
+              <a:pPr/>
+              <a:t>35</a:t>
+            </a:fld>
+            <a:endParaRPr lang="en-US" dirty="0"/>
+          </a:p>
+        </p:txBody>
+      </p:sp>
+      <p:sp>
+        <p:nvSpPr>
+          <p:cNvPr id="4" name="Footer Placeholder 3">
+            <a:extLst>
+              <a:ext uri="{FF2B5EF4-FFF2-40B4-BE49-F238E27FC236}">
+                <a16:creationId xmlns:a16="http://schemas.microsoft.com/office/drawing/2014/main" id="{8E059BE0-D868-413B-AAA1-1CC88D1F52C5}"/>
+              </a:ext>
+            </a:extLst>
+          </p:cNvPr>
+          <p:cNvSpPr>
+            <a:spLocks noGrp="1"/>
+          </p:cNvSpPr>
+          <p:nvPr>
+            <p:ph type="ftr" sz="quarter" idx="4"/>
+          </p:nvPr>
+        </p:nvSpPr>
+        <p:spPr/>
+        <p:txBody>
+          <a:bodyPr/>
+          <a:lstStyle/>
+          <a:p>
+            <a:r>
+              <a:rPr lang="en-US"/>
+              <a:t>© SoftUni – </a:t>
+            </a:r>
+            <a:r>
+              <a:rPr lang="en-US" u="sng">
+                <a:hlinkClick r:id="rId3"/>
+              </a:rPr>
+              <a:t>https://softuni.org</a:t>
+            </a:r>
+            <a:r>
+              <a:rPr lang="en-US"/>
+              <a:t>. Copyrighted document. Unauthorized copy or reproduction is not permitted.</a:t>
+            </a:r>
+            <a:endParaRPr lang="en-US" dirty="0"/>
+          </a:p>
+        </p:txBody>
+      </p:sp>
+    </p:spTree>
+    <p:extLst>
+      <p:ext uri="{BB962C8B-B14F-4D97-AF65-F5344CB8AC3E}">
+        <p14:creationId xmlns:p14="http://schemas.microsoft.com/office/powerpoint/2010/main" val="3466590374"/>
+      </p:ext>
+    </p:extLst>
+  </p:cSld>
+  <p:clrMapOvr>
+    <a:masterClrMapping/>
+  </p:clrMapOvr>
+</p:notes>
+</file>
+
+<file path=ppt/notesSlides/notesSlide34.xml><?xml version="1.0" encoding="utf-8"?>
+<p:notes xmlns:a="http://schemas.openxmlformats.org/drawingml/2006/main" xmlns:r="http://schemas.openxmlformats.org/officeDocument/2006/relationships" xmlns:p="http://schemas.openxmlformats.org/presentationml/2006/main">
+  <p:cSld>
+    <p:spTree>
+      <p:nvGrpSpPr>
+        <p:cNvPr id="1" name=""/>
+        <p:cNvGrpSpPr/>
+        <p:nvPr/>
+      </p:nvGrpSpPr>
+      <p:grpSpPr>
+        <a:xfrm>
+          <a:off x="0" y="0"/>
+          <a:ext cx="0" cy="0"/>
+          <a:chOff x="0" y="0"/>
+          <a:chExt cx="0" cy="0"/>
+        </a:xfrm>
+      </p:grpSpPr>
+      <p:sp>
+        <p:nvSpPr>
+          <p:cNvPr id="2" name="Slide Image Placeholder 1"/>
+          <p:cNvSpPr>
+            <a:spLocks noGrp="1" noRot="1" noChangeAspect="1"/>
+          </p:cNvSpPr>
+          <p:nvPr>
+            <p:ph type="sldImg"/>
+          </p:nvPr>
+        </p:nvSpPr>
+        <p:spPr/>
+      </p:sp>
+      <p:sp>
+        <p:nvSpPr>
+          <p:cNvPr id="3" name="Notes Placeholder 2"/>
+          <p:cNvSpPr>
+            <a:spLocks noGrp="1"/>
+          </p:cNvSpPr>
+          <p:nvPr>
+            <p:ph type="body" idx="1"/>
+          </p:nvPr>
+        </p:nvSpPr>
+        <p:spPr/>
+        <p:txBody>
+          <a:bodyPr/>
+          <a:lstStyle/>
+          <a:p>
+            <a:endParaRPr lang="en-US"/>
+          </a:p>
+        </p:txBody>
+      </p:sp>
+      <p:sp>
+        <p:nvSpPr>
+          <p:cNvPr id="6" name="Slide Number Placeholder 5">
+            <a:extLst>
+              <a:ext uri="{FF2B5EF4-FFF2-40B4-BE49-F238E27FC236}">
+                <a16:creationId xmlns:a16="http://schemas.microsoft.com/office/drawing/2014/main" id="{6627548A-4D3C-449B-81A5-FA4BE4628490}"/>
+              </a:ext>
+            </a:extLst>
+          </p:cNvPr>
+          <p:cNvSpPr txBox="1">
+            <a:spLocks/>
+          </p:cNvSpPr>
+          <p:nvPr/>
+        </p:nvSpPr>
+        <p:spPr>
+          <a:xfrm>
+            <a:off x="6488999" y="8847000"/>
+            <a:ext cx="367414" cy="297000"/>
+          </a:xfrm>
+          <a:prstGeom prst="rect">
+            <a:avLst/>
+          </a:prstGeom>
+        </p:spPr>
+        <p:txBody>
+          <a:bodyPr vert="horz" lIns="91440" tIns="45720" rIns="91440" bIns="45720" rtlCol="0" anchor="b"/>
+          <a:lstStyle>
+            <a:defPPr>
+              <a:defRPr lang="en-US"/>
+            </a:defPPr>
+            <a:lvl1pPr marL="0" algn="r" defTabSz="914400" rtl="0" eaLnBrk="1" latinLnBrk="0" hangingPunct="1">
+              <a:defRPr sz="1200" kern="1200">
+                <a:solidFill>
+                  <a:schemeClr val="tx1"/>
+                </a:solidFill>
+                <a:latin typeface="+mn-lt"/>
+                <a:ea typeface="+mn-ea"/>
+                <a:cs typeface="+mn-cs"/>
+              </a:defRPr>
+            </a:lvl1pPr>
+            <a:lvl2pPr marL="457200" algn="l" defTabSz="914400" rtl="0" eaLnBrk="1" latinLnBrk="0" hangingPunct="1">
+              <a:defRPr sz="1800" kern="1200">
+                <a:solidFill>
+                  <a:schemeClr val="tx1"/>
+                </a:solidFill>
+                <a:latin typeface="+mn-lt"/>
+                <a:ea typeface="+mn-ea"/>
+                <a:cs typeface="+mn-cs"/>
+              </a:defRPr>
+            </a:lvl2pPr>
+            <a:lvl3pPr marL="914400" algn="l" defTabSz="914400" rtl="0" eaLnBrk="1" latinLnBrk="0" hangingPunct="1">
+              <a:defRPr sz="1800" kern="1200">
+                <a:solidFill>
+                  <a:schemeClr val="tx1"/>
+                </a:solidFill>
+                <a:latin typeface="+mn-lt"/>
+                <a:ea typeface="+mn-ea"/>
+                <a:cs typeface="+mn-cs"/>
+              </a:defRPr>
+            </a:lvl3pPr>
+            <a:lvl4pPr marL="1371600" algn="l" defTabSz="914400" rtl="0" eaLnBrk="1" latinLnBrk="0" hangingPunct="1">
+              <a:defRPr sz="1800" kern="1200">
+                <a:solidFill>
+                  <a:schemeClr val="tx1"/>
+                </a:solidFill>
+                <a:latin typeface="+mn-lt"/>
+                <a:ea typeface="+mn-ea"/>
+                <a:cs typeface="+mn-cs"/>
+              </a:defRPr>
+            </a:lvl4pPr>
+            <a:lvl5pPr marL="1828800" algn="l" defTabSz="914400" rtl="0" eaLnBrk="1" latinLnBrk="0" hangingPunct="1">
+              <a:defRPr sz="1800" kern="1200">
+                <a:solidFill>
+                  <a:schemeClr val="tx1"/>
+                </a:solidFill>
+                <a:latin typeface="+mn-lt"/>
+                <a:ea typeface="+mn-ea"/>
+                <a:cs typeface="+mn-cs"/>
+              </a:defRPr>
+            </a:lvl5pPr>
+            <a:lvl6pPr marL="2286000" algn="l" defTabSz="914400" rtl="0" eaLnBrk="1" latinLnBrk="0" hangingPunct="1">
+              <a:defRPr sz="1800" kern="1200">
+                <a:solidFill>
+                  <a:schemeClr val="tx1"/>
+                </a:solidFill>
+                <a:latin typeface="+mn-lt"/>
+                <a:ea typeface="+mn-ea"/>
+                <a:cs typeface="+mn-cs"/>
+              </a:defRPr>
+            </a:lvl6pPr>
+            <a:lvl7pPr marL="2743200" algn="l" defTabSz="914400" rtl="0" eaLnBrk="1" latinLnBrk="0" hangingPunct="1">
+              <a:defRPr sz="1800" kern="1200">
+                <a:solidFill>
+                  <a:schemeClr val="tx1"/>
+                </a:solidFill>
+                <a:latin typeface="+mn-lt"/>
+                <a:ea typeface="+mn-ea"/>
+                <a:cs typeface="+mn-cs"/>
+              </a:defRPr>
+            </a:lvl7pPr>
+            <a:lvl8pPr marL="3200400" algn="l" defTabSz="914400" rtl="0" eaLnBrk="1" latinLnBrk="0" hangingPunct="1">
+              <a:defRPr sz="1800" kern="1200">
+                <a:solidFill>
+                  <a:schemeClr val="tx1"/>
+                </a:solidFill>
+                <a:latin typeface="+mn-lt"/>
+                <a:ea typeface="+mn-ea"/>
+                <a:cs typeface="+mn-cs"/>
+              </a:defRPr>
+            </a:lvl8pPr>
+            <a:lvl9pPr marL="3657600" algn="l" defTabSz="914400" rtl="0" eaLnBrk="1" latinLnBrk="0" hangingPunct="1">
+              <a:defRPr sz="1800" kern="1200">
+                <a:solidFill>
+                  <a:schemeClr val="tx1"/>
+                </a:solidFill>
+                <a:latin typeface="+mn-lt"/>
+                <a:ea typeface="+mn-ea"/>
+                <a:cs typeface="+mn-cs"/>
+              </a:defRPr>
+            </a:lvl9pPr>
+          </a:lstStyle>
+          <a:p>
+            <a:fld id="{3EBA5BD7-F043-4D1B-AA17-CD412FC534DE}" type="slidenum">
+              <a:rPr lang="en-US" smtClean="0"/>
+              <a:pPr/>
+              <a:t>36</a:t>
             </a:fld>
             <a:endParaRPr lang="en-US" dirty="0"/>
           </a:p>
@@ -18260,46 +18724,12 @@
               <a:t>​</a:t>
             </a:r>
             <a:r>
-              <a:rPr lang="bg-BG" b="1" dirty="0"/>
+              <a:rPr lang="bg-BG" b="1" dirty="0">
+                <a:solidFill>
+                  <a:schemeClr val="bg1"/>
+                </a:solidFill>
+              </a:rPr>
               <a:t>Информационни системи</a:t>
-            </a:r>
-            <a:endParaRPr lang="en-US" b="1" dirty="0"/>
-          </a:p>
-          <a:p>
-            <a:pPr lvl="1"/>
-            <a:r>
-              <a:rPr lang="bg-BG" b="1" dirty="0"/>
-              <a:t>Роля</a:t>
-            </a:r>
-            <a:r>
-              <a:rPr lang="bg-BG" dirty="0"/>
-              <a:t> на информационните системи в съвременния свят</a:t>
-            </a:r>
-            <a:endParaRPr lang="en-US" dirty="0"/>
-          </a:p>
-          <a:p>
-            <a:r>
-              <a:rPr lang="bg-BG" dirty="0"/>
-              <a:t>Основни </a:t>
-            </a:r>
-            <a:r>
-              <a:rPr lang="bg-BG" b="1" dirty="0"/>
-              <a:t>понятия</a:t>
-            </a:r>
-            <a:endParaRPr lang="en-US" b="1" dirty="0"/>
-          </a:p>
-          <a:p>
-            <a:r>
-              <a:rPr lang="en-US" dirty="0"/>
-              <a:t>​</a:t>
-            </a:r>
-            <a:r>
-              <a:rPr lang="bg-BG" b="1" dirty="0"/>
-              <a:t>Елементи</a:t>
-            </a:r>
-            <a:r>
-              <a:rPr lang="bg-BG" dirty="0"/>
-              <a:t> на информационните системи</a:t>
             </a:r>
             <a:endParaRPr lang="en-US" b="1" dirty="0">
               <a:solidFill>
@@ -18308,13 +18738,83 @@
             </a:endParaRPr>
           </a:p>
           <a:p>
+            <a:pPr lvl="1">
+              <a:buClr>
+                <a:schemeClr val="tx1"/>
+              </a:buClr>
+            </a:pPr>
+            <a:r>
+              <a:rPr lang="bg-BG" b="1" dirty="0">
+                <a:solidFill>
+                  <a:schemeClr val="bg1"/>
+                </a:solidFill>
+              </a:rPr>
+              <a:t>Роля</a:t>
+            </a:r>
+            <a:r>
+              <a:rPr lang="bg-BG" dirty="0"/>
+              <a:t> на информационните системи в съвременния свят</a:t>
+            </a:r>
+            <a:endParaRPr lang="en-US" dirty="0"/>
+          </a:p>
+          <a:p>
+            <a:r>
+              <a:rPr lang="bg-BG" dirty="0"/>
+              <a:t>Основни </a:t>
+            </a:r>
+            <a:r>
+              <a:rPr lang="bg-BG" b="1" dirty="0">
+                <a:solidFill>
+                  <a:schemeClr val="bg1"/>
+                </a:solidFill>
+              </a:rPr>
+              <a:t>понятия</a:t>
+            </a:r>
+            <a:endParaRPr lang="en-US" b="1" dirty="0">
+              <a:solidFill>
+                <a:schemeClr val="bg1"/>
+              </a:solidFill>
+            </a:endParaRPr>
+          </a:p>
+          <a:p>
             <a:r>
               <a:rPr lang="en-US" dirty="0"/>
               <a:t>​</a:t>
             </a:r>
             <a:r>
+              <a:rPr lang="bg-BG" b="1" dirty="0">
+                <a:solidFill>
+                  <a:schemeClr val="bg1"/>
+                </a:solidFill>
+              </a:rPr>
+              <a:t>Елементи</a:t>
+            </a:r>
+            <a:r>
+              <a:rPr lang="bg-BG" dirty="0"/>
+              <a:t> на информационните системи</a:t>
+            </a:r>
+            <a:endParaRPr lang="en-US" b="1" dirty="0">
+              <a:solidFill>
+                <a:schemeClr val="bg1"/>
+              </a:solidFill>
+            </a:endParaRPr>
+          </a:p>
+          <a:p>
+            <a:r>
+              <a:rPr lang="en-US" dirty="0"/>
+              <a:t>​</a:t>
+            </a:r>
+            <a:r>
+              <a:rPr lang="bg-BG" b="1" dirty="0">
+                <a:solidFill>
+                  <a:schemeClr val="bg1"/>
+                </a:solidFill>
+              </a:rPr>
+              <a:t>Видове</a:t>
+            </a:r>
+            <a:r>
               <a:rPr lang="bg-BG" b="1" dirty="0"/>
-              <a:t>Видове </a:t>
+              <a:t> </a:t>
             </a:r>
             <a:r>
               <a:rPr lang="bg-BG" dirty="0"/>
@@ -18717,7 +19217,7 @@
         </p:spPr>
         <p:txBody>
           <a:bodyPr>
-            <a:normAutofit/>
+            <a:normAutofit lnSpcReduction="10000"/>
           </a:bodyPr>
           <a:lstStyle/>
           <a:p>
@@ -18854,6 +19354,13 @@
             <a:r>
               <a:rPr lang="bg-BG" dirty="0"/>
               <a:t>Система за управление на данни за продажбите в търговска верига</a:t>
+            </a:r>
+          </a:p>
+          <a:p>
+            <a:pPr lvl="2"/>
+            <a:r>
+              <a:rPr lang="bg-BG" dirty="0"/>
+              <a:t>Портал за електронни услуги на НАП</a:t>
             </a:r>
           </a:p>
           <a:p>
@@ -19129,6 +19636,37 @@
                                   </p:childTnLst>
                                 </p:cTn>
                               </p:par>
+                              <p:par>
+                                <p:cTn id="19" presetID="1" presetClass="entr" presetSubtype="0" fill="hold" nodeType="withEffect">
+                                  <p:stCondLst>
+                                    <p:cond delay="0"/>
+                                  </p:stCondLst>
+                                  <p:childTnLst>
+                                    <p:set>
+                                      <p:cBhvr>
+                                        <p:cTn id="20" dur="1" fill="hold">
+                                          <p:stCondLst>
+                                            <p:cond delay="0"/>
+                                          </p:stCondLst>
+                                        </p:cTn>
+                                        <p:tgtEl>
+                                          <p:spTgt spid="7">
+                                            <p:txEl>
+                                              <p:pRg st="5" end="5"/>
+                                            </p:txEl>
+                                          </p:spTgt>
+                                        </p:tgtEl>
+                                        <p:attrNameLst>
+                                          <p:attrName>style.visibility</p:attrName>
+                                        </p:attrNameLst>
+                                      </p:cBhvr>
+                                      <p:to>
+                                        <p:strVal val="visible"/>
+                                      </p:to>
+                                    </p:set>
+                                  </p:childTnLst>
+                                </p:cTn>
+                              </p:par>
                             </p:childTnLst>
                           </p:cTn>
                         </p:par>
@@ -19193,6 +19731,310 @@
             <p:ph type="sldNum" sz="quarter" idx="5"/>
           </p:nvPr>
         </p:nvSpPr>
+        <p:spPr/>
+        <p:txBody>
+          <a:bodyPr vert="horz" lIns="91440" tIns="45720" rIns="91440" bIns="45720" rtlCol="0" anchor="b"/>
+          <a:lstStyle>
+            <a:lvl1pPr algn="r">
+              <a:defRPr sz="1000"/>
+            </a:lvl1pPr>
+          </a:lstStyle>
+          <a:p>
+            <a:fld id="{2BF067CD-8E6B-4360-9AA8-C5DF2A48A6D1}" type="slidenum">
+              <a:rPr lang="en-US" smtClean="0"/>
+              <a:pPr/>
+              <a:t>21</a:t>
+            </a:fld>
+            <a:endParaRPr lang="en-US" dirty="0"/>
+          </a:p>
+        </p:txBody>
+      </p:sp>
+      <p:sp>
+        <p:nvSpPr>
+          <p:cNvPr id="6" name="Text Placeholder 5">
+            <a:extLst>
+              <a:ext uri="{FF2B5EF4-FFF2-40B4-BE49-F238E27FC236}">
+                <a16:creationId xmlns:a16="http://schemas.microsoft.com/office/drawing/2014/main" id="{D2683C0F-1592-3B57-AA51-B2F1ABB34622}"/>
+              </a:ext>
+            </a:extLst>
+          </p:cNvPr>
+          <p:cNvSpPr>
+            <a:spLocks noGrp="1"/>
+          </p:cNvSpPr>
+          <p:nvPr>
+            <p:ph type="body" sz="quarter" idx="10"/>
+          </p:nvPr>
+        </p:nvSpPr>
+        <p:spPr/>
+        <p:txBody>
+          <a:bodyPr/>
+          <a:lstStyle/>
+          <a:p>
+            <a:r>
+              <a:rPr lang="en-GB" dirty="0">
+                <a:solidFill>
+                  <a:schemeClr val="bg1"/>
+                </a:solidFill>
+                <a:hlinkClick r:id="rId3">
+                  <a:extLst>
+                    <a:ext uri="{A12FA001-AC4F-418D-AE19-62706E023703}">
+                      <ahyp:hlinkClr xmlns:ahyp="http://schemas.microsoft.com/office/drawing/2018/hyperlinkcolor" val="tx"/>
+                    </a:ext>
+                  </a:extLst>
+                </a:hlinkClick>
+              </a:rPr>
+              <a:t>portal.nra.bg/health-status</a:t>
+            </a:r>
+            <a:endParaRPr lang="en-BG" dirty="0">
+              <a:solidFill>
+                <a:schemeClr val="bg1"/>
+              </a:solidFill>
+            </a:endParaRPr>
+          </a:p>
+        </p:txBody>
+      </p:sp>
+      <p:sp>
+        <p:nvSpPr>
+          <p:cNvPr id="4" name="Slide Title"/>
+          <p:cNvSpPr>
+            <a:spLocks noGrp="1"/>
+          </p:cNvSpPr>
+          <p:nvPr>
+            <p:ph type="title"/>
+          </p:nvPr>
+        </p:nvSpPr>
+        <p:spPr/>
+        <p:txBody>
+          <a:bodyPr>
+            <a:noAutofit/>
+          </a:bodyPr>
+          <a:lstStyle/>
+          <a:p>
+            <a:r>
+              <a:rPr lang="bg-BG" sz="3200" dirty="0"/>
+              <a:t>Пример за </a:t>
+            </a:r>
+            <a:r>
+              <a:rPr lang="en-US" sz="3200" dirty="0"/>
+              <a:t>MIS</a:t>
+            </a:r>
+            <a:r>
+              <a:rPr lang="bg-BG" sz="3200" dirty="0"/>
+              <a:t> - Портал за електронни услуги на НАП</a:t>
+            </a:r>
+            <a:endParaRPr lang="en-US" sz="3200" dirty="0"/>
+          </a:p>
+        </p:txBody>
+      </p:sp>
+      <p:pic>
+        <p:nvPicPr>
+          <p:cNvPr id="5" name="Picture 4">
+            <a:extLst>
+              <a:ext uri="{FF2B5EF4-FFF2-40B4-BE49-F238E27FC236}">
+                <a16:creationId xmlns:a16="http://schemas.microsoft.com/office/drawing/2014/main" id="{732541C3-750F-A756-A17F-D5C4193410E6}"/>
+              </a:ext>
+            </a:extLst>
+          </p:cNvPr>
+          <p:cNvPicPr>
+            <a:picLocks noChangeAspect="1"/>
+          </p:cNvPicPr>
+          <p:nvPr/>
+        </p:nvPicPr>
+        <p:blipFill>
+          <a:blip r:embed="rId4">
+            <a:extLst>
+              <a:ext uri="{28A0092B-C50C-407E-A947-70E740481C1C}">
+                <a14:useLocalDpi xmlns:a14="http://schemas.microsoft.com/office/drawing/2010/main" val="0"/>
+              </a:ext>
+            </a:extLst>
+          </a:blip>
+          <a:stretch>
+            <a:fillRect/>
+          </a:stretch>
+        </p:blipFill>
+        <p:spPr>
+          <a:xfrm>
+            <a:off x="1226733" y="1996439"/>
+            <a:ext cx="9738535" cy="4717561"/>
+          </a:xfrm>
+          <a:prstGeom prst="rect">
+            <a:avLst/>
+          </a:prstGeom>
+          <a:ln>
+            <a:solidFill>
+              <a:schemeClr val="bg2">
+                <a:lumMod val="75000"/>
+              </a:schemeClr>
+            </a:solidFill>
+          </a:ln>
+        </p:spPr>
+      </p:pic>
+    </p:spTree>
+    <p:extLst>
+      <p:ext uri="{BB962C8B-B14F-4D97-AF65-F5344CB8AC3E}">
+        <p14:creationId xmlns:p14="http://schemas.microsoft.com/office/powerpoint/2010/main" val="3671860354"/>
+      </p:ext>
+    </p:extLst>
+  </p:cSld>
+  <p:clrMapOvr>
+    <a:masterClrMapping/>
+  </p:clrMapOvr>
+  <mc:AlternateContent xmlns:mc="http://schemas.openxmlformats.org/markup-compatibility/2006" xmlns:p14="http://schemas.microsoft.com/office/powerpoint/2010/main">
+    <mc:Choice Requires="p14">
+      <p:transition spd="slow" p14:dur="2000" advClick="0" advTm="5000"/>
+    </mc:Choice>
+    <mc:Fallback xmlns="">
+      <p:transition spd="slow" advClick="0" advTm="5000"/>
+    </mc:Fallback>
+  </mc:AlternateContent>
+  <p:timing>
+    <p:tnLst>
+      <p:par>
+        <p:cTn id="1" dur="indefinite" restart="never" nodeType="tmRoot">
+          <p:childTnLst>
+            <p:seq concurrent="1" nextAc="seek">
+              <p:cTn id="2" dur="indefinite" nodeType="mainSeq">
+                <p:childTnLst>
+                  <p:par>
+                    <p:cTn id="3" fill="hold">
+                      <p:stCondLst>
+                        <p:cond delay="indefinite"/>
+                        <p:cond evt="onBegin" delay="0">
+                          <p:tn val="2"/>
+                        </p:cond>
+                      </p:stCondLst>
+                      <p:childTnLst>
+                        <p:par>
+                          <p:cTn id="4" fill="hold">
+                            <p:stCondLst>
+                              <p:cond delay="0"/>
+                            </p:stCondLst>
+                            <p:childTnLst>
+                              <p:par>
+                                <p:cTn id="5" presetID="1" presetClass="entr" presetSubtype="0" fill="hold" grpId="1" nodeType="withEffect">
+                                  <p:stCondLst>
+                                    <p:cond delay="0"/>
+                                  </p:stCondLst>
+                                  <p:childTnLst>
+                                    <p:set>
+                                      <p:cBhvr>
+                                        <p:cTn id="6" dur="1" fill="hold">
+                                          <p:stCondLst>
+                                            <p:cond delay="0"/>
+                                          </p:stCondLst>
+                                        </p:cTn>
+                                        <p:tgtEl>
+                                          <p:spTgt spid="6">
+                                            <p:txEl>
+                                              <p:pRg st="0" end="0"/>
+                                            </p:txEl>
+                                          </p:spTgt>
+                                        </p:tgtEl>
+                                        <p:attrNameLst>
+                                          <p:attrName>style.visibility</p:attrName>
+                                        </p:attrNameLst>
+                                      </p:cBhvr>
+                                      <p:to>
+                                        <p:strVal val="visible"/>
+                                      </p:to>
+                                    </p:set>
+                                  </p:childTnLst>
+                                </p:cTn>
+                              </p:par>
+                              <p:par>
+                                <p:cTn id="7" presetID="1" presetClass="entr" presetSubtype="0" fill="hold" nodeType="withEffect">
+                                  <p:stCondLst>
+                                    <p:cond delay="0"/>
+                                  </p:stCondLst>
+                                  <p:childTnLst>
+                                    <p:set>
+                                      <p:cBhvr>
+                                        <p:cTn id="8" dur="1" fill="hold">
+                                          <p:stCondLst>
+                                            <p:cond delay="0"/>
+                                          </p:stCondLst>
+                                        </p:cTn>
+                                        <p:tgtEl>
+                                          <p:spTgt spid="5"/>
+                                        </p:tgtEl>
+                                        <p:attrNameLst>
+                                          <p:attrName>style.visibility</p:attrName>
+                                        </p:attrNameLst>
+                                      </p:cBhvr>
+                                      <p:to>
+                                        <p:strVal val="visible"/>
+                                      </p:to>
+                                    </p:set>
+                                  </p:childTnLst>
+                                </p:cTn>
+                              </p:par>
+                            </p:childTnLst>
+                          </p:cTn>
+                        </p:par>
+                      </p:childTnLst>
+                    </p:cTn>
+                  </p:par>
+                </p:childTnLst>
+              </p:cTn>
+              <p:prevCondLst>
+                <p:cond evt="onPrev" delay="0">
+                  <p:tgtEl>
+                    <p:sldTgt/>
+                  </p:tgtEl>
+                </p:cond>
+              </p:prevCondLst>
+              <p:nextCondLst>
+                <p:cond evt="onNext" delay="0">
+                  <p:tgtEl>
+                    <p:sldTgt/>
+                  </p:tgtEl>
+                </p:cond>
+              </p:nextCondLst>
+            </p:seq>
+          </p:childTnLst>
+        </p:cTn>
+      </p:par>
+    </p:tnLst>
+    <p:bldLst>
+      <p:bldP spid="6" grpId="1" build="p"/>
+    </p:bldLst>
+  </p:timing>
+</p:sld>
+</file>
+
+<file path=ppt/slides/slide22.xml><?xml version="1.0" encoding="utf-8"?>
+<p:sld xmlns:a="http://schemas.openxmlformats.org/drawingml/2006/main" xmlns:r="http://schemas.openxmlformats.org/officeDocument/2006/relationships" xmlns:p="http://schemas.openxmlformats.org/presentationml/2006/main">
+  <p:cSld>
+    <p:spTree>
+      <p:nvGrpSpPr>
+        <p:cNvPr id="1" name=""/>
+        <p:cNvGrpSpPr/>
+        <p:nvPr/>
+      </p:nvGrpSpPr>
+      <p:grpSpPr>
+        <a:xfrm>
+          <a:off x="0" y="0"/>
+          <a:ext cx="0" cy="0"/>
+          <a:chOff x="0" y="0"/>
+          <a:chExt cx="0" cy="0"/>
+        </a:xfrm>
+      </p:grpSpPr>
+      <p:sp>
+        <p:nvSpPr>
+          <p:cNvPr id="9" name="Slide Number">
+            <a:extLst>
+              <a:ext uri="{FF2B5EF4-FFF2-40B4-BE49-F238E27FC236}">
+                <a16:creationId xmlns:a16="http://schemas.microsoft.com/office/drawing/2014/main" id="{8891F045-A272-4231-985A-53063F832AC8}"/>
+              </a:ext>
+            </a:extLst>
+          </p:cNvPr>
+          <p:cNvSpPr>
+            <a:spLocks noGrp="1"/>
+          </p:cNvSpPr>
+          <p:nvPr>
+            <p:ph type="sldNum" sz="quarter" idx="5"/>
+          </p:nvPr>
+        </p:nvSpPr>
         <p:spPr>
           <a:xfrm>
             <a:off x="11753030" y="6507000"/>
@@ -19210,7 +20052,7 @@
             <a:fld id="{2BF067CD-8E6B-4360-9AA8-C5DF2A48A6D1}" type="slidenum">
               <a:rPr lang="en-US" smtClean="0"/>
               <a:pPr/>
-              <a:t>21</a:t>
+              <a:t>22</a:t>
             </a:fld>
             <a:endParaRPr lang="en-US" dirty="0"/>
           </a:p>
@@ -19292,12 +20134,19 @@
           <a:prstGeom prst="rect">
             <a:avLst/>
           </a:prstGeom>
+          <a:ln>
+            <a:solidFill>
+              <a:schemeClr val="bg2">
+                <a:lumMod val="75000"/>
+              </a:schemeClr>
+            </a:solidFill>
+          </a:ln>
         </p:spPr>
       </p:pic>
     </p:spTree>
     <p:extLst>
       <p:ext uri="{BB962C8B-B14F-4D97-AF65-F5344CB8AC3E}">
-        <p14:creationId xmlns:p14="http://schemas.microsoft.com/office/powerpoint/2010/main" val="3671860354"/>
+        <p14:creationId xmlns:p14="http://schemas.microsoft.com/office/powerpoint/2010/main" val="3542876113"/>
       </p:ext>
     </p:extLst>
   </p:cSld>
@@ -19393,7 +20242,7 @@
 </p:sld>
 </file>
 
-<file path=ppt/slides/slide22.xml><?xml version="1.0" encoding="utf-8"?>
+<file path=ppt/slides/slide23.xml><?xml version="1.0" encoding="utf-8"?>
 <p:sld xmlns:a="http://schemas.openxmlformats.org/drawingml/2006/main" xmlns:r="http://schemas.openxmlformats.org/officeDocument/2006/relationships" xmlns:p="http://schemas.openxmlformats.org/presentationml/2006/main">
   <p:cSld>
     <p:spTree>
@@ -19443,7 +20292,7 @@
             <a:fld id="{2BF067CD-8E6B-4360-9AA8-C5DF2A48A6D1}" type="slidenum">
               <a:rPr lang="en-US" smtClean="0"/>
               <a:pPr/>
-              <a:t>22</a:t>
+              <a:t>23</a:t>
             </a:fld>
             <a:endParaRPr lang="en-US" dirty="0"/>
           </a:p>
@@ -19957,7 +20806,7 @@
 </p:sld>
 </file>
 
-<file path=ppt/slides/slide23.xml><?xml version="1.0" encoding="utf-8"?>
+<file path=ppt/slides/slide24.xml><?xml version="1.0" encoding="utf-8"?>
 <p:sld xmlns:a="http://schemas.openxmlformats.org/drawingml/2006/main" xmlns:r="http://schemas.openxmlformats.org/officeDocument/2006/relationships" xmlns:p="http://schemas.openxmlformats.org/presentationml/2006/main">
   <p:cSld>
     <p:spTree>
@@ -20007,7 +20856,7 @@
             <a:fld id="{2BF067CD-8E6B-4360-9AA8-C5DF2A48A6D1}" type="slidenum">
               <a:rPr lang="en-US" smtClean="0"/>
               <a:pPr/>
-              <a:t>23</a:t>
+              <a:t>24</a:t>
             </a:fld>
             <a:endParaRPr lang="en-US" dirty="0"/>
           </a:p>
@@ -20088,6 +20937,13 @@
           <a:prstGeom prst="rect">
             <a:avLst/>
           </a:prstGeom>
+          <a:ln>
+            <a:solidFill>
+              <a:schemeClr val="bg2">
+                <a:lumMod val="75000"/>
+              </a:schemeClr>
+            </a:solidFill>
+          </a:ln>
         </p:spPr>
       </p:pic>
     </p:spTree>
@@ -20189,7 +21045,7 @@
 </p:sld>
 </file>
 
-<file path=ppt/slides/slide24.xml><?xml version="1.0" encoding="utf-8"?>
+<file path=ppt/slides/slide25.xml><?xml version="1.0" encoding="utf-8"?>
 <p:sld xmlns:a="http://schemas.openxmlformats.org/drawingml/2006/main" xmlns:r="http://schemas.openxmlformats.org/officeDocument/2006/relationships" xmlns:p="http://schemas.openxmlformats.org/presentationml/2006/main">
   <p:cSld>
     <p:spTree>
@@ -20239,7 +21095,7 @@
             <a:fld id="{2BF067CD-8E6B-4360-9AA8-C5DF2A48A6D1}" type="slidenum">
               <a:rPr lang="en-US" smtClean="0"/>
               <a:pPr/>
-              <a:t>24</a:t>
+              <a:t>25</a:t>
             </a:fld>
             <a:endParaRPr lang="en-US" dirty="0"/>
           </a:p>
@@ -20740,7 +21596,7 @@
 </p:sld>
 </file>
 
-<file path=ppt/slides/slide25.xml><?xml version="1.0" encoding="utf-8"?>
+<file path=ppt/slides/slide26.xml><?xml version="1.0" encoding="utf-8"?>
 <p:sld xmlns:a="http://schemas.openxmlformats.org/drawingml/2006/main" xmlns:r="http://schemas.openxmlformats.org/officeDocument/2006/relationships" xmlns:p="http://schemas.openxmlformats.org/presentationml/2006/main">
   <p:cSld>
     <p:spTree>
@@ -20790,7 +21646,7 @@
             <a:fld id="{2BF067CD-8E6B-4360-9AA8-C5DF2A48A6D1}" type="slidenum">
               <a:rPr lang="en-US" smtClean="0"/>
               <a:pPr/>
-              <a:t>25</a:t>
+              <a:t>26</a:t>
             </a:fld>
             <a:endParaRPr lang="en-US" dirty="0"/>
           </a:p>
@@ -20871,6 +21727,13 @@
           <a:prstGeom prst="rect">
             <a:avLst/>
           </a:prstGeom>
+          <a:ln>
+            <a:solidFill>
+              <a:schemeClr val="bg2">
+                <a:lumMod val="75000"/>
+              </a:schemeClr>
+            </a:solidFill>
+          </a:ln>
         </p:spPr>
       </p:pic>
     </p:spTree>
@@ -20972,7 +21835,7 @@
 </p:sld>
 </file>
 
-<file path=ppt/slides/slide26.xml><?xml version="1.0" encoding="utf-8"?>
+<file path=ppt/slides/slide27.xml><?xml version="1.0" encoding="utf-8"?>
 <p:sld xmlns:a="http://schemas.openxmlformats.org/drawingml/2006/main" xmlns:r="http://schemas.openxmlformats.org/officeDocument/2006/relationships" xmlns:p="http://schemas.openxmlformats.org/presentationml/2006/main">
   <p:cSld>
     <p:spTree>
@@ -21022,7 +21885,7 @@
             <a:fld id="{2BF067CD-8E6B-4360-9AA8-C5DF2A48A6D1}" type="slidenum">
               <a:rPr lang="en-US" smtClean="0"/>
               <a:pPr/>
-              <a:t>26</a:t>
+              <a:t>27</a:t>
             </a:fld>
             <a:endParaRPr lang="en-US" dirty="0"/>
           </a:p>
@@ -21495,7 +22358,7 @@
 </p:sld>
 </file>
 
-<file path=ppt/slides/slide27.xml><?xml version="1.0" encoding="utf-8"?>
+<file path=ppt/slides/slide28.xml><?xml version="1.0" encoding="utf-8"?>
 <p:sld xmlns:a="http://schemas.openxmlformats.org/drawingml/2006/main" xmlns:r="http://schemas.openxmlformats.org/officeDocument/2006/relationships" xmlns:p="http://schemas.openxmlformats.org/presentationml/2006/main">
   <p:cSld>
     <p:spTree>
@@ -21545,7 +22408,7 @@
             <a:fld id="{2BF067CD-8E6B-4360-9AA8-C5DF2A48A6D1}" type="slidenum">
               <a:rPr lang="en-US" smtClean="0"/>
               <a:pPr/>
-              <a:t>27</a:t>
+              <a:t>28</a:t>
             </a:fld>
             <a:endParaRPr lang="en-US" dirty="0"/>
           </a:p>
@@ -21626,6 +22489,13 @@
           <a:prstGeom prst="rect">
             <a:avLst/>
           </a:prstGeom>
+          <a:ln>
+            <a:solidFill>
+              <a:schemeClr val="bg2">
+                <a:lumMod val="75000"/>
+              </a:schemeClr>
+            </a:solidFill>
+          </a:ln>
         </p:spPr>
       </p:pic>
     </p:spTree>
@@ -21727,7 +22597,7 @@
 </p:sld>
 </file>
 
-<file path=ppt/slides/slide28.xml><?xml version="1.0" encoding="utf-8"?>
+<file path=ppt/slides/slide29.xml><?xml version="1.0" encoding="utf-8"?>
 <p:sld xmlns:a="http://schemas.openxmlformats.org/drawingml/2006/main" xmlns:r="http://schemas.openxmlformats.org/officeDocument/2006/relationships" xmlns:p="http://schemas.openxmlformats.org/presentationml/2006/main">
   <p:cSld>
     <p:spTree>
@@ -21777,7 +22647,7 @@
             <a:fld id="{2BF067CD-8E6B-4360-9AA8-C5DF2A48A6D1}" type="slidenum">
               <a:rPr lang="en-US" smtClean="0"/>
               <a:pPr/>
-              <a:t>28</a:t>
+              <a:t>29</a:t>
             </a:fld>
             <a:endParaRPr lang="en-US" dirty="0"/>
           </a:p>
@@ -21963,7 +22833,13 @@
               <a:rPr lang="bg-BG" dirty="0"/>
               <a:t>системи:</a:t>
             </a:r>
-            <a:endParaRPr lang="en-US" dirty="0"/>
+          </a:p>
+          <a:p>
+            <a:pPr lvl="1"/>
+            <a:r>
+              <a:rPr lang="en-US" dirty="0"/>
+              <a:t>Shkolo</a:t>
+            </a:r>
           </a:p>
           <a:p>
             <a:pPr lvl="1"/>
@@ -22183,15 +23059,33 @@
                                   </p:childTnLst>
                                 </p:cTn>
                               </p:par>
+                            </p:childTnLst>
+                          </p:cTn>
+                        </p:par>
+                      </p:childTnLst>
+                    </p:cTn>
+                  </p:par>
+                  <p:par>
+                    <p:cTn id="15" fill="hold">
+                      <p:stCondLst>
+                        <p:cond delay="indefinite"/>
+                      </p:stCondLst>
+                      <p:childTnLst>
+                        <p:par>
+                          <p:cTn id="16" fill="hold">
+                            <p:stCondLst>
+                              <p:cond delay="0"/>
+                            </p:stCondLst>
+                            <p:childTnLst>
                               <p:par>
-                                <p:cTn id="15" presetID="1" presetClass="entr" presetSubtype="0" fill="hold" nodeType="withEffect">
+                                <p:cTn id="17" presetID="1" presetClass="entr" presetSubtype="0" fill="hold" nodeType="clickEffect">
                                   <p:stCondLst>
                                     <p:cond delay="0"/>
                                   </p:stCondLst>
                                   <p:childTnLst>
                                     <p:set>
                                       <p:cBhvr>
-                                        <p:cTn id="16" dur="1" fill="hold">
+                                        <p:cTn id="18" dur="1" fill="hold">
                                           <p:stCondLst>
                                             <p:cond delay="0"/>
                                           </p:stCondLst>
@@ -22215,14 +23109,14 @@
                                 </p:cTn>
                               </p:par>
                               <p:par>
-                                <p:cTn id="17" presetID="1" presetClass="entr" presetSubtype="0" fill="hold" nodeType="withEffect">
+                                <p:cTn id="19" presetID="1" presetClass="entr" presetSubtype="0" fill="hold" nodeType="withEffect">
                                   <p:stCondLst>
                                     <p:cond delay="0"/>
                                   </p:stCondLst>
                                   <p:childTnLst>
                                     <p:set>
                                       <p:cBhvr>
-                                        <p:cTn id="18" dur="1" fill="hold">
+                                        <p:cTn id="20" dur="1" fill="hold">
                                           <p:stCondLst>
                                             <p:cond delay="0"/>
                                           </p:stCondLst>
@@ -22231,6 +23125,37 @@
                                           <p:spTgt spid="7">
                                             <p:txEl>
                                               <p:pRg st="4" end="4"/>
+                                            </p:txEl>
+                                          </p:spTgt>
+                                        </p:tgtEl>
+                                        <p:attrNameLst>
+                                          <p:attrName>style.visibility</p:attrName>
+                                        </p:attrNameLst>
+                                      </p:cBhvr>
+                                      <p:to>
+                                        <p:strVal val="visible"/>
+                                      </p:to>
+                                    </p:set>
+                                  </p:childTnLst>
+                                </p:cTn>
+                              </p:par>
+                              <p:par>
+                                <p:cTn id="21" presetID="1" presetClass="entr" presetSubtype="0" fill="hold" nodeType="withEffect">
+                                  <p:stCondLst>
+                                    <p:cond delay="0"/>
+                                  </p:stCondLst>
+                                  <p:childTnLst>
+                                    <p:set>
+                                      <p:cBhvr>
+                                        <p:cTn id="22" dur="1" fill="hold">
+                                          <p:stCondLst>
+                                            <p:cond delay="0"/>
+                                          </p:stCondLst>
+                                        </p:cTn>
+                                        <p:tgtEl>
+                                          <p:spTgt spid="7">
+                                            <p:txEl>
+                                              <p:pRg st="5" end="5"/>
                                             </p:txEl>
                                           </p:spTgt>
                                         </p:tgtEl>
@@ -22276,7 +23201,7 @@
 </p:sld>
 </file>
 
-<file path=ppt/slides/slide29.xml><?xml version="1.0" encoding="utf-8"?>
+<file path=ppt/slides/slide3.xml><?xml version="1.0" encoding="utf-8"?>
 <p:sld xmlns:a="http://schemas.openxmlformats.org/drawingml/2006/main" xmlns:r="http://schemas.openxmlformats.org/officeDocument/2006/relationships" xmlns:p="http://schemas.openxmlformats.org/presentationml/2006/main">
   <p:cSld>
     <p:spTree>
@@ -22295,6 +23220,145 @@
       </p:grpSpPr>
       <p:sp>
         <p:nvSpPr>
+          <p:cNvPr id="4" name="Slide Subtitle">
+            <a:extLst>
+              <a:ext uri="{FF2B5EF4-FFF2-40B4-BE49-F238E27FC236}">
+                <a16:creationId xmlns:a16="http://schemas.microsoft.com/office/drawing/2014/main" id="{BEB5BB41-09D4-4E9F-8C80-EE8709171CB3}"/>
+              </a:ext>
+            </a:extLst>
+          </p:cNvPr>
+          <p:cNvSpPr>
+            <a:spLocks noGrp="1"/>
+          </p:cNvSpPr>
+          <p:nvPr>
+            <p:ph type="subTitle" sz="quarter" idx="11"/>
+          </p:nvPr>
+        </p:nvSpPr>
+        <p:spPr/>
+        <p:txBody>
+          <a:bodyPr/>
+          <a:lstStyle/>
+          <a:p>
+            <a:r>
+              <a:rPr lang="bg-BG" dirty="0"/>
+              <a:t>Дефиниция и роля</a:t>
+            </a:r>
+            <a:r>
+              <a:rPr lang="en-US" dirty="0"/>
+              <a:t> </a:t>
+            </a:r>
+            <a:r>
+              <a:rPr lang="bg-BG" dirty="0"/>
+              <a:t>в съвременния свят</a:t>
+            </a:r>
+          </a:p>
+        </p:txBody>
+      </p:sp>
+      <p:sp>
+        <p:nvSpPr>
+          <p:cNvPr id="6" name="Slide Title">
+            <a:extLst>
+              <a:ext uri="{FF2B5EF4-FFF2-40B4-BE49-F238E27FC236}">
+                <a16:creationId xmlns:a16="http://schemas.microsoft.com/office/drawing/2014/main" id="{028D9EA3-B5E0-4F17-9467-4BE3C280DA68}"/>
+              </a:ext>
+            </a:extLst>
+          </p:cNvPr>
+          <p:cNvSpPr>
+            <a:spLocks noGrp="1"/>
+          </p:cNvSpPr>
+          <p:nvPr>
+            <p:ph type="title" sz="quarter" idx="10"/>
+          </p:nvPr>
+        </p:nvSpPr>
+        <p:spPr/>
+        <p:txBody>
+          <a:bodyPr/>
+          <a:lstStyle/>
+          <a:p>
+            <a:r>
+              <a:rPr lang="bg-BG" dirty="0"/>
+              <a:t>Информационни системи</a:t>
+            </a:r>
+            <a:endParaRPr lang="en-US" dirty="0"/>
+          </a:p>
+        </p:txBody>
+      </p:sp>
+      <p:pic>
+        <p:nvPicPr>
+          <p:cNvPr id="7" name="Picture 6">
+            <a:extLst>
+              <a:ext uri="{FF2B5EF4-FFF2-40B4-BE49-F238E27FC236}">
+                <a16:creationId xmlns:a16="http://schemas.microsoft.com/office/drawing/2014/main" id="{C2BCA4A2-F391-6709-4304-1C6DDE4C2F4F}"/>
+              </a:ext>
+            </a:extLst>
+          </p:cNvPr>
+          <p:cNvPicPr>
+            <a:picLocks noChangeAspect="1"/>
+          </p:cNvPicPr>
+          <p:nvPr/>
+        </p:nvPicPr>
+        <p:blipFill>
+          <a:blip r:embed="rId3">
+            <a:extLst>
+              <a:ext uri="{28A0092B-C50C-407E-A947-70E740481C1C}">
+                <a14:useLocalDpi xmlns:a14="http://schemas.microsoft.com/office/drawing/2010/main" val="0"/>
+              </a:ext>
+            </a:extLst>
+          </a:blip>
+          <a:stretch>
+            <a:fillRect/>
+          </a:stretch>
+        </p:blipFill>
+        <p:spPr>
+          <a:xfrm>
+            <a:off x="4071000" y="541818"/>
+            <a:ext cx="4050000" cy="4050000"/>
+          </a:xfrm>
+          <a:prstGeom prst="rect">
+            <a:avLst/>
+          </a:prstGeom>
+        </p:spPr>
+      </p:pic>
+    </p:spTree>
+    <p:extLst>
+      <p:ext uri="{BB962C8B-B14F-4D97-AF65-F5344CB8AC3E}">
+        <p14:creationId xmlns:p14="http://schemas.microsoft.com/office/powerpoint/2010/main" val="882194472"/>
+      </p:ext>
+    </p:extLst>
+  </p:cSld>
+  <p:clrMapOvr>
+    <a:masterClrMapping/>
+  </p:clrMapOvr>
+  <mc:AlternateContent xmlns:mc="http://schemas.openxmlformats.org/markup-compatibility/2006" xmlns:p14="http://schemas.microsoft.com/office/powerpoint/2010/main">
+    <mc:Choice Requires="p14">
+      <p:transition spd="slow" p14:dur="2000" advClick="0" advTm="5000"/>
+    </mc:Choice>
+    <mc:Fallback xmlns="">
+      <p:transition spd="slow" advClick="0" advTm="5000"/>
+    </mc:Fallback>
+  </mc:AlternateContent>
+</p:sld>
+</file>
+
+<file path=ppt/slides/slide30.xml><?xml version="1.0" encoding="utf-8"?>
+<p:sld xmlns:a="http://schemas.openxmlformats.org/drawingml/2006/main" xmlns:r="http://schemas.openxmlformats.org/officeDocument/2006/relationships" xmlns:p="http://schemas.openxmlformats.org/presentationml/2006/main">
+  <p:cSld>
+    <p:spTree>
+      <p:nvGrpSpPr>
+        <p:cNvPr id="1" name=""/>
+        <p:cNvGrpSpPr/>
+        <p:nvPr/>
+      </p:nvGrpSpPr>
+      <p:grpSpPr>
+        <a:xfrm>
+          <a:off x="0" y="0"/>
+          <a:ext cx="0" cy="0"/>
+          <a:chOff x="0" y="0"/>
+          <a:chExt cx="0" cy="0"/>
+        </a:xfrm>
+      </p:grpSpPr>
+      <p:sp>
+        <p:nvSpPr>
           <p:cNvPr id="9" name="Slide Number">
             <a:extLst>
               <a:ext uri="{FF2B5EF4-FFF2-40B4-BE49-F238E27FC236}">
@@ -22309,6 +23373,289 @@
             <p:ph type="sldNum" sz="quarter" idx="5"/>
           </p:nvPr>
         </p:nvSpPr>
+        <p:spPr/>
+        <p:txBody>
+          <a:bodyPr vert="horz" lIns="91440" tIns="45720" rIns="91440" bIns="45720" rtlCol="0" anchor="b"/>
+          <a:lstStyle>
+            <a:lvl1pPr algn="r">
+              <a:defRPr sz="1000"/>
+            </a:lvl1pPr>
+          </a:lstStyle>
+          <a:p>
+            <a:fld id="{2BF067CD-8E6B-4360-9AA8-C5DF2A48A6D1}" type="slidenum">
+              <a:rPr lang="en-US" smtClean="0"/>
+              <a:pPr/>
+              <a:t>30</a:t>
+            </a:fld>
+            <a:endParaRPr lang="en-US" dirty="0"/>
+          </a:p>
+        </p:txBody>
+      </p:sp>
+      <p:sp>
+        <p:nvSpPr>
+          <p:cNvPr id="2" name="Text Placeholder 1">
+            <a:extLst>
+              <a:ext uri="{FF2B5EF4-FFF2-40B4-BE49-F238E27FC236}">
+                <a16:creationId xmlns:a16="http://schemas.microsoft.com/office/drawing/2014/main" id="{340137A1-655A-4D80-E1F5-38890A85B16A}"/>
+              </a:ext>
+            </a:extLst>
+          </p:cNvPr>
+          <p:cNvSpPr>
+            <a:spLocks noGrp="1"/>
+          </p:cNvSpPr>
+          <p:nvPr>
+            <p:ph type="body" sz="quarter" idx="10"/>
+          </p:nvPr>
+        </p:nvSpPr>
+        <p:spPr/>
+        <p:txBody>
+          <a:bodyPr/>
+          <a:lstStyle/>
+          <a:p>
+            <a:r>
+              <a:rPr lang="en-BG" dirty="0">
+                <a:hlinkClick r:id="rId3"/>
+              </a:rPr>
+              <a:t>shkolo.bg</a:t>
+            </a:r>
+            <a:endParaRPr lang="en-BG" dirty="0"/>
+          </a:p>
+        </p:txBody>
+      </p:sp>
+      <p:sp>
+        <p:nvSpPr>
+          <p:cNvPr id="4" name="Slide Title"/>
+          <p:cNvSpPr>
+            <a:spLocks noGrp="1"/>
+          </p:cNvSpPr>
+          <p:nvPr>
+            <p:ph type="title"/>
+          </p:nvPr>
+        </p:nvSpPr>
+        <p:spPr/>
+        <p:txBody>
+          <a:bodyPr/>
+          <a:lstStyle/>
+          <a:p>
+            <a:r>
+              <a:rPr lang="bg-BG" dirty="0"/>
+              <a:t>Пример за </a:t>
+            </a:r>
+            <a:r>
+              <a:rPr lang="en-US" dirty="0"/>
+              <a:t>LMS - Shkolo</a:t>
+            </a:r>
+          </a:p>
+        </p:txBody>
+      </p:sp>
+      <p:pic>
+        <p:nvPicPr>
+          <p:cNvPr id="6" name="Picture 5">
+            <a:extLst>
+              <a:ext uri="{FF2B5EF4-FFF2-40B4-BE49-F238E27FC236}">
+                <a16:creationId xmlns:a16="http://schemas.microsoft.com/office/drawing/2014/main" id="{8E4C47DA-37D8-09EA-93BC-A767435E09BE}"/>
+              </a:ext>
+            </a:extLst>
+          </p:cNvPr>
+          <p:cNvPicPr>
+            <a:picLocks noChangeAspect="1"/>
+          </p:cNvPicPr>
+          <p:nvPr/>
+        </p:nvPicPr>
+        <p:blipFill>
+          <a:blip r:embed="rId4">
+            <a:extLst>
+              <a:ext uri="{28A0092B-C50C-407E-A947-70E740481C1C}">
+                <a14:useLocalDpi xmlns:a14="http://schemas.microsoft.com/office/drawing/2010/main" val="0"/>
+              </a:ext>
+            </a:extLst>
+          </a:blip>
+          <a:srcRect/>
+          <a:stretch/>
+        </p:blipFill>
+        <p:spPr>
+          <a:xfrm>
+            <a:off x="1747223" y="1918442"/>
+            <a:ext cx="8697554" cy="4480558"/>
+          </a:xfrm>
+          <a:prstGeom prst="rect">
+            <a:avLst/>
+          </a:prstGeom>
+          <a:ln>
+            <a:solidFill>
+              <a:schemeClr val="bg2">
+                <a:lumMod val="75000"/>
+              </a:schemeClr>
+            </a:solidFill>
+          </a:ln>
+        </p:spPr>
+      </p:pic>
+    </p:spTree>
+    <p:extLst>
+      <p:ext uri="{BB962C8B-B14F-4D97-AF65-F5344CB8AC3E}">
+        <p14:creationId xmlns:p14="http://schemas.microsoft.com/office/powerpoint/2010/main" val="1630527902"/>
+      </p:ext>
+    </p:extLst>
+  </p:cSld>
+  <p:clrMapOvr>
+    <a:masterClrMapping/>
+  </p:clrMapOvr>
+  <mc:AlternateContent xmlns:mc="http://schemas.openxmlformats.org/markup-compatibility/2006" xmlns:p14="http://schemas.microsoft.com/office/powerpoint/2010/main">
+    <mc:Choice Requires="p14">
+      <p:transition spd="slow" p14:dur="2000" advClick="0" advTm="5000"/>
+    </mc:Choice>
+    <mc:Fallback xmlns="">
+      <p:transition spd="slow" advClick="0" advTm="5000"/>
+    </mc:Fallback>
+  </mc:AlternateContent>
+  <p:timing>
+    <p:tnLst>
+      <p:par>
+        <p:cTn id="1" dur="indefinite" restart="never" nodeType="tmRoot">
+          <p:childTnLst>
+            <p:seq concurrent="1" nextAc="seek">
+              <p:cTn id="2" dur="indefinite" nodeType="mainSeq">
+                <p:childTnLst>
+                  <p:par>
+                    <p:cTn id="3" fill="hold">
+                      <p:stCondLst>
+                        <p:cond delay="indefinite"/>
+                        <p:cond evt="onBegin" delay="0">
+                          <p:tn val="2"/>
+                        </p:cond>
+                      </p:stCondLst>
+                      <p:childTnLst>
+                        <p:par>
+                          <p:cTn id="4" fill="hold">
+                            <p:stCondLst>
+                              <p:cond delay="0"/>
+                            </p:stCondLst>
+                            <p:childTnLst>
+                              <p:par>
+                                <p:cTn id="5" presetID="1" presetClass="entr" presetSubtype="0" fill="hold" grpId="0" nodeType="withEffect">
+                                  <p:stCondLst>
+                                    <p:cond delay="0"/>
+                                  </p:stCondLst>
+                                  <p:childTnLst>
+                                    <p:set>
+                                      <p:cBhvr>
+                                        <p:cTn id="6" dur="1" fill="hold">
+                                          <p:stCondLst>
+                                            <p:cond delay="0"/>
+                                          </p:stCondLst>
+                                        </p:cTn>
+                                        <p:tgtEl>
+                                          <p:spTgt spid="2">
+                                            <p:txEl>
+                                              <p:pRg st="0" end="0"/>
+                                            </p:txEl>
+                                          </p:spTgt>
+                                        </p:tgtEl>
+                                        <p:attrNameLst>
+                                          <p:attrName>style.visibility</p:attrName>
+                                        </p:attrNameLst>
+                                      </p:cBhvr>
+                                      <p:to>
+                                        <p:strVal val="visible"/>
+                                      </p:to>
+                                    </p:set>
+                                  </p:childTnLst>
+                                </p:cTn>
+                              </p:par>
+                              <p:par>
+                                <p:cTn id="7" presetID="1" presetClass="entr" presetSubtype="0" fill="hold" nodeType="withEffect">
+                                  <p:stCondLst>
+                                    <p:cond delay="0"/>
+                                  </p:stCondLst>
+                                  <p:childTnLst>
+                                    <p:set>
+                                      <p:cBhvr>
+                                        <p:cTn id="8" dur="1" fill="hold">
+                                          <p:stCondLst>
+                                            <p:cond delay="0"/>
+                                          </p:stCondLst>
+                                        </p:cTn>
+                                        <p:tgtEl>
+                                          <p:spTgt spid="6"/>
+                                        </p:tgtEl>
+                                        <p:attrNameLst>
+                                          <p:attrName>style.visibility</p:attrName>
+                                        </p:attrNameLst>
+                                      </p:cBhvr>
+                                      <p:to>
+                                        <p:strVal val="visible"/>
+                                      </p:to>
+                                    </p:set>
+                                  </p:childTnLst>
+                                </p:cTn>
+                              </p:par>
+                            </p:childTnLst>
+                          </p:cTn>
+                        </p:par>
+                      </p:childTnLst>
+                    </p:cTn>
+                  </p:par>
+                </p:childTnLst>
+              </p:cTn>
+              <p:prevCondLst>
+                <p:cond evt="onPrev" delay="0">
+                  <p:tgtEl>
+                    <p:sldTgt/>
+                  </p:tgtEl>
+                </p:cond>
+              </p:prevCondLst>
+              <p:nextCondLst>
+                <p:cond evt="onNext" delay="0">
+                  <p:tgtEl>
+                    <p:sldTgt/>
+                  </p:tgtEl>
+                </p:cond>
+              </p:nextCondLst>
+            </p:seq>
+          </p:childTnLst>
+        </p:cTn>
+      </p:par>
+    </p:tnLst>
+    <p:bldLst>
+      <p:bldP spid="2" grpId="0" build="p"/>
+    </p:bldLst>
+  </p:timing>
+</p:sld>
+</file>
+
+<file path=ppt/slides/slide31.xml><?xml version="1.0" encoding="utf-8"?>
+<p:sld xmlns:a="http://schemas.openxmlformats.org/drawingml/2006/main" xmlns:r="http://schemas.openxmlformats.org/officeDocument/2006/relationships" xmlns:p="http://schemas.openxmlformats.org/presentationml/2006/main">
+  <p:cSld>
+    <p:spTree>
+      <p:nvGrpSpPr>
+        <p:cNvPr id="1" name=""/>
+        <p:cNvGrpSpPr/>
+        <p:nvPr/>
+      </p:nvGrpSpPr>
+      <p:grpSpPr>
+        <a:xfrm>
+          <a:off x="0" y="0"/>
+          <a:ext cx="0" cy="0"/>
+          <a:chOff x="0" y="0"/>
+          <a:chExt cx="0" cy="0"/>
+        </a:xfrm>
+      </p:grpSpPr>
+      <p:sp>
+        <p:nvSpPr>
+          <p:cNvPr id="9" name="Slide Number">
+            <a:extLst>
+              <a:ext uri="{FF2B5EF4-FFF2-40B4-BE49-F238E27FC236}">
+                <a16:creationId xmlns:a16="http://schemas.microsoft.com/office/drawing/2014/main" id="{8891F045-A272-4231-985A-53063F832AC8}"/>
+              </a:ext>
+            </a:extLst>
+          </p:cNvPr>
+          <p:cNvSpPr>
+            <a:spLocks noGrp="1"/>
+          </p:cNvSpPr>
+          <p:nvPr>
+            <p:ph type="sldNum" sz="quarter" idx="5"/>
+          </p:nvPr>
+        </p:nvSpPr>
         <p:spPr>
           <a:xfrm>
             <a:off x="11753030" y="6507000"/>
@@ -22326,7 +23673,7 @@
             <a:fld id="{2BF067CD-8E6B-4360-9AA8-C5DF2A48A6D1}" type="slidenum">
               <a:rPr lang="en-US" smtClean="0"/>
               <a:pPr/>
-              <a:t>29</a:t>
+              <a:t>31</a:t>
             </a:fld>
             <a:endParaRPr lang="en-US" dirty="0"/>
           </a:p>
@@ -22397,12 +23744,19 @@
           <a:prstGeom prst="rect">
             <a:avLst/>
           </a:prstGeom>
+          <a:ln>
+            <a:solidFill>
+              <a:schemeClr val="bg2">
+                <a:lumMod val="75000"/>
+              </a:schemeClr>
+            </a:solidFill>
+          </a:ln>
         </p:spPr>
       </p:pic>
     </p:spTree>
     <p:extLst>
       <p:ext uri="{BB962C8B-B14F-4D97-AF65-F5344CB8AC3E}">
-        <p14:creationId xmlns:p14="http://schemas.microsoft.com/office/powerpoint/2010/main" val="1630527902"/>
+        <p14:creationId xmlns:p14="http://schemas.microsoft.com/office/powerpoint/2010/main" val="3689450135"/>
       </p:ext>
     </p:extLst>
   </p:cSld>
@@ -22498,7 +23852,7 @@
 </p:sld>
 </file>
 
-<file path=ppt/slides/slide3.xml><?xml version="1.0" encoding="utf-8"?>
+<file path=ppt/slides/slide32.xml><?xml version="1.0" encoding="utf-8"?>
 <p:sld xmlns:a="http://schemas.openxmlformats.org/drawingml/2006/main" xmlns:r="http://schemas.openxmlformats.org/officeDocument/2006/relationships" xmlns:p="http://schemas.openxmlformats.org/presentationml/2006/main">
   <p:cSld>
     <p:spTree>
@@ -22517,145 +23871,6 @@
       </p:grpSpPr>
       <p:sp>
         <p:nvSpPr>
-          <p:cNvPr id="4" name="Slide Subtitle">
-            <a:extLst>
-              <a:ext uri="{FF2B5EF4-FFF2-40B4-BE49-F238E27FC236}">
-                <a16:creationId xmlns:a16="http://schemas.microsoft.com/office/drawing/2014/main" id="{BEB5BB41-09D4-4E9F-8C80-EE8709171CB3}"/>
-              </a:ext>
-            </a:extLst>
-          </p:cNvPr>
-          <p:cNvSpPr>
-            <a:spLocks noGrp="1"/>
-          </p:cNvSpPr>
-          <p:nvPr>
-            <p:ph type="subTitle" sz="quarter" idx="11"/>
-          </p:nvPr>
-        </p:nvSpPr>
-        <p:spPr/>
-        <p:txBody>
-          <a:bodyPr/>
-          <a:lstStyle/>
-          <a:p>
-            <a:r>
-              <a:rPr lang="bg-BG" dirty="0"/>
-              <a:t>Дефиниция и роля</a:t>
-            </a:r>
-            <a:r>
-              <a:rPr lang="en-US" dirty="0"/>
-              <a:t> </a:t>
-            </a:r>
-            <a:r>
-              <a:rPr lang="bg-BG" dirty="0"/>
-              <a:t>в съвременния свят</a:t>
-            </a:r>
-          </a:p>
-        </p:txBody>
-      </p:sp>
-      <p:sp>
-        <p:nvSpPr>
-          <p:cNvPr id="6" name="Slide Title">
-            <a:extLst>
-              <a:ext uri="{FF2B5EF4-FFF2-40B4-BE49-F238E27FC236}">
-                <a16:creationId xmlns:a16="http://schemas.microsoft.com/office/drawing/2014/main" id="{028D9EA3-B5E0-4F17-9467-4BE3C280DA68}"/>
-              </a:ext>
-            </a:extLst>
-          </p:cNvPr>
-          <p:cNvSpPr>
-            <a:spLocks noGrp="1"/>
-          </p:cNvSpPr>
-          <p:nvPr>
-            <p:ph type="title" sz="quarter" idx="10"/>
-          </p:nvPr>
-        </p:nvSpPr>
-        <p:spPr/>
-        <p:txBody>
-          <a:bodyPr/>
-          <a:lstStyle/>
-          <a:p>
-            <a:r>
-              <a:rPr lang="bg-BG" dirty="0"/>
-              <a:t>Информационни системи</a:t>
-            </a:r>
-            <a:endParaRPr lang="en-US" dirty="0"/>
-          </a:p>
-        </p:txBody>
-      </p:sp>
-      <p:pic>
-        <p:nvPicPr>
-          <p:cNvPr id="7" name="Picture 6">
-            <a:extLst>
-              <a:ext uri="{FF2B5EF4-FFF2-40B4-BE49-F238E27FC236}">
-                <a16:creationId xmlns:a16="http://schemas.microsoft.com/office/drawing/2014/main" id="{C2BCA4A2-F391-6709-4304-1C6DDE4C2F4F}"/>
-              </a:ext>
-            </a:extLst>
-          </p:cNvPr>
-          <p:cNvPicPr>
-            <a:picLocks noChangeAspect="1"/>
-          </p:cNvPicPr>
-          <p:nvPr/>
-        </p:nvPicPr>
-        <p:blipFill>
-          <a:blip r:embed="rId3">
-            <a:extLst>
-              <a:ext uri="{28A0092B-C50C-407E-A947-70E740481C1C}">
-                <a14:useLocalDpi xmlns:a14="http://schemas.microsoft.com/office/drawing/2010/main" val="0"/>
-              </a:ext>
-            </a:extLst>
-          </a:blip>
-          <a:stretch>
-            <a:fillRect/>
-          </a:stretch>
-        </p:blipFill>
-        <p:spPr>
-          <a:xfrm>
-            <a:off x="4071000" y="541818"/>
-            <a:ext cx="4050000" cy="4050000"/>
-          </a:xfrm>
-          <a:prstGeom prst="rect">
-            <a:avLst/>
-          </a:prstGeom>
-        </p:spPr>
-      </p:pic>
-    </p:spTree>
-    <p:extLst>
-      <p:ext uri="{BB962C8B-B14F-4D97-AF65-F5344CB8AC3E}">
-        <p14:creationId xmlns:p14="http://schemas.microsoft.com/office/powerpoint/2010/main" val="882194472"/>
-      </p:ext>
-    </p:extLst>
-  </p:cSld>
-  <p:clrMapOvr>
-    <a:masterClrMapping/>
-  </p:clrMapOvr>
-  <mc:AlternateContent xmlns:mc="http://schemas.openxmlformats.org/markup-compatibility/2006" xmlns:p14="http://schemas.microsoft.com/office/powerpoint/2010/main">
-    <mc:Choice Requires="p14">
-      <p:transition spd="slow" p14:dur="2000" advClick="0" advTm="5000"/>
-    </mc:Choice>
-    <mc:Fallback xmlns="">
-      <p:transition spd="slow" advClick="0" advTm="5000"/>
-    </mc:Fallback>
-  </mc:AlternateContent>
-</p:sld>
-</file>
-
-<file path=ppt/slides/slide30.xml><?xml version="1.0" encoding="utf-8"?>
-<p:sld xmlns:a="http://schemas.openxmlformats.org/drawingml/2006/main" xmlns:r="http://schemas.openxmlformats.org/officeDocument/2006/relationships" xmlns:p="http://schemas.openxmlformats.org/presentationml/2006/main">
-  <p:cSld>
-    <p:spTree>
-      <p:nvGrpSpPr>
-        <p:cNvPr id="1" name=""/>
-        <p:cNvGrpSpPr/>
-        <p:nvPr/>
-      </p:nvGrpSpPr>
-      <p:grpSpPr>
-        <a:xfrm>
-          <a:off x="0" y="0"/>
-          <a:ext cx="0" cy="0"/>
-          <a:chOff x="0" y="0"/>
-          <a:chExt cx="0" cy="0"/>
-        </a:xfrm>
-      </p:grpSpPr>
-      <p:sp>
-        <p:nvSpPr>
           <p:cNvPr id="9" name="Slide Number">
             <a:extLst>
               <a:ext uri="{FF2B5EF4-FFF2-40B4-BE49-F238E27FC236}">
@@ -22687,7 +23902,7 @@
             <a:fld id="{2BF067CD-8E6B-4360-9AA8-C5DF2A48A6D1}" type="slidenum">
               <a:rPr lang="en-US" smtClean="0"/>
               <a:pPr/>
-              <a:t>30</a:t>
+              <a:t>32</a:t>
             </a:fld>
             <a:endParaRPr lang="en-US" dirty="0"/>
           </a:p>
@@ -23182,7 +24397,7 @@
 </p:sld>
 </file>
 
-<file path=ppt/slides/slide31.xml><?xml version="1.0" encoding="utf-8"?>
+<file path=ppt/slides/slide33.xml><?xml version="1.0" encoding="utf-8"?>
 <p:sld xmlns:a="http://schemas.openxmlformats.org/drawingml/2006/main" xmlns:r="http://schemas.openxmlformats.org/officeDocument/2006/relationships" xmlns:p="http://schemas.openxmlformats.org/presentationml/2006/main">
   <p:cSld>
     <p:spTree>
@@ -23232,7 +24447,7 @@
             <a:fld id="{2BF067CD-8E6B-4360-9AA8-C5DF2A48A6D1}" type="slidenum">
               <a:rPr lang="en-US" smtClean="0"/>
               <a:pPr/>
-              <a:t>31</a:t>
+              <a:t>33</a:t>
             </a:fld>
             <a:endParaRPr lang="en-US" dirty="0"/>
           </a:p>
@@ -23305,6 +24520,13 @@
           <a:prstGeom prst="rect">
             <a:avLst/>
           </a:prstGeom>
+          <a:ln>
+            <a:solidFill>
+              <a:schemeClr val="bg2">
+                <a:lumMod val="75000"/>
+              </a:schemeClr>
+            </a:solidFill>
+          </a:ln>
         </p:spPr>
       </p:pic>
     </p:spTree>
@@ -23406,7 +24628,7 @@
 </p:sld>
 </file>
 
-<file path=ppt/slides/slide32.xml><?xml version="1.0" encoding="utf-8"?>
+<file path=ppt/slides/slide34.xml><?xml version="1.0" encoding="utf-8"?>
 <p:sld xmlns:a="http://schemas.openxmlformats.org/drawingml/2006/main" xmlns:r="http://schemas.openxmlformats.org/officeDocument/2006/relationships" xmlns:p="http://schemas.openxmlformats.org/presentationml/2006/main">
   <p:cSld>
     <p:spTree>
@@ -23699,10 +24921,18 @@
               </a:buClr>
             </a:pPr>
             <a:r>
-              <a:rPr lang="bg-BG" sz="4000" dirty="0"/>
+              <a:rPr lang="bg-BG" sz="4000" b="1" dirty="0">
+                <a:solidFill>
+                  <a:schemeClr val="accent1"/>
+                </a:solidFill>
+              </a:rPr>
               <a:t>Информационни системи</a:t>
             </a:r>
-            <a:endParaRPr lang="en-US" sz="4000" dirty="0"/>
+            <a:endParaRPr lang="en-US" sz="4000" b="1" dirty="0">
+              <a:solidFill>
+                <a:schemeClr val="accent1"/>
+              </a:solidFill>
+            </a:endParaRPr>
           </a:p>
           <a:p>
             <a:pPr marL="360363" indent="-360363" fontAlgn="base">
@@ -24088,7 +25318,7 @@
             <a:fld id="{2BF067CD-8E6B-4360-9AA8-C5DF2A48A6D1}" type="slidenum">
               <a:rPr lang="en-US" noProof="0" smtClean="0"/>
               <a:pPr/>
-              <a:t>32</a:t>
+              <a:t>34</a:t>
             </a:fld>
             <a:endParaRPr lang="en-US" noProof="0" dirty="0"/>
           </a:p>
@@ -24486,7 +25716,7 @@
 </p:sld>
 </file>
 
-<file path=ppt/slides/slide33.xml><?xml version="1.0" encoding="utf-8"?>
+<file path=ppt/slides/slide35.xml><?xml version="1.0" encoding="utf-8"?>
 <p:sld xmlns:a="http://schemas.openxmlformats.org/drawingml/2006/main" xmlns:r="http://schemas.openxmlformats.org/officeDocument/2006/relationships" xmlns:p="http://schemas.openxmlformats.org/presentationml/2006/main">
   <p:cSld>
     <p:spTree>
@@ -24676,7 +25906,7 @@
 </p:sld>
 </file>
 
-<file path=ppt/slides/slide34.xml><?xml version="1.0" encoding="utf-8"?>
+<file path=ppt/slides/slide36.xml><?xml version="1.0" encoding="utf-8"?>
 <p:sld xmlns:a="http://schemas.openxmlformats.org/drawingml/2006/main" xmlns:r="http://schemas.openxmlformats.org/officeDocument/2006/relationships" xmlns:p="http://schemas.openxmlformats.org/presentationml/2006/main">
   <p:cSld>
     <p:spTree>
@@ -24729,7 +25959,7 @@
             <a:fld id="{2BF067CD-8E6B-4360-9AA8-C5DF2A48A6D1}" type="slidenum">
               <a:rPr lang="en-US" smtClean="0"/>
               <a:pPr/>
-              <a:t>34</a:t>
+              <a:t>36</a:t>
             </a:fld>
             <a:endParaRPr lang="en-US" dirty="0"/>
           </a:p>

--- a/Courses/Software-Sciences/Module-4-Information-Systems-New/01-Introduction-to-IT-Systems/01-Introduction-to-IT-Systems.pptx
+++ b/Courses/Software-Sciences/Module-4-Information-Systems-New/01-Introduction-to-IT-Systems/01-Introduction-to-IT-Systems.pptx
@@ -325,7 +325,7 @@
           <a:p>
             <a:fld id="{4E087215-0C8F-4762-A664-737A353EC9A4}" type="datetimeFigureOut">
               <a:rPr lang="bg-BG" smtClean="0"/>
-              <a:t>3.04.24 г.</a:t>
+              <a:t>4.04.24 г.</a:t>
             </a:fld>
             <a:endParaRPr lang="bg-BG"/>
           </a:p>
@@ -521,7 +521,7 @@
           <a:p>
             <a:fld id="{72D84649-876A-46C9-8472-14CB09C070D8}" type="datetimeFigureOut">
               <a:rPr lang="en-US" smtClean="0"/>
-              <a:t>4/3/24</a:t>
+              <a:t>4/4/24</a:t>
             </a:fld>
             <a:endParaRPr lang="en-US"/>
           </a:p>
@@ -1121,7 +1121,7 @@
             <a:fld id="{3EBA5BD7-F043-4D1B-AA17-CD412FC534DE}" type="slidenum">
               <a:rPr lang="en-US" smtClean="0"/>
               <a:pPr/>
-              <a:t>12</a:t>
+              <a:t>11</a:t>
             </a:fld>
             <a:endParaRPr lang="en-US" dirty="0"/>
           </a:p>
@@ -1169,7 +1169,7 @@
     </p:spTree>
     <p:extLst>
       <p:ext uri="{BB962C8B-B14F-4D97-AF65-F5344CB8AC3E}">
-        <p14:creationId xmlns:p14="http://schemas.microsoft.com/office/powerpoint/2010/main" val="1966727200"/>
+        <p14:creationId xmlns:p14="http://schemas.microsoft.com/office/powerpoint/2010/main" val="986854748"/>
       </p:ext>
     </p:extLst>
   </p:cSld>
@@ -1351,7 +1351,7 @@
             <a:fld id="{3EBA5BD7-F043-4D1B-AA17-CD412FC534DE}" type="slidenum">
               <a:rPr lang="en-US" smtClean="0"/>
               <a:pPr/>
-              <a:t>13</a:t>
+              <a:t>12</a:t>
             </a:fld>
             <a:endParaRPr lang="en-US" dirty="0"/>
           </a:p>
@@ -1399,7 +1399,7 @@
     </p:spTree>
     <p:extLst>
       <p:ext uri="{BB962C8B-B14F-4D97-AF65-F5344CB8AC3E}">
-        <p14:creationId xmlns:p14="http://schemas.microsoft.com/office/powerpoint/2010/main" val="2452153898"/>
+        <p14:creationId xmlns:p14="http://schemas.microsoft.com/office/powerpoint/2010/main" val="1966727200"/>
       </p:ext>
     </p:extLst>
   </p:cSld>
@@ -1453,16 +1453,16 @@
           <a:bodyPr/>
           <a:lstStyle/>
           <a:p>
-            <a:endParaRPr lang="en-US"/>
+            <a:endParaRPr lang="en-US" dirty="0"/>
           </a:p>
         </p:txBody>
       </p:sp>
       <p:sp>
         <p:nvSpPr>
-          <p:cNvPr id="7" name="Slide Number Placeholder 5">
+          <p:cNvPr id="6" name="Slide Number Placeholder 5">
             <a:extLst>
               <a:ext uri="{FF2B5EF4-FFF2-40B4-BE49-F238E27FC236}">
-                <a16:creationId xmlns:a16="http://schemas.microsoft.com/office/drawing/2014/main" id="{BD88B0D8-949C-482D-990A-2DAB14AD4AD1}"/>
+                <a16:creationId xmlns:a16="http://schemas.microsoft.com/office/drawing/2014/main" id="{973EF363-177A-44DE-80E9-FC9248B7DCA2}"/>
               </a:ext>
             </a:extLst>
           </p:cNvPr>
@@ -1581,7 +1581,7 @@
             <a:fld id="{3EBA5BD7-F043-4D1B-AA17-CD412FC534DE}" type="slidenum">
               <a:rPr lang="en-US" smtClean="0"/>
               <a:pPr/>
-              <a:t>14</a:t>
+              <a:t>13</a:t>
             </a:fld>
             <a:endParaRPr lang="en-US" dirty="0"/>
           </a:p>
@@ -1592,7 +1592,7 @@
           <p:cNvPr id="4" name="Footer Placeholder 3">
             <a:extLst>
               <a:ext uri="{FF2B5EF4-FFF2-40B4-BE49-F238E27FC236}">
-                <a16:creationId xmlns:a16="http://schemas.microsoft.com/office/drawing/2014/main" id="{58474633-D38D-4432-867B-70F325FA7016}"/>
+                <a16:creationId xmlns:a16="http://schemas.microsoft.com/office/drawing/2014/main" id="{8EE613EE-6697-4964-A067-C2136C00C834}"/>
               </a:ext>
             </a:extLst>
           </p:cNvPr>
@@ -1629,7 +1629,7 @@
     </p:spTree>
     <p:extLst>
       <p:ext uri="{BB962C8B-B14F-4D97-AF65-F5344CB8AC3E}">
-        <p14:creationId xmlns:p14="http://schemas.microsoft.com/office/powerpoint/2010/main" val="1802721241"/>
+        <p14:creationId xmlns:p14="http://schemas.microsoft.com/office/powerpoint/2010/main" val="2452153898"/>
       </p:ext>
     </p:extLst>
   </p:cSld>
@@ -1689,10 +1689,10 @@
       </p:sp>
       <p:sp>
         <p:nvSpPr>
-          <p:cNvPr id="6" name="Slide Number Placeholder 5">
+          <p:cNvPr id="7" name="Slide Number Placeholder 5">
             <a:extLst>
               <a:ext uri="{FF2B5EF4-FFF2-40B4-BE49-F238E27FC236}">
-                <a16:creationId xmlns:a16="http://schemas.microsoft.com/office/drawing/2014/main" id="{973EF363-177A-44DE-80E9-FC9248B7DCA2}"/>
+                <a16:creationId xmlns:a16="http://schemas.microsoft.com/office/drawing/2014/main" id="{BD88B0D8-949C-482D-990A-2DAB14AD4AD1}"/>
               </a:ext>
             </a:extLst>
           </p:cNvPr>
@@ -1811,7 +1811,7 @@
             <a:fld id="{3EBA5BD7-F043-4D1B-AA17-CD412FC534DE}" type="slidenum">
               <a:rPr lang="en-US" smtClean="0"/>
               <a:pPr/>
-              <a:t>15</a:t>
+              <a:t>14</a:t>
             </a:fld>
             <a:endParaRPr lang="en-US" dirty="0"/>
           </a:p>
@@ -1822,7 +1822,7 @@
           <p:cNvPr id="4" name="Footer Placeholder 3">
             <a:extLst>
               <a:ext uri="{FF2B5EF4-FFF2-40B4-BE49-F238E27FC236}">
-                <a16:creationId xmlns:a16="http://schemas.microsoft.com/office/drawing/2014/main" id="{8EE613EE-6697-4964-A067-C2136C00C834}"/>
+                <a16:creationId xmlns:a16="http://schemas.microsoft.com/office/drawing/2014/main" id="{58474633-D38D-4432-867B-70F325FA7016}"/>
               </a:ext>
             </a:extLst>
           </p:cNvPr>
@@ -1859,7 +1859,7 @@
     </p:spTree>
     <p:extLst>
       <p:ext uri="{BB962C8B-B14F-4D97-AF65-F5344CB8AC3E}">
-        <p14:creationId xmlns:p14="http://schemas.microsoft.com/office/powerpoint/2010/main" val="2337055757"/>
+        <p14:creationId xmlns:p14="http://schemas.microsoft.com/office/powerpoint/2010/main" val="1802721241"/>
       </p:ext>
     </p:extLst>
   </p:cSld>
@@ -2041,7 +2041,7 @@
             <a:fld id="{3EBA5BD7-F043-4D1B-AA17-CD412FC534DE}" type="slidenum">
               <a:rPr lang="en-US" smtClean="0"/>
               <a:pPr/>
-              <a:t>16</a:t>
+              <a:t>15</a:t>
             </a:fld>
             <a:endParaRPr lang="en-US" dirty="0"/>
           </a:p>
@@ -2089,7 +2089,7 @@
     </p:spTree>
     <p:extLst>
       <p:ext uri="{BB962C8B-B14F-4D97-AF65-F5344CB8AC3E}">
-        <p14:creationId xmlns:p14="http://schemas.microsoft.com/office/powerpoint/2010/main" val="795407867"/>
+        <p14:creationId xmlns:p14="http://schemas.microsoft.com/office/powerpoint/2010/main" val="2337055757"/>
       </p:ext>
     </p:extLst>
   </p:cSld>
@@ -2271,7 +2271,7 @@
             <a:fld id="{3EBA5BD7-F043-4D1B-AA17-CD412FC534DE}" type="slidenum">
               <a:rPr lang="en-US" smtClean="0"/>
               <a:pPr/>
-              <a:t>17</a:t>
+              <a:t>16</a:t>
             </a:fld>
             <a:endParaRPr lang="en-US" dirty="0"/>
           </a:p>
@@ -2319,7 +2319,7 @@
     </p:spTree>
     <p:extLst>
       <p:ext uri="{BB962C8B-B14F-4D97-AF65-F5344CB8AC3E}">
-        <p14:creationId xmlns:p14="http://schemas.microsoft.com/office/powerpoint/2010/main" val="742667306"/>
+        <p14:creationId xmlns:p14="http://schemas.microsoft.com/office/powerpoint/2010/main" val="795407867"/>
       </p:ext>
     </p:extLst>
   </p:cSld>
@@ -2379,10 +2379,10 @@
       </p:sp>
       <p:sp>
         <p:nvSpPr>
-          <p:cNvPr id="7" name="Slide Number Placeholder 5">
+          <p:cNvPr id="6" name="Slide Number Placeholder 5">
             <a:extLst>
               <a:ext uri="{FF2B5EF4-FFF2-40B4-BE49-F238E27FC236}">
-                <a16:creationId xmlns:a16="http://schemas.microsoft.com/office/drawing/2014/main" id="{BD88B0D8-949C-482D-990A-2DAB14AD4AD1}"/>
+                <a16:creationId xmlns:a16="http://schemas.microsoft.com/office/drawing/2014/main" id="{973EF363-177A-44DE-80E9-FC9248B7DCA2}"/>
               </a:ext>
             </a:extLst>
           </p:cNvPr>
@@ -2501,7 +2501,7 @@
             <a:fld id="{3EBA5BD7-F043-4D1B-AA17-CD412FC534DE}" type="slidenum">
               <a:rPr lang="en-US" smtClean="0"/>
               <a:pPr/>
-              <a:t>18</a:t>
+              <a:t>17</a:t>
             </a:fld>
             <a:endParaRPr lang="en-US" dirty="0"/>
           </a:p>
@@ -2512,7 +2512,7 @@
           <p:cNvPr id="4" name="Footer Placeholder 3">
             <a:extLst>
               <a:ext uri="{FF2B5EF4-FFF2-40B4-BE49-F238E27FC236}">
-                <a16:creationId xmlns:a16="http://schemas.microsoft.com/office/drawing/2014/main" id="{58474633-D38D-4432-867B-70F325FA7016}"/>
+                <a16:creationId xmlns:a16="http://schemas.microsoft.com/office/drawing/2014/main" id="{8EE613EE-6697-4964-A067-C2136C00C834}"/>
               </a:ext>
             </a:extLst>
           </p:cNvPr>
@@ -2549,7 +2549,7 @@
     </p:spTree>
     <p:extLst>
       <p:ext uri="{BB962C8B-B14F-4D97-AF65-F5344CB8AC3E}">
-        <p14:creationId xmlns:p14="http://schemas.microsoft.com/office/powerpoint/2010/main" val="2023187812"/>
+        <p14:creationId xmlns:p14="http://schemas.microsoft.com/office/powerpoint/2010/main" val="742667306"/>
       </p:ext>
     </p:extLst>
   </p:cSld>
@@ -2609,10 +2609,10 @@
       </p:sp>
       <p:sp>
         <p:nvSpPr>
-          <p:cNvPr id="6" name="Slide Number Placeholder 5">
+          <p:cNvPr id="7" name="Slide Number Placeholder 5">
             <a:extLst>
               <a:ext uri="{FF2B5EF4-FFF2-40B4-BE49-F238E27FC236}">
-                <a16:creationId xmlns:a16="http://schemas.microsoft.com/office/drawing/2014/main" id="{973EF363-177A-44DE-80E9-FC9248B7DCA2}"/>
+                <a16:creationId xmlns:a16="http://schemas.microsoft.com/office/drawing/2014/main" id="{BD88B0D8-949C-482D-990A-2DAB14AD4AD1}"/>
               </a:ext>
             </a:extLst>
           </p:cNvPr>
@@ -2731,7 +2731,7 @@
             <a:fld id="{3EBA5BD7-F043-4D1B-AA17-CD412FC534DE}" type="slidenum">
               <a:rPr lang="en-US" smtClean="0"/>
               <a:pPr/>
-              <a:t>19</a:t>
+              <a:t>18</a:t>
             </a:fld>
             <a:endParaRPr lang="en-US" dirty="0"/>
           </a:p>
@@ -2742,7 +2742,7 @@
           <p:cNvPr id="4" name="Footer Placeholder 3">
             <a:extLst>
               <a:ext uri="{FF2B5EF4-FFF2-40B4-BE49-F238E27FC236}">
-                <a16:creationId xmlns:a16="http://schemas.microsoft.com/office/drawing/2014/main" id="{8EE613EE-6697-4964-A067-C2136C00C834}"/>
+                <a16:creationId xmlns:a16="http://schemas.microsoft.com/office/drawing/2014/main" id="{58474633-D38D-4432-867B-70F325FA7016}"/>
               </a:ext>
             </a:extLst>
           </p:cNvPr>
@@ -2779,7 +2779,7 @@
     </p:spTree>
     <p:extLst>
       <p:ext uri="{BB962C8B-B14F-4D97-AF65-F5344CB8AC3E}">
-        <p14:creationId xmlns:p14="http://schemas.microsoft.com/office/powerpoint/2010/main" val="1027792524"/>
+        <p14:creationId xmlns:p14="http://schemas.microsoft.com/office/powerpoint/2010/main" val="2023187812"/>
       </p:ext>
     </p:extLst>
   </p:cSld>
@@ -2961,7 +2961,7 @@
             <a:fld id="{3EBA5BD7-F043-4D1B-AA17-CD412FC534DE}" type="slidenum">
               <a:rPr lang="en-US" smtClean="0"/>
               <a:pPr/>
-              <a:t>20</a:t>
+              <a:t>19</a:t>
             </a:fld>
             <a:endParaRPr lang="en-US" dirty="0"/>
           </a:p>
@@ -3009,7 +3009,7 @@
     </p:spTree>
     <p:extLst>
       <p:ext uri="{BB962C8B-B14F-4D97-AF65-F5344CB8AC3E}">
-        <p14:creationId xmlns:p14="http://schemas.microsoft.com/office/powerpoint/2010/main" val="4077091013"/>
+        <p14:creationId xmlns:p14="http://schemas.microsoft.com/office/powerpoint/2010/main" val="1027792524"/>
       </p:ext>
     </p:extLst>
   </p:cSld>
@@ -3191,7 +3191,7 @@
             <a:fld id="{3EBA5BD7-F043-4D1B-AA17-CD412FC534DE}" type="slidenum">
               <a:rPr lang="en-US" smtClean="0"/>
               <a:pPr/>
-              <a:t>21</a:t>
+              <a:t>20</a:t>
             </a:fld>
             <a:endParaRPr lang="en-US" dirty="0"/>
           </a:p>
@@ -3239,7 +3239,7 @@
     </p:spTree>
     <p:extLst>
       <p:ext uri="{BB962C8B-B14F-4D97-AF65-F5344CB8AC3E}">
-        <p14:creationId xmlns:p14="http://schemas.microsoft.com/office/powerpoint/2010/main" val="2468650981"/>
+        <p14:creationId xmlns:p14="http://schemas.microsoft.com/office/powerpoint/2010/main" val="4077091013"/>
       </p:ext>
     </p:extLst>
   </p:cSld>
@@ -3663,7 +3663,7 @@
             <a:fld id="{3EBA5BD7-F043-4D1B-AA17-CD412FC534DE}" type="slidenum">
               <a:rPr lang="en-US" smtClean="0"/>
               <a:pPr/>
-              <a:t>22</a:t>
+              <a:t>21</a:t>
             </a:fld>
             <a:endParaRPr lang="en-US" dirty="0"/>
           </a:p>
@@ -3711,7 +3711,7 @@
     </p:spTree>
     <p:extLst>
       <p:ext uri="{BB962C8B-B14F-4D97-AF65-F5344CB8AC3E}">
-        <p14:creationId xmlns:p14="http://schemas.microsoft.com/office/powerpoint/2010/main" val="439804960"/>
+        <p14:creationId xmlns:p14="http://schemas.microsoft.com/office/powerpoint/2010/main" val="2468650981"/>
       </p:ext>
     </p:extLst>
   </p:cSld>
@@ -3893,7 +3893,7 @@
             <a:fld id="{3EBA5BD7-F043-4D1B-AA17-CD412FC534DE}" type="slidenum">
               <a:rPr lang="en-US" smtClean="0"/>
               <a:pPr/>
-              <a:t>23</a:t>
+              <a:t>22</a:t>
             </a:fld>
             <a:endParaRPr lang="en-US" dirty="0"/>
           </a:p>
@@ -3941,7 +3941,7 @@
     </p:spTree>
     <p:extLst>
       <p:ext uri="{BB962C8B-B14F-4D97-AF65-F5344CB8AC3E}">
-        <p14:creationId xmlns:p14="http://schemas.microsoft.com/office/powerpoint/2010/main" val="1000881190"/>
+        <p14:creationId xmlns:p14="http://schemas.microsoft.com/office/powerpoint/2010/main" val="439804960"/>
       </p:ext>
     </p:extLst>
   </p:cSld>
@@ -3995,7 +3995,7 @@
           <a:bodyPr/>
           <a:lstStyle/>
           <a:p>
-            <a:endParaRPr lang="en-US"/>
+            <a:endParaRPr lang="en-US" dirty="0"/>
           </a:p>
         </p:txBody>
       </p:sp>
@@ -4123,7 +4123,7 @@
             <a:fld id="{3EBA5BD7-F043-4D1B-AA17-CD412FC534DE}" type="slidenum">
               <a:rPr lang="en-US" smtClean="0"/>
               <a:pPr/>
-              <a:t>24</a:t>
+              <a:t>23</a:t>
             </a:fld>
             <a:endParaRPr lang="en-US" dirty="0"/>
           </a:p>
@@ -4171,7 +4171,7 @@
     </p:spTree>
     <p:extLst>
       <p:ext uri="{BB962C8B-B14F-4D97-AF65-F5344CB8AC3E}">
-        <p14:creationId xmlns:p14="http://schemas.microsoft.com/office/powerpoint/2010/main" val="1698850810"/>
+        <p14:creationId xmlns:p14="http://schemas.microsoft.com/office/powerpoint/2010/main" val="1000881190"/>
       </p:ext>
     </p:extLst>
   </p:cSld>
@@ -4353,7 +4353,7 @@
             <a:fld id="{3EBA5BD7-F043-4D1B-AA17-CD412FC534DE}" type="slidenum">
               <a:rPr lang="en-US" smtClean="0"/>
               <a:pPr/>
-              <a:t>25</a:t>
+              <a:t>24</a:t>
             </a:fld>
             <a:endParaRPr lang="en-US" dirty="0"/>
           </a:p>
@@ -4401,7 +4401,7 @@
     </p:spTree>
     <p:extLst>
       <p:ext uri="{BB962C8B-B14F-4D97-AF65-F5344CB8AC3E}">
-        <p14:creationId xmlns:p14="http://schemas.microsoft.com/office/powerpoint/2010/main" val="1788490882"/>
+        <p14:creationId xmlns:p14="http://schemas.microsoft.com/office/powerpoint/2010/main" val="1698850810"/>
       </p:ext>
     </p:extLst>
   </p:cSld>
@@ -4583,7 +4583,7 @@
             <a:fld id="{3EBA5BD7-F043-4D1B-AA17-CD412FC534DE}" type="slidenum">
               <a:rPr lang="en-US" smtClean="0"/>
               <a:pPr/>
-              <a:t>26</a:t>
+              <a:t>25</a:t>
             </a:fld>
             <a:endParaRPr lang="en-US" dirty="0"/>
           </a:p>
@@ -4631,7 +4631,7 @@
     </p:spTree>
     <p:extLst>
       <p:ext uri="{BB962C8B-B14F-4D97-AF65-F5344CB8AC3E}">
-        <p14:creationId xmlns:p14="http://schemas.microsoft.com/office/powerpoint/2010/main" val="2903596723"/>
+        <p14:creationId xmlns:p14="http://schemas.microsoft.com/office/powerpoint/2010/main" val="1788490882"/>
       </p:ext>
     </p:extLst>
   </p:cSld>
@@ -4813,7 +4813,7 @@
             <a:fld id="{3EBA5BD7-F043-4D1B-AA17-CD412FC534DE}" type="slidenum">
               <a:rPr lang="en-US" smtClean="0"/>
               <a:pPr/>
-              <a:t>27</a:t>
+              <a:t>26</a:t>
             </a:fld>
             <a:endParaRPr lang="en-US" dirty="0"/>
           </a:p>
@@ -4861,7 +4861,7 @@
     </p:spTree>
     <p:extLst>
       <p:ext uri="{BB962C8B-B14F-4D97-AF65-F5344CB8AC3E}">
-        <p14:creationId xmlns:p14="http://schemas.microsoft.com/office/powerpoint/2010/main" val="2566611129"/>
+        <p14:creationId xmlns:p14="http://schemas.microsoft.com/office/powerpoint/2010/main" val="2903596723"/>
       </p:ext>
     </p:extLst>
   </p:cSld>
@@ -5043,7 +5043,7 @@
             <a:fld id="{3EBA5BD7-F043-4D1B-AA17-CD412FC534DE}" type="slidenum">
               <a:rPr lang="en-US" smtClean="0"/>
               <a:pPr/>
-              <a:t>28</a:t>
+              <a:t>27</a:t>
             </a:fld>
             <a:endParaRPr lang="en-US" dirty="0"/>
           </a:p>
@@ -5091,7 +5091,7 @@
     </p:spTree>
     <p:extLst>
       <p:ext uri="{BB962C8B-B14F-4D97-AF65-F5344CB8AC3E}">
-        <p14:creationId xmlns:p14="http://schemas.microsoft.com/office/powerpoint/2010/main" val="1244499502"/>
+        <p14:creationId xmlns:p14="http://schemas.microsoft.com/office/powerpoint/2010/main" val="2566611129"/>
       </p:ext>
     </p:extLst>
   </p:cSld>
@@ -5273,7 +5273,7 @@
             <a:fld id="{3EBA5BD7-F043-4D1B-AA17-CD412FC534DE}" type="slidenum">
               <a:rPr lang="en-US" smtClean="0"/>
               <a:pPr/>
-              <a:t>29</a:t>
+              <a:t>28</a:t>
             </a:fld>
             <a:endParaRPr lang="en-US" dirty="0"/>
           </a:p>
@@ -5321,7 +5321,7 @@
     </p:spTree>
     <p:extLst>
       <p:ext uri="{BB962C8B-B14F-4D97-AF65-F5344CB8AC3E}">
-        <p14:creationId xmlns:p14="http://schemas.microsoft.com/office/powerpoint/2010/main" val="1959710392"/>
+        <p14:creationId xmlns:p14="http://schemas.microsoft.com/office/powerpoint/2010/main" val="1244499502"/>
       </p:ext>
     </p:extLst>
   </p:cSld>
@@ -5503,7 +5503,7 @@
             <a:fld id="{3EBA5BD7-F043-4D1B-AA17-CD412FC534DE}" type="slidenum">
               <a:rPr lang="en-US" smtClean="0"/>
               <a:pPr/>
-              <a:t>30</a:t>
+              <a:t>29</a:t>
             </a:fld>
             <a:endParaRPr lang="en-US" dirty="0"/>
           </a:p>
@@ -5551,7 +5551,7 @@
     </p:spTree>
     <p:extLst>
       <p:ext uri="{BB962C8B-B14F-4D97-AF65-F5344CB8AC3E}">
-        <p14:creationId xmlns:p14="http://schemas.microsoft.com/office/powerpoint/2010/main" val="751907221"/>
+        <p14:creationId xmlns:p14="http://schemas.microsoft.com/office/powerpoint/2010/main" val="1959710392"/>
       </p:ext>
     </p:extLst>
   </p:cSld>
@@ -5733,7 +5733,7 @@
             <a:fld id="{3EBA5BD7-F043-4D1B-AA17-CD412FC534DE}" type="slidenum">
               <a:rPr lang="en-US" smtClean="0"/>
               <a:pPr/>
-              <a:t>31</a:t>
+              <a:t>30</a:t>
             </a:fld>
             <a:endParaRPr lang="en-US" dirty="0"/>
           </a:p>
@@ -5781,7 +5781,7 @@
     </p:spTree>
     <p:extLst>
       <p:ext uri="{BB962C8B-B14F-4D97-AF65-F5344CB8AC3E}">
-        <p14:creationId xmlns:p14="http://schemas.microsoft.com/office/powerpoint/2010/main" val="2007254212"/>
+        <p14:creationId xmlns:p14="http://schemas.microsoft.com/office/powerpoint/2010/main" val="751907221"/>
       </p:ext>
     </p:extLst>
   </p:cSld>
@@ -6193,7 +6193,7 @@
             <a:fld id="{3EBA5BD7-F043-4D1B-AA17-CD412FC534DE}" type="slidenum">
               <a:rPr lang="en-US" smtClean="0"/>
               <a:pPr/>
-              <a:t>32</a:t>
+              <a:t>31</a:t>
             </a:fld>
             <a:endParaRPr lang="en-US" dirty="0"/>
           </a:p>
@@ -6241,7 +6241,7 @@
     </p:spTree>
     <p:extLst>
       <p:ext uri="{BB962C8B-B14F-4D97-AF65-F5344CB8AC3E}">
-        <p14:creationId xmlns:p14="http://schemas.microsoft.com/office/powerpoint/2010/main" val="4188773771"/>
+        <p14:creationId xmlns:p14="http://schemas.microsoft.com/office/powerpoint/2010/main" val="2007254212"/>
       </p:ext>
     </p:extLst>
   </p:cSld>
@@ -6423,7 +6423,7 @@
             <a:fld id="{3EBA5BD7-F043-4D1B-AA17-CD412FC534DE}" type="slidenum">
               <a:rPr lang="en-US" smtClean="0"/>
               <a:pPr/>
-              <a:t>33</a:t>
+              <a:t>32</a:t>
             </a:fld>
             <a:endParaRPr lang="en-US" dirty="0"/>
           </a:p>
@@ -6471,7 +6471,7 @@
     </p:spTree>
     <p:extLst>
       <p:ext uri="{BB962C8B-B14F-4D97-AF65-F5344CB8AC3E}">
-        <p14:creationId xmlns:p14="http://schemas.microsoft.com/office/powerpoint/2010/main" val="3774608689"/>
+        <p14:creationId xmlns:p14="http://schemas.microsoft.com/office/powerpoint/2010/main" val="4188773771"/>
       </p:ext>
     </p:extLst>
   </p:cSld>
@@ -6525,16 +6525,16 @@
           <a:bodyPr/>
           <a:lstStyle/>
           <a:p>
-            <a:endParaRPr lang="en-US" dirty="0"/>
+            <a:endParaRPr lang="en-US"/>
           </a:p>
         </p:txBody>
       </p:sp>
       <p:sp>
         <p:nvSpPr>
-          <p:cNvPr id="7" name="Slide Number Placeholder 5">
+          <p:cNvPr id="6" name="Slide Number Placeholder 5">
             <a:extLst>
               <a:ext uri="{FF2B5EF4-FFF2-40B4-BE49-F238E27FC236}">
-                <a16:creationId xmlns:a16="http://schemas.microsoft.com/office/drawing/2014/main" id="{E65F1CA9-65DC-416B-8882-B3A5E415CE67}"/>
+                <a16:creationId xmlns:a16="http://schemas.microsoft.com/office/drawing/2014/main" id="{973EF363-177A-44DE-80E9-FC9248B7DCA2}"/>
               </a:ext>
             </a:extLst>
           </p:cNvPr>
@@ -6653,7 +6653,7 @@
             <a:fld id="{3EBA5BD7-F043-4D1B-AA17-CD412FC534DE}" type="slidenum">
               <a:rPr lang="en-US" smtClean="0"/>
               <a:pPr/>
-              <a:t>34</a:t>
+              <a:t>33</a:t>
             </a:fld>
             <a:endParaRPr lang="en-US" dirty="0"/>
           </a:p>
@@ -6661,10 +6661,10 @@
       </p:sp>
       <p:sp>
         <p:nvSpPr>
-          <p:cNvPr id="5" name="Footer Placeholder 7">
+          <p:cNvPr id="4" name="Footer Placeholder 3">
             <a:extLst>
               <a:ext uri="{FF2B5EF4-FFF2-40B4-BE49-F238E27FC236}">
-                <a16:creationId xmlns:a16="http://schemas.microsoft.com/office/drawing/2014/main" id="{43FAF785-0C8D-730E-8E59-68198DC82CE0}"/>
+                <a16:creationId xmlns:a16="http://schemas.microsoft.com/office/drawing/2014/main" id="{8EE613EE-6697-4964-A067-C2136C00C834}"/>
               </a:ext>
             </a:extLst>
           </p:cNvPr>
@@ -6675,49 +6675,33 @@
             <p:ph type="ftr" sz="quarter" idx="4"/>
           </p:nvPr>
         </p:nvSpPr>
-        <p:spPr>
-          <a:xfrm>
-            <a:off x="-1" y="8892000"/>
-            <a:ext cx="6488999" cy="252000"/>
-          </a:xfrm>
-          <a:prstGeom prst="rect">
-            <a:avLst/>
-          </a:prstGeom>
-        </p:spPr>
+        <p:spPr/>
         <p:txBody>
-          <a:bodyPr vert="horz" lIns="91440" tIns="45720" rIns="91440" bIns="45720" rtlCol="0" anchor="b"/>
-          <a:lstStyle>
-            <a:lvl1pPr algn="l">
-              <a:defRPr sz="1100"/>
-            </a:lvl1pPr>
-          </a:lstStyle>
-          <a:p>
-            <a:r>
-              <a:rPr lang="bg-BG" sz="1100" dirty="0"/>
-              <a:t>Работна група </a:t>
-            </a:r>
-            <a:r>
-              <a:rPr lang="bg-BG" dirty="0"/>
-              <a:t>"Образование по програмиране и ИТ"</a:t>
-            </a:r>
-            <a:r>
-              <a:rPr lang="bg-BG" sz="1100" dirty="0"/>
-              <a:t>, с подкрепата на </a:t>
-            </a:r>
-            <a:r>
-              <a:rPr lang="en-US" sz="1100" dirty="0">
+          <a:bodyPr/>
+          <a:lstStyle/>
+          <a:p>
+            <a:r>
+              <a:rPr lang="en-US"/>
+              <a:t>© SoftUni – </a:t>
+            </a:r>
+            <a:r>
+              <a:rPr lang="en-US" u="sng">
                 <a:hlinkClick r:id="rId3"/>
               </a:rPr>
-              <a:t>SoftUni</a:t>
-            </a:r>
-            <a:endParaRPr lang="en-US" sz="1100" dirty="0"/>
+              <a:t>https://softuni.org</a:t>
+            </a:r>
+            <a:r>
+              <a:rPr lang="en-US"/>
+              <a:t>. Copyrighted document. Unauthorized copy or reproduction is not permitted.</a:t>
+            </a:r>
+            <a:endParaRPr lang="en-US" dirty="0"/>
           </a:p>
         </p:txBody>
       </p:sp>
     </p:spTree>
     <p:extLst>
       <p:ext uri="{BB962C8B-B14F-4D97-AF65-F5344CB8AC3E}">
-        <p14:creationId xmlns:p14="http://schemas.microsoft.com/office/powerpoint/2010/main" val="2689344733"/>
+        <p14:creationId xmlns:p14="http://schemas.microsoft.com/office/powerpoint/2010/main" val="3774608689"/>
       </p:ext>
     </p:extLst>
   </p:cSld>
@@ -6780,7 +6764,7 @@
           <p:cNvPr id="7" name="Slide Number Placeholder 5">
             <a:extLst>
               <a:ext uri="{FF2B5EF4-FFF2-40B4-BE49-F238E27FC236}">
-                <a16:creationId xmlns:a16="http://schemas.microsoft.com/office/drawing/2014/main" id="{5049B984-F964-47FF-8179-0A3007CE21CD}"/>
+                <a16:creationId xmlns:a16="http://schemas.microsoft.com/office/drawing/2014/main" id="{E65F1CA9-65DC-416B-8882-B3A5E415CE67}"/>
               </a:ext>
             </a:extLst>
           </p:cNvPr>
@@ -6899,6 +6883,252 @@
             <a:fld id="{3EBA5BD7-F043-4D1B-AA17-CD412FC534DE}" type="slidenum">
               <a:rPr lang="en-US" smtClean="0"/>
               <a:pPr/>
+              <a:t>34</a:t>
+            </a:fld>
+            <a:endParaRPr lang="en-US" dirty="0"/>
+          </a:p>
+        </p:txBody>
+      </p:sp>
+      <p:sp>
+        <p:nvSpPr>
+          <p:cNvPr id="5" name="Footer Placeholder 7">
+            <a:extLst>
+              <a:ext uri="{FF2B5EF4-FFF2-40B4-BE49-F238E27FC236}">
+                <a16:creationId xmlns:a16="http://schemas.microsoft.com/office/drawing/2014/main" id="{43FAF785-0C8D-730E-8E59-68198DC82CE0}"/>
+              </a:ext>
+            </a:extLst>
+          </p:cNvPr>
+          <p:cNvSpPr>
+            <a:spLocks noGrp="1"/>
+          </p:cNvSpPr>
+          <p:nvPr>
+            <p:ph type="ftr" sz="quarter" idx="4"/>
+          </p:nvPr>
+        </p:nvSpPr>
+        <p:spPr>
+          <a:xfrm>
+            <a:off x="-1" y="8892000"/>
+            <a:ext cx="6488999" cy="252000"/>
+          </a:xfrm>
+          <a:prstGeom prst="rect">
+            <a:avLst/>
+          </a:prstGeom>
+        </p:spPr>
+        <p:txBody>
+          <a:bodyPr vert="horz" lIns="91440" tIns="45720" rIns="91440" bIns="45720" rtlCol="0" anchor="b"/>
+          <a:lstStyle>
+            <a:lvl1pPr algn="l">
+              <a:defRPr sz="1100"/>
+            </a:lvl1pPr>
+          </a:lstStyle>
+          <a:p>
+            <a:r>
+              <a:rPr lang="bg-BG" sz="1100" dirty="0"/>
+              <a:t>Работна група </a:t>
+            </a:r>
+            <a:r>
+              <a:rPr lang="bg-BG" dirty="0"/>
+              <a:t>"Образование по програмиране и ИТ"</a:t>
+            </a:r>
+            <a:r>
+              <a:rPr lang="bg-BG" sz="1100" dirty="0"/>
+              <a:t>, с подкрепата на </a:t>
+            </a:r>
+            <a:r>
+              <a:rPr lang="en-US" sz="1100" dirty="0">
+                <a:hlinkClick r:id="rId3"/>
+              </a:rPr>
+              <a:t>SoftUni</a:t>
+            </a:r>
+            <a:endParaRPr lang="en-US" sz="1100" dirty="0"/>
+          </a:p>
+        </p:txBody>
+      </p:sp>
+    </p:spTree>
+    <p:extLst>
+      <p:ext uri="{BB962C8B-B14F-4D97-AF65-F5344CB8AC3E}">
+        <p14:creationId xmlns:p14="http://schemas.microsoft.com/office/powerpoint/2010/main" val="2689344733"/>
+      </p:ext>
+    </p:extLst>
+  </p:cSld>
+  <p:clrMapOvr>
+    <a:masterClrMapping/>
+  </p:clrMapOvr>
+</p:notes>
+</file>
+
+<file path=ppt/notesSlides/notesSlide34.xml><?xml version="1.0" encoding="utf-8"?>
+<p:notes xmlns:a="http://schemas.openxmlformats.org/drawingml/2006/main" xmlns:r="http://schemas.openxmlformats.org/officeDocument/2006/relationships" xmlns:p="http://schemas.openxmlformats.org/presentationml/2006/main">
+  <p:cSld>
+    <p:spTree>
+      <p:nvGrpSpPr>
+        <p:cNvPr id="1" name=""/>
+        <p:cNvGrpSpPr/>
+        <p:nvPr/>
+      </p:nvGrpSpPr>
+      <p:grpSpPr>
+        <a:xfrm>
+          <a:off x="0" y="0"/>
+          <a:ext cx="0" cy="0"/>
+          <a:chOff x="0" y="0"/>
+          <a:chExt cx="0" cy="0"/>
+        </a:xfrm>
+      </p:grpSpPr>
+      <p:sp>
+        <p:nvSpPr>
+          <p:cNvPr id="2" name="Slide Image Placeholder 1"/>
+          <p:cNvSpPr>
+            <a:spLocks noGrp="1" noRot="1" noChangeAspect="1"/>
+          </p:cNvSpPr>
+          <p:nvPr>
+            <p:ph type="sldImg"/>
+          </p:nvPr>
+        </p:nvSpPr>
+        <p:spPr/>
+      </p:sp>
+      <p:sp>
+        <p:nvSpPr>
+          <p:cNvPr id="3" name="Notes Placeholder 2"/>
+          <p:cNvSpPr>
+            <a:spLocks noGrp="1"/>
+          </p:cNvSpPr>
+          <p:nvPr>
+            <p:ph type="body" idx="1"/>
+          </p:nvPr>
+        </p:nvSpPr>
+        <p:spPr/>
+        <p:txBody>
+          <a:bodyPr/>
+          <a:lstStyle/>
+          <a:p>
+            <a:endParaRPr lang="en-US" dirty="0"/>
+          </a:p>
+        </p:txBody>
+      </p:sp>
+      <p:sp>
+        <p:nvSpPr>
+          <p:cNvPr id="7" name="Slide Number Placeholder 5">
+            <a:extLst>
+              <a:ext uri="{FF2B5EF4-FFF2-40B4-BE49-F238E27FC236}">
+                <a16:creationId xmlns:a16="http://schemas.microsoft.com/office/drawing/2014/main" id="{5049B984-F964-47FF-8179-0A3007CE21CD}"/>
+              </a:ext>
+            </a:extLst>
+          </p:cNvPr>
+          <p:cNvSpPr txBox="1">
+            <a:spLocks/>
+          </p:cNvSpPr>
+          <p:nvPr/>
+        </p:nvSpPr>
+        <p:spPr>
+          <a:xfrm>
+            <a:off x="6488999" y="8847000"/>
+            <a:ext cx="367414" cy="297000"/>
+          </a:xfrm>
+          <a:prstGeom prst="rect">
+            <a:avLst/>
+          </a:prstGeom>
+        </p:spPr>
+        <p:txBody>
+          <a:bodyPr vert="horz" lIns="91440" tIns="45720" rIns="91440" bIns="45720" rtlCol="0" anchor="b"/>
+          <a:lstStyle>
+            <a:defPPr>
+              <a:defRPr lang="en-US"/>
+            </a:defPPr>
+            <a:lvl1pPr marL="0" algn="r" defTabSz="914400" rtl="0" eaLnBrk="1" latinLnBrk="0" hangingPunct="1">
+              <a:defRPr sz="1200" kern="1200">
+                <a:solidFill>
+                  <a:schemeClr val="tx1"/>
+                </a:solidFill>
+                <a:latin typeface="+mn-lt"/>
+                <a:ea typeface="+mn-ea"/>
+                <a:cs typeface="+mn-cs"/>
+              </a:defRPr>
+            </a:lvl1pPr>
+            <a:lvl2pPr marL="457200" algn="l" defTabSz="914400" rtl="0" eaLnBrk="1" latinLnBrk="0" hangingPunct="1">
+              <a:defRPr sz="1800" kern="1200">
+                <a:solidFill>
+                  <a:schemeClr val="tx1"/>
+                </a:solidFill>
+                <a:latin typeface="+mn-lt"/>
+                <a:ea typeface="+mn-ea"/>
+                <a:cs typeface="+mn-cs"/>
+              </a:defRPr>
+            </a:lvl2pPr>
+            <a:lvl3pPr marL="914400" algn="l" defTabSz="914400" rtl="0" eaLnBrk="1" latinLnBrk="0" hangingPunct="1">
+              <a:defRPr sz="1800" kern="1200">
+                <a:solidFill>
+                  <a:schemeClr val="tx1"/>
+                </a:solidFill>
+                <a:latin typeface="+mn-lt"/>
+                <a:ea typeface="+mn-ea"/>
+                <a:cs typeface="+mn-cs"/>
+              </a:defRPr>
+            </a:lvl3pPr>
+            <a:lvl4pPr marL="1371600" algn="l" defTabSz="914400" rtl="0" eaLnBrk="1" latinLnBrk="0" hangingPunct="1">
+              <a:defRPr sz="1800" kern="1200">
+                <a:solidFill>
+                  <a:schemeClr val="tx1"/>
+                </a:solidFill>
+                <a:latin typeface="+mn-lt"/>
+                <a:ea typeface="+mn-ea"/>
+                <a:cs typeface="+mn-cs"/>
+              </a:defRPr>
+            </a:lvl4pPr>
+            <a:lvl5pPr marL="1828800" algn="l" defTabSz="914400" rtl="0" eaLnBrk="1" latinLnBrk="0" hangingPunct="1">
+              <a:defRPr sz="1800" kern="1200">
+                <a:solidFill>
+                  <a:schemeClr val="tx1"/>
+                </a:solidFill>
+                <a:latin typeface="+mn-lt"/>
+                <a:ea typeface="+mn-ea"/>
+                <a:cs typeface="+mn-cs"/>
+              </a:defRPr>
+            </a:lvl5pPr>
+            <a:lvl6pPr marL="2286000" algn="l" defTabSz="914400" rtl="0" eaLnBrk="1" latinLnBrk="0" hangingPunct="1">
+              <a:defRPr sz="1800" kern="1200">
+                <a:solidFill>
+                  <a:schemeClr val="tx1"/>
+                </a:solidFill>
+                <a:latin typeface="+mn-lt"/>
+                <a:ea typeface="+mn-ea"/>
+                <a:cs typeface="+mn-cs"/>
+              </a:defRPr>
+            </a:lvl6pPr>
+            <a:lvl7pPr marL="2743200" algn="l" defTabSz="914400" rtl="0" eaLnBrk="1" latinLnBrk="0" hangingPunct="1">
+              <a:defRPr sz="1800" kern="1200">
+                <a:solidFill>
+                  <a:schemeClr val="tx1"/>
+                </a:solidFill>
+                <a:latin typeface="+mn-lt"/>
+                <a:ea typeface="+mn-ea"/>
+                <a:cs typeface="+mn-cs"/>
+              </a:defRPr>
+            </a:lvl7pPr>
+            <a:lvl8pPr marL="3200400" algn="l" defTabSz="914400" rtl="0" eaLnBrk="1" latinLnBrk="0" hangingPunct="1">
+              <a:defRPr sz="1800" kern="1200">
+                <a:solidFill>
+                  <a:schemeClr val="tx1"/>
+                </a:solidFill>
+                <a:latin typeface="+mn-lt"/>
+                <a:ea typeface="+mn-ea"/>
+                <a:cs typeface="+mn-cs"/>
+              </a:defRPr>
+            </a:lvl8pPr>
+            <a:lvl9pPr marL="3657600" algn="l" defTabSz="914400" rtl="0" eaLnBrk="1" latinLnBrk="0" hangingPunct="1">
+              <a:defRPr sz="1800" kern="1200">
+                <a:solidFill>
+                  <a:schemeClr val="tx1"/>
+                </a:solidFill>
+                <a:latin typeface="+mn-lt"/>
+                <a:ea typeface="+mn-ea"/>
+                <a:cs typeface="+mn-cs"/>
+              </a:defRPr>
+            </a:lvl9pPr>
+          </a:lstStyle>
+          <a:p>
+            <a:fld id="{3EBA5BD7-F043-4D1B-AA17-CD412FC534DE}" type="slidenum">
+              <a:rPr lang="en-US" smtClean="0"/>
+              <a:pPr/>
               <a:t>35</a:t>
             </a:fld>
             <a:endParaRPr lang="en-US" dirty="0"/>
@@ -6957,7 +7187,7 @@
 </p:notes>
 </file>
 
-<file path=ppt/notesSlides/notesSlide34.xml><?xml version="1.0" encoding="utf-8"?>
+<file path=ppt/notesSlides/notesSlide35.xml><?xml version="1.0" encoding="utf-8"?>
 <p:notes xmlns:a="http://schemas.openxmlformats.org/drawingml/2006/main" xmlns:r="http://schemas.openxmlformats.org/officeDocument/2006/relationships" xmlns:p="http://schemas.openxmlformats.org/presentationml/2006/main">
   <p:cSld>
     <p:spTree>
@@ -7461,135 +7691,28 @@
           <a:bodyPr/>
           <a:lstStyle/>
           <a:p>
-            <a:endParaRPr lang="en-US"/>
+            <a:endParaRPr lang="en-BG" dirty="0"/>
           </a:p>
         </p:txBody>
       </p:sp>
       <p:sp>
         <p:nvSpPr>
-          <p:cNvPr id="7" name="Slide Number Placeholder 5">
-            <a:extLst>
-              <a:ext uri="{FF2B5EF4-FFF2-40B4-BE49-F238E27FC236}">
-                <a16:creationId xmlns:a16="http://schemas.microsoft.com/office/drawing/2014/main" id="{BD88B0D8-949C-482D-990A-2DAB14AD4AD1}"/>
-              </a:ext>
-            </a:extLst>
-          </p:cNvPr>
-          <p:cNvSpPr txBox="1">
-            <a:spLocks/>
+          <p:cNvPr id="4" name="Slide Number Placeholder 3"/>
+          <p:cNvSpPr>
+            <a:spLocks noGrp="1"/>
           </p:cNvSpPr>
-          <p:nvPr/>
-        </p:nvSpPr>
-        <p:spPr>
-          <a:xfrm>
-            <a:off x="6488999" y="8847000"/>
-            <a:ext cx="367414" cy="297000"/>
-          </a:xfrm>
-          <a:prstGeom prst="rect">
-            <a:avLst/>
-          </a:prstGeom>
-        </p:spPr>
+          <p:nvPr>
+            <p:ph type="sldNum" sz="quarter" idx="5"/>
+          </p:nvPr>
+        </p:nvSpPr>
+        <p:spPr/>
         <p:txBody>
-          <a:bodyPr vert="horz" lIns="91440" tIns="45720" rIns="91440" bIns="45720" rtlCol="0" anchor="b"/>
-          <a:lstStyle>
-            <a:defPPr>
-              <a:defRPr lang="en-US"/>
-            </a:defPPr>
-            <a:lvl1pPr marL="0" algn="r" defTabSz="914400" rtl="0" eaLnBrk="1" latinLnBrk="0" hangingPunct="1">
-              <a:defRPr sz="1200" kern="1200">
-                <a:solidFill>
-                  <a:schemeClr val="tx1"/>
-                </a:solidFill>
-                <a:latin typeface="+mn-lt"/>
-                <a:ea typeface="+mn-ea"/>
-                <a:cs typeface="+mn-cs"/>
-              </a:defRPr>
-            </a:lvl1pPr>
-            <a:lvl2pPr marL="457200" algn="l" defTabSz="914400" rtl="0" eaLnBrk="1" latinLnBrk="0" hangingPunct="1">
-              <a:defRPr sz="1800" kern="1200">
-                <a:solidFill>
-                  <a:schemeClr val="tx1"/>
-                </a:solidFill>
-                <a:latin typeface="+mn-lt"/>
-                <a:ea typeface="+mn-ea"/>
-                <a:cs typeface="+mn-cs"/>
-              </a:defRPr>
-            </a:lvl2pPr>
-            <a:lvl3pPr marL="914400" algn="l" defTabSz="914400" rtl="0" eaLnBrk="1" latinLnBrk="0" hangingPunct="1">
-              <a:defRPr sz="1800" kern="1200">
-                <a:solidFill>
-                  <a:schemeClr val="tx1"/>
-                </a:solidFill>
-                <a:latin typeface="+mn-lt"/>
-                <a:ea typeface="+mn-ea"/>
-                <a:cs typeface="+mn-cs"/>
-              </a:defRPr>
-            </a:lvl3pPr>
-            <a:lvl4pPr marL="1371600" algn="l" defTabSz="914400" rtl="0" eaLnBrk="1" latinLnBrk="0" hangingPunct="1">
-              <a:defRPr sz="1800" kern="1200">
-                <a:solidFill>
-                  <a:schemeClr val="tx1"/>
-                </a:solidFill>
-                <a:latin typeface="+mn-lt"/>
-                <a:ea typeface="+mn-ea"/>
-                <a:cs typeface="+mn-cs"/>
-              </a:defRPr>
-            </a:lvl4pPr>
-            <a:lvl5pPr marL="1828800" algn="l" defTabSz="914400" rtl="0" eaLnBrk="1" latinLnBrk="0" hangingPunct="1">
-              <a:defRPr sz="1800" kern="1200">
-                <a:solidFill>
-                  <a:schemeClr val="tx1"/>
-                </a:solidFill>
-                <a:latin typeface="+mn-lt"/>
-                <a:ea typeface="+mn-ea"/>
-                <a:cs typeface="+mn-cs"/>
-              </a:defRPr>
-            </a:lvl5pPr>
-            <a:lvl6pPr marL="2286000" algn="l" defTabSz="914400" rtl="0" eaLnBrk="1" latinLnBrk="0" hangingPunct="1">
-              <a:defRPr sz="1800" kern="1200">
-                <a:solidFill>
-                  <a:schemeClr val="tx1"/>
-                </a:solidFill>
-                <a:latin typeface="+mn-lt"/>
-                <a:ea typeface="+mn-ea"/>
-                <a:cs typeface="+mn-cs"/>
-              </a:defRPr>
-            </a:lvl6pPr>
-            <a:lvl7pPr marL="2743200" algn="l" defTabSz="914400" rtl="0" eaLnBrk="1" latinLnBrk="0" hangingPunct="1">
-              <a:defRPr sz="1800" kern="1200">
-                <a:solidFill>
-                  <a:schemeClr val="tx1"/>
-                </a:solidFill>
-                <a:latin typeface="+mn-lt"/>
-                <a:ea typeface="+mn-ea"/>
-                <a:cs typeface="+mn-cs"/>
-              </a:defRPr>
-            </a:lvl7pPr>
-            <a:lvl8pPr marL="3200400" algn="l" defTabSz="914400" rtl="0" eaLnBrk="1" latinLnBrk="0" hangingPunct="1">
-              <a:defRPr sz="1800" kern="1200">
-                <a:solidFill>
-                  <a:schemeClr val="tx1"/>
-                </a:solidFill>
-                <a:latin typeface="+mn-lt"/>
-                <a:ea typeface="+mn-ea"/>
-                <a:cs typeface="+mn-cs"/>
-              </a:defRPr>
-            </a:lvl8pPr>
-            <a:lvl9pPr marL="3657600" algn="l" defTabSz="914400" rtl="0" eaLnBrk="1" latinLnBrk="0" hangingPunct="1">
-              <a:defRPr sz="1800" kern="1200">
-                <a:solidFill>
-                  <a:schemeClr val="tx1"/>
-                </a:solidFill>
-                <a:latin typeface="+mn-lt"/>
-                <a:ea typeface="+mn-ea"/>
-                <a:cs typeface="+mn-cs"/>
-              </a:defRPr>
-            </a:lvl9pPr>
-          </a:lstStyle>
-          <a:p>
-            <a:fld id="{3EBA5BD7-F043-4D1B-AA17-CD412FC534DE}" type="slidenum">
+          <a:bodyPr/>
+          <a:lstStyle/>
+          <a:p>
+            <a:fld id="{2BF067CD-8E6B-4360-9AA8-C5DF2A48A6D1}" type="slidenum">
               <a:rPr lang="en-US" smtClean="0"/>
-              <a:pPr/>
-              <a:t>7</a:t>
+              <a:t>6</a:t>
             </a:fld>
             <a:endParaRPr lang="en-US" dirty="0"/>
           </a:p>
@@ -7597,13 +7720,7 @@
       </p:sp>
       <p:sp>
         <p:nvSpPr>
-          <p:cNvPr id="4" name="Footer Placeholder 3">
-            <a:extLst>
-              <a:ext uri="{FF2B5EF4-FFF2-40B4-BE49-F238E27FC236}">
-                <a16:creationId xmlns:a16="http://schemas.microsoft.com/office/drawing/2014/main" id="{58474633-D38D-4432-867B-70F325FA7016}"/>
-              </a:ext>
-            </a:extLst>
-          </p:cNvPr>
+          <p:cNvPr id="5" name="Footer Placeholder 4"/>
           <p:cNvSpPr>
             <a:spLocks noGrp="1"/>
           </p:cNvSpPr>
@@ -7617,27 +7734,31 @@
           <a:lstStyle/>
           <a:p>
             <a:r>
-              <a:rPr lang="en-US"/>
-              <a:t>© SoftUni – </a:t>
-            </a:r>
-            <a:r>
-              <a:rPr lang="en-US" u="sng">
+              <a:rPr lang="bg-BG" sz="1100"/>
+              <a:t>Работна група </a:t>
+            </a:r>
+            <a:r>
+              <a:rPr lang="bg-BG"/>
+              <a:t>"Образование по програмиране и ИТ"</a:t>
+            </a:r>
+            <a:r>
+              <a:rPr lang="bg-BG" sz="1100"/>
+              <a:t>, с подкрепата на </a:t>
+            </a:r>
+            <a:r>
+              <a:rPr lang="en-US" sz="1100">
                 <a:hlinkClick r:id="rId3"/>
               </a:rPr>
-              <a:t>https://softuni.org</a:t>
-            </a:r>
-            <a:r>
-              <a:rPr lang="en-US"/>
-              <a:t>. Copyrighted document. Unauthorized copy or reproduction is not permitted.</a:t>
-            </a:r>
-            <a:endParaRPr lang="en-US" dirty="0"/>
+              <a:t>SoftUni</a:t>
+            </a:r>
+            <a:endParaRPr lang="en-US" sz="1100" dirty="0"/>
           </a:p>
         </p:txBody>
       </p:sp>
     </p:spTree>
     <p:extLst>
       <p:ext uri="{BB962C8B-B14F-4D97-AF65-F5344CB8AC3E}">
-        <p14:creationId xmlns:p14="http://schemas.microsoft.com/office/powerpoint/2010/main" val="382771432"/>
+        <p14:creationId xmlns:p14="http://schemas.microsoft.com/office/powerpoint/2010/main" val="4042086559"/>
       </p:ext>
     </p:extLst>
   </p:cSld>
@@ -7697,10 +7818,10 @@
       </p:sp>
       <p:sp>
         <p:nvSpPr>
-          <p:cNvPr id="6" name="Slide Number Placeholder 5">
+          <p:cNvPr id="7" name="Slide Number Placeholder 5">
             <a:extLst>
               <a:ext uri="{FF2B5EF4-FFF2-40B4-BE49-F238E27FC236}">
-                <a16:creationId xmlns:a16="http://schemas.microsoft.com/office/drawing/2014/main" id="{973EF363-177A-44DE-80E9-FC9248B7DCA2}"/>
+                <a16:creationId xmlns:a16="http://schemas.microsoft.com/office/drawing/2014/main" id="{BD88B0D8-949C-482D-990A-2DAB14AD4AD1}"/>
               </a:ext>
             </a:extLst>
           </p:cNvPr>
@@ -7819,7 +7940,7 @@
             <a:fld id="{3EBA5BD7-F043-4D1B-AA17-CD412FC534DE}" type="slidenum">
               <a:rPr lang="en-US" smtClean="0"/>
               <a:pPr/>
-              <a:t>8</a:t>
+              <a:t>7</a:t>
             </a:fld>
             <a:endParaRPr lang="en-US" dirty="0"/>
           </a:p>
@@ -7830,7 +7951,7 @@
           <p:cNvPr id="4" name="Footer Placeholder 3">
             <a:extLst>
               <a:ext uri="{FF2B5EF4-FFF2-40B4-BE49-F238E27FC236}">
-                <a16:creationId xmlns:a16="http://schemas.microsoft.com/office/drawing/2014/main" id="{8EE613EE-6697-4964-A067-C2136C00C834}"/>
+                <a16:creationId xmlns:a16="http://schemas.microsoft.com/office/drawing/2014/main" id="{58474633-D38D-4432-867B-70F325FA7016}"/>
               </a:ext>
             </a:extLst>
           </p:cNvPr>
@@ -7867,7 +7988,7 @@
     </p:spTree>
     <p:extLst>
       <p:ext uri="{BB962C8B-B14F-4D97-AF65-F5344CB8AC3E}">
-        <p14:creationId xmlns:p14="http://schemas.microsoft.com/office/powerpoint/2010/main" val="1276311551"/>
+        <p14:creationId xmlns:p14="http://schemas.microsoft.com/office/powerpoint/2010/main" val="382771432"/>
       </p:ext>
     </p:extLst>
   </p:cSld>
@@ -7921,7 +8042,7 @@
           <a:bodyPr/>
           <a:lstStyle/>
           <a:p>
-            <a:endParaRPr lang="en-US"/>
+            <a:endParaRPr lang="en-US" dirty="0"/>
           </a:p>
         </p:txBody>
       </p:sp>
@@ -8049,7 +8170,7 @@
             <a:fld id="{3EBA5BD7-F043-4D1B-AA17-CD412FC534DE}" type="slidenum">
               <a:rPr lang="en-US" smtClean="0"/>
               <a:pPr/>
-              <a:t>9</a:t>
+              <a:t>8</a:t>
             </a:fld>
             <a:endParaRPr lang="en-US" dirty="0"/>
           </a:p>
@@ -8097,7 +8218,7 @@
     </p:spTree>
     <p:extLst>
       <p:ext uri="{BB962C8B-B14F-4D97-AF65-F5344CB8AC3E}">
-        <p14:creationId xmlns:p14="http://schemas.microsoft.com/office/powerpoint/2010/main" val="2869599998"/>
+        <p14:creationId xmlns:p14="http://schemas.microsoft.com/office/powerpoint/2010/main" val="1276311551"/>
       </p:ext>
     </p:extLst>
   </p:cSld>
@@ -8151,7 +8272,7 @@
           <a:bodyPr/>
           <a:lstStyle/>
           <a:p>
-            <a:endParaRPr lang="en-US"/>
+            <a:endParaRPr lang="en-US" dirty="0"/>
           </a:p>
         </p:txBody>
       </p:sp>
@@ -8279,7 +8400,7 @@
             <a:fld id="{3EBA5BD7-F043-4D1B-AA17-CD412FC534DE}" type="slidenum">
               <a:rPr lang="en-US" smtClean="0"/>
               <a:pPr/>
-              <a:t>10</a:t>
+              <a:t>9</a:t>
             </a:fld>
             <a:endParaRPr lang="en-US" dirty="0"/>
           </a:p>
@@ -8327,7 +8448,7 @@
     </p:spTree>
     <p:extLst>
       <p:ext uri="{BB962C8B-B14F-4D97-AF65-F5344CB8AC3E}">
-        <p14:creationId xmlns:p14="http://schemas.microsoft.com/office/powerpoint/2010/main" val="2143125317"/>
+        <p14:creationId xmlns:p14="http://schemas.microsoft.com/office/powerpoint/2010/main" val="2869599998"/>
       </p:ext>
     </p:extLst>
   </p:cSld>
@@ -8509,7 +8630,7 @@
             <a:fld id="{3EBA5BD7-F043-4D1B-AA17-CD412FC534DE}" type="slidenum">
               <a:rPr lang="en-US" smtClean="0"/>
               <a:pPr/>
-              <a:t>11</a:t>
+              <a:t>10</a:t>
             </a:fld>
             <a:endParaRPr lang="en-US" dirty="0"/>
           </a:p>
@@ -8557,7 +8678,7 @@
     </p:spTree>
     <p:extLst>
       <p:ext uri="{BB962C8B-B14F-4D97-AF65-F5344CB8AC3E}">
-        <p14:creationId xmlns:p14="http://schemas.microsoft.com/office/powerpoint/2010/main" val="986854748"/>
+        <p14:creationId xmlns:p14="http://schemas.microsoft.com/office/powerpoint/2010/main" val="2143125317"/>
       </p:ext>
     </p:extLst>
   </p:cSld>
@@ -14100,7 +14221,7 @@
             <a:pPr lvl="1"/>
             <a:r>
               <a:rPr lang="bg-BG" sz="3000" dirty="0"/>
-              <a:t>Включва управление на </a:t>
+              <a:t>Включва </a:t>
             </a:r>
             <a:r>
               <a:rPr lang="bg-BG" sz="3000" b="1" dirty="0">
@@ -14108,6 +14229,14 @@
                   <a:schemeClr val="bg1"/>
                 </a:solidFill>
               </a:rPr>
+              <a:t>управление</a:t>
+            </a:r>
+            <a:r>
+              <a:rPr lang="bg-BG" sz="3000" dirty="0"/>
+              <a:t> на </a:t>
+            </a:r>
+            <a:r>
+              <a:rPr lang="bg-BG" sz="3000" b="1" dirty="0"/>
               <a:t>данни</a:t>
             </a:r>
             <a:r>
@@ -14115,11 +14244,7 @@
               <a:t>, </a:t>
             </a:r>
             <a:r>
-              <a:rPr lang="bg-BG" sz="3000" b="1" dirty="0">
-                <a:solidFill>
-                  <a:schemeClr val="bg1"/>
-                </a:solidFill>
-              </a:rPr>
+              <a:rPr lang="bg-BG" sz="3000" b="1" dirty="0"/>
               <a:t>документи</a:t>
             </a:r>
             <a:r>
@@ -14127,11 +14252,7 @@
               <a:t>, </a:t>
             </a:r>
             <a:r>
-              <a:rPr lang="bg-BG" sz="3000" b="1" dirty="0">
-                <a:solidFill>
-                  <a:schemeClr val="bg1"/>
-                </a:solidFill>
-              </a:rPr>
+              <a:rPr lang="bg-BG" sz="3000" b="1" dirty="0"/>
               <a:t>електронни ресурси </a:t>
             </a:r>
             <a:r>
@@ -14139,11 +14260,7 @@
               <a:t>и други </a:t>
             </a:r>
             <a:r>
-              <a:rPr lang="bg-BG" sz="3000" b="1" dirty="0">
-                <a:solidFill>
-                  <a:schemeClr val="bg1"/>
-                </a:solidFill>
-              </a:rPr>
+              <a:rPr lang="bg-BG" sz="3000" b="1" dirty="0"/>
               <a:t>информационни активи</a:t>
             </a:r>
           </a:p>
@@ -14592,7 +14709,7 @@
             </a:pPr>
             <a:r>
               <a:rPr lang="bg-BG" sz="3000" dirty="0"/>
-              <a:t>Софтуерен продукт, позволяващ да се </a:t>
+              <a:t>Софтуерен продукт за </a:t>
             </a:r>
             <a:r>
               <a:rPr lang="bg-BG" sz="3000" b="1" dirty="0">
@@ -14600,7 +14717,7 @@
                   <a:schemeClr val="bg1"/>
                 </a:solidFill>
               </a:rPr>
-              <a:t>създават</a:t>
+              <a:t>създаване</a:t>
             </a:r>
             <a:r>
               <a:rPr lang="bg-BG" sz="3000" dirty="0"/>
@@ -14612,7 +14729,7 @@
                   <a:schemeClr val="bg1"/>
                 </a:solidFill>
               </a:rPr>
-              <a:t>управляват</a:t>
+              <a:t>управляване</a:t>
             </a:r>
             <a:r>
               <a:rPr lang="bg-BG" sz="3000" dirty="0"/>
@@ -14624,14 +14741,26 @@
                   <a:schemeClr val="bg1"/>
                 </a:solidFill>
               </a:rPr>
-              <a:t>манипулират бази данни</a:t>
+              <a:t>манипулиране </a:t>
+            </a:r>
+            <a:r>
+              <a:rPr lang="bg-BG" sz="3000" dirty="0"/>
+              <a:t>на</a:t>
+            </a:r>
+            <a:r>
+              <a:rPr lang="bg-BG" sz="3000" b="1" dirty="0">
+                <a:solidFill>
+                  <a:schemeClr val="bg1"/>
+                </a:solidFill>
+              </a:rPr>
+              <a:t> бази данни</a:t>
             </a:r>
           </a:p>
           <a:p>
             <a:pPr lvl="1"/>
             <a:r>
               <a:rPr lang="bg-BG" sz="3000" dirty="0"/>
-              <a:t>Предоставят </a:t>
+              <a:t>Предоставя </a:t>
             </a:r>
             <a:r>
               <a:rPr lang="bg-BG" sz="3000" b="1" dirty="0">
@@ -14643,7 +14772,7 @@
             </a:r>
             <a:r>
               <a:rPr lang="bg-BG" sz="3000" dirty="0"/>
-              <a:t>, чрез който потребителите могат да извършват различни </a:t>
+              <a:t> за извършване на различни </a:t>
             </a:r>
             <a:r>
               <a:rPr lang="bg-BG" sz="3000" b="1" dirty="0">
@@ -15089,73 +15218,6 @@
             <a:pPr lvl="1"/>
             <a:r>
               <a:rPr lang="bg-BG" sz="3000" dirty="0"/>
-              <a:t>Прилага различни </a:t>
-            </a:r>
-            <a:r>
-              <a:rPr lang="bg-BG" sz="3000" b="1" dirty="0">
-                <a:solidFill>
-                  <a:schemeClr val="bg1"/>
-                </a:solidFill>
-              </a:rPr>
-              <a:t>мерки</a:t>
-            </a:r>
-            <a:r>
-              <a:rPr lang="bg-BG" sz="3000" dirty="0"/>
-              <a:t> и </a:t>
-            </a:r>
-            <a:r>
-              <a:rPr lang="bg-BG" sz="3000" b="1" dirty="0">
-                <a:solidFill>
-                  <a:schemeClr val="bg1"/>
-                </a:solidFill>
-              </a:rPr>
-              <a:t>контроли</a:t>
-            </a:r>
-            <a:r>
-              <a:rPr lang="bg-BG" sz="3000" dirty="0"/>
-              <a:t>, които осигуряват </a:t>
-            </a:r>
-            <a:r>
-              <a:rPr lang="bg-BG" sz="3000" b="1" dirty="0">
-                <a:solidFill>
-                  <a:schemeClr val="bg1"/>
-                </a:solidFill>
-              </a:rPr>
-              <a:t>поверителност</a:t>
-            </a:r>
-            <a:r>
-              <a:rPr lang="bg-BG" sz="3000" dirty="0"/>
-              <a:t>, </a:t>
-            </a:r>
-            <a:r>
-              <a:rPr lang="bg-BG" sz="3000" b="1" dirty="0">
-                <a:solidFill>
-                  <a:schemeClr val="bg1"/>
-                </a:solidFill>
-              </a:rPr>
-              <a:t>цялостност</a:t>
-            </a:r>
-            <a:r>
-              <a:rPr lang="bg-BG" sz="3000" dirty="0"/>
-              <a:t> и </a:t>
-            </a:r>
-            <a:r>
-              <a:rPr lang="bg-BG" sz="3000" b="1" dirty="0">
-                <a:solidFill>
-                  <a:schemeClr val="bg1"/>
-                </a:solidFill>
-              </a:rPr>
-              <a:t>наличност</a:t>
-            </a:r>
-            <a:r>
-              <a:rPr lang="bg-BG" sz="3000" dirty="0"/>
-              <a:t> на информацията</a:t>
-            </a:r>
-          </a:p>
-          <a:p>
-            <a:pPr lvl="1"/>
-            <a:r>
-              <a:rPr lang="bg-BG" sz="3000" dirty="0"/>
               <a:t>Използва </a:t>
             </a:r>
             <a:r>
@@ -15256,8 +15318,8 @@
         </p:blipFill>
         <p:spPr>
           <a:xfrm>
-            <a:off x="5436356" y="4509000"/>
-            <a:ext cx="1319289" cy="2049490"/>
+            <a:off x="5338678" y="4154030"/>
+            <a:ext cx="1514644" cy="2352970"/>
           </a:xfrm>
           <a:prstGeom prst="rect">
             <a:avLst/>
@@ -15449,55 +15511,6 @@
                       </p:childTnLst>
                     </p:cTn>
                   </p:par>
-                  <p:par>
-                    <p:cTn id="15" fill="hold">
-                      <p:stCondLst>
-                        <p:cond delay="indefinite"/>
-                      </p:stCondLst>
-                      <p:childTnLst>
-                        <p:par>
-                          <p:cTn id="16" fill="hold">
-                            <p:stCondLst>
-                              <p:cond delay="0"/>
-                            </p:stCondLst>
-                            <p:childTnLst>
-                              <p:par>
-                                <p:cTn id="17" presetID="1" presetClass="entr" presetSubtype="0" fill="hold" nodeType="clickEffect">
-                                  <p:stCondLst>
-                                    <p:cond delay="0"/>
-                                  </p:stCondLst>
-                                  <p:childTnLst>
-                                    <p:set>
-                                      <p:cBhvr>
-                                        <p:cTn id="18" dur="1" fill="hold">
-                                          <p:stCondLst>
-                                            <p:cond delay="0"/>
-                                          </p:stCondLst>
-                                        </p:cTn>
-                                        <p:tgtEl>
-                                          <p:spTgt spid="7">
-                                            <p:txEl>
-                                              <p:pRg st="3" end="3"/>
-                                            </p:txEl>
-                                          </p:spTgt>
-                                        </p:tgtEl>
-                                        <p:attrNameLst>
-                                          <p:attrName>style.visibility</p:attrName>
-                                        </p:attrNameLst>
-                                      </p:cBhvr>
-                                      <p:to>
-                                        <p:strVal val="visible"/>
-                                      </p:to>
-                                    </p:set>
-                                  </p:childTnLst>
-                                </p:cTn>
-                              </p:par>
-                            </p:childTnLst>
-                          </p:cTn>
-                        </p:par>
-                      </p:childTnLst>
-                    </p:cTn>
-                  </p:par>
                 </p:childTnLst>
               </p:cTn>
               <p:prevCondLst>
@@ -15668,7 +15681,7 @@
             <a:pPr lvl="1"/>
             <a:r>
               <a:rPr lang="bg-BG" sz="3000" dirty="0"/>
-              <a:t>Свързват </a:t>
+              <a:t>Свързва </a:t>
             </a:r>
             <a:r>
               <a:rPr lang="bg-BG" sz="3000" b="1" dirty="0">
@@ -15683,11 +15696,7 @@
               <a:t> като </a:t>
             </a:r>
             <a:r>
-              <a:rPr lang="bg-BG" sz="3000" b="1" dirty="0">
-                <a:solidFill>
-                  <a:schemeClr val="bg1"/>
-                </a:solidFill>
-              </a:rPr>
+              <a:rPr lang="bg-BG" sz="3000" b="1" dirty="0"/>
               <a:t>компютри</a:t>
             </a:r>
             <a:r>
@@ -15695,11 +15704,7 @@
               <a:t>, </a:t>
             </a:r>
             <a:r>
-              <a:rPr lang="bg-BG" sz="3000" b="1" dirty="0">
-                <a:solidFill>
-                  <a:schemeClr val="bg1"/>
-                </a:solidFill>
-              </a:rPr>
+              <a:rPr lang="bg-BG" sz="3000" b="1" dirty="0"/>
               <a:t>смартфони</a:t>
             </a:r>
             <a:r>
@@ -15707,11 +15712,7 @@
               <a:t>, </a:t>
             </a:r>
             <a:r>
-              <a:rPr lang="bg-BG" sz="3000" b="1" dirty="0">
-                <a:solidFill>
-                  <a:schemeClr val="bg1"/>
-                </a:solidFill>
-              </a:rPr>
+              <a:rPr lang="bg-BG" sz="3000" b="1" dirty="0"/>
               <a:t>принтери</a:t>
             </a:r>
             <a:r>
@@ -15719,11 +15720,7 @@
               <a:t>, </a:t>
             </a:r>
             <a:r>
-              <a:rPr lang="bg-BG" sz="3000" b="1" dirty="0">
-                <a:solidFill>
-                  <a:schemeClr val="bg1"/>
-                </a:solidFill>
-              </a:rPr>
+              <a:rPr lang="bg-BG" sz="3000" b="1" dirty="0"/>
               <a:t>сървъри</a:t>
             </a:r>
             <a:r>
@@ -15735,7 +15732,7 @@
             <a:pPr lvl="1"/>
             <a:r>
               <a:rPr lang="bg-BG" sz="3000" dirty="0"/>
-              <a:t>Осигуряват </a:t>
+              <a:t>Осигурява </a:t>
             </a:r>
             <a:r>
               <a:rPr lang="bg-BG" sz="3000" b="1" dirty="0">
@@ -15750,11 +15747,7 @@
               <a:t> до </a:t>
             </a:r>
             <a:r>
-              <a:rPr lang="bg-BG" sz="3000" b="1" dirty="0">
-                <a:solidFill>
-                  <a:schemeClr val="bg1"/>
-                </a:solidFill>
-              </a:rPr>
+              <a:rPr lang="bg-BG" sz="3000" b="1" dirty="0"/>
               <a:t>интернет</a:t>
             </a:r>
             <a:r>
@@ -15762,11 +15755,7 @@
               <a:t>, </a:t>
             </a:r>
             <a:r>
-              <a:rPr lang="bg-BG" sz="3000" b="1" dirty="0">
-                <a:solidFill>
-                  <a:schemeClr val="bg1"/>
-                </a:solidFill>
-              </a:rPr>
+              <a:rPr lang="bg-BG" sz="3000" b="1" dirty="0"/>
               <a:t>файлови сървъри</a:t>
             </a:r>
             <a:r>
@@ -15774,11 +15763,7 @@
               <a:t>, </a:t>
             </a:r>
             <a:r>
-              <a:rPr lang="bg-BG" sz="3000" b="1" dirty="0">
-                <a:solidFill>
-                  <a:schemeClr val="bg1"/>
-                </a:solidFill>
-              </a:rPr>
+              <a:rPr lang="bg-BG" sz="3000" b="1" dirty="0"/>
               <a:t>бази данни</a:t>
             </a:r>
             <a:r>
@@ -16343,11 +16328,7 @@
           <a:p>
             <a:pPr lvl="1"/>
             <a:r>
-              <a:rPr lang="bg-BG" sz="3000" b="1" dirty="0">
-                <a:solidFill>
-                  <a:schemeClr val="bg1"/>
-                </a:solidFill>
-              </a:rPr>
+              <a:rPr lang="bg-BG" sz="3000" b="1" dirty="0"/>
               <a:t>Компютри</a:t>
             </a:r>
             <a:r>
@@ -16355,11 +16336,7 @@
               <a:t>, </a:t>
             </a:r>
             <a:r>
-              <a:rPr lang="bg-BG" sz="3000" b="1" dirty="0">
-                <a:solidFill>
-                  <a:schemeClr val="bg1"/>
-                </a:solidFill>
-              </a:rPr>
+              <a:rPr lang="bg-BG" sz="3000" b="1" dirty="0"/>
               <a:t>сървъри</a:t>
             </a:r>
             <a:r>
@@ -16367,11 +16344,7 @@
               <a:t>, </a:t>
             </a:r>
             <a:r>
-              <a:rPr lang="bg-BG" sz="3000" b="1" dirty="0">
-                <a:solidFill>
-                  <a:schemeClr val="bg1"/>
-                </a:solidFill>
-              </a:rPr>
+              <a:rPr lang="bg-BG" sz="3000" b="1" dirty="0"/>
               <a:t>мрежови</a:t>
             </a:r>
             <a:r>
@@ -16379,11 +16352,7 @@
               <a:t> и </a:t>
             </a:r>
             <a:r>
-              <a:rPr lang="bg-BG" sz="3000" b="1" dirty="0">
-                <a:solidFill>
-                  <a:schemeClr val="bg1"/>
-                </a:solidFill>
-              </a:rPr>
+              <a:rPr lang="bg-BG" sz="3000" b="1" dirty="0"/>
               <a:t>периферни устройства</a:t>
             </a:r>
           </a:p>
@@ -16404,23 +16373,27 @@
           <a:p>
             <a:pPr lvl="1"/>
             <a:r>
+              <a:rPr lang="bg-BG" sz="3000" b="1" dirty="0"/>
+              <a:t>Операционни</a:t>
+            </a:r>
+            <a:r>
               <a:rPr lang="bg-BG" sz="3000" b="1" dirty="0">
                 <a:solidFill>
                   <a:schemeClr val="bg1"/>
                 </a:solidFill>
               </a:rPr>
-              <a:t>Операционни системи</a:t>
+              <a:t> </a:t>
+            </a:r>
+            <a:r>
+              <a:rPr lang="bg-BG" sz="3000" b="1" dirty="0"/>
+              <a:t>системи</a:t>
             </a:r>
             <a:r>
               <a:rPr lang="bg-BG" sz="3000" dirty="0"/>
               <a:t>, </a:t>
             </a:r>
             <a:r>
-              <a:rPr lang="bg-BG" sz="3000" b="1" dirty="0">
-                <a:solidFill>
-                  <a:schemeClr val="bg1"/>
-                </a:solidFill>
-              </a:rPr>
+              <a:rPr lang="bg-BG" sz="3000" b="1" dirty="0"/>
               <a:t>приложен софтуер </a:t>
             </a:r>
             <a:r>
@@ -16436,12 +16409,16 @@
               <a:t>, </a:t>
             </a:r>
             <a:r>
+              <a:rPr lang="bg-BG" sz="3000" b="1" dirty="0"/>
+              <a:t>системи за управление на бази данни</a:t>
+            </a:r>
+            <a:r>
               <a:rPr lang="bg-BG" sz="3000" b="1" dirty="0">
                 <a:solidFill>
                   <a:schemeClr val="bg1"/>
                 </a:solidFill>
               </a:rPr>
-              <a:t>системи за управление на бази данни </a:t>
+              <a:t> </a:t>
             </a:r>
             <a:r>
               <a:rPr lang="bg-BG" sz="3000" dirty="0"/>
@@ -16852,11 +16829,7 @@
           <a:p>
             <a:pPr lvl="1"/>
             <a:r>
-              <a:rPr lang="bg-BG" sz="3000" b="1" dirty="0">
-                <a:solidFill>
-                  <a:schemeClr val="bg1"/>
-                </a:solidFill>
-              </a:rPr>
+              <a:rPr lang="bg-BG" sz="3000" b="1" dirty="0"/>
               <a:t>Текстове</a:t>
             </a:r>
             <a:r>
@@ -16864,11 +16837,7 @@
               <a:t>, </a:t>
             </a:r>
             <a:r>
-              <a:rPr lang="bg-BG" sz="3000" b="1" dirty="0">
-                <a:solidFill>
-                  <a:schemeClr val="bg1"/>
-                </a:solidFill>
-              </a:rPr>
+              <a:rPr lang="bg-BG" sz="3000" b="1" dirty="0"/>
               <a:t>числа</a:t>
             </a:r>
             <a:r>
@@ -16876,11 +16845,7 @@
               <a:t>, </a:t>
             </a:r>
             <a:r>
-              <a:rPr lang="bg-BG" sz="3000" b="1" dirty="0">
-                <a:solidFill>
-                  <a:schemeClr val="bg1"/>
-                </a:solidFill>
-              </a:rPr>
+              <a:rPr lang="bg-BG" sz="3000" b="1" dirty="0"/>
               <a:t>изображения</a:t>
             </a:r>
             <a:r>
@@ -16893,11 +16858,7 @@
                   <a:schemeClr val="bg1"/>
                 </a:solidFill>
               </a:rPr>
-              <a:t>форми</a:t>
-            </a:r>
-            <a:r>
-              <a:rPr lang="bg-BG" sz="3000" dirty="0"/>
-              <a:t> на информация</a:t>
+              <a:t>форми на информация</a:t>
             </a:r>
           </a:p>
           <a:p>
@@ -16913,8 +16874,20 @@
           <a:p>
             <a:pPr lvl="1"/>
             <a:r>
+              <a:rPr lang="bg-BG" sz="3000" b="1" dirty="0"/>
+              <a:t>Алгоритми</a:t>
+            </a:r>
+            <a:r>
               <a:rPr lang="bg-BG" sz="3000" dirty="0"/>
-              <a:t>Алгоритми и процеси за </a:t>
+              <a:t> и </a:t>
+            </a:r>
+            <a:r>
+              <a:rPr lang="bg-BG" sz="3000" b="1" dirty="0"/>
+              <a:t>процеси</a:t>
+            </a:r>
+            <a:r>
+              <a:rPr lang="bg-BG" sz="3000" dirty="0"/>
+              <a:t> за </a:t>
             </a:r>
             <a:r>
               <a:rPr lang="bg-BG" sz="3000" b="1" dirty="0">
@@ -17357,35 +17330,31 @@
           <a:p>
             <a:pPr lvl="1"/>
             <a:r>
-              <a:rPr lang="bg-BG" sz="3000" b="1" dirty="0">
-                <a:solidFill>
-                  <a:schemeClr val="bg1"/>
-                </a:solidFill>
-              </a:rPr>
+              <a:rPr lang="bg-BG" sz="3000" b="1" dirty="0"/>
               <a:t>Графични</a:t>
             </a:r>
             <a:r>
               <a:rPr lang="bg-BG" sz="3000" dirty="0"/>
-              <a:t> потребителски интерфейси, </a:t>
-            </a:r>
-            <a:r>
-              <a:rPr lang="bg-BG" sz="3000" b="1" dirty="0">
-                <a:solidFill>
-                  <a:schemeClr val="bg1"/>
-                </a:solidFill>
-              </a:rPr>
-              <a:t>текстови</a:t>
+              <a:t> </a:t>
+            </a:r>
+            <a:r>
+              <a:rPr lang="bg-BG" sz="3000" b="1" dirty="0"/>
+              <a:t>потребителски интерфейси</a:t>
             </a:r>
             <a:r>
               <a:rPr lang="bg-BG" sz="3000" dirty="0"/>
-              <a:t> интерфейси, </a:t>
-            </a:r>
-            <a:r>
-              <a:rPr lang="bg-BG" sz="3000" b="1" dirty="0">
-                <a:solidFill>
-                  <a:schemeClr val="bg1"/>
-                </a:solidFill>
-              </a:rPr>
+              <a:t>, </a:t>
+            </a:r>
+            <a:r>
+              <a:rPr lang="bg-BG" sz="3000" b="1" dirty="0"/>
+              <a:t>текстови интерфейси</a:t>
+            </a:r>
+            <a:r>
+              <a:rPr lang="bg-BG" sz="3000" dirty="0"/>
+              <a:t>, </a:t>
+            </a:r>
+            <a:r>
+              <a:rPr lang="bg-BG" sz="3000" b="1" dirty="0"/>
               <a:t>гласови команди </a:t>
             </a:r>
             <a:r>
@@ -17406,11 +17375,7 @@
           <a:p>
             <a:pPr lvl="1"/>
             <a:r>
-              <a:rPr lang="bg-BG" sz="3000" b="1" dirty="0">
-                <a:solidFill>
-                  <a:schemeClr val="bg1"/>
-                </a:solidFill>
-              </a:rPr>
+              <a:rPr lang="bg-BG" sz="3000" b="1" dirty="0"/>
               <a:t>Потребители</a:t>
             </a:r>
             <a:r>
@@ -17418,11 +17383,7 @@
               <a:t> и </a:t>
             </a:r>
             <a:r>
-              <a:rPr lang="bg-BG" sz="3000" b="1" dirty="0">
-                <a:solidFill>
-                  <a:schemeClr val="bg1"/>
-                </a:solidFill>
-              </a:rPr>
+              <a:rPr lang="bg-BG" sz="3000" b="1" dirty="0"/>
               <a:t>администратори</a:t>
             </a:r>
             <a:r>
@@ -19239,24 +19200,16 @@
               <a:t> системите </a:t>
             </a:r>
             <a:r>
-              <a:rPr lang="en-US" dirty="0"/>
+              <a:rPr lang="en-US" b="1" dirty="0"/>
               <a:t>(</a:t>
             </a:r>
             <a:r>
-              <a:rPr lang="en-GB" dirty="0"/>
+              <a:rPr lang="en-GB" b="1" dirty="0"/>
               <a:t>Management Information System</a:t>
             </a:r>
             <a:r>
-              <a:rPr lang="en-US" dirty="0"/>
-              <a:t>s)</a:t>
-            </a:r>
-            <a:r>
-              <a:rPr lang="en-US" b="1" dirty="0">
-                <a:solidFill>
-                  <a:schemeClr val="bg1"/>
-                </a:solidFill>
-              </a:rPr>
-              <a:t> </a:t>
+              <a:rPr lang="en-US" b="1" dirty="0"/>
+              <a:t>s) </a:t>
             </a:r>
             <a:r>
               <a:rPr lang="bg-BG" b="1" dirty="0">
@@ -20351,15 +20304,15 @@
               <a:t>системите </a:t>
             </a:r>
             <a:r>
-              <a:rPr lang="bg-BG" dirty="0"/>
+              <a:rPr lang="bg-BG" b="1" dirty="0"/>
               <a:t>(</a:t>
             </a:r>
             <a:r>
-              <a:rPr lang="en-GB" dirty="0"/>
+              <a:rPr lang="en-GB" b="1" dirty="0"/>
               <a:t>Enterprise Resource Planning</a:t>
             </a:r>
             <a:r>
-              <a:rPr lang="en-US" dirty="0"/>
+              <a:rPr lang="en-US" b="1" dirty="0"/>
               <a:t>) </a:t>
             </a:r>
             <a:r>
@@ -20399,11 +20352,7 @@
               <a:t> в една </a:t>
             </a:r>
             <a:r>
-              <a:rPr lang="bg-BG" b="1" dirty="0">
-                <a:solidFill>
-                  <a:schemeClr val="bg1"/>
-                </a:solidFill>
-              </a:rPr>
+              <a:rPr lang="bg-BG" b="1" dirty="0"/>
               <a:t>централизирана система </a:t>
             </a:r>
             <a:r>
@@ -20426,11 +20375,7 @@
               <a:t> информацията в организацията – </a:t>
             </a:r>
             <a:r>
-              <a:rPr lang="bg-BG" b="1" dirty="0">
-                <a:solidFill>
-                  <a:schemeClr val="bg1"/>
-                </a:solidFill>
-              </a:rPr>
+              <a:rPr lang="bg-BG" b="1" dirty="0"/>
               <a:t>финансови ресурси</a:t>
             </a:r>
             <a:r>
@@ -20438,11 +20383,7 @@
               <a:t>, </a:t>
             </a:r>
             <a:r>
-              <a:rPr lang="bg-BG" b="1" dirty="0">
-                <a:solidFill>
-                  <a:schemeClr val="bg1"/>
-                </a:solidFill>
-              </a:rPr>
+              <a:rPr lang="bg-BG" b="1" dirty="0"/>
               <a:t>производствен процес</a:t>
             </a:r>
             <a:r>
@@ -20450,11 +20391,7 @@
               <a:t>, </a:t>
             </a:r>
             <a:r>
-              <a:rPr lang="bg-BG" b="1" dirty="0">
-                <a:solidFill>
-                  <a:schemeClr val="bg1"/>
-                </a:solidFill>
-              </a:rPr>
+              <a:rPr lang="bg-BG" b="1" dirty="0"/>
               <a:t>инвентар</a:t>
             </a:r>
             <a:r>
@@ -20462,11 +20399,7 @@
               <a:t>, </a:t>
             </a:r>
             <a:r>
-              <a:rPr lang="bg-BG" b="1" dirty="0">
-                <a:solidFill>
-                  <a:schemeClr val="bg1"/>
-                </a:solidFill>
-              </a:rPr>
+              <a:rPr lang="bg-BG" b="1" dirty="0"/>
               <a:t>продажби</a:t>
             </a:r>
             <a:r>
@@ -21146,20 +21079,24 @@
               <a:t>системите </a:t>
             </a:r>
             <a:r>
-              <a:rPr lang="en-US" dirty="0"/>
+              <a:rPr lang="en-US" b="1" dirty="0"/>
               <a:t>(</a:t>
             </a:r>
             <a:r>
-              <a:rPr lang="en-GB" dirty="0"/>
+              <a:rPr lang="en-GB" b="1" dirty="0"/>
               <a:t>Customer Relationship Management</a:t>
             </a:r>
             <a:r>
-              <a:rPr lang="en-US" dirty="0"/>
+              <a:rPr lang="en-US" b="1" dirty="0"/>
               <a:t>)</a:t>
             </a:r>
             <a:r>
+              <a:rPr lang="bg-BG" b="1" dirty="0"/>
+              <a:t> </a:t>
+            </a:r>
+            <a:r>
               <a:rPr lang="bg-BG" dirty="0"/>
-              <a:t> се използват от организации за </a:t>
+              <a:t>се използват от организации за </a:t>
             </a:r>
             <a:r>
               <a:rPr lang="bg-BG" b="1" dirty="0">
@@ -21213,7 +21150,19 @@
           <a:p>
             <a:r>
               <a:rPr lang="bg-BG" dirty="0"/>
-              <a:t>Целта им е да подобряват </a:t>
+              <a:t>Целта им е да </a:t>
+            </a:r>
+            <a:r>
+              <a:rPr lang="bg-BG" b="1" dirty="0">
+                <a:solidFill>
+                  <a:schemeClr val="bg1"/>
+                </a:solidFill>
+              </a:rPr>
+              <a:t>подобряват</a:t>
+            </a:r>
+            <a:r>
+              <a:rPr lang="bg-BG" dirty="0"/>
+              <a:t> </a:t>
             </a:r>
             <a:r>
               <a:rPr lang="bg-BG" b="1" dirty="0">
@@ -21225,19 +21174,7 @@
             </a:r>
             <a:r>
               <a:rPr lang="bg-BG" dirty="0"/>
-              <a:t> </a:t>
-            </a:r>
-            <a:r>
-              <a:rPr lang="bg-BG" b="1" dirty="0">
-                <a:solidFill>
-                  <a:schemeClr val="bg1"/>
-                </a:solidFill>
-              </a:rPr>
-              <a:t>с клиентите</a:t>
-            </a:r>
-            <a:r>
-              <a:rPr lang="bg-BG" dirty="0"/>
-              <a:t>, да </a:t>
+              <a:t> с клиентите, да </a:t>
             </a:r>
             <a:r>
               <a:rPr lang="bg-BG" b="1" dirty="0">
@@ -21936,11 +21873,11 @@
               <a:t>системите </a:t>
             </a:r>
             <a:r>
-              <a:rPr lang="bg-BG" dirty="0"/>
+              <a:rPr lang="bg-BG" b="1" dirty="0"/>
               <a:t>(</a:t>
             </a:r>
             <a:r>
-              <a:rPr lang="en-GB" dirty="0"/>
+              <a:rPr lang="en-GB" b="1" dirty="0"/>
               <a:t>Project Management Systems) </a:t>
             </a:r>
             <a:r>
@@ -22698,15 +22635,15 @@
               <a:t>системите </a:t>
             </a:r>
             <a:r>
-              <a:rPr lang="bg-BG" dirty="0"/>
+              <a:rPr lang="bg-BG" b="1" dirty="0"/>
               <a:t>(</a:t>
             </a:r>
             <a:r>
-              <a:rPr lang="en-GB" dirty="0"/>
+              <a:rPr lang="en-GB" b="1" dirty="0"/>
               <a:t>Learning Management Systems</a:t>
             </a:r>
             <a:r>
-              <a:rPr lang="en-US" dirty="0"/>
+              <a:rPr lang="en-US" b="1" dirty="0"/>
               <a:t>) </a:t>
             </a:r>
             <a:r>
@@ -22726,11 +22663,7 @@
               <a:t> на </a:t>
             </a:r>
             <a:r>
-              <a:rPr lang="bg-BG" b="1" dirty="0">
-                <a:solidFill>
-                  <a:schemeClr val="bg1"/>
-                </a:solidFill>
-              </a:rPr>
+              <a:rPr lang="bg-BG" b="1" dirty="0"/>
               <a:t>учебни материали</a:t>
             </a:r>
             <a:r>
@@ -22738,11 +22671,7 @@
               <a:t>, </a:t>
             </a:r>
             <a:r>
-              <a:rPr lang="bg-BG" b="1" dirty="0">
-                <a:solidFill>
-                  <a:schemeClr val="bg1"/>
-                </a:solidFill>
-              </a:rPr>
+              <a:rPr lang="bg-BG" b="1" dirty="0"/>
               <a:t>курсове</a:t>
             </a:r>
             <a:r>
@@ -22750,11 +22679,7 @@
               <a:t>, </a:t>
             </a:r>
             <a:r>
-              <a:rPr lang="bg-BG" b="1" dirty="0">
-                <a:solidFill>
-                  <a:schemeClr val="bg1"/>
-                </a:solidFill>
-              </a:rPr>
+              <a:rPr lang="bg-BG" b="1" dirty="0"/>
               <a:t>тестове</a:t>
             </a:r>
             <a:r>
@@ -22774,11 +22699,7 @@
               <a:t> на </a:t>
             </a:r>
             <a:r>
-              <a:rPr lang="bg-BG" b="1" dirty="0">
-                <a:solidFill>
-                  <a:schemeClr val="bg1"/>
-                </a:solidFill>
-              </a:rPr>
+              <a:rPr lang="bg-BG" b="1" dirty="0"/>
               <a:t>напредъка</a:t>
             </a:r>
             <a:r>
@@ -22786,11 +22707,7 @@
               <a:t> на </a:t>
             </a:r>
             <a:r>
-              <a:rPr lang="bg-BG" b="1" dirty="0">
-                <a:solidFill>
-                  <a:schemeClr val="bg1"/>
-                </a:solidFill>
-              </a:rPr>
+              <a:rPr lang="bg-BG" b="1" dirty="0"/>
               <a:t>обучението</a:t>
             </a:r>
           </a:p>
@@ -23953,19 +23870,19 @@
               <a:t>системите </a:t>
             </a:r>
             <a:r>
-              <a:rPr lang="en-US" dirty="0"/>
+              <a:rPr lang="en-US" b="1" dirty="0"/>
               <a:t>(</a:t>
             </a:r>
             <a:r>
-              <a:rPr lang="en-GB" dirty="0"/>
+              <a:rPr lang="en-GB" b="1" dirty="0"/>
               <a:t>Human Resource Management Systems</a:t>
             </a:r>
             <a:r>
-              <a:rPr lang="bg-BG" dirty="0"/>
+              <a:rPr lang="bg-BG" b="1" dirty="0"/>
               <a:t>)</a:t>
             </a:r>
             <a:r>
-              <a:rPr lang="en-US" dirty="0"/>
+              <a:rPr lang="en-US" b="1" dirty="0"/>
               <a:t> </a:t>
             </a:r>
             <a:r>
@@ -24005,11 +23922,7 @@
               <a:t> на организацията, като </a:t>
             </a:r>
             <a:r>
-              <a:rPr lang="bg-BG" b="1" dirty="0">
-                <a:solidFill>
-                  <a:schemeClr val="bg1"/>
-                </a:solidFill>
-              </a:rPr>
+              <a:rPr lang="bg-BG" b="1" dirty="0"/>
               <a:t>персонални данни</a:t>
             </a:r>
             <a:r>
@@ -24017,11 +23930,7 @@
               <a:t>, </a:t>
             </a:r>
             <a:r>
-              <a:rPr lang="bg-BG" b="1" dirty="0">
-                <a:solidFill>
-                  <a:schemeClr val="bg1"/>
-                </a:solidFill>
-              </a:rPr>
+              <a:rPr lang="bg-BG" b="1" dirty="0"/>
               <a:t>заплати</a:t>
             </a:r>
             <a:r>
@@ -24029,11 +23938,7 @@
               <a:t>, </a:t>
             </a:r>
             <a:r>
-              <a:rPr lang="bg-BG" b="1" dirty="0">
-                <a:solidFill>
-                  <a:schemeClr val="bg1"/>
-                </a:solidFill>
-              </a:rPr>
+              <a:rPr lang="bg-BG" b="1" dirty="0"/>
               <a:t>отпуски</a:t>
             </a:r>
             <a:r>
@@ -24865,7 +24770,7 @@
         </p:spPr>
         <p:txBody>
           <a:bodyPr>
-            <a:normAutofit fontScale="62500" lnSpcReduction="20000"/>
+            <a:normAutofit fontScale="55000" lnSpcReduction="20000"/>
           </a:bodyPr>
           <a:lstStyle>
             <a:lvl1pPr marL="514350" indent="-514350">
@@ -24928,9 +24833,24 @@
               </a:rPr>
               <a:t>Информационни системи</a:t>
             </a:r>
-            <a:endParaRPr lang="en-US" sz="4000" b="1" dirty="0">
+          </a:p>
+          <a:p>
+            <a:pPr marL="969948" lvl="1" indent="-360363" fontAlgn="base">
+              <a:buClr>
+                <a:schemeClr val="bg2"/>
+              </a:buClr>
+            </a:pPr>
+            <a:r>
+              <a:rPr lang="bg-BG" sz="3800" dirty="0">
+                <a:solidFill>
+                  <a:schemeClr val="bg2"/>
+                </a:solidFill>
+              </a:rPr>
+              <a:t>Комбинация от взаимносвързани компоненти, позволяващи работа с информация</a:t>
+            </a:r>
+            <a:endParaRPr lang="en-US" sz="3800" dirty="0">
               <a:solidFill>
-                <a:schemeClr val="accent1"/>
+                <a:schemeClr val="bg2"/>
               </a:solidFill>
             </a:endParaRPr>
           </a:p>
@@ -24941,8 +24861,16 @@
               </a:buClr>
             </a:pPr>
             <a:r>
+              <a:rPr lang="bg-BG" sz="3800" b="1" dirty="0">
+                <a:solidFill>
+                  <a:schemeClr val="accent1"/>
+                </a:solidFill>
+              </a:rPr>
+              <a:t>Роля</a:t>
+            </a:r>
+            <a:r>
               <a:rPr lang="bg-BG" sz="3800" dirty="0"/>
-              <a:t>Роля на информационните системи в реалния свят</a:t>
+              <a:t> на информационните системи в реалния свят</a:t>
             </a:r>
           </a:p>
           <a:p>
@@ -24992,7 +24920,15 @@
             </a:pPr>
             <a:r>
               <a:rPr lang="bg-BG" sz="3800" dirty="0"/>
-              <a:t>Основни понятия</a:t>
+              <a:t>Основни </a:t>
+            </a:r>
+            <a:r>
+              <a:rPr lang="bg-BG" sz="3800" b="1" dirty="0">
+                <a:solidFill>
+                  <a:schemeClr val="accent1"/>
+                </a:solidFill>
+              </a:rPr>
+              <a:t>понятия</a:t>
             </a:r>
           </a:p>
           <a:p>
@@ -25002,96 +24938,16 @@
               </a:buClr>
             </a:pPr>
             <a:r>
-              <a:rPr lang="bg-BG" sz="3600" b="1" dirty="0">
-                <a:solidFill>
-                  <a:schemeClr val="accent1"/>
+              <a:rPr lang="bg-BG" sz="3600" dirty="0">
+                <a:solidFill>
+                  <a:schemeClr val="bg2"/>
                 </a:solidFill>
               </a:rPr>
-              <a:t>Бази данни</a:t>
-            </a:r>
-            <a:r>
-              <a:rPr lang="bg-BG" sz="3600" dirty="0">
-                <a:solidFill>
-                  <a:schemeClr val="bg2"/>
-                </a:solidFill>
-              </a:rPr>
-              <a:t>, </a:t>
-            </a:r>
-            <a:r>
-              <a:rPr lang="bg-BG" sz="3600" b="1" dirty="0">
-                <a:solidFill>
-                  <a:schemeClr val="accent1"/>
-                </a:solidFill>
-              </a:rPr>
-              <a:t>потребителски интерфейс</a:t>
-            </a:r>
-            <a:r>
-              <a:rPr lang="bg-BG" sz="3600" dirty="0">
-                <a:solidFill>
-                  <a:schemeClr val="bg2"/>
-                </a:solidFill>
-              </a:rPr>
-              <a:t>, </a:t>
-            </a:r>
-            <a:r>
-              <a:rPr lang="bg-BG" sz="3600" b="1" dirty="0">
-                <a:solidFill>
-                  <a:schemeClr val="accent1"/>
-                </a:solidFill>
-              </a:rPr>
-              <a:t>мениджмънт на информацията</a:t>
-            </a:r>
-            <a:r>
-              <a:rPr lang="bg-BG" sz="3600" dirty="0">
-                <a:solidFill>
-                  <a:schemeClr val="bg2"/>
-                </a:solidFill>
-              </a:rPr>
-              <a:t>, </a:t>
-            </a:r>
-            <a:r>
-              <a:rPr lang="bg-BG" sz="3600" b="1" dirty="0">
-                <a:solidFill>
-                  <a:schemeClr val="accent1"/>
-                </a:solidFill>
-              </a:rPr>
-              <a:t>система за управление на бази данни</a:t>
-            </a:r>
-            <a:r>
-              <a:rPr lang="bg-BG" sz="3600" dirty="0">
-                <a:solidFill>
-                  <a:schemeClr val="bg2"/>
-                </a:solidFill>
-              </a:rPr>
-              <a:t>, </a:t>
-            </a:r>
-            <a:r>
-              <a:rPr lang="bg-BG" sz="3600" b="1" dirty="0">
-                <a:solidFill>
-                  <a:schemeClr val="accent1"/>
-                </a:solidFill>
-              </a:rPr>
-              <a:t>информационна сигурност</a:t>
-            </a:r>
-            <a:r>
-              <a:rPr lang="bg-BG" sz="3600" dirty="0">
-                <a:solidFill>
-                  <a:schemeClr val="bg2"/>
-                </a:solidFill>
-              </a:rPr>
-              <a:t>, </a:t>
-            </a:r>
-            <a:r>
-              <a:rPr lang="bg-BG" sz="3600" b="1" dirty="0">
-                <a:solidFill>
-                  <a:schemeClr val="accent1"/>
-                </a:solidFill>
-              </a:rPr>
-              <a:t>мрежи и комуникации</a:t>
-            </a:r>
-            <a:endParaRPr lang="bg-BG" sz="3800" b="1" dirty="0">
+              <a:t>Бази данни, потребителски интерфейс, мениджмънт на информацията, система за управление на бази данни, информационна сигурност, мрежи и комуникации</a:t>
+            </a:r>
+            <a:endParaRPr lang="bg-BG" sz="3800" dirty="0">
               <a:solidFill>
-                <a:schemeClr val="accent1"/>
+                <a:schemeClr val="bg2"/>
               </a:solidFill>
             </a:endParaRPr>
           </a:p>
@@ -25102,8 +24958,16 @@
               </a:buClr>
             </a:pPr>
             <a:r>
+              <a:rPr lang="bg-BG" sz="3800" b="1" dirty="0">
+                <a:solidFill>
+                  <a:schemeClr val="accent1"/>
+                </a:solidFill>
+              </a:rPr>
+              <a:t>Елементи</a:t>
+            </a:r>
+            <a:r>
               <a:rPr lang="bg-BG" sz="3800" dirty="0"/>
-              <a:t>Елементи на информационните системи</a:t>
+              <a:t> на информационните системи</a:t>
             </a:r>
           </a:p>
           <a:p>
@@ -25113,92 +24977,12 @@
               </a:buClr>
             </a:pPr>
             <a:r>
-              <a:rPr lang="bg-BG" sz="3600" b="1" dirty="0">
-                <a:solidFill>
-                  <a:schemeClr val="accent1"/>
+              <a:rPr lang="bg-BG" sz="3600" dirty="0">
+                <a:solidFill>
+                  <a:schemeClr val="bg2"/>
                 </a:solidFill>
               </a:rPr>
-              <a:t>Хардуерни</a:t>
-            </a:r>
-            <a:r>
-              <a:rPr lang="bg-BG" sz="3600" dirty="0">
-                <a:solidFill>
-                  <a:schemeClr val="bg2"/>
-                </a:solidFill>
-              </a:rPr>
-              <a:t>, </a:t>
-            </a:r>
-            <a:r>
-              <a:rPr lang="bg-BG" sz="3600" b="1" dirty="0">
-                <a:solidFill>
-                  <a:schemeClr val="accent1"/>
-                </a:solidFill>
-              </a:rPr>
-              <a:t>софтуерни</a:t>
-            </a:r>
-            <a:r>
-              <a:rPr lang="bg-BG" sz="3600" dirty="0">
-                <a:solidFill>
-                  <a:schemeClr val="bg2"/>
-                </a:solidFill>
-              </a:rPr>
-              <a:t>, </a:t>
-            </a:r>
-            <a:r>
-              <a:rPr lang="bg-BG" sz="3600" b="1" dirty="0">
-                <a:solidFill>
-                  <a:schemeClr val="accent1"/>
-                </a:solidFill>
-              </a:rPr>
-              <a:t>данни</a:t>
-            </a:r>
-            <a:r>
-              <a:rPr lang="bg-BG" sz="3600" dirty="0">
-                <a:solidFill>
-                  <a:schemeClr val="bg2"/>
-                </a:solidFill>
-              </a:rPr>
-              <a:t>, </a:t>
-            </a:r>
-            <a:r>
-              <a:rPr lang="bg-BG" sz="3600" b="1" dirty="0">
-                <a:solidFill>
-                  <a:schemeClr val="accent1"/>
-                </a:solidFill>
-              </a:rPr>
-              <a:t>процеси</a:t>
-            </a:r>
-            <a:r>
-              <a:rPr lang="bg-BG" sz="3600" dirty="0">
-                <a:solidFill>
-                  <a:schemeClr val="bg2"/>
-                </a:solidFill>
-              </a:rPr>
-              <a:t>, </a:t>
-            </a:r>
-            <a:r>
-              <a:rPr lang="bg-BG" sz="3600" b="1" dirty="0">
-                <a:solidFill>
-                  <a:schemeClr val="accent1"/>
-                </a:solidFill>
-              </a:rPr>
-              <a:t>потребителски интерфейси</a:t>
-            </a:r>
-            <a:r>
-              <a:rPr lang="bg-BG" sz="3600" dirty="0">
-                <a:solidFill>
-                  <a:schemeClr val="bg2"/>
-                </a:solidFill>
-              </a:rPr>
-              <a:t>, </a:t>
-            </a:r>
-            <a:r>
-              <a:rPr lang="bg-BG" sz="3600" b="1" dirty="0">
-                <a:solidFill>
-                  <a:schemeClr val="accent1"/>
-                </a:solidFill>
-              </a:rPr>
-              <a:t>хора</a:t>
+              <a:t>Хардуерни, софтуерни, данни, процеси, потребителски интерфейси, хора</a:t>
             </a:r>
           </a:p>
           <a:p>
@@ -25208,8 +24992,16 @@
               </a:buClr>
             </a:pPr>
             <a:r>
+              <a:rPr lang="bg-BG" sz="3800" b="1" dirty="0">
+                <a:solidFill>
+                  <a:schemeClr val="accent1"/>
+                </a:solidFill>
+              </a:rPr>
+              <a:t>Видове</a:t>
+            </a:r>
+            <a:r>
               <a:rPr lang="bg-BG" sz="3800" dirty="0"/>
-              <a:t>Видове информационни системи</a:t>
+              <a:t> информационни системи</a:t>
             </a:r>
             <a:r>
               <a:rPr lang="en-US" sz="3800" dirty="0"/>
@@ -25396,33 +25188,15 @@
                                   </p:childTnLst>
                                 </p:cTn>
                               </p:par>
-                            </p:childTnLst>
-                          </p:cTn>
-                        </p:par>
-                      </p:childTnLst>
-                    </p:cTn>
-                  </p:par>
-                  <p:par>
-                    <p:cTn id="7" fill="hold">
-                      <p:stCondLst>
-                        <p:cond delay="indefinite"/>
-                      </p:stCondLst>
-                      <p:childTnLst>
-                        <p:par>
-                          <p:cTn id="8" fill="hold">
-                            <p:stCondLst>
-                              <p:cond delay="0"/>
-                            </p:stCondLst>
-                            <p:childTnLst>
                               <p:par>
-                                <p:cTn id="9" presetID="1" presetClass="entr" presetSubtype="0" fill="hold" nodeType="clickEffect">
+                                <p:cTn id="7" presetID="1" presetClass="entr" presetSubtype="0" fill="hold" nodeType="withEffect">
                                   <p:stCondLst>
                                     <p:cond delay="0"/>
                                   </p:stCondLst>
                                   <p:childTnLst>
                                     <p:set>
                                       <p:cBhvr>
-                                        <p:cTn id="10" dur="1" fill="hold">
+                                        <p:cTn id="8" dur="1" fill="hold">
                                           <p:stCondLst>
                                             <p:cond delay="0"/>
                                           </p:stCondLst>
@@ -25445,8 +25219,26 @@
                                   </p:childTnLst>
                                 </p:cTn>
                               </p:par>
+                            </p:childTnLst>
+                          </p:cTn>
+                        </p:par>
+                      </p:childTnLst>
+                    </p:cTn>
+                  </p:par>
+                  <p:par>
+                    <p:cTn id="9" fill="hold">
+                      <p:stCondLst>
+                        <p:cond delay="indefinite"/>
+                      </p:stCondLst>
+                      <p:childTnLst>
+                        <p:par>
+                          <p:cTn id="10" fill="hold">
+                            <p:stCondLst>
+                              <p:cond delay="0"/>
+                            </p:stCondLst>
+                            <p:childTnLst>
                               <p:par>
-                                <p:cTn id="11" presetID="1" presetClass="entr" presetSubtype="0" fill="hold" nodeType="withEffect">
+                                <p:cTn id="11" presetID="1" presetClass="entr" presetSubtype="0" fill="hold" nodeType="clickEffect">
                                   <p:stCondLst>
                                     <p:cond delay="0"/>
                                   </p:stCondLst>
@@ -25476,33 +25268,15 @@
                                   </p:childTnLst>
                                 </p:cTn>
                               </p:par>
-                            </p:childTnLst>
-                          </p:cTn>
-                        </p:par>
-                      </p:childTnLst>
-                    </p:cTn>
-                  </p:par>
-                  <p:par>
-                    <p:cTn id="13" fill="hold">
-                      <p:stCondLst>
-                        <p:cond delay="indefinite"/>
-                      </p:stCondLst>
-                      <p:childTnLst>
-                        <p:par>
-                          <p:cTn id="14" fill="hold">
-                            <p:stCondLst>
-                              <p:cond delay="0"/>
-                            </p:stCondLst>
-                            <p:childTnLst>
                               <p:par>
-                                <p:cTn id="15" presetID="1" presetClass="entr" presetSubtype="0" fill="hold" nodeType="clickEffect">
+                                <p:cTn id="13" presetID="1" presetClass="entr" presetSubtype="0" fill="hold" nodeType="withEffect">
                                   <p:stCondLst>
                                     <p:cond delay="0"/>
                                   </p:stCondLst>
                                   <p:childTnLst>
                                     <p:set>
                                       <p:cBhvr>
-                                        <p:cTn id="16" dur="1" fill="hold">
+                                        <p:cTn id="14" dur="1" fill="hold">
                                           <p:stCondLst>
                                             <p:cond delay="0"/>
                                           </p:stCondLst>
@@ -25525,8 +25299,26 @@
                                   </p:childTnLst>
                                 </p:cTn>
                               </p:par>
+                            </p:childTnLst>
+                          </p:cTn>
+                        </p:par>
+                      </p:childTnLst>
+                    </p:cTn>
+                  </p:par>
+                  <p:par>
+                    <p:cTn id="15" fill="hold">
+                      <p:stCondLst>
+                        <p:cond delay="indefinite"/>
+                      </p:stCondLst>
+                      <p:childTnLst>
+                        <p:par>
+                          <p:cTn id="16" fill="hold">
+                            <p:stCondLst>
+                              <p:cond delay="0"/>
+                            </p:stCondLst>
+                            <p:childTnLst>
                               <p:par>
-                                <p:cTn id="17" presetID="1" presetClass="entr" presetSubtype="0" fill="hold" nodeType="withEffect">
+                                <p:cTn id="17" presetID="1" presetClass="entr" presetSubtype="0" fill="hold" nodeType="clickEffect">
                                   <p:stCondLst>
                                     <p:cond delay="0"/>
                                   </p:stCondLst>
@@ -25556,33 +25348,15 @@
                                   </p:childTnLst>
                                 </p:cTn>
                               </p:par>
-                            </p:childTnLst>
-                          </p:cTn>
-                        </p:par>
-                      </p:childTnLst>
-                    </p:cTn>
-                  </p:par>
-                  <p:par>
-                    <p:cTn id="19" fill="hold">
-                      <p:stCondLst>
-                        <p:cond delay="indefinite"/>
-                      </p:stCondLst>
-                      <p:childTnLst>
-                        <p:par>
-                          <p:cTn id="20" fill="hold">
-                            <p:stCondLst>
-                              <p:cond delay="0"/>
-                            </p:stCondLst>
-                            <p:childTnLst>
                               <p:par>
-                                <p:cTn id="21" presetID="1" presetClass="entr" presetSubtype="0" fill="hold" nodeType="clickEffect">
+                                <p:cTn id="19" presetID="1" presetClass="entr" presetSubtype="0" fill="hold" nodeType="withEffect">
                                   <p:stCondLst>
                                     <p:cond delay="0"/>
                                   </p:stCondLst>
                                   <p:childTnLst>
                                     <p:set>
                                       <p:cBhvr>
-                                        <p:cTn id="22" dur="1" fill="hold">
+                                        <p:cTn id="20" dur="1" fill="hold">
                                           <p:stCondLst>
                                             <p:cond delay="0"/>
                                           </p:stCondLst>
@@ -25605,8 +25379,26 @@
                                   </p:childTnLst>
                                 </p:cTn>
                               </p:par>
+                            </p:childTnLst>
+                          </p:cTn>
+                        </p:par>
+                      </p:childTnLst>
+                    </p:cTn>
+                  </p:par>
+                  <p:par>
+                    <p:cTn id="21" fill="hold">
+                      <p:stCondLst>
+                        <p:cond delay="indefinite"/>
+                      </p:stCondLst>
+                      <p:childTnLst>
+                        <p:par>
+                          <p:cTn id="22" fill="hold">
+                            <p:stCondLst>
+                              <p:cond delay="0"/>
+                            </p:stCondLst>
+                            <p:childTnLst>
                               <p:par>
-                                <p:cTn id="23" presetID="1" presetClass="entr" presetSubtype="0" fill="hold" nodeType="withEffect">
+                                <p:cTn id="23" presetID="1" presetClass="entr" presetSubtype="0" fill="hold" nodeType="clickEffect">
                                   <p:stCondLst>
                                     <p:cond delay="0"/>
                                   </p:stCondLst>
@@ -25636,33 +25428,15 @@
                                   </p:childTnLst>
                                 </p:cTn>
                               </p:par>
-                            </p:childTnLst>
-                          </p:cTn>
-                        </p:par>
-                      </p:childTnLst>
-                    </p:cTn>
-                  </p:par>
-                  <p:par>
-                    <p:cTn id="25" fill="hold">
-                      <p:stCondLst>
-                        <p:cond delay="indefinite"/>
-                      </p:stCondLst>
-                      <p:childTnLst>
-                        <p:par>
-                          <p:cTn id="26" fill="hold">
-                            <p:stCondLst>
-                              <p:cond delay="0"/>
-                            </p:stCondLst>
-                            <p:childTnLst>
                               <p:par>
-                                <p:cTn id="27" presetID="1" presetClass="entr" presetSubtype="0" fill="hold" nodeType="clickEffect">
+                                <p:cTn id="25" presetID="1" presetClass="entr" presetSubtype="0" fill="hold" nodeType="withEffect">
                                   <p:stCondLst>
                                     <p:cond delay="0"/>
                                   </p:stCondLst>
                                   <p:childTnLst>
                                     <p:set>
                                       <p:cBhvr>
-                                        <p:cTn id="28" dur="1" fill="hold">
+                                        <p:cTn id="26" dur="1" fill="hold">
                                           <p:stCondLst>
                                             <p:cond delay="0"/>
                                           </p:stCondLst>
@@ -25671,6 +25445,55 @@
                                           <p:spTgt spid="14">
                                             <p:txEl>
                                               <p:pRg st="7" end="7"/>
+                                            </p:txEl>
+                                          </p:spTgt>
+                                        </p:tgtEl>
+                                        <p:attrNameLst>
+                                          <p:attrName>style.visibility</p:attrName>
+                                        </p:attrNameLst>
+                                      </p:cBhvr>
+                                      <p:to>
+                                        <p:strVal val="visible"/>
+                                      </p:to>
+                                    </p:set>
+                                  </p:childTnLst>
+                                </p:cTn>
+                              </p:par>
+                            </p:childTnLst>
+                          </p:cTn>
+                        </p:par>
+                      </p:childTnLst>
+                    </p:cTn>
+                  </p:par>
+                  <p:par>
+                    <p:cTn id="27" fill="hold">
+                      <p:stCondLst>
+                        <p:cond delay="indefinite"/>
+                      </p:stCondLst>
+                      <p:childTnLst>
+                        <p:par>
+                          <p:cTn id="28" fill="hold">
+                            <p:stCondLst>
+                              <p:cond delay="0"/>
+                            </p:stCondLst>
+                            <p:childTnLst>
+                              <p:par>
+                                <p:cTn id="29" presetID="1" presetClass="entr" presetSubtype="0" fill="hold" nodeType="clickEffect">
+                                  <p:stCondLst>
+                                    <p:cond delay="0"/>
+                                  </p:stCondLst>
+                                  <p:childTnLst>
+                                    <p:set>
+                                      <p:cBhvr>
+                                        <p:cTn id="30" dur="1" fill="hold">
+                                          <p:stCondLst>
+                                            <p:cond delay="0"/>
+                                          </p:stCondLst>
+                                        </p:cTn>
+                                        <p:tgtEl>
+                                          <p:spTgt spid="14">
+                                            <p:txEl>
+                                              <p:pRg st="8" end="8"/>
                                             </p:txEl>
                                           </p:spTgt>
                                         </p:tgtEl>
@@ -26905,11 +26728,7 @@
               <a:t>Помагат за </a:t>
             </a:r>
             <a:r>
-              <a:rPr lang="bg-BG" b="1" dirty="0">
-                <a:solidFill>
-                  <a:schemeClr val="bg1"/>
-                </a:solidFill>
-              </a:rPr>
+              <a:rPr lang="bg-BG" b="1" dirty="0"/>
               <a:t>вземане на решения</a:t>
             </a:r>
             <a:r>
@@ -26917,11 +26736,7 @@
               <a:t>, </a:t>
             </a:r>
             <a:r>
-              <a:rPr lang="bg-BG" b="1" dirty="0">
-                <a:solidFill>
-                  <a:schemeClr val="bg1"/>
-                </a:solidFill>
-              </a:rPr>
+              <a:rPr lang="bg-BG" b="1" dirty="0"/>
               <a:t>управление на ресурси</a:t>
             </a:r>
             <a:r>
@@ -26929,16 +26744,20 @@
               <a:t>, </a:t>
             </a:r>
             <a:r>
+              <a:rPr lang="bg-BG" b="1" dirty="0"/>
+              <a:t>комуникация</a:t>
+            </a:r>
+            <a:r>
               <a:rPr lang="bg-BG" b="1" dirty="0">
                 <a:solidFill>
                   <a:schemeClr val="bg1"/>
                 </a:solidFill>
               </a:rPr>
-              <a:t>комуникация между нивата в организацията </a:t>
+              <a:t> </a:t>
             </a:r>
             <a:r>
               <a:rPr lang="bg-BG" dirty="0"/>
-              <a:t>и др.</a:t>
+              <a:t>между нивата в организацията и др.</a:t>
             </a:r>
           </a:p>
           <a:p>
@@ -26962,11 +26781,7 @@
               <a:t>Предоставят </a:t>
             </a:r>
             <a:r>
-              <a:rPr lang="bg-BG" b="1" dirty="0">
-                <a:solidFill>
-                  <a:schemeClr val="bg1"/>
-                </a:solidFill>
-              </a:rPr>
+              <a:rPr lang="bg-BG" b="1" dirty="0"/>
               <a:t>средства</a:t>
             </a:r>
             <a:r>
@@ -26974,11 +26789,7 @@
               <a:t> за </a:t>
             </a:r>
             <a:r>
-              <a:rPr lang="bg-BG" b="1" dirty="0">
-                <a:solidFill>
-                  <a:schemeClr val="bg1"/>
-                </a:solidFill>
-              </a:rPr>
+              <a:rPr lang="bg-BG" b="1" dirty="0"/>
               <a:t>бързо</a:t>
             </a:r>
             <a:r>
@@ -26986,11 +26797,7 @@
               <a:t> и </a:t>
             </a:r>
             <a:r>
-              <a:rPr lang="bg-BG" b="1" dirty="0">
-                <a:solidFill>
-                  <a:schemeClr val="bg1"/>
-                </a:solidFill>
-              </a:rPr>
+              <a:rPr lang="bg-BG" b="1" dirty="0"/>
               <a:t>ефективно комуникиране </a:t>
             </a:r>
             <a:r>
@@ -27407,11 +27214,7 @@
               <a:t>Предоставят </a:t>
             </a:r>
             <a:r>
-              <a:rPr lang="bg-BG" sz="3000" b="1" dirty="0">
-                <a:solidFill>
-                  <a:schemeClr val="bg1"/>
-                </a:solidFill>
-              </a:rPr>
+              <a:rPr lang="bg-BG" sz="3000" b="1" dirty="0"/>
               <a:t>достъп</a:t>
             </a:r>
             <a:r>
@@ -27419,11 +27222,7 @@
               <a:t> до информация, </a:t>
             </a:r>
             <a:r>
-              <a:rPr lang="bg-BG" sz="3000" b="1" dirty="0">
-                <a:solidFill>
-                  <a:schemeClr val="bg1"/>
-                </a:solidFill>
-              </a:rPr>
+              <a:rPr lang="bg-BG" sz="3000" b="1" dirty="0"/>
               <a:t>инструменти</a:t>
             </a:r>
             <a:r>
@@ -27431,11 +27230,7 @@
               <a:t> и </a:t>
             </a:r>
             <a:r>
-              <a:rPr lang="bg-BG" sz="3000" b="1" dirty="0">
-                <a:solidFill>
-                  <a:schemeClr val="bg1"/>
-                </a:solidFill>
-              </a:rPr>
+              <a:rPr lang="bg-BG" sz="3000" b="1" dirty="0"/>
               <a:t>средства</a:t>
             </a:r>
             <a:r>
@@ -27443,11 +27238,7 @@
               <a:t> за </a:t>
             </a:r>
             <a:r>
-              <a:rPr lang="bg-BG" sz="3000" b="1" dirty="0">
-                <a:solidFill>
-                  <a:schemeClr val="bg1"/>
-                </a:solidFill>
-              </a:rPr>
+              <a:rPr lang="bg-BG" sz="3000" b="1" dirty="0"/>
               <a:t>анализ</a:t>
             </a:r>
             <a:r>
@@ -27455,11 +27246,7 @@
               <a:t> и </a:t>
             </a:r>
             <a:r>
-              <a:rPr lang="bg-BG" sz="3000" b="1" dirty="0">
-                <a:solidFill>
-                  <a:schemeClr val="bg1"/>
-                </a:solidFill>
-              </a:rPr>
+              <a:rPr lang="bg-BG" sz="3000" b="1" dirty="0"/>
               <a:t>споделяне</a:t>
             </a:r>
             <a:r>
@@ -27467,11 +27254,7 @@
               <a:t> </a:t>
             </a:r>
             <a:r>
-              <a:rPr lang="bg-BG" sz="3000" b="1" dirty="0">
-                <a:solidFill>
-                  <a:schemeClr val="bg1"/>
-                </a:solidFill>
-              </a:rPr>
+              <a:rPr lang="bg-BG" sz="3000" b="1" dirty="0"/>
               <a:t>на резултати</a:t>
             </a:r>
           </a:p>
@@ -27496,11 +27279,7 @@
               <a:t>Улесняват достъпа до </a:t>
             </a:r>
             <a:r>
-              <a:rPr lang="bg-BG" sz="3000" b="1" dirty="0">
-                <a:solidFill>
-                  <a:schemeClr val="bg1"/>
-                </a:solidFill>
-              </a:rPr>
+              <a:rPr lang="bg-BG" sz="3000" b="1" dirty="0"/>
               <a:t>учебни материали</a:t>
             </a:r>
             <a:r>
@@ -27508,11 +27287,7 @@
               <a:t>, </a:t>
             </a:r>
             <a:r>
-              <a:rPr lang="bg-BG" sz="3000" b="1" dirty="0">
-                <a:solidFill>
-                  <a:schemeClr val="bg1"/>
-                </a:solidFill>
-              </a:rPr>
+              <a:rPr lang="bg-BG" sz="3000" b="1" dirty="0"/>
               <a:t>интерактивни уроци</a:t>
             </a:r>
             <a:r>
@@ -27520,11 +27295,7 @@
               <a:t>, </a:t>
             </a:r>
             <a:r>
-              <a:rPr lang="bg-BG" sz="3000" b="1" dirty="0">
-                <a:solidFill>
-                  <a:schemeClr val="bg1"/>
-                </a:solidFill>
-              </a:rPr>
+              <a:rPr lang="bg-BG" sz="3000" b="1" dirty="0"/>
               <a:t>онлайн курсове</a:t>
             </a:r>
           </a:p>
@@ -27606,7 +27377,7 @@
           <p:nvPr/>
         </p:nvPicPr>
         <p:blipFill>
-          <a:blip r:embed="rId2">
+          <a:blip r:embed="rId3">
             <a:extLst>
               <a:ext uri="{28A0092B-C50C-407E-A947-70E740481C1C}">
                 <a14:useLocalDpi xmlns:a14="http://schemas.microsoft.com/office/drawing/2010/main" val="0"/>

--- a/Courses/Software-Sciences/Module-4-Information-Systems-New/01-Introduction-to-IT-Systems/01-Introduction-to-IT-Systems.pptx
+++ b/Courses/Software-Sciences/Module-4-Information-Systems-New/01-Introduction-to-IT-Systems/01-Introduction-to-IT-Systems.pptx
@@ -325,7 +325,7 @@
           <a:p>
             <a:fld id="{4E087215-0C8F-4762-A664-737A353EC9A4}" type="datetimeFigureOut">
               <a:rPr lang="bg-BG" smtClean="0"/>
-              <a:t>4.04.24 г.</a:t>
+              <a:t>5.04.24 г.</a:t>
             </a:fld>
             <a:endParaRPr lang="bg-BG"/>
           </a:p>
@@ -521,7 +521,7 @@
           <a:p>
             <a:fld id="{72D84649-876A-46C9-8472-14CB09C070D8}" type="datetimeFigureOut">
               <a:rPr lang="en-US" smtClean="0"/>
-              <a:t>4/4/24</a:t>
+              <a:t>4/5/24</a:t>
             </a:fld>
             <a:endParaRPr lang="en-US"/>
           </a:p>
@@ -24565,7 +24565,7 @@
         <p:grpSpPr>
           <a:xfrm>
             <a:off x="190406" y="1360993"/>
-            <a:ext cx="9470432" cy="5394328"/>
+            <a:ext cx="11562624" cy="5394328"/>
             <a:chOff x="472011" y="1508786"/>
             <a:chExt cx="3799787" cy="4865561"/>
           </a:xfrm>
@@ -24764,8 +24764,8 @@
         </p:nvSpPr>
         <p:spPr>
           <a:xfrm>
-            <a:off x="697878" y="1676785"/>
-            <a:ext cx="8775781" cy="4830215"/>
+            <a:off x="697877" y="1676785"/>
+            <a:ext cx="10826625" cy="4830215"/>
           </a:xfrm>
         </p:spPr>
         <p:txBody>
@@ -24846,7 +24846,23 @@
                   <a:schemeClr val="bg2"/>
                 </a:solidFill>
               </a:rPr>
-              <a:t>Комбинация от взаимносвързани компоненти, позволяващи работа с информация</a:t>
+              <a:t>Комбинация от </a:t>
+            </a:r>
+            <a:r>
+              <a:rPr lang="bg-BG" sz="3800" b="1" dirty="0">
+                <a:solidFill>
+                  <a:schemeClr val="accent1"/>
+                </a:solidFill>
+              </a:rPr>
+              <a:t>взаимносвързани компоненти</a:t>
+            </a:r>
+            <a:r>
+              <a:rPr lang="bg-BG" sz="3800" dirty="0">
+                <a:solidFill>
+                  <a:schemeClr val="bg2"/>
+                </a:solidFill>
+              </a:rPr>
+              <a:t>, позволяващи работа с информация</a:t>
             </a:r>
             <a:endParaRPr lang="en-US" sz="3800" dirty="0">
               <a:solidFill>
@@ -25014,41 +25030,6 @@
           </a:p>
         </p:txBody>
       </p:sp>
-      <p:pic>
-        <p:nvPicPr>
-          <p:cNvPr id="13" name="Picture SoftUni Mascot">
-            <a:extLst>
-              <a:ext uri="{FF2B5EF4-FFF2-40B4-BE49-F238E27FC236}">
-                <a16:creationId xmlns:a16="http://schemas.microsoft.com/office/drawing/2014/main" id="{CCC3A316-993C-4741-8826-E104F27650A3}"/>
-              </a:ext>
-            </a:extLst>
-          </p:cNvPr>
-          <p:cNvPicPr>
-            <a:picLocks noChangeAspect="1"/>
-          </p:cNvPicPr>
-          <p:nvPr/>
-        </p:nvPicPr>
-        <p:blipFill rotWithShape="1">
-          <a:blip r:embed="rId3" cstate="print">
-            <a:extLst>
-              <a:ext uri="{28A0092B-C50C-407E-A947-70E740481C1C}">
-                <a14:useLocalDpi xmlns:a14="http://schemas.microsoft.com/office/drawing/2010/main" val="0"/>
-              </a:ext>
-            </a:extLst>
-          </a:blip>
-          <a:srcRect/>
-          <a:stretch/>
-        </p:blipFill>
-        <p:spPr>
-          <a:xfrm flipH="1">
-            <a:off x="9810597" y="4204252"/>
-            <a:ext cx="2056123" cy="2225242"/>
-          </a:xfrm>
-          <a:prstGeom prst="rect">
-            <a:avLst/>
-          </a:prstGeom>
-        </p:spPr>
-      </p:pic>
       <p:sp>
         <p:nvSpPr>
           <p:cNvPr id="4" name="Slide Title"/>

--- a/Courses/Software-Sciences/Module-4-Information-Systems-New/01-Introduction-to-IT-Systems/01-Introduction-to-IT-Systems.pptx
+++ b/Courses/Software-Sciences/Module-4-Information-Systems-New/01-Introduction-to-IT-Systems/01-Introduction-to-IT-Systems.pptx
@@ -325,7 +325,7 @@
           <a:p>
             <a:fld id="{4E087215-0C8F-4762-A664-737A353EC9A4}" type="datetimeFigureOut">
               <a:rPr lang="bg-BG" smtClean="0"/>
-              <a:t>5.04.24 г.</a:t>
+              <a:t>10.04.24 г.</a:t>
             </a:fld>
             <a:endParaRPr lang="bg-BG"/>
           </a:p>
@@ -521,7 +521,7 @@
           <a:p>
             <a:fld id="{72D84649-876A-46C9-8472-14CB09C070D8}" type="datetimeFigureOut">
               <a:rPr lang="en-US" smtClean="0"/>
-              <a:t>4/5/24</a:t>
+              <a:t>4/10/24</a:t>
             </a:fld>
             <a:endParaRPr lang="en-US"/>
           </a:p>
@@ -24826,7 +24826,7 @@
               </a:buClr>
             </a:pPr>
             <a:r>
-              <a:rPr lang="bg-BG" sz="4000" b="1" dirty="0">
+              <a:rPr lang="bg-BG" sz="4400" b="1" dirty="0">
                 <a:solidFill>
                   <a:schemeClr val="accent1"/>
                 </a:solidFill>
@@ -24841,7 +24841,7 @@
               </a:buClr>
             </a:pPr>
             <a:r>
-              <a:rPr lang="bg-BG" sz="3800" dirty="0">
+              <a:rPr lang="bg-BG" sz="4000" dirty="0">
                 <a:solidFill>
                   <a:schemeClr val="bg2"/>
                 </a:solidFill>
@@ -24849,7 +24849,7 @@
               <a:t>Комбинация от </a:t>
             </a:r>
             <a:r>
-              <a:rPr lang="bg-BG" sz="3800" b="1" dirty="0">
+              <a:rPr lang="bg-BG" sz="4000" b="1" dirty="0">
                 <a:solidFill>
                   <a:schemeClr val="accent1"/>
                 </a:solidFill>
@@ -24857,14 +24857,14 @@
               <a:t>взаимносвързани компоненти</a:t>
             </a:r>
             <a:r>
-              <a:rPr lang="bg-BG" sz="3800" dirty="0">
+              <a:rPr lang="bg-BG" sz="4000" dirty="0">
                 <a:solidFill>
                   <a:schemeClr val="bg2"/>
                 </a:solidFill>
               </a:rPr>
               <a:t>, позволяващи работа с информация</a:t>
             </a:r>
-            <a:endParaRPr lang="en-US" sz="3800" dirty="0">
+            <a:endParaRPr lang="en-US" sz="4000" dirty="0">
               <a:solidFill>
                 <a:schemeClr val="bg2"/>
               </a:solidFill>
@@ -24877,7 +24877,7 @@
               </a:buClr>
             </a:pPr>
             <a:r>
-              <a:rPr lang="bg-BG" sz="3800" b="1" dirty="0">
+              <a:rPr lang="bg-BG" sz="4400" b="1" dirty="0">
                 <a:solidFill>
                   <a:schemeClr val="accent1"/>
                 </a:solidFill>
@@ -24885,7 +24885,7 @@
               <a:t>Роля</a:t>
             </a:r>
             <a:r>
-              <a:rPr lang="bg-BG" sz="3800" dirty="0"/>
+              <a:rPr lang="bg-BG" sz="4400" dirty="0"/>
               <a:t> на информационните системи в реалния свят</a:t>
             </a:r>
           </a:p>
@@ -24896,7 +24896,7 @@
               </a:buClr>
             </a:pPr>
             <a:r>
-              <a:rPr lang="bg-BG" sz="3600" b="1" dirty="0">
+              <a:rPr lang="bg-BG" sz="4000" b="1" dirty="0">
                 <a:solidFill>
                   <a:schemeClr val="accent1"/>
                 </a:solidFill>
@@ -24904,7 +24904,7 @@
               <a:t>Подпомагат</a:t>
             </a:r>
             <a:r>
-              <a:rPr lang="bg-BG" sz="3600" dirty="0">
+              <a:rPr lang="bg-BG" sz="4000" dirty="0">
                 <a:solidFill>
                   <a:schemeClr val="bg2"/>
                 </a:solidFill>
@@ -24912,7 +24912,7 @@
               <a:t> и </a:t>
             </a:r>
             <a:r>
-              <a:rPr lang="bg-BG" sz="3600" b="1" dirty="0">
+              <a:rPr lang="bg-BG" sz="4000" b="1" dirty="0">
                 <a:solidFill>
                   <a:schemeClr val="accent1"/>
                 </a:solidFill>
@@ -24920,7 +24920,7 @@
               <a:t>подобряват</a:t>
             </a:r>
             <a:r>
-              <a:rPr lang="bg-BG" sz="3600" dirty="0">
+              <a:rPr lang="bg-BG" sz="4000" dirty="0">
                 <a:solidFill>
                   <a:schemeClr val="bg2"/>
                 </a:solidFill>
@@ -24935,11 +24935,11 @@
               </a:buClr>
             </a:pPr>
             <a:r>
-              <a:rPr lang="bg-BG" sz="3800" dirty="0"/>
+              <a:rPr lang="bg-BG" sz="4400" dirty="0"/>
               <a:t>Основни </a:t>
             </a:r>
             <a:r>
-              <a:rPr lang="bg-BG" sz="3800" b="1" dirty="0">
+              <a:rPr lang="bg-BG" sz="4400" b="1" dirty="0">
                 <a:solidFill>
                   <a:schemeClr val="accent1"/>
                 </a:solidFill>
@@ -24954,18 +24954,13 @@
               </a:buClr>
             </a:pPr>
             <a:r>
-              <a:rPr lang="bg-BG" sz="3600" dirty="0">
+              <a:rPr lang="bg-BG" sz="4000" dirty="0">
                 <a:solidFill>
                   <a:schemeClr val="bg2"/>
                 </a:solidFill>
               </a:rPr>
               <a:t>Бази данни, потребителски интерфейс, мениджмънт на информацията, система за управление на бази данни, информационна сигурност, мрежи и комуникации</a:t>
             </a:r>
-            <a:endParaRPr lang="bg-BG" sz="3800" dirty="0">
-              <a:solidFill>
-                <a:schemeClr val="bg2"/>
-              </a:solidFill>
-            </a:endParaRPr>
           </a:p>
           <a:p>
             <a:pPr marL="360363" indent="-360363" fontAlgn="base">
@@ -24974,7 +24969,7 @@
               </a:buClr>
             </a:pPr>
             <a:r>
-              <a:rPr lang="bg-BG" sz="3800" b="1" dirty="0">
+              <a:rPr lang="bg-BG" sz="4400" b="1" dirty="0">
                 <a:solidFill>
                   <a:schemeClr val="accent1"/>
                 </a:solidFill>
@@ -24982,7 +24977,7 @@
               <a:t>Елементи</a:t>
             </a:r>
             <a:r>
-              <a:rPr lang="bg-BG" sz="3800" dirty="0"/>
+              <a:rPr lang="bg-BG" sz="4400" dirty="0"/>
               <a:t> на информационните системи</a:t>
             </a:r>
           </a:p>
@@ -24993,7 +24988,7 @@
               </a:buClr>
             </a:pPr>
             <a:r>
-              <a:rPr lang="bg-BG" sz="3600" dirty="0">
+              <a:rPr lang="bg-BG" sz="4000" dirty="0">
                 <a:solidFill>
                   <a:schemeClr val="bg2"/>
                 </a:solidFill>
@@ -25008,7 +25003,7 @@
               </a:buClr>
             </a:pPr>
             <a:r>
-              <a:rPr lang="bg-BG" sz="3800" b="1" dirty="0">
+              <a:rPr lang="bg-BG" sz="4400" b="1" dirty="0">
                 <a:solidFill>
                   <a:schemeClr val="accent1"/>
                 </a:solidFill>
@@ -25016,15 +25011,15 @@
               <a:t>Видове</a:t>
             </a:r>
             <a:r>
-              <a:rPr lang="bg-BG" sz="3800" dirty="0"/>
+              <a:rPr lang="bg-BG" sz="4400" dirty="0"/>
               <a:t> информационни системи</a:t>
             </a:r>
             <a:r>
-              <a:rPr lang="en-US" sz="3800" dirty="0"/>
+              <a:rPr lang="en-US" sz="4400" dirty="0"/>
               <a:t> </a:t>
             </a:r>
             <a:r>
-              <a:rPr lang="bg-BG" sz="3800" dirty="0"/>
+              <a:rPr lang="bg-BG" sz="4400" dirty="0"/>
               <a:t>и примери</a:t>
             </a:r>
           </a:p>
@@ -26710,7 +26705,7 @@
             </a:r>
             <a:r>
               <a:rPr lang="bg-BG" b="1" dirty="0"/>
-              <a:t>вземане на решения</a:t>
+              <a:t>взимане на решения</a:t>
             </a:r>
             <a:r>
               <a:rPr lang="bg-BG" dirty="0"/>

--- a/Courses/Software-Sciences/Module-4-Information-Systems-New/01-Introduction-to-IT-Systems/01-Introduction-to-IT-Systems.pptx
+++ b/Courses/Software-Sciences/Module-4-Information-Systems-New/01-Introduction-to-IT-Systems/01-Introduction-to-IT-Systems.pptx
@@ -325,7 +325,7 @@
           <a:p>
             <a:fld id="{4E087215-0C8F-4762-A664-737A353EC9A4}" type="datetimeFigureOut">
               <a:rPr lang="bg-BG" smtClean="0"/>
-              <a:t>10.04.24 г.</a:t>
+              <a:t>23.04.24 г.</a:t>
             </a:fld>
             <a:endParaRPr lang="bg-BG"/>
           </a:p>
@@ -521,7 +521,7 @@
           <a:p>
             <a:fld id="{72D84649-876A-46C9-8472-14CB09C070D8}" type="datetimeFigureOut">
               <a:rPr lang="en-US" smtClean="0"/>
-              <a:t>4/10/24</a:t>
+              <a:t>4/23/24</a:t>
             </a:fld>
             <a:endParaRPr lang="en-US"/>
           </a:p>
@@ -7812,7 +7812,7 @@
           <a:bodyPr/>
           <a:lstStyle/>
           <a:p>
-            <a:endParaRPr lang="en-US"/>
+            <a:endParaRPr lang="en-US" dirty="0"/>
           </a:p>
         </p:txBody>
       </p:sp>
@@ -14856,8 +14856,8 @@
         </p:blipFill>
         <p:spPr>
           <a:xfrm>
-            <a:off x="4978004" y="4554000"/>
-            <a:ext cx="2235993" cy="1953000"/>
+            <a:off x="4794502" y="4233446"/>
+            <a:ext cx="2602996" cy="2273554"/>
           </a:xfrm>
           <a:prstGeom prst="rect">
             <a:avLst/>
@@ -16388,13 +16388,13 @@
               <a:rPr lang="bg-BG" sz="3000" b="1" dirty="0"/>
               <a:t>системи</a:t>
             </a:r>
-            <a:r>
-              <a:rPr lang="bg-BG" sz="3000" dirty="0"/>
-              <a:t>, </a:t>
-            </a:r>
+            <a:endParaRPr lang="bg-BG" sz="3000" dirty="0"/>
+          </a:p>
+          <a:p>
+            <a:pPr lvl="1"/>
             <a:r>
               <a:rPr lang="bg-BG" sz="3000" b="1" dirty="0"/>
-              <a:t>приложен софтуер </a:t>
+              <a:t>Приложен софтуер </a:t>
             </a:r>
             <a:r>
               <a:rPr lang="bg-BG" sz="3000" dirty="0"/>
@@ -16404,13 +16404,13 @@
               <a:rPr lang="en-US" sz="3000" dirty="0"/>
               <a:t>)</a:t>
             </a:r>
-            <a:r>
-              <a:rPr lang="bg-BG" sz="3000" dirty="0"/>
-              <a:t>, </a:t>
-            </a:r>
+            <a:endParaRPr lang="bg-BG" sz="3000" dirty="0"/>
+          </a:p>
+          <a:p>
+            <a:pPr lvl="1"/>
             <a:r>
               <a:rPr lang="bg-BG" sz="3000" b="1" dirty="0"/>
-              <a:t>системи за управление на бази данни</a:t>
+              <a:t>Системи за управление на бази данни</a:t>
             </a:r>
             <a:r>
               <a:rPr lang="bg-BG" sz="3000" b="1" dirty="0">
@@ -16486,7 +16486,7 @@
         </p:blipFill>
         <p:spPr>
           <a:xfrm>
-            <a:off x="4694180" y="4563000"/>
+            <a:off x="8819506" y="4563000"/>
             <a:ext cx="2803641" cy="1944000"/>
           </a:xfrm>
           <a:prstGeom prst="rect">
@@ -16710,6 +16710,104 @@
                       </p:childTnLst>
                     </p:cTn>
                   </p:par>
+                  <p:par>
+                    <p:cTn id="17" fill="hold">
+                      <p:stCondLst>
+                        <p:cond delay="indefinite"/>
+                      </p:stCondLst>
+                      <p:childTnLst>
+                        <p:par>
+                          <p:cTn id="18" fill="hold">
+                            <p:stCondLst>
+                              <p:cond delay="0"/>
+                            </p:stCondLst>
+                            <p:childTnLst>
+                              <p:par>
+                                <p:cTn id="19" presetID="1" presetClass="entr" presetSubtype="0" fill="hold" nodeType="clickEffect">
+                                  <p:stCondLst>
+                                    <p:cond delay="0"/>
+                                  </p:stCondLst>
+                                  <p:childTnLst>
+                                    <p:set>
+                                      <p:cBhvr>
+                                        <p:cTn id="20" dur="1" fill="hold">
+                                          <p:stCondLst>
+                                            <p:cond delay="0"/>
+                                          </p:stCondLst>
+                                        </p:cTn>
+                                        <p:tgtEl>
+                                          <p:spTgt spid="7">
+                                            <p:txEl>
+                                              <p:pRg st="4" end="4"/>
+                                            </p:txEl>
+                                          </p:spTgt>
+                                        </p:tgtEl>
+                                        <p:attrNameLst>
+                                          <p:attrName>style.visibility</p:attrName>
+                                        </p:attrNameLst>
+                                      </p:cBhvr>
+                                      <p:to>
+                                        <p:strVal val="visible"/>
+                                      </p:to>
+                                    </p:set>
+                                  </p:childTnLst>
+                                </p:cTn>
+                              </p:par>
+                            </p:childTnLst>
+                          </p:cTn>
+                        </p:par>
+                      </p:childTnLst>
+                    </p:cTn>
+                  </p:par>
+                  <p:par>
+                    <p:cTn id="21" fill="hold">
+                      <p:stCondLst>
+                        <p:cond delay="indefinite"/>
+                      </p:stCondLst>
+                      <p:childTnLst>
+                        <p:par>
+                          <p:cTn id="22" fill="hold">
+                            <p:stCondLst>
+                              <p:cond delay="0"/>
+                            </p:stCondLst>
+                            <p:childTnLst>
+                              <p:par>
+                                <p:cTn id="23" presetID="1" presetClass="entr" presetSubtype="0" fill="hold" nodeType="clickEffect">
+                                  <p:stCondLst>
+                                    <p:cond delay="0"/>
+                                  </p:stCondLst>
+                                  <p:childTnLst>
+                                    <p:set>
+                                      <p:cBhvr>
+                                        <p:cTn id="24" dur="1" fill="hold">
+                                          <p:stCondLst>
+                                            <p:cond delay="0"/>
+                                          </p:stCondLst>
+                                        </p:cTn>
+                                        <p:tgtEl>
+                                          <p:spTgt spid="7">
+                                            <p:txEl>
+                                              <p:pRg st="5" end="5"/>
+                                            </p:txEl>
+                                          </p:spTgt>
+                                        </p:tgtEl>
+                                        <p:attrNameLst>
+                                          <p:attrName>style.visibility</p:attrName>
+                                        </p:attrNameLst>
+                                      </p:cBhvr>
+                                      <p:to>
+                                        <p:strVal val="visible"/>
+                                      </p:to>
+                                    </p:set>
+                                  </p:childTnLst>
+                                </p:cTn>
+                              </p:par>
+                            </p:childTnLst>
+                          </p:cTn>
+                        </p:par>
+                      </p:childTnLst>
+                    </p:cTn>
+                  </p:par>
                 </p:childTnLst>
               </p:cTn>
               <p:prevCondLst>
@@ -16879,14 +16977,6 @@
             </a:r>
             <a:r>
               <a:rPr lang="bg-BG" sz="3000" dirty="0"/>
-              <a:t> и </a:t>
-            </a:r>
-            <a:r>
-              <a:rPr lang="bg-BG" sz="3000" b="1" dirty="0"/>
-              <a:t>процеси</a:t>
-            </a:r>
-            <a:r>
-              <a:rPr lang="bg-BG" sz="3000" dirty="0"/>
               <a:t> за </a:t>
             </a:r>
             <a:r>
@@ -16987,8 +17077,8 @@
         </p:blipFill>
         <p:spPr>
           <a:xfrm>
-            <a:off x="4521000" y="4242356"/>
-            <a:ext cx="3150000" cy="2264644"/>
+            <a:off x="4236999" y="4029054"/>
+            <a:ext cx="3718002" cy="2673000"/>
           </a:xfrm>
           <a:prstGeom prst="rect">
             <a:avLst/>
@@ -17488,8 +17578,8 @@
         </p:blipFill>
         <p:spPr>
           <a:xfrm>
-            <a:off x="5173500" y="4685063"/>
-            <a:ext cx="1845000" cy="1821937"/>
+            <a:off x="8436000" y="4329000"/>
+            <a:ext cx="2340000" cy="2310749"/>
           </a:xfrm>
           <a:prstGeom prst="rect">
             <a:avLst/>
@@ -19348,7 +19438,7 @@
           <a:p>
             <a:r>
               <a:rPr lang="bg-BG" dirty="0"/>
-              <a:t>Управление на информацията </a:t>
+              <a:t>ИС за управление на информацията </a:t>
             </a:r>
             <a:r>
               <a:rPr lang="en-US" dirty="0"/>
@@ -19527,15 +19617,33 @@
                                   </p:childTnLst>
                                 </p:cTn>
                               </p:par>
+                            </p:childTnLst>
+                          </p:cTn>
+                        </p:par>
+                      </p:childTnLst>
+                    </p:cTn>
+                  </p:par>
+                  <p:par>
+                    <p:cTn id="15" fill="hold">
+                      <p:stCondLst>
+                        <p:cond delay="indefinite"/>
+                      </p:stCondLst>
+                      <p:childTnLst>
+                        <p:par>
+                          <p:cTn id="16" fill="hold">
+                            <p:stCondLst>
+                              <p:cond delay="0"/>
+                            </p:stCondLst>
+                            <p:childTnLst>
                               <p:par>
-                                <p:cTn id="15" presetID="1" presetClass="entr" presetSubtype="0" fill="hold" nodeType="withEffect">
+                                <p:cTn id="17" presetID="1" presetClass="entr" presetSubtype="0" fill="hold" nodeType="clickEffect">
                                   <p:stCondLst>
                                     <p:cond delay="0"/>
                                   </p:stCondLst>
                                   <p:childTnLst>
                                     <p:set>
                                       <p:cBhvr>
-                                        <p:cTn id="16" dur="1" fill="hold">
+                                        <p:cTn id="18" dur="1" fill="hold">
                                           <p:stCondLst>
                                             <p:cond delay="0"/>
                                           </p:stCondLst>
@@ -19558,15 +19666,33 @@
                                   </p:childTnLst>
                                 </p:cTn>
                               </p:par>
+                            </p:childTnLst>
+                          </p:cTn>
+                        </p:par>
+                      </p:childTnLst>
+                    </p:cTn>
+                  </p:par>
+                  <p:par>
+                    <p:cTn id="19" fill="hold">
+                      <p:stCondLst>
+                        <p:cond delay="indefinite"/>
+                      </p:stCondLst>
+                      <p:childTnLst>
+                        <p:par>
+                          <p:cTn id="20" fill="hold">
+                            <p:stCondLst>
+                              <p:cond delay="0"/>
+                            </p:stCondLst>
+                            <p:childTnLst>
                               <p:par>
-                                <p:cTn id="17" presetID="1" presetClass="entr" presetSubtype="0" fill="hold" nodeType="withEffect">
+                                <p:cTn id="21" presetID="1" presetClass="entr" presetSubtype="0" fill="hold" nodeType="clickEffect">
                                   <p:stCondLst>
                                     <p:cond delay="0"/>
                                   </p:stCondLst>
                                   <p:childTnLst>
                                     <p:set>
                                       <p:cBhvr>
-                                        <p:cTn id="18" dur="1" fill="hold">
+                                        <p:cTn id="22" dur="1" fill="hold">
                                           <p:stCondLst>
                                             <p:cond delay="0"/>
                                           </p:stCondLst>
@@ -19589,15 +19715,33 @@
                                   </p:childTnLst>
                                 </p:cTn>
                               </p:par>
+                            </p:childTnLst>
+                          </p:cTn>
+                        </p:par>
+                      </p:childTnLst>
+                    </p:cTn>
+                  </p:par>
+                  <p:par>
+                    <p:cTn id="23" fill="hold">
+                      <p:stCondLst>
+                        <p:cond delay="indefinite"/>
+                      </p:stCondLst>
+                      <p:childTnLst>
+                        <p:par>
+                          <p:cTn id="24" fill="hold">
+                            <p:stCondLst>
+                              <p:cond delay="0"/>
+                            </p:stCondLst>
+                            <p:childTnLst>
                               <p:par>
-                                <p:cTn id="19" presetID="1" presetClass="entr" presetSubtype="0" fill="hold" nodeType="withEffect">
+                                <p:cTn id="25" presetID="1" presetClass="entr" presetSubtype="0" fill="hold" nodeType="clickEffect">
                                   <p:stCondLst>
                                     <p:cond delay="0"/>
                                   </p:stCondLst>
                                   <p:childTnLst>
                                     <p:set>
                                       <p:cBhvr>
-                                        <p:cTn id="20" dur="1" fill="hold">
+                                        <p:cTn id="26" dur="1" fill="hold">
                                           <p:stCondLst>
                                             <p:cond delay="0"/>
                                           </p:stCondLst>
@@ -19764,18 +19908,18 @@
           <a:lstStyle/>
           <a:p>
             <a:r>
-              <a:rPr lang="bg-BG" sz="3200" dirty="0"/>
+              <a:rPr lang="bg-BG" sz="3300" dirty="0"/>
               <a:t>Пример за </a:t>
             </a:r>
             <a:r>
-              <a:rPr lang="en-US" sz="3200" dirty="0"/>
+              <a:rPr lang="en-US" sz="3300" dirty="0"/>
               <a:t>MIS</a:t>
             </a:r>
             <a:r>
-              <a:rPr lang="bg-BG" sz="3200" dirty="0"/>
-              <a:t> - Портал за електронни услуги на НАП</a:t>
-            </a:r>
-            <a:endParaRPr lang="en-US" sz="3200" dirty="0"/>
+              <a:rPr lang="bg-BG" sz="3300" dirty="0"/>
+              <a:t> – Портал за електронни услуги на НАП</a:t>
+            </a:r>
+            <a:endParaRPr lang="en-US" sz="3300" dirty="0"/>
           </a:p>
         </p:txBody>
       </p:sp>
@@ -20043,7 +20187,7 @@
             </a:r>
             <a:r>
               <a:rPr lang="bg-BG" dirty="0"/>
-              <a:t> - </a:t>
+              <a:t> – </a:t>
             </a:r>
             <a:r>
               <a:rPr lang="en-GB" dirty="0"/>
@@ -20827,7 +20971,7 @@
             </a:r>
             <a:r>
               <a:rPr lang="bg-BG" sz="3200" dirty="0"/>
-              <a:t> - </a:t>
+              <a:t> – </a:t>
             </a:r>
             <a:r>
               <a:rPr lang="en-US" sz="3200" dirty="0"/>
@@ -20864,8 +21008,8 @@
         </p:blipFill>
         <p:spPr>
           <a:xfrm>
-            <a:off x="1544195" y="1404000"/>
-            <a:ext cx="9103609" cy="5103000"/>
+            <a:off x="1480097" y="1332140"/>
+            <a:ext cx="9231805" cy="5174860"/>
           </a:xfrm>
           <a:prstGeom prst="rect">
             <a:avLst/>
@@ -23025,15 +23169,33 @@
                                   </p:childTnLst>
                                 </p:cTn>
                               </p:par>
+                            </p:childTnLst>
+                          </p:cTn>
+                        </p:par>
+                      </p:childTnLst>
+                    </p:cTn>
+                  </p:par>
+                  <p:par>
+                    <p:cTn id="19" fill="hold">
+                      <p:stCondLst>
+                        <p:cond delay="indefinite"/>
+                      </p:stCondLst>
+                      <p:childTnLst>
+                        <p:par>
+                          <p:cTn id="20" fill="hold">
+                            <p:stCondLst>
+                              <p:cond delay="0"/>
+                            </p:stCondLst>
+                            <p:childTnLst>
                               <p:par>
-                                <p:cTn id="19" presetID="1" presetClass="entr" presetSubtype="0" fill="hold" nodeType="withEffect">
+                                <p:cTn id="21" presetID="1" presetClass="entr" presetSubtype="0" fill="hold" nodeType="clickEffect">
                                   <p:stCondLst>
                                     <p:cond delay="0"/>
                                   </p:stCondLst>
                                   <p:childTnLst>
                                     <p:set>
                                       <p:cBhvr>
-                                        <p:cTn id="20" dur="1" fill="hold">
+                                        <p:cTn id="22" dur="1" fill="hold">
                                           <p:stCondLst>
                                             <p:cond delay="0"/>
                                           </p:stCondLst>
@@ -23056,15 +23218,33 @@
                                   </p:childTnLst>
                                 </p:cTn>
                               </p:par>
+                            </p:childTnLst>
+                          </p:cTn>
+                        </p:par>
+                      </p:childTnLst>
+                    </p:cTn>
+                  </p:par>
+                  <p:par>
+                    <p:cTn id="23" fill="hold">
+                      <p:stCondLst>
+                        <p:cond delay="indefinite"/>
+                      </p:stCondLst>
+                      <p:childTnLst>
+                        <p:par>
+                          <p:cTn id="24" fill="hold">
+                            <p:stCondLst>
+                              <p:cond delay="0"/>
+                            </p:stCondLst>
+                            <p:childTnLst>
                               <p:par>
-                                <p:cTn id="21" presetID="1" presetClass="entr" presetSubtype="0" fill="hold" nodeType="withEffect">
+                                <p:cTn id="25" presetID="1" presetClass="entr" presetSubtype="0" fill="hold" nodeType="clickEffect">
                                   <p:stCondLst>
                                     <p:cond delay="0"/>
                                   </p:stCondLst>
                                   <p:childTnLst>
                                     <p:set>
                                       <p:cBhvr>
-                                        <p:cTn id="22" dur="1" fill="hold">
+                                        <p:cTn id="26" dur="1" fill="hold">
                                           <p:stCondLst>
                                             <p:cond delay="0"/>
                                           </p:stCondLst>
@@ -23919,31 +24099,26 @@
             </a:r>
             <a:r>
               <a:rPr lang="bg-BG" dirty="0"/>
-              <a:t> на организацията, като </a:t>
-            </a:r>
+              <a:t> на организацията</a:t>
+            </a:r>
+          </a:p>
+          <a:p>
+            <a:pPr lvl="1"/>
             <a:r>
               <a:rPr lang="bg-BG" b="1" dirty="0"/>
-              <a:t>персонални данни</a:t>
+              <a:t>Пример</a:t>
             </a:r>
             <a:r>
               <a:rPr lang="bg-BG" dirty="0"/>
-              <a:t>, </a:t>
+              <a:t>:</a:t>
             </a:r>
             <a:r>
               <a:rPr lang="bg-BG" b="1" dirty="0"/>
-              <a:t>заплати</a:t>
+              <a:t> </a:t>
             </a:r>
             <a:r>
               <a:rPr lang="bg-BG" dirty="0"/>
-              <a:t>, </a:t>
-            </a:r>
-            <a:r>
-              <a:rPr lang="bg-BG" b="1" dirty="0"/>
-              <a:t>отпуски</a:t>
-            </a:r>
-            <a:r>
-              <a:rPr lang="bg-BG" dirty="0"/>
-              <a:t> и др.</a:t>
+              <a:t>персонални данни, заплати, отпуски и др.</a:t>
             </a:r>
           </a:p>
           <a:p>
@@ -24029,11 +24204,11 @@
           <a:lstStyle/>
           <a:p>
             <a:r>
-              <a:rPr lang="bg-BG" sz="3200" dirty="0"/>
+              <a:rPr lang="bg-BG" sz="3500" dirty="0"/>
               <a:t>Система за управление на човешки ресурси (</a:t>
             </a:r>
             <a:r>
-              <a:rPr lang="en-US" sz="3200" dirty="0"/>
+              <a:rPr lang="en-US" sz="3500" dirty="0"/>
               <a:t>HRMS)</a:t>
             </a:r>
           </a:p>
@@ -24209,15 +24384,33 @@
                                   </p:childTnLst>
                                 </p:cTn>
                               </p:par>
+                            </p:childTnLst>
+                          </p:cTn>
+                        </p:par>
+                      </p:childTnLst>
+                    </p:cTn>
+                  </p:par>
+                  <p:par>
+                    <p:cTn id="15" fill="hold">
+                      <p:stCondLst>
+                        <p:cond delay="indefinite"/>
+                      </p:stCondLst>
+                      <p:childTnLst>
+                        <p:par>
+                          <p:cTn id="16" fill="hold">
+                            <p:stCondLst>
+                              <p:cond delay="0"/>
+                            </p:stCondLst>
+                            <p:childTnLst>
                               <p:par>
-                                <p:cTn id="15" presetID="1" presetClass="entr" presetSubtype="0" fill="hold" nodeType="withEffect">
+                                <p:cTn id="17" presetID="1" presetClass="entr" presetSubtype="0" fill="hold" nodeType="clickEffect">
                                   <p:stCondLst>
                                     <p:cond delay="0"/>
                                   </p:stCondLst>
                                   <p:childTnLst>
                                     <p:set>
                                       <p:cBhvr>
-                                        <p:cTn id="16" dur="1" fill="hold">
+                                        <p:cTn id="18" dur="1" fill="hold">
                                           <p:stCondLst>
                                             <p:cond delay="0"/>
                                           </p:stCondLst>
@@ -24241,14 +24434,14 @@
                                 </p:cTn>
                               </p:par>
                               <p:par>
-                                <p:cTn id="17" presetID="1" presetClass="entr" presetSubtype="0" fill="hold" nodeType="withEffect">
+                                <p:cTn id="19" presetID="1" presetClass="entr" presetSubtype="0" fill="hold" nodeType="withEffect">
                                   <p:stCondLst>
                                     <p:cond delay="0"/>
                                   </p:stCondLst>
                                   <p:childTnLst>
                                     <p:set>
                                       <p:cBhvr>
-                                        <p:cTn id="18" dur="1" fill="hold">
+                                        <p:cTn id="20" dur="1" fill="hold">
                                           <p:stCondLst>
                                             <p:cond delay="0"/>
                                           </p:stCondLst>
@@ -24257,6 +24450,55 @@
                                           <p:spTgt spid="7">
                                             <p:txEl>
                                               <p:pRg st="4" end="4"/>
+                                            </p:txEl>
+                                          </p:spTgt>
+                                        </p:tgtEl>
+                                        <p:attrNameLst>
+                                          <p:attrName>style.visibility</p:attrName>
+                                        </p:attrNameLst>
+                                      </p:cBhvr>
+                                      <p:to>
+                                        <p:strVal val="visible"/>
+                                      </p:to>
+                                    </p:set>
+                                  </p:childTnLst>
+                                </p:cTn>
+                              </p:par>
+                            </p:childTnLst>
+                          </p:cTn>
+                        </p:par>
+                      </p:childTnLst>
+                    </p:cTn>
+                  </p:par>
+                  <p:par>
+                    <p:cTn id="21" fill="hold">
+                      <p:stCondLst>
+                        <p:cond delay="indefinite"/>
+                      </p:stCondLst>
+                      <p:childTnLst>
+                        <p:par>
+                          <p:cTn id="22" fill="hold">
+                            <p:stCondLst>
+                              <p:cond delay="0"/>
+                            </p:stCondLst>
+                            <p:childTnLst>
+                              <p:par>
+                                <p:cTn id="23" presetID="1" presetClass="entr" presetSubtype="0" fill="hold" nodeType="clickEffect">
+                                  <p:stCondLst>
+                                    <p:cond delay="0"/>
+                                  </p:stCondLst>
+                                  <p:childTnLst>
+                                    <p:set>
+                                      <p:cBhvr>
+                                        <p:cTn id="24" dur="1" fill="hold">
+                                          <p:stCondLst>
+                                            <p:cond delay="0"/>
+                                          </p:stCondLst>
+                                        </p:cTn>
+                                        <p:tgtEl>
+                                          <p:spTgt spid="7">
+                                            <p:txEl>
+                                              <p:pRg st="5" end="5"/>
                                             </p:txEl>
                                           </p:spTgt>
                                         </p:tgtEl>
@@ -24381,11 +24623,11 @@
           <a:lstStyle/>
           <a:p>
             <a:r>
-              <a:rPr lang="bg-BG" sz="3200" dirty="0"/>
+              <a:rPr lang="bg-BG" sz="3600" dirty="0"/>
               <a:t>Пример за </a:t>
             </a:r>
             <a:r>
-              <a:rPr lang="en-US" sz="3200" dirty="0"/>
+              <a:rPr lang="en-US" sz="3600" dirty="0"/>
               <a:t>HRMS - Workday</a:t>
             </a:r>
           </a:p>
@@ -24765,7 +25007,7 @@
         <p:spPr>
           <a:xfrm>
             <a:off x="697877" y="1676785"/>
-            <a:ext cx="10826625" cy="4830215"/>
+            <a:ext cx="10826625" cy="4870159"/>
           </a:xfrm>
         </p:spPr>
         <p:txBody>
@@ -24828,7 +25070,10 @@
             <a:r>
               <a:rPr lang="bg-BG" sz="4400" b="1" dirty="0">
                 <a:solidFill>
-                  <a:schemeClr val="accent1"/>
+                  <a:schemeClr val="bg1">
+                    <a:lumMod val="60000"/>
+                    <a:lumOff val="40000"/>
+                  </a:schemeClr>
                 </a:solidFill>
               </a:rPr>
               <a:t>Информационни системи</a:t>
@@ -24851,7 +25096,10 @@
             <a:r>
               <a:rPr lang="bg-BG" sz="4000" b="1" dirty="0">
                 <a:solidFill>
-                  <a:schemeClr val="accent1"/>
+                  <a:schemeClr val="bg1">
+                    <a:lumMod val="60000"/>
+                    <a:lumOff val="40000"/>
+                  </a:schemeClr>
                 </a:solidFill>
               </a:rPr>
               <a:t>взаимносвързани компоненти</a:t>
@@ -24879,7 +25127,10 @@
             <a:r>
               <a:rPr lang="bg-BG" sz="4400" b="1" dirty="0">
                 <a:solidFill>
-                  <a:schemeClr val="accent1"/>
+                  <a:schemeClr val="bg1">
+                    <a:lumMod val="60000"/>
+                    <a:lumOff val="40000"/>
+                  </a:schemeClr>
                 </a:solidFill>
               </a:rPr>
               <a:t>Роля</a:t>
@@ -24898,7 +25149,10 @@
             <a:r>
               <a:rPr lang="bg-BG" sz="4000" b="1" dirty="0">
                 <a:solidFill>
-                  <a:schemeClr val="accent1"/>
+                  <a:schemeClr val="bg1">
+                    <a:lumMod val="60000"/>
+                    <a:lumOff val="40000"/>
+                  </a:schemeClr>
                 </a:solidFill>
               </a:rPr>
               <a:t>Подпомагат</a:t>
@@ -24914,7 +25168,10 @@
             <a:r>
               <a:rPr lang="bg-BG" sz="4000" b="1" dirty="0">
                 <a:solidFill>
-                  <a:schemeClr val="accent1"/>
+                  <a:schemeClr val="bg1">
+                    <a:lumMod val="60000"/>
+                    <a:lumOff val="40000"/>
+                  </a:schemeClr>
                 </a:solidFill>
               </a:rPr>
               <a:t>подобряват</a:t>
@@ -24941,7 +25198,10 @@
             <a:r>
               <a:rPr lang="bg-BG" sz="4400" b="1" dirty="0">
                 <a:solidFill>
-                  <a:schemeClr val="accent1"/>
+                  <a:schemeClr val="bg1">
+                    <a:lumMod val="60000"/>
+                    <a:lumOff val="40000"/>
+                  </a:schemeClr>
                 </a:solidFill>
               </a:rPr>
               <a:t>понятия</a:t>
@@ -24971,7 +25231,10 @@
             <a:r>
               <a:rPr lang="bg-BG" sz="4400" b="1" dirty="0">
                 <a:solidFill>
-                  <a:schemeClr val="accent1"/>
+                  <a:schemeClr val="bg1">
+                    <a:lumMod val="60000"/>
+                    <a:lumOff val="40000"/>
+                  </a:schemeClr>
                 </a:solidFill>
               </a:rPr>
               <a:t>Елементи</a:t>
@@ -25005,7 +25268,10 @@
             <a:r>
               <a:rPr lang="bg-BG" sz="4400" b="1" dirty="0">
                 <a:solidFill>
-                  <a:schemeClr val="accent1"/>
+                  <a:schemeClr val="bg1">
+                    <a:lumMod val="60000"/>
+                    <a:lumOff val="40000"/>
+                  </a:schemeClr>
                 </a:solidFill>
               </a:rPr>
               <a:t>Видове</a:t>
@@ -26812,14 +27078,14 @@
           <a:lstStyle/>
           <a:p>
             <a:r>
-              <a:rPr lang="bg-BG" sz="3200" dirty="0"/>
-              <a:t>Роля на информационните системи в реалния свят</a:t>
-            </a:r>
-            <a:r>
-              <a:rPr lang="en-US" sz="3200" dirty="0"/>
+              <a:rPr lang="bg-BG" sz="3600" dirty="0"/>
+              <a:t>Роля на ИС в реалния свят</a:t>
+            </a:r>
+            <a:r>
+              <a:rPr lang="en-US" sz="3600" dirty="0"/>
               <a:t> (1)</a:t>
             </a:r>
-            <a:endParaRPr lang="en-BG" sz="3200" dirty="0"/>
+            <a:endParaRPr lang="en-BG" sz="3600" dirty="0"/>
           </a:p>
         </p:txBody>
       </p:sp>
@@ -27237,7 +27503,7 @@
           <a:p>
             <a:r>
               <a:rPr lang="bg-BG" sz="3200" dirty="0"/>
-              <a:t>Подобряване </a:t>
+              <a:t>Подобряване на </a:t>
             </a:r>
             <a:r>
               <a:rPr lang="bg-BG" sz="3200" b="1" dirty="0">
@@ -27327,14 +27593,14 @@
           <a:lstStyle/>
           <a:p>
             <a:r>
-              <a:rPr lang="bg-BG" sz="3200" dirty="0"/>
-              <a:t>Роля на информационните системи в реалния свят (</a:t>
-            </a:r>
-            <a:r>
-              <a:rPr lang="en-US" sz="3200" dirty="0"/>
+              <a:rPr lang="bg-BG" sz="3600" dirty="0"/>
+              <a:t>Роля на ИС в реалния свят (</a:t>
+            </a:r>
+            <a:r>
+              <a:rPr lang="en-US" sz="3600" dirty="0"/>
               <a:t>2)</a:t>
             </a:r>
-            <a:endParaRPr lang="en-BG" sz="3200" dirty="0"/>
+            <a:endParaRPr lang="en-BG" sz="3600" dirty="0"/>
           </a:p>
         </p:txBody>
       </p:sp>
@@ -27366,8 +27632,8 @@
         </p:blipFill>
         <p:spPr>
           <a:xfrm>
-            <a:off x="5440851" y="5274000"/>
-            <a:ext cx="1267689" cy="1338814"/>
+            <a:off x="9786000" y="4391228"/>
+            <a:ext cx="1762689" cy="1861586"/>
           </a:xfrm>
           <a:prstGeom prst="rect">
             <a:avLst/>
@@ -28589,7 +28855,7 @@
           </p:cNvPicPr>
           <p:nvPr/>
         </p:nvPicPr>
-        <p:blipFill>
+        <p:blipFill rotWithShape="1">
           <a:blip r:embed="rId3">
             <a:extLst>
               <a:ext uri="{28A0092B-C50C-407E-A947-70E740481C1C}">
@@ -28597,18 +28863,27 @@
               </a:ext>
             </a:extLst>
           </a:blip>
-          <a:stretch>
-            <a:fillRect/>
-          </a:stretch>
+          <a:srcRect l="12921" t="17875" r="12919" b="19639"/>
+          <a:stretch/>
         </p:blipFill>
         <p:spPr>
           <a:xfrm>
-            <a:off x="4457640" y="4283445"/>
-            <a:ext cx="3276721" cy="2520555"/>
+            <a:off x="4566000" y="4497167"/>
+            <a:ext cx="3330000" cy="2158333"/>
           </a:xfrm>
           <a:prstGeom prst="rect">
             <a:avLst/>
           </a:prstGeom>
+          <a:ln>
+            <a:noFill/>
+          </a:ln>
+          <a:effectLst>
+            <a:outerShdw blurRad="292100" dist="139700" dir="2700000" algn="tl" rotWithShape="0">
+              <a:srgbClr val="333333">
+                <a:alpha val="65000"/>
+              </a:srgbClr>
+            </a:outerShdw>
+          </a:effectLst>
         </p:spPr>
       </p:pic>
     </p:spTree>

--- a/Courses/Software-Sciences/Module-4-Information-Systems-New/01-Introduction-to-IT-Systems/01-Introduction-to-IT-Systems.pptx
+++ b/Courses/Software-Sciences/Module-4-Information-Systems-New/01-Introduction-to-IT-Systems/01-Introduction-to-IT-Systems.pptx
@@ -325,7 +325,7 @@
           <a:p>
             <a:fld id="{4E087215-0C8F-4762-A664-737A353EC9A4}" type="datetimeFigureOut">
               <a:rPr lang="bg-BG" smtClean="0"/>
-              <a:t>23.04.24 г.</a:t>
+              <a:t>25.04.24 г.</a:t>
             </a:fld>
             <a:endParaRPr lang="bg-BG"/>
           </a:p>
@@ -521,7 +521,7 @@
           <a:p>
             <a:fld id="{72D84649-876A-46C9-8472-14CB09C070D8}" type="datetimeFigureOut">
               <a:rPr lang="en-US" smtClean="0"/>
-              <a:t>4/23/24</a:t>
+              <a:t>4/25/24</a:t>
             </a:fld>
             <a:endParaRPr lang="en-US"/>
           </a:p>
@@ -15318,8 +15318,8 @@
         </p:blipFill>
         <p:spPr>
           <a:xfrm>
-            <a:off x="5338678" y="4154030"/>
-            <a:ext cx="1514644" cy="2352970"/>
+            <a:off x="5222339" y="3792569"/>
+            <a:ext cx="1747322" cy="2714431"/>
           </a:xfrm>
           <a:prstGeom prst="rect">
             <a:avLst/>
@@ -16449,7 +16449,7 @@
           <a:p>
             <a:r>
               <a:rPr lang="bg-BG" dirty="0"/>
-              <a:t>Елементи на информационните системи (</a:t>
+              <a:t>Елементи на ИС (</a:t>
             </a:r>
             <a:r>
               <a:rPr lang="en-US" dirty="0"/>
@@ -17040,7 +17040,7 @@
           <a:p>
             <a:r>
               <a:rPr lang="bg-BG" dirty="0"/>
-              <a:t>Елементи на информационните системи (2</a:t>
+              <a:t>Елементи на ИС (2</a:t>
             </a:r>
             <a:r>
               <a:rPr lang="en-US" dirty="0"/>
@@ -17541,7 +17541,7 @@
           <a:p>
             <a:r>
               <a:rPr lang="bg-BG" dirty="0"/>
-              <a:t>Елементи на информационните системи (3</a:t>
+              <a:t>Елементи на ИС (3</a:t>
             </a:r>
             <a:r>
               <a:rPr lang="en-US" dirty="0"/>
@@ -18200,7 +18200,7 @@
           <a:p>
             <a:r>
               <a:rPr lang="bg-BG" dirty="0"/>
-              <a:t>Видове информационни системи</a:t>
+              <a:t>Видове ИС</a:t>
             </a:r>
             <a:endParaRPr lang="en-US" dirty="0"/>
           </a:p>
@@ -21615,15 +21615,33 @@
                                   </p:childTnLst>
                                 </p:cTn>
                               </p:par>
+                            </p:childTnLst>
+                          </p:cTn>
+                        </p:par>
+                      </p:childTnLst>
+                    </p:cTn>
+                  </p:par>
+                  <p:par>
+                    <p:cTn id="17" fill="hold">
+                      <p:stCondLst>
+                        <p:cond delay="indefinite"/>
+                      </p:stCondLst>
+                      <p:childTnLst>
+                        <p:par>
+                          <p:cTn id="18" fill="hold">
+                            <p:stCondLst>
+                              <p:cond delay="0"/>
+                            </p:stCondLst>
+                            <p:childTnLst>
                               <p:par>
-                                <p:cTn id="17" presetID="1" presetClass="entr" presetSubtype="0" fill="hold" nodeType="withEffect">
+                                <p:cTn id="19" presetID="1" presetClass="entr" presetSubtype="0" fill="hold" nodeType="clickEffect">
                                   <p:stCondLst>
                                     <p:cond delay="0"/>
                                   </p:stCondLst>
                                   <p:childTnLst>
                                     <p:set>
                                       <p:cBhvr>
-                                        <p:cTn id="18" dur="1" fill="hold">
+                                        <p:cTn id="20" dur="1" fill="hold">
                                           <p:stCondLst>
                                             <p:cond delay="0"/>
                                           </p:stCondLst>
@@ -22377,15 +22395,33 @@
                                   </p:childTnLst>
                                 </p:cTn>
                               </p:par>
+                            </p:childTnLst>
+                          </p:cTn>
+                        </p:par>
+                      </p:childTnLst>
+                    </p:cTn>
+                  </p:par>
+                  <p:par>
+                    <p:cTn id="17" fill="hold">
+                      <p:stCondLst>
+                        <p:cond delay="indefinite"/>
+                      </p:stCondLst>
+                      <p:childTnLst>
+                        <p:par>
+                          <p:cTn id="18" fill="hold">
+                            <p:stCondLst>
+                              <p:cond delay="0"/>
+                            </p:stCondLst>
+                            <p:childTnLst>
                               <p:par>
-                                <p:cTn id="17" presetID="1" presetClass="entr" presetSubtype="0" fill="hold" nodeType="withEffect">
+                                <p:cTn id="19" presetID="1" presetClass="entr" presetSubtype="0" fill="hold" nodeType="clickEffect">
                                   <p:stCondLst>
                                     <p:cond delay="0"/>
                                   </p:stCondLst>
                                   <p:childTnLst>
                                     <p:set>
                                       <p:cBhvr>
-                                        <p:cTn id="18" dur="1" fill="hold">
+                                        <p:cTn id="20" dur="1" fill="hold">
                                           <p:stCondLst>
                                             <p:cond delay="0"/>
                                           </p:stCondLst>
@@ -23120,33 +23156,15 @@
                                   </p:childTnLst>
                                 </p:cTn>
                               </p:par>
-                            </p:childTnLst>
-                          </p:cTn>
-                        </p:par>
-                      </p:childTnLst>
-                    </p:cTn>
-                  </p:par>
-                  <p:par>
-                    <p:cTn id="15" fill="hold">
-                      <p:stCondLst>
-                        <p:cond delay="indefinite"/>
-                      </p:stCondLst>
-                      <p:childTnLst>
-                        <p:par>
-                          <p:cTn id="16" fill="hold">
-                            <p:stCondLst>
-                              <p:cond delay="0"/>
-                            </p:stCondLst>
-                            <p:childTnLst>
                               <p:par>
-                                <p:cTn id="17" presetID="1" presetClass="entr" presetSubtype="0" fill="hold" nodeType="clickEffect">
+                                <p:cTn id="15" presetID="1" presetClass="entr" presetSubtype="0" fill="hold" nodeType="withEffect">
                                   <p:stCondLst>
                                     <p:cond delay="0"/>
                                   </p:stCondLst>
                                   <p:childTnLst>
                                     <p:set>
                                       <p:cBhvr>
-                                        <p:cTn id="18" dur="1" fill="hold">
+                                        <p:cTn id="16" dur="1" fill="hold">
                                           <p:stCondLst>
                                             <p:cond delay="0"/>
                                           </p:stCondLst>
@@ -23176,26 +23194,26 @@
                     </p:cTn>
                   </p:par>
                   <p:par>
-                    <p:cTn id="19" fill="hold">
+                    <p:cTn id="17" fill="hold">
                       <p:stCondLst>
                         <p:cond delay="indefinite"/>
                       </p:stCondLst>
                       <p:childTnLst>
                         <p:par>
-                          <p:cTn id="20" fill="hold">
+                          <p:cTn id="18" fill="hold">
                             <p:stCondLst>
                               <p:cond delay="0"/>
                             </p:stCondLst>
                             <p:childTnLst>
                               <p:par>
-                                <p:cTn id="21" presetID="1" presetClass="entr" presetSubtype="0" fill="hold" nodeType="clickEffect">
+                                <p:cTn id="19" presetID="1" presetClass="entr" presetSubtype="0" fill="hold" nodeType="clickEffect">
                                   <p:stCondLst>
                                     <p:cond delay="0"/>
                                   </p:stCondLst>
                                   <p:childTnLst>
                                     <p:set>
                                       <p:cBhvr>
-                                        <p:cTn id="22" dur="1" fill="hold">
+                                        <p:cTn id="20" dur="1" fill="hold">
                                           <p:stCondLst>
                                             <p:cond delay="0"/>
                                           </p:stCondLst>
@@ -23225,26 +23243,26 @@
                     </p:cTn>
                   </p:par>
                   <p:par>
-                    <p:cTn id="23" fill="hold">
+                    <p:cTn id="21" fill="hold">
                       <p:stCondLst>
                         <p:cond delay="indefinite"/>
                       </p:stCondLst>
                       <p:childTnLst>
                         <p:par>
-                          <p:cTn id="24" fill="hold">
+                          <p:cTn id="22" fill="hold">
                             <p:stCondLst>
                               <p:cond delay="0"/>
                             </p:stCondLst>
                             <p:childTnLst>
                               <p:par>
-                                <p:cTn id="25" presetID="1" presetClass="entr" presetSubtype="0" fill="hold" nodeType="clickEffect">
+                                <p:cTn id="23" presetID="1" presetClass="entr" presetSubtype="0" fill="hold" nodeType="clickEffect">
                                   <p:stCondLst>
                                     <p:cond delay="0"/>
                                   </p:stCondLst>
                                   <p:childTnLst>
                                     <p:set>
                                       <p:cBhvr>
-                                        <p:cTn id="26" dur="1" fill="hold">
+                                        <p:cTn id="24" dur="1" fill="hold">
                                           <p:stCondLst>
                                             <p:cond delay="0"/>
                                           </p:stCondLst>
@@ -25076,8 +25094,21 @@
                   </a:schemeClr>
                 </a:solidFill>
               </a:rPr>
-              <a:t>Информационни системи</a:t>
-            </a:r>
+              <a:t>Информационни системи </a:t>
+            </a:r>
+            <a:r>
+              <a:rPr lang="bg-BG" sz="4400" dirty="0"/>
+              <a:t>(</a:t>
+            </a:r>
+            <a:r>
+              <a:rPr lang="bg-BG" sz="4400" b="1" dirty="0"/>
+              <a:t>ИС</a:t>
+            </a:r>
+            <a:r>
+              <a:rPr lang="en-US" sz="4400" dirty="0"/>
+              <a:t>)</a:t>
+            </a:r>
+            <a:endParaRPr lang="bg-BG" sz="4400" dirty="0"/>
           </a:p>
           <a:p>
             <a:pPr marL="969948" lvl="1" indent="-360363" fontAlgn="base">
@@ -25137,7 +25168,7 @@
             </a:r>
             <a:r>
               <a:rPr lang="bg-BG" sz="4400" dirty="0"/>
-              <a:t> на информационните системи в реалния свят</a:t>
+              <a:t> на ИС в реалния свят</a:t>
             </a:r>
           </a:p>
           <a:p>
@@ -25241,7 +25272,7 @@
             </a:r>
             <a:r>
               <a:rPr lang="bg-BG" sz="4400" dirty="0"/>
-              <a:t> на информационните системи</a:t>
+              <a:t> на ИС</a:t>
             </a:r>
           </a:p>
           <a:p>
@@ -25278,15 +25309,7 @@
             </a:r>
             <a:r>
               <a:rPr lang="bg-BG" sz="4400" dirty="0"/>
-              <a:t> информационни системи</a:t>
-            </a:r>
-            <a:r>
-              <a:rPr lang="en-US" sz="4400" dirty="0"/>
-              <a:t> </a:t>
-            </a:r>
-            <a:r>
-              <a:rPr lang="bg-BG" sz="4400" dirty="0"/>
-              <a:t>и примери</a:t>
+              <a:t> ИС и примери</a:t>
             </a:r>
           </a:p>
         </p:txBody>

--- a/Courses/Software-Sciences/Module-4-Information-Systems-New/01-Introduction-to-IT-Systems/01-Introduction-to-IT-Systems.pptx
+++ b/Courses/Software-Sciences/Module-4-Information-Systems-New/01-Introduction-to-IT-Systems/01-Introduction-to-IT-Systems.pptx
@@ -20,8 +20,8 @@
     <p:sldId id="610" r:id="rId8"/>
     <p:sldId id="611" r:id="rId9"/>
     <p:sldId id="646" r:id="rId10"/>
-    <p:sldId id="614" r:id="rId11"/>
-    <p:sldId id="647" r:id="rId12"/>
+    <p:sldId id="647" r:id="rId11"/>
+    <p:sldId id="614" r:id="rId12"/>
     <p:sldId id="615" r:id="rId13"/>
     <p:sldId id="648" r:id="rId14"/>
     <p:sldId id="589" r:id="rId15"/>
@@ -167,8 +167,8 @@
             <p14:sldId id="610"/>
             <p14:sldId id="611"/>
             <p14:sldId id="646"/>
+            <p14:sldId id="647"/>
             <p14:sldId id="614"/>
-            <p14:sldId id="647"/>
             <p14:sldId id="615"/>
             <p14:sldId id="648"/>
           </p14:sldIdLst>
@@ -325,7 +325,7 @@
           <a:p>
             <a:fld id="{4E087215-0C8F-4762-A664-737A353EC9A4}" type="datetimeFigureOut">
               <a:rPr lang="bg-BG" smtClean="0"/>
-              <a:t>25.04.24 г.</a:t>
+              <a:t>12.06.24 г.</a:t>
             </a:fld>
             <a:endParaRPr lang="bg-BG"/>
           </a:p>
@@ -521,7 +521,7 @@
           <a:p>
             <a:fld id="{72D84649-876A-46C9-8472-14CB09C070D8}" type="datetimeFigureOut">
               <a:rPr lang="en-US" smtClean="0"/>
-              <a:t>4/25/24</a:t>
+              <a:t>6/12/24</a:t>
             </a:fld>
             <a:endParaRPr lang="en-US"/>
           </a:p>
@@ -1169,7 +1169,7 @@
     </p:spTree>
     <p:extLst>
       <p:ext uri="{BB962C8B-B14F-4D97-AF65-F5344CB8AC3E}">
-        <p14:creationId xmlns:p14="http://schemas.microsoft.com/office/powerpoint/2010/main" val="986854748"/>
+        <p14:creationId xmlns:p14="http://schemas.microsoft.com/office/powerpoint/2010/main" val="2143125317"/>
       </p:ext>
     </p:extLst>
   </p:cSld>
@@ -8678,7 +8678,7 @@
     </p:spTree>
     <p:extLst>
       <p:ext uri="{BB962C8B-B14F-4D97-AF65-F5344CB8AC3E}">
-        <p14:creationId xmlns:p14="http://schemas.microsoft.com/office/powerpoint/2010/main" val="2143125317"/>
+        <p14:creationId xmlns:p14="http://schemas.microsoft.com/office/powerpoint/2010/main" val="986854748"/>
       </p:ext>
     </p:extLst>
   </p:cSld>
@@ -13797,7 +13797,15 @@
           <a:p>
             <a:r>
               <a:rPr lang="bg-BG" dirty="0"/>
-              <a:t>Курс “Информационни системи"</a:t>
+              <a:t>Курс </a:t>
+            </a:r>
+            <a:r>
+              <a:rPr lang="en-US" dirty="0"/>
+              <a:t>"</a:t>
+            </a:r>
+            <a:r>
+              <a:rPr lang="bg-BG" dirty="0"/>
+              <a:t>Информационни системи"</a:t>
             </a:r>
             <a:endParaRPr lang="en-US" dirty="0"/>
           </a:p>
@@ -14131,15 +14139,11 @@
                   <a:schemeClr val="bg1"/>
                 </a:solidFill>
               </a:rPr>
-              <a:t>Мениджмънт на информацията </a:t>
-            </a:r>
-            <a:r>
-              <a:rPr lang="bg-BG" sz="3200" b="1" dirty="0"/>
-              <a:t>(</a:t>
-            </a:r>
-            <a:r>
-              <a:rPr lang="en-US" sz="3200" b="1" dirty="0"/>
-              <a:t>Information Management)</a:t>
+              <a:t>Система за управление на бази данни – СУБД </a:t>
+            </a:r>
+            <a:r>
+              <a:rPr lang="en-GB" sz="3200" b="1" dirty="0"/>
+              <a:t>(Database Management System - DBMS)</a:t>
             </a:r>
             <a:endParaRPr lang="bg-BG" sz="3200" b="1" dirty="0"/>
           </a:p>
@@ -14151,7 +14155,7 @@
             </a:pPr>
             <a:r>
               <a:rPr lang="bg-BG" sz="3000" dirty="0"/>
-              <a:t>Процесът на </a:t>
+              <a:t>Софтуерен продукт за </a:t>
             </a:r>
             <a:r>
               <a:rPr lang="bg-BG" sz="3000" b="1" dirty="0">
@@ -14159,7 +14163,7 @@
                   <a:schemeClr val="bg1"/>
                 </a:solidFill>
               </a:rPr>
-              <a:t>събиране</a:t>
+              <a:t>създаване</a:t>
             </a:r>
             <a:r>
               <a:rPr lang="bg-BG" sz="3000" dirty="0"/>
@@ -14171,19 +14175,7 @@
                   <a:schemeClr val="bg1"/>
                 </a:solidFill>
               </a:rPr>
-              <a:t>съхраняване</a:t>
-            </a:r>
-            <a:r>
-              <a:rPr lang="bg-BG" sz="3000" dirty="0"/>
-              <a:t>, </a:t>
-            </a:r>
-            <a:r>
-              <a:rPr lang="bg-BG" sz="3000" b="1" dirty="0">
-                <a:solidFill>
-                  <a:schemeClr val="bg1"/>
-                </a:solidFill>
-              </a:rPr>
-              <a:t>обработка</a:t>
+              <a:t>управляване</a:t>
             </a:r>
             <a:r>
               <a:rPr lang="bg-BG" sz="3000" dirty="0"/>
@@ -14195,33 +14187,50 @@
                   <a:schemeClr val="bg1"/>
                 </a:solidFill>
               </a:rPr>
-              <a:t>предоставяне</a:t>
+              <a:t>манипулиране </a:t>
             </a:r>
             <a:r>
               <a:rPr lang="bg-BG" sz="3000" dirty="0"/>
-              <a:t> на информация</a:t>
+              <a:t>на</a:t>
+            </a:r>
+            <a:r>
+              <a:rPr lang="bg-BG" sz="3000" b="1" dirty="0">
+                <a:solidFill>
+                  <a:schemeClr val="bg1"/>
+                </a:solidFill>
+              </a:rPr>
+              <a:t> бази данни</a:t>
             </a:r>
           </a:p>
           <a:p>
             <a:pPr lvl="1"/>
             <a:r>
+              <a:rPr lang="bg-BG" sz="3000" dirty="0"/>
+              <a:t>Предоставя </a:t>
+            </a:r>
+            <a:r>
               <a:rPr lang="bg-BG" sz="3000" b="1" dirty="0">
                 <a:solidFill>
                   <a:schemeClr val="bg1"/>
                 </a:solidFill>
               </a:rPr>
-              <a:t>Оптимизира</a:t>
+              <a:t>интерфейс</a:t>
             </a:r>
             <a:r>
               <a:rPr lang="bg-BG" sz="3000" dirty="0"/>
-              <a:t> процесите за работа с информацията</a:t>
-            </a:r>
-          </a:p>
-          <a:p>
-            <a:pPr lvl="1"/>
+              <a:t> за извършване на различни </a:t>
+            </a:r>
+            <a:r>
+              <a:rPr lang="bg-BG" sz="3000" b="1" dirty="0">
+                <a:solidFill>
+                  <a:schemeClr val="bg1"/>
+                </a:solidFill>
+              </a:rPr>
+              <a:t>операции</a:t>
+            </a:r>
             <a:r>
               <a:rPr lang="bg-BG" sz="3000" dirty="0"/>
-              <a:t>Включва </a:t>
+              <a:t> върху </a:t>
             </a:r>
             <a:r>
               <a:rPr lang="bg-BG" sz="3000" b="1" dirty="0">
@@ -14229,48 +14238,8 @@
                   <a:schemeClr val="bg1"/>
                 </a:solidFill>
               </a:rPr>
-              <a:t>управление</a:t>
-            </a:r>
-            <a:r>
-              <a:rPr lang="bg-BG" sz="3000" dirty="0"/>
-              <a:t> на </a:t>
-            </a:r>
-            <a:r>
-              <a:rPr lang="bg-BG" sz="3000" b="1" dirty="0"/>
-              <a:t>данни</a:t>
-            </a:r>
-            <a:r>
-              <a:rPr lang="bg-BG" sz="3000" dirty="0"/>
-              <a:t>, </a:t>
-            </a:r>
-            <a:r>
-              <a:rPr lang="bg-BG" sz="3000" b="1" dirty="0"/>
-              <a:t>документи</a:t>
-            </a:r>
-            <a:r>
-              <a:rPr lang="bg-BG" sz="3000" dirty="0"/>
-              <a:t>, </a:t>
-            </a:r>
-            <a:r>
-              <a:rPr lang="bg-BG" sz="3000" b="1" dirty="0"/>
-              <a:t>електронни ресурси </a:t>
-            </a:r>
-            <a:r>
-              <a:rPr lang="bg-BG" sz="3000" dirty="0"/>
-              <a:t>и други </a:t>
-            </a:r>
-            <a:r>
-              <a:rPr lang="bg-BG" sz="3000" b="1" dirty="0"/>
-              <a:t>информационни активи</a:t>
-            </a:r>
-          </a:p>
-          <a:p>
-            <a:pPr lvl="1">
-              <a:buClr>
-                <a:schemeClr val="tx1"/>
-              </a:buClr>
-            </a:pPr>
-            <a:endParaRPr lang="bg-BG" dirty="0"/>
+              <a:t>базата данни</a:t>
+            </a:r>
           </a:p>
         </p:txBody>
       </p:sp>
@@ -14310,7 +14279,7 @@
           <p:cNvPr id="3" name="Picture 2">
             <a:extLst>
               <a:ext uri="{FF2B5EF4-FFF2-40B4-BE49-F238E27FC236}">
-                <a16:creationId xmlns:a16="http://schemas.microsoft.com/office/drawing/2014/main" id="{624C6D58-58E8-04E5-54A1-9F7C1873B15E}"/>
+                <a16:creationId xmlns:a16="http://schemas.microsoft.com/office/drawing/2014/main" id="{B042B55B-B8C7-3D1F-00EF-A229F2B7C25E}"/>
               </a:ext>
             </a:extLst>
           </p:cNvPr>
@@ -14333,8 +14302,8 @@
         </p:blipFill>
         <p:spPr>
           <a:xfrm>
-            <a:off x="4750961" y="4423656"/>
-            <a:ext cx="3190039" cy="2374806"/>
+            <a:off x="4794502" y="4233446"/>
+            <a:ext cx="2602996" cy="2273554"/>
           </a:xfrm>
           <a:prstGeom prst="rect">
             <a:avLst/>
@@ -14344,7 +14313,7 @@
     </p:spTree>
     <p:extLst>
       <p:ext uri="{BB962C8B-B14F-4D97-AF65-F5344CB8AC3E}">
-        <p14:creationId xmlns:p14="http://schemas.microsoft.com/office/powerpoint/2010/main" val="2315380864"/>
+        <p14:creationId xmlns:p14="http://schemas.microsoft.com/office/powerpoint/2010/main" val="4254674694"/>
       </p:ext>
     </p:extLst>
   </p:cSld>
@@ -14427,11 +14396,7 @@
                                           </p:stCondLst>
                                         </p:cTn>
                                         <p:tgtEl>
-                                          <p:spTgt spid="7">
-                                            <p:txEl>
-                                              <p:pRg st="1" end="1"/>
-                                            </p:txEl>
-                                          </p:spTgt>
+                                          <p:spTgt spid="3"/>
                                         </p:tgtEl>
                                         <p:attrNameLst>
                                           <p:attrName>style.visibility</p:attrName>
@@ -14458,7 +14423,11 @@
                                           </p:stCondLst>
                                         </p:cTn>
                                         <p:tgtEl>
-                                          <p:spTgt spid="3"/>
+                                          <p:spTgt spid="7">
+                                            <p:txEl>
+                                              <p:pRg st="1" end="1"/>
+                                            </p:txEl>
+                                          </p:spTgt>
                                         </p:tgtEl>
                                         <p:attrNameLst>
                                           <p:attrName>style.visibility</p:attrName>
@@ -14526,55 +14495,6 @@
                       </p:childTnLst>
                     </p:cTn>
                   </p:par>
-                  <p:par>
-                    <p:cTn id="15" fill="hold">
-                      <p:stCondLst>
-                        <p:cond delay="indefinite"/>
-                      </p:stCondLst>
-                      <p:childTnLst>
-                        <p:par>
-                          <p:cTn id="16" fill="hold">
-                            <p:stCondLst>
-                              <p:cond delay="0"/>
-                            </p:stCondLst>
-                            <p:childTnLst>
-                              <p:par>
-                                <p:cTn id="17" presetID="1" presetClass="entr" presetSubtype="0" fill="hold" nodeType="clickEffect">
-                                  <p:stCondLst>
-                                    <p:cond delay="0"/>
-                                  </p:stCondLst>
-                                  <p:childTnLst>
-                                    <p:set>
-                                      <p:cBhvr>
-                                        <p:cTn id="18" dur="1" fill="hold">
-                                          <p:stCondLst>
-                                            <p:cond delay="0"/>
-                                          </p:stCondLst>
-                                        </p:cTn>
-                                        <p:tgtEl>
-                                          <p:spTgt spid="7">
-                                            <p:txEl>
-                                              <p:pRg st="3" end="3"/>
-                                            </p:txEl>
-                                          </p:spTgt>
-                                        </p:tgtEl>
-                                        <p:attrNameLst>
-                                          <p:attrName>style.visibility</p:attrName>
-                                        </p:attrNameLst>
-                                      </p:cBhvr>
-                                      <p:to>
-                                        <p:strVal val="visible"/>
-                                      </p:to>
-                                    </p:set>
-                                  </p:childTnLst>
-                                </p:cTn>
-                              </p:par>
-                            </p:childTnLst>
-                          </p:cTn>
-                        </p:par>
-                      </p:childTnLst>
-                    </p:cTn>
-                  </p:par>
                 </p:childTnLst>
               </p:cTn>
               <p:prevCondLst>
@@ -14693,11 +14613,15 @@
                   <a:schemeClr val="bg1"/>
                 </a:solidFill>
               </a:rPr>
-              <a:t>Система за управление на бази данни – СУБД </a:t>
-            </a:r>
-            <a:r>
-              <a:rPr lang="en-GB" sz="3200" b="1" dirty="0"/>
-              <a:t>(Database Management System - DBMS)</a:t>
+              <a:t>Мениджмънт на информацията </a:t>
+            </a:r>
+            <a:r>
+              <a:rPr lang="bg-BG" sz="3200" b="1" dirty="0"/>
+              <a:t>(</a:t>
+            </a:r>
+            <a:r>
+              <a:rPr lang="en-US" sz="3200" b="1" dirty="0"/>
+              <a:t>Information Management)</a:t>
             </a:r>
             <a:endParaRPr lang="bg-BG" sz="3200" b="1" dirty="0"/>
           </a:p>
@@ -14709,7 +14633,7 @@
             </a:pPr>
             <a:r>
               <a:rPr lang="bg-BG" sz="3000" dirty="0"/>
-              <a:t>Софтуерен продукт за </a:t>
+              <a:t>Процесът на </a:t>
             </a:r>
             <a:r>
               <a:rPr lang="bg-BG" sz="3000" b="1" dirty="0">
@@ -14717,7 +14641,7 @@
                   <a:schemeClr val="bg1"/>
                 </a:solidFill>
               </a:rPr>
-              <a:t>създаване</a:t>
+              <a:t>събиране</a:t>
             </a:r>
             <a:r>
               <a:rPr lang="bg-BG" sz="3000" dirty="0"/>
@@ -14729,7 +14653,19 @@
                   <a:schemeClr val="bg1"/>
                 </a:solidFill>
               </a:rPr>
-              <a:t>управляване</a:t>
+              <a:t>съхраняване</a:t>
+            </a:r>
+            <a:r>
+              <a:rPr lang="bg-BG" sz="3000" dirty="0"/>
+              <a:t>, </a:t>
+            </a:r>
+            <a:r>
+              <a:rPr lang="bg-BG" sz="3000" b="1" dirty="0">
+                <a:solidFill>
+                  <a:schemeClr val="bg1"/>
+                </a:solidFill>
+              </a:rPr>
+              <a:t>обработка</a:t>
             </a:r>
             <a:r>
               <a:rPr lang="bg-BG" sz="3000" dirty="0"/>
@@ -14741,11 +14677,18 @@
                   <a:schemeClr val="bg1"/>
                 </a:solidFill>
               </a:rPr>
-              <a:t>манипулиране </a:t>
+              <a:t>предоставяне</a:t>
             </a:r>
             <a:r>
               <a:rPr lang="bg-BG" sz="3000" dirty="0"/>
-              <a:t>на</a:t>
+              <a:t> на информация</a:t>
+            </a:r>
+          </a:p>
+          <a:p>
+            <a:pPr lvl="1"/>
+            <a:r>
+              <a:rPr lang="bg-BG" sz="3000" dirty="0"/>
+              <a:t>Включва </a:t>
             </a:r>
             <a:r>
               <a:rPr lang="bg-BG" sz="3000" b="1" dirty="0">
@@ -14753,47 +14696,48 @@
                   <a:schemeClr val="bg1"/>
                 </a:solidFill>
               </a:rPr>
-              <a:t> бази данни</a:t>
-            </a:r>
-          </a:p>
-          <a:p>
-            <a:pPr lvl="1"/>
+              <a:t>управление</a:t>
+            </a:r>
             <a:r>
               <a:rPr lang="bg-BG" sz="3000" dirty="0"/>
-              <a:t>Предоставя </a:t>
-            </a:r>
-            <a:r>
-              <a:rPr lang="bg-BG" sz="3000" b="1" dirty="0">
-                <a:solidFill>
-                  <a:schemeClr val="bg1"/>
-                </a:solidFill>
-              </a:rPr>
-              <a:t>интерфейс</a:t>
+              <a:t> на </a:t>
+            </a:r>
+            <a:r>
+              <a:rPr lang="bg-BG" sz="3000" b="1" dirty="0"/>
+              <a:t>данни</a:t>
             </a:r>
             <a:r>
               <a:rPr lang="bg-BG" sz="3000" dirty="0"/>
-              <a:t> за извършване на различни </a:t>
-            </a:r>
-            <a:r>
-              <a:rPr lang="bg-BG" sz="3000" b="1" dirty="0">
-                <a:solidFill>
-                  <a:schemeClr val="bg1"/>
-                </a:solidFill>
-              </a:rPr>
-              <a:t>операции</a:t>
+              <a:t>, </a:t>
+            </a:r>
+            <a:r>
+              <a:rPr lang="bg-BG" sz="3000" b="1" dirty="0"/>
+              <a:t>документи</a:t>
             </a:r>
             <a:r>
               <a:rPr lang="bg-BG" sz="3000" dirty="0"/>
-              <a:t> върху </a:t>
-            </a:r>
-            <a:r>
-              <a:rPr lang="bg-BG" sz="3000" b="1" dirty="0">
-                <a:solidFill>
-                  <a:schemeClr val="bg1"/>
-                </a:solidFill>
-              </a:rPr>
-              <a:t>базата данни</a:t>
-            </a:r>
+              <a:t>, </a:t>
+            </a:r>
+            <a:r>
+              <a:rPr lang="bg-BG" sz="3000" b="1" dirty="0"/>
+              <a:t>електронни ресурси </a:t>
+            </a:r>
+            <a:r>
+              <a:rPr lang="bg-BG" sz="3000" dirty="0"/>
+              <a:t>и други </a:t>
+            </a:r>
+            <a:r>
+              <a:rPr lang="bg-BG" sz="3000" b="1" dirty="0"/>
+              <a:t>информационни активи</a:t>
+            </a:r>
+          </a:p>
+          <a:p>
+            <a:pPr lvl="1">
+              <a:buClr>
+                <a:schemeClr val="tx1"/>
+              </a:buClr>
+            </a:pPr>
+            <a:endParaRPr lang="bg-BG" dirty="0"/>
           </a:p>
         </p:txBody>
       </p:sp>
@@ -14833,7 +14777,7 @@
           <p:cNvPr id="3" name="Picture 2">
             <a:extLst>
               <a:ext uri="{FF2B5EF4-FFF2-40B4-BE49-F238E27FC236}">
-                <a16:creationId xmlns:a16="http://schemas.microsoft.com/office/drawing/2014/main" id="{B042B55B-B8C7-3D1F-00EF-A229F2B7C25E}"/>
+                <a16:creationId xmlns:a16="http://schemas.microsoft.com/office/drawing/2014/main" id="{624C6D58-58E8-04E5-54A1-9F7C1873B15E}"/>
               </a:ext>
             </a:extLst>
           </p:cNvPr>
@@ -14842,7 +14786,7 @@
           </p:cNvPicPr>
           <p:nvPr/>
         </p:nvPicPr>
-        <p:blipFill>
+        <p:blipFill rotWithShape="1">
           <a:blip r:embed="rId3">
             <a:extLst>
               <a:ext uri="{28A0092B-C50C-407E-A947-70E740481C1C}">
@@ -14850,14 +14794,13 @@
               </a:ext>
             </a:extLst>
           </a:blip>
-          <a:stretch>
-            <a:fillRect/>
-          </a:stretch>
+          <a:srcRect r="21915"/>
+          <a:stretch/>
         </p:blipFill>
         <p:spPr>
           <a:xfrm>
-            <a:off x="4794502" y="4233446"/>
-            <a:ext cx="2602996" cy="2273554"/>
+            <a:off x="4588500" y="3929538"/>
+            <a:ext cx="3015000" cy="2874462"/>
           </a:xfrm>
           <a:prstGeom prst="rect">
             <a:avLst/>
@@ -14867,7 +14810,7 @@
     </p:spTree>
     <p:extLst>
       <p:ext uri="{BB962C8B-B14F-4D97-AF65-F5344CB8AC3E}">
-        <p14:creationId xmlns:p14="http://schemas.microsoft.com/office/powerpoint/2010/main" val="4254674694"/>
+        <p14:creationId xmlns:p14="http://schemas.microsoft.com/office/powerpoint/2010/main" val="2315380864"/>
       </p:ext>
     </p:extLst>
   </p:cSld>
@@ -20554,8 +20497,12 @@
           </a:p>
           <a:p>
             <a:r>
+              <a:rPr lang="bg-BG" b="1" dirty="0"/>
+              <a:t>Примери</a:t>
+            </a:r>
+            <a:r>
               <a:rPr lang="bg-BG" dirty="0"/>
-              <a:t>Примери за </a:t>
+              <a:t> за </a:t>
             </a:r>
             <a:r>
               <a:rPr lang="en-US" dirty="0"/>
@@ -20821,15 +20768,33 @@
                                   </p:childTnLst>
                                 </p:cTn>
                               </p:par>
+                            </p:childTnLst>
+                          </p:cTn>
+                        </p:par>
+                      </p:childTnLst>
+                    </p:cTn>
+                  </p:par>
+                  <p:par>
+                    <p:cTn id="17" fill="hold">
+                      <p:stCondLst>
+                        <p:cond delay="indefinite"/>
+                      </p:stCondLst>
+                      <p:childTnLst>
+                        <p:par>
+                          <p:cTn id="18" fill="hold">
+                            <p:stCondLst>
+                              <p:cond delay="0"/>
+                            </p:stCondLst>
+                            <p:childTnLst>
                               <p:par>
-                                <p:cTn id="17" presetID="1" presetClass="entr" presetSubtype="0" fill="hold" nodeType="withEffect">
+                                <p:cTn id="19" presetID="1" presetClass="entr" presetSubtype="0" fill="hold" nodeType="clickEffect">
                                   <p:stCondLst>
                                     <p:cond delay="0"/>
                                   </p:stCondLst>
                                   <p:childTnLst>
                                     <p:set>
                                       <p:cBhvr>
-                                        <p:cTn id="18" dur="1" fill="hold">
+                                        <p:cTn id="20" dur="1" fill="hold">
                                           <p:stCondLst>
                                             <p:cond delay="0"/>
                                           </p:stCondLst>
@@ -21348,8 +21313,12 @@
           </a:p>
           <a:p>
             <a:r>
+              <a:rPr lang="bg-BG" b="1" dirty="0"/>
+              <a:t>Примери</a:t>
+            </a:r>
+            <a:r>
               <a:rPr lang="bg-BG" dirty="0"/>
-              <a:t>Примери за </a:t>
+              <a:t> за </a:t>
             </a:r>
             <a:r>
               <a:rPr lang="en-US" dirty="0"/>
@@ -22067,20 +22036,16 @@
               <a:t>изпълнението</a:t>
             </a:r>
             <a:r>
+              <a:rPr lang="en-US" b="1" dirty="0">
+                <a:solidFill>
+                  <a:schemeClr val="bg1"/>
+                </a:solidFill>
+              </a:rPr>
+              <a:t> </a:t>
+            </a:r>
+            <a:r>
               <a:rPr lang="bg-BG" dirty="0"/>
-              <a:t>, </a:t>
-            </a:r>
-            <a:r>
-              <a:rPr lang="bg-BG" b="1" dirty="0">
-                <a:solidFill>
-                  <a:schemeClr val="bg1"/>
-                </a:solidFill>
-              </a:rPr>
-              <a:t>мониторинга</a:t>
-            </a:r>
-            <a:r>
-              <a:rPr lang="bg-BG" dirty="0"/>
-              <a:t> и </a:t>
+              <a:t>и </a:t>
             </a:r>
             <a:r>
               <a:rPr lang="bg-BG" b="1" dirty="0">
@@ -25995,7 +25960,7 @@
 </file>
 
 <file path=ppt/slides/slide36.xml><?xml version="1.0" encoding="utf-8"?>
-<p:sld xmlns:a="http://schemas.openxmlformats.org/drawingml/2006/main" xmlns:r="http://schemas.openxmlformats.org/officeDocument/2006/relationships" xmlns:p="http://schemas.openxmlformats.org/presentationml/2006/main">
+<p:sld xmlns:a="http://schemas.openxmlformats.org/drawingml/2006/main" xmlns:r="http://schemas.openxmlformats.org/officeDocument/2006/relationships" xmlns:p="http://schemas.openxmlformats.org/presentationml/2006/main" show="0">
   <p:cSld>
     <p:spTree>
       <p:nvGrpSpPr>
@@ -26366,11 +26331,11 @@
   <p:clrMapOvr>
     <a:masterClrMapping/>
   </p:clrMapOvr>
-  <mc:AlternateContent xmlns:mc="http://schemas.openxmlformats.org/markup-compatibility/2006" xmlns:p14="http://schemas.microsoft.com/office/powerpoint/2010/main">
-    <mc:Choice Requires="p14">
+  <mc:AlternateContent xmlns:mc="http://schemas.openxmlformats.org/markup-compatibility/2006">
+    <mc:Choice xmlns:p14="http://schemas.microsoft.com/office/powerpoint/2010/main" Requires="p14">
       <p:transition spd="slow" p14:dur="2000" advClick="0" advTm="5000"/>
     </mc:Choice>
-    <mc:Fallback xmlns="">
+    <mc:Fallback>
       <p:transition spd="slow" advClick="0" advTm="5000"/>
     </mc:Fallback>
   </mc:AlternateContent>
@@ -26638,8 +26603,8 @@
         </p:blipFill>
         <p:spPr>
           <a:xfrm>
-            <a:off x="4871304" y="4689000"/>
-            <a:ext cx="2449392" cy="1496850"/>
+            <a:off x="4651152" y="4739628"/>
+            <a:ext cx="2889696" cy="1765925"/>
           </a:xfrm>
           <a:prstGeom prst="rect">
             <a:avLst/>
@@ -27003,14 +26968,6 @@
             <a:r>
               <a:rPr lang="bg-BG" b="1" dirty="0"/>
               <a:t>управление на ресурси</a:t>
-            </a:r>
-            <a:r>
-              <a:rPr lang="bg-BG" dirty="0"/>
-              <a:t>, </a:t>
-            </a:r>
-            <a:r>
-              <a:rPr lang="bg-BG" b="1" dirty="0"/>
-              <a:t>комуникация</a:t>
             </a:r>
             <a:r>
               <a:rPr lang="bg-BG" b="1" dirty="0">

--- a/Courses/Software-Sciences/Module-4-Information-Systems-New/01-Introduction-to-IT-Systems/01-Introduction-to-IT-Systems.pptx
+++ b/Courses/Software-Sciences/Module-4-Information-Systems-New/01-Introduction-to-IT-Systems/01-Introduction-to-IT-Systems.pptx
@@ -325,7 +325,7 @@
           <a:p>
             <a:fld id="{4E087215-0C8F-4762-A664-737A353EC9A4}" type="datetimeFigureOut">
               <a:rPr lang="bg-BG" smtClean="0"/>
-              <a:t>12.06.24 г.</a:t>
+              <a:t>21.06.24 г.</a:t>
             </a:fld>
             <a:endParaRPr lang="bg-BG"/>
           </a:p>
@@ -521,7 +521,7 @@
           <a:p>
             <a:fld id="{72D84649-876A-46C9-8472-14CB09C070D8}" type="datetimeFigureOut">
               <a:rPr lang="en-US" smtClean="0"/>
-              <a:t>6/12/24</a:t>
+              <a:t>6/21/24</a:t>
             </a:fld>
             <a:endParaRPr lang="en-US"/>
           </a:p>
@@ -25053,7 +25053,7 @@
             <a:r>
               <a:rPr lang="bg-BG" sz="4400" b="1" dirty="0">
                 <a:solidFill>
-                  <a:schemeClr val="bg1">
+                  <a:schemeClr val="accent1">
                     <a:lumMod val="60000"/>
                     <a:lumOff val="40000"/>
                   </a:schemeClr>
@@ -25092,7 +25092,7 @@
             <a:r>
               <a:rPr lang="bg-BG" sz="4000" b="1" dirty="0">
                 <a:solidFill>
-                  <a:schemeClr val="bg1">
+                  <a:schemeClr val="accent1">
                     <a:lumMod val="60000"/>
                     <a:lumOff val="40000"/>
                   </a:schemeClr>
@@ -25123,7 +25123,7 @@
             <a:r>
               <a:rPr lang="bg-BG" sz="4400" b="1" dirty="0">
                 <a:solidFill>
-                  <a:schemeClr val="bg1">
+                  <a:schemeClr val="accent1">
                     <a:lumMod val="60000"/>
                     <a:lumOff val="40000"/>
                   </a:schemeClr>
@@ -25145,7 +25145,7 @@
             <a:r>
               <a:rPr lang="bg-BG" sz="4000" b="1" dirty="0">
                 <a:solidFill>
-                  <a:schemeClr val="bg1">
+                  <a:schemeClr val="accent1">
                     <a:lumMod val="60000"/>
                     <a:lumOff val="40000"/>
                   </a:schemeClr>
@@ -25164,7 +25164,7 @@
             <a:r>
               <a:rPr lang="bg-BG" sz="4000" b="1" dirty="0">
                 <a:solidFill>
-                  <a:schemeClr val="bg1">
+                  <a:schemeClr val="accent1">
                     <a:lumMod val="60000"/>
                     <a:lumOff val="40000"/>
                   </a:schemeClr>
@@ -25194,7 +25194,7 @@
             <a:r>
               <a:rPr lang="bg-BG" sz="4400" b="1" dirty="0">
                 <a:solidFill>
-                  <a:schemeClr val="bg1">
+                  <a:schemeClr val="accent1">
                     <a:lumMod val="60000"/>
                     <a:lumOff val="40000"/>
                   </a:schemeClr>
@@ -25264,7 +25264,7 @@
             <a:r>
               <a:rPr lang="bg-BG" sz="4400" b="1" dirty="0">
                 <a:solidFill>
-                  <a:schemeClr val="bg1">
+                  <a:schemeClr val="accent1">
                     <a:lumMod val="60000"/>
                     <a:lumOff val="40000"/>
                   </a:schemeClr>
@@ -26331,11 +26331,11 @@
   <p:clrMapOvr>
     <a:masterClrMapping/>
   </p:clrMapOvr>
-  <mc:AlternateContent xmlns:mc="http://schemas.openxmlformats.org/markup-compatibility/2006">
-    <mc:Choice xmlns:p14="http://schemas.microsoft.com/office/powerpoint/2010/main" Requires="p14">
+  <mc:AlternateContent xmlns:mc="http://schemas.openxmlformats.org/markup-compatibility/2006" xmlns:p14="http://schemas.microsoft.com/office/powerpoint/2010/main">
+    <mc:Choice Requires="p14">
       <p:transition spd="slow" p14:dur="2000" advClick="0" advTm="5000"/>
     </mc:Choice>
-    <mc:Fallback>
+    <mc:Fallback xmlns="">
       <p:transition spd="slow" advClick="0" advTm="5000"/>
     </mc:Fallback>
   </mc:AlternateContent>

--- a/Courses/Software-Sciences/Module-4-Information-Systems-New/01-Introduction-to-IT-Systems/01-Introduction-to-IT-Systems.pptx
+++ b/Courses/Software-Sciences/Module-4-Information-Systems-New/01-Introduction-to-IT-Systems/01-Introduction-to-IT-Systems.pptx
@@ -325,7 +325,7 @@
           <a:p>
             <a:fld id="{4E087215-0C8F-4762-A664-737A353EC9A4}" type="datetimeFigureOut">
               <a:rPr lang="bg-BG" smtClean="0"/>
-              <a:t>21.06.24 г.</a:t>
+              <a:t>10.09.24 г.</a:t>
             </a:fld>
             <a:endParaRPr lang="bg-BG"/>
           </a:p>
@@ -521,7 +521,7 @@
           <a:p>
             <a:fld id="{72D84649-876A-46C9-8472-14CB09C070D8}" type="datetimeFigureOut">
               <a:rPr lang="en-US" smtClean="0"/>
-              <a:t>6/21/24</a:t>
+              <a:t>9/10/24</a:t>
             </a:fld>
             <a:endParaRPr lang="en-US"/>
           </a:p>
@@ -14302,7 +14302,7 @@
         </p:blipFill>
         <p:spPr>
           <a:xfrm>
-            <a:off x="4794502" y="4233446"/>
+            <a:off x="4794502" y="4229999"/>
             <a:ext cx="2602996" cy="2273554"/>
           </a:xfrm>
           <a:prstGeom prst="rect">
@@ -14340,9 +14340,6 @@
                     <p:cTn id="3" fill="hold">
                       <p:stCondLst>
                         <p:cond delay="indefinite"/>
-                        <p:cond evt="onBegin" delay="0">
-                          <p:tn val="2"/>
-                        </p:cond>
                       </p:stCondLst>
                       <p:childTnLst>
                         <p:par>
@@ -14352,7 +14349,7 @@
                             </p:stCondLst>
                             <p:childTnLst>
                               <p:par>
-                                <p:cTn id="5" presetID="1" presetClass="entr" presetSubtype="0" fill="hold" nodeType="withEffect">
+                                <p:cTn id="5" presetID="1" presetClass="entr" presetSubtype="0" fill="hold" nodeType="clickEffect">
                                   <p:stCondLst>
                                     <p:cond delay="0"/>
                                   </p:stCondLst>
@@ -14360,64 +14357,6 @@
                                     <p:set>
                                       <p:cBhvr>
                                         <p:cTn id="6" dur="1" fill="hold">
-                                          <p:stCondLst>
-                                            <p:cond delay="0"/>
-                                          </p:stCondLst>
-                                        </p:cTn>
-                                        <p:tgtEl>
-                                          <p:spTgt spid="7">
-                                            <p:txEl>
-                                              <p:pRg st="0" end="0"/>
-                                            </p:txEl>
-                                          </p:spTgt>
-                                        </p:tgtEl>
-                                        <p:attrNameLst>
-                                          <p:attrName>style.visibility</p:attrName>
-                                        </p:attrNameLst>
-                                      </p:cBhvr>
-                                      <p:to>
-                                        <p:strVal val="visible"/>
-                                      </p:to>
-                                    </p:set>
-                                  </p:childTnLst>
-                                </p:cTn>
-                              </p:par>
-                              <p:par>
-                                <p:cTn id="7" presetID="1" presetClass="entr" presetSubtype="0" fill="hold" nodeType="withEffect">
-                                  <p:stCondLst>
-                                    <p:cond delay="0"/>
-                                  </p:stCondLst>
-                                  <p:childTnLst>
-                                    <p:set>
-                                      <p:cBhvr>
-                                        <p:cTn id="8" dur="1" fill="hold">
-                                          <p:stCondLst>
-                                            <p:cond delay="0"/>
-                                          </p:stCondLst>
-                                        </p:cTn>
-                                        <p:tgtEl>
-                                          <p:spTgt spid="3"/>
-                                        </p:tgtEl>
-                                        <p:attrNameLst>
-                                          <p:attrName>style.visibility</p:attrName>
-                                        </p:attrNameLst>
-                                      </p:cBhvr>
-                                      <p:to>
-                                        <p:strVal val="visible"/>
-                                      </p:to>
-                                    </p:set>
-                                  </p:childTnLst>
-                                </p:cTn>
-                              </p:par>
-                              <p:par>
-                                <p:cTn id="9" presetID="1" presetClass="entr" presetSubtype="0" fill="hold" nodeType="withEffect">
-                                  <p:stCondLst>
-                                    <p:cond delay="0"/>
-                                  </p:stCondLst>
-                                  <p:childTnLst>
-                                    <p:set>
-                                      <p:cBhvr>
-                                        <p:cTn id="10" dur="1" fill="hold">
                                           <p:stCondLst>
                                             <p:cond delay="0"/>
                                           </p:stCondLst>
@@ -14447,26 +14386,26 @@
                     </p:cTn>
                   </p:par>
                   <p:par>
-                    <p:cTn id="11" fill="hold">
+                    <p:cTn id="7" fill="hold">
                       <p:stCondLst>
                         <p:cond delay="indefinite"/>
                       </p:stCondLst>
                       <p:childTnLst>
                         <p:par>
-                          <p:cTn id="12" fill="hold">
+                          <p:cTn id="8" fill="hold">
                             <p:stCondLst>
                               <p:cond delay="0"/>
                             </p:stCondLst>
                             <p:childTnLst>
                               <p:par>
-                                <p:cTn id="13" presetID="1" presetClass="entr" presetSubtype="0" fill="hold" nodeType="clickEffect">
+                                <p:cTn id="9" presetID="1" presetClass="entr" presetSubtype="0" fill="hold" nodeType="clickEffect">
                                   <p:stCondLst>
                                     <p:cond delay="0"/>
                                   </p:stCondLst>
                                   <p:childTnLst>
                                     <p:set>
                                       <p:cBhvr>
-                                        <p:cTn id="14" dur="1" fill="hold">
+                                        <p:cTn id="10" dur="1" fill="hold">
                                           <p:stCondLst>
                                             <p:cond delay="0"/>
                                           </p:stCondLst>
@@ -14799,8 +14738,8 @@
         </p:blipFill>
         <p:spPr>
           <a:xfrm>
-            <a:off x="4588500" y="3929538"/>
-            <a:ext cx="3015000" cy="2874462"/>
+            <a:off x="4509750" y="3794421"/>
+            <a:ext cx="3172500" cy="3024620"/>
           </a:xfrm>
           <a:prstGeom prst="rect">
             <a:avLst/>
@@ -14837,9 +14776,6 @@
                     <p:cTn id="3" fill="hold">
                       <p:stCondLst>
                         <p:cond delay="indefinite"/>
-                        <p:cond evt="onBegin" delay="0">
-                          <p:tn val="2"/>
-                        </p:cond>
                       </p:stCondLst>
                       <p:childTnLst>
                         <p:par>
@@ -14849,7 +14785,7 @@
                             </p:stCondLst>
                             <p:childTnLst>
                               <p:par>
-                                <p:cTn id="5" presetID="1" presetClass="entr" presetSubtype="0" fill="hold" nodeType="withEffect">
+                                <p:cTn id="5" presetID="1" presetClass="entr" presetSubtype="0" fill="hold" nodeType="clickEffect">
                                   <p:stCondLst>
                                     <p:cond delay="0"/>
                                   </p:stCondLst>
@@ -14857,37 +14793,6 @@
                                     <p:set>
                                       <p:cBhvr>
                                         <p:cTn id="6" dur="1" fill="hold">
-                                          <p:stCondLst>
-                                            <p:cond delay="0"/>
-                                          </p:stCondLst>
-                                        </p:cTn>
-                                        <p:tgtEl>
-                                          <p:spTgt spid="7">
-                                            <p:txEl>
-                                              <p:pRg st="0" end="0"/>
-                                            </p:txEl>
-                                          </p:spTgt>
-                                        </p:tgtEl>
-                                        <p:attrNameLst>
-                                          <p:attrName>style.visibility</p:attrName>
-                                        </p:attrNameLst>
-                                      </p:cBhvr>
-                                      <p:to>
-                                        <p:strVal val="visible"/>
-                                      </p:to>
-                                    </p:set>
-                                  </p:childTnLst>
-                                </p:cTn>
-                              </p:par>
-                              <p:par>
-                                <p:cTn id="7" presetID="1" presetClass="entr" presetSubtype="0" fill="hold" nodeType="withEffect">
-                                  <p:stCondLst>
-                                    <p:cond delay="0"/>
-                                  </p:stCondLst>
-                                  <p:childTnLst>
-                                    <p:set>
-                                      <p:cBhvr>
-                                        <p:cTn id="8" dur="1" fill="hold">
                                           <p:stCondLst>
                                             <p:cond delay="0"/>
                                           </p:stCondLst>
@@ -14910,8 +14815,26 @@
                                   </p:childTnLst>
                                 </p:cTn>
                               </p:par>
+                            </p:childTnLst>
+                          </p:cTn>
+                        </p:par>
+                      </p:childTnLst>
+                    </p:cTn>
+                  </p:par>
+                  <p:par>
+                    <p:cTn id="7" fill="hold">
+                      <p:stCondLst>
+                        <p:cond delay="indefinite"/>
+                      </p:stCondLst>
+                      <p:childTnLst>
+                        <p:par>
+                          <p:cTn id="8" fill="hold">
+                            <p:stCondLst>
+                              <p:cond delay="0"/>
+                            </p:stCondLst>
+                            <p:childTnLst>
                               <p:par>
-                                <p:cTn id="9" presetID="1" presetClass="entr" presetSubtype="0" fill="hold" nodeType="withEffect">
+                                <p:cTn id="9" presetID="1" presetClass="entr" presetSubtype="0" fill="hold" nodeType="clickEffect">
                                   <p:stCondLst>
                                     <p:cond delay="0"/>
                                   </p:stCondLst>
@@ -14919,51 +14842,6 @@
                                     <p:set>
                                       <p:cBhvr>
                                         <p:cTn id="10" dur="1" fill="hold">
-                                          <p:stCondLst>
-                                            <p:cond delay="0"/>
-                                          </p:stCondLst>
-                                        </p:cTn>
-                                        <p:tgtEl>
-                                          <p:spTgt spid="3"/>
-                                        </p:tgtEl>
-                                        <p:attrNameLst>
-                                          <p:attrName>style.visibility</p:attrName>
-                                        </p:attrNameLst>
-                                      </p:cBhvr>
-                                      <p:to>
-                                        <p:strVal val="visible"/>
-                                      </p:to>
-                                    </p:set>
-                                  </p:childTnLst>
-                                </p:cTn>
-                              </p:par>
-                            </p:childTnLst>
-                          </p:cTn>
-                        </p:par>
-                      </p:childTnLst>
-                    </p:cTn>
-                  </p:par>
-                  <p:par>
-                    <p:cTn id="11" fill="hold">
-                      <p:stCondLst>
-                        <p:cond delay="indefinite"/>
-                      </p:stCondLst>
-                      <p:childTnLst>
-                        <p:par>
-                          <p:cTn id="12" fill="hold">
-                            <p:stCondLst>
-                              <p:cond delay="0"/>
-                            </p:stCondLst>
-                            <p:childTnLst>
-                              <p:par>
-                                <p:cTn id="13" presetID="1" presetClass="entr" presetSubtype="0" fill="hold" nodeType="clickEffect">
-                                  <p:stCondLst>
-                                    <p:cond delay="0"/>
-                                  </p:stCondLst>
-                                  <p:childTnLst>
-                                    <p:set>
-                                      <p:cBhvr>
-                                        <p:cTn id="14" dur="1" fill="hold">
                                           <p:stCondLst>
                                             <p:cond delay="0"/>
                                           </p:stCondLst>
@@ -15261,7 +15139,7 @@
         </p:blipFill>
         <p:spPr>
           <a:xfrm>
-            <a:off x="5222339" y="3792569"/>
+            <a:off x="5222381" y="3792569"/>
             <a:ext cx="1747322" cy="2714431"/>
           </a:xfrm>
           <a:prstGeom prst="rect">
@@ -15299,9 +15177,6 @@
                     <p:cTn id="3" fill="hold">
                       <p:stCondLst>
                         <p:cond delay="indefinite"/>
-                        <p:cond evt="onBegin" delay="0">
-                          <p:tn val="2"/>
-                        </p:cond>
                       </p:stCondLst>
                       <p:childTnLst>
                         <p:par>
@@ -15311,7 +15186,7 @@
                             </p:stCondLst>
                             <p:childTnLst>
                               <p:par>
-                                <p:cTn id="5" presetID="1" presetClass="entr" presetSubtype="0" fill="hold" nodeType="withEffect">
+                                <p:cTn id="5" presetID="1" presetClass="entr" presetSubtype="0" fill="hold" nodeType="clickEffect">
                                   <p:stCondLst>
                                     <p:cond delay="0"/>
                                   </p:stCondLst>
@@ -15319,37 +15194,6 @@
                                     <p:set>
                                       <p:cBhvr>
                                         <p:cTn id="6" dur="1" fill="hold">
-                                          <p:stCondLst>
-                                            <p:cond delay="0"/>
-                                          </p:stCondLst>
-                                        </p:cTn>
-                                        <p:tgtEl>
-                                          <p:spTgt spid="7">
-                                            <p:txEl>
-                                              <p:pRg st="0" end="0"/>
-                                            </p:txEl>
-                                          </p:spTgt>
-                                        </p:tgtEl>
-                                        <p:attrNameLst>
-                                          <p:attrName>style.visibility</p:attrName>
-                                        </p:attrNameLst>
-                                      </p:cBhvr>
-                                      <p:to>
-                                        <p:strVal val="visible"/>
-                                      </p:to>
-                                    </p:set>
-                                  </p:childTnLst>
-                                </p:cTn>
-                              </p:par>
-                              <p:par>
-                                <p:cTn id="7" presetID="1" presetClass="entr" presetSubtype="0" fill="hold" nodeType="withEffect">
-                                  <p:stCondLst>
-                                    <p:cond delay="0"/>
-                                  </p:stCondLst>
-                                  <p:childTnLst>
-                                    <p:set>
-                                      <p:cBhvr>
-                                        <p:cTn id="8" dur="1" fill="hold">
                                           <p:stCondLst>
                                             <p:cond delay="0"/>
                                           </p:stCondLst>
@@ -15372,8 +15216,26 @@
                                   </p:childTnLst>
                                 </p:cTn>
                               </p:par>
+                            </p:childTnLst>
+                          </p:cTn>
+                        </p:par>
+                      </p:childTnLst>
+                    </p:cTn>
+                  </p:par>
+                  <p:par>
+                    <p:cTn id="7" fill="hold">
+                      <p:stCondLst>
+                        <p:cond delay="indefinite"/>
+                      </p:stCondLst>
+                      <p:childTnLst>
+                        <p:par>
+                          <p:cTn id="8" fill="hold">
+                            <p:stCondLst>
+                              <p:cond delay="0"/>
+                            </p:stCondLst>
+                            <p:childTnLst>
                               <p:par>
-                                <p:cTn id="9" presetID="1" presetClass="entr" presetSubtype="0" fill="hold" nodeType="withEffect">
+                                <p:cTn id="9" presetID="1" presetClass="entr" presetSubtype="0" fill="hold" nodeType="clickEffect">
                                   <p:stCondLst>
                                     <p:cond delay="0"/>
                                   </p:stCondLst>
@@ -15381,51 +15243,6 @@
                                     <p:set>
                                       <p:cBhvr>
                                         <p:cTn id="10" dur="1" fill="hold">
-                                          <p:stCondLst>
-                                            <p:cond delay="0"/>
-                                          </p:stCondLst>
-                                        </p:cTn>
-                                        <p:tgtEl>
-                                          <p:spTgt spid="6"/>
-                                        </p:tgtEl>
-                                        <p:attrNameLst>
-                                          <p:attrName>style.visibility</p:attrName>
-                                        </p:attrNameLst>
-                                      </p:cBhvr>
-                                      <p:to>
-                                        <p:strVal val="visible"/>
-                                      </p:to>
-                                    </p:set>
-                                  </p:childTnLst>
-                                </p:cTn>
-                              </p:par>
-                            </p:childTnLst>
-                          </p:cTn>
-                        </p:par>
-                      </p:childTnLst>
-                    </p:cTn>
-                  </p:par>
-                  <p:par>
-                    <p:cTn id="11" fill="hold">
-                      <p:stCondLst>
-                        <p:cond delay="indefinite"/>
-                      </p:stCondLst>
-                      <p:childTnLst>
-                        <p:par>
-                          <p:cTn id="12" fill="hold">
-                            <p:stCondLst>
-                              <p:cond delay="0"/>
-                            </p:stCondLst>
-                            <p:childTnLst>
-                              <p:par>
-                                <p:cTn id="13" presetID="1" presetClass="entr" presetSubtype="0" fill="hold" nodeType="clickEffect">
-                                  <p:stCondLst>
-                                    <p:cond delay="0"/>
-                                  </p:stCondLst>
-                                  <p:childTnLst>
-                                    <p:set>
-                                      <p:cBhvr>
-                                        <p:cTn id="14" dur="1" fill="hold">
                                           <p:stCondLst>
                                             <p:cond delay="0"/>
                                           </p:stCondLst>
@@ -15813,9 +15630,6 @@
                     <p:cTn id="3" fill="hold">
                       <p:stCondLst>
                         <p:cond delay="indefinite"/>
-                        <p:cond evt="onBegin" delay="0">
-                          <p:tn val="2"/>
-                        </p:cond>
                       </p:stCondLst>
                       <p:childTnLst>
                         <p:par>
@@ -15825,7 +15639,7 @@
                             </p:stCondLst>
                             <p:childTnLst>
                               <p:par>
-                                <p:cTn id="5" presetID="1" presetClass="entr" presetSubtype="0" fill="hold" nodeType="withEffect">
+                                <p:cTn id="5" presetID="1" presetClass="entr" presetSubtype="0" fill="hold" nodeType="clickEffect">
                                   <p:stCondLst>
                                     <p:cond delay="0"/>
                                   </p:stCondLst>
@@ -15833,37 +15647,6 @@
                                     <p:set>
                                       <p:cBhvr>
                                         <p:cTn id="6" dur="1" fill="hold">
-                                          <p:stCondLst>
-                                            <p:cond delay="0"/>
-                                          </p:stCondLst>
-                                        </p:cTn>
-                                        <p:tgtEl>
-                                          <p:spTgt spid="7">
-                                            <p:txEl>
-                                              <p:pRg st="0" end="0"/>
-                                            </p:txEl>
-                                          </p:spTgt>
-                                        </p:tgtEl>
-                                        <p:attrNameLst>
-                                          <p:attrName>style.visibility</p:attrName>
-                                        </p:attrNameLst>
-                                      </p:cBhvr>
-                                      <p:to>
-                                        <p:strVal val="visible"/>
-                                      </p:to>
-                                    </p:set>
-                                  </p:childTnLst>
-                                </p:cTn>
-                              </p:par>
-                              <p:par>
-                                <p:cTn id="7" presetID="1" presetClass="entr" presetSubtype="0" fill="hold" nodeType="withEffect">
-                                  <p:stCondLst>
-                                    <p:cond delay="0"/>
-                                  </p:stCondLst>
-                                  <p:childTnLst>
-                                    <p:set>
-                                      <p:cBhvr>
-                                        <p:cTn id="8" dur="1" fill="hold">
                                           <p:stCondLst>
                                             <p:cond delay="0"/>
                                           </p:stCondLst>
@@ -15886,8 +15669,26 @@
                                   </p:childTnLst>
                                 </p:cTn>
                               </p:par>
+                            </p:childTnLst>
+                          </p:cTn>
+                        </p:par>
+                      </p:childTnLst>
+                    </p:cTn>
+                  </p:par>
+                  <p:par>
+                    <p:cTn id="7" fill="hold">
+                      <p:stCondLst>
+                        <p:cond delay="indefinite"/>
+                      </p:stCondLst>
+                      <p:childTnLst>
+                        <p:par>
+                          <p:cTn id="8" fill="hold">
+                            <p:stCondLst>
+                              <p:cond delay="0"/>
+                            </p:stCondLst>
+                            <p:childTnLst>
                               <p:par>
-                                <p:cTn id="9" presetID="1" presetClass="entr" presetSubtype="0" fill="hold" nodeType="withEffect">
+                                <p:cTn id="9" presetID="1" presetClass="entr" presetSubtype="0" fill="hold" nodeType="clickEffect">
                                   <p:stCondLst>
                                     <p:cond delay="0"/>
                                   </p:stCondLst>
@@ -15900,7 +15701,11 @@
                                           </p:stCondLst>
                                         </p:cTn>
                                         <p:tgtEl>
-                                          <p:spTgt spid="6"/>
+                                          <p:spTgt spid="7">
+                                            <p:txEl>
+                                              <p:pRg st="2" end="2"/>
+                                            </p:txEl>
+                                          </p:spTgt>
                                         </p:tgtEl>
                                         <p:attrNameLst>
                                           <p:attrName>style.visibility</p:attrName>
@@ -15940,55 +15745,6 @@
                                     <p:set>
                                       <p:cBhvr>
                                         <p:cTn id="14" dur="1" fill="hold">
-                                          <p:stCondLst>
-                                            <p:cond delay="0"/>
-                                          </p:stCondLst>
-                                        </p:cTn>
-                                        <p:tgtEl>
-                                          <p:spTgt spid="7">
-                                            <p:txEl>
-                                              <p:pRg st="2" end="2"/>
-                                            </p:txEl>
-                                          </p:spTgt>
-                                        </p:tgtEl>
-                                        <p:attrNameLst>
-                                          <p:attrName>style.visibility</p:attrName>
-                                        </p:attrNameLst>
-                                      </p:cBhvr>
-                                      <p:to>
-                                        <p:strVal val="visible"/>
-                                      </p:to>
-                                    </p:set>
-                                  </p:childTnLst>
-                                </p:cTn>
-                              </p:par>
-                            </p:childTnLst>
-                          </p:cTn>
-                        </p:par>
-                      </p:childTnLst>
-                    </p:cTn>
-                  </p:par>
-                  <p:par>
-                    <p:cTn id="15" fill="hold">
-                      <p:stCondLst>
-                        <p:cond delay="indefinite"/>
-                      </p:stCondLst>
-                      <p:childTnLst>
-                        <p:par>
-                          <p:cTn id="16" fill="hold">
-                            <p:stCondLst>
-                              <p:cond delay="0"/>
-                            </p:stCondLst>
-                            <p:childTnLst>
-                              <p:par>
-                                <p:cTn id="17" presetID="1" presetClass="entr" presetSubtype="0" fill="hold" nodeType="clickEffect">
-                                  <p:stCondLst>
-                                    <p:cond delay="0"/>
-                                  </p:stCondLst>
-                                  <p:childTnLst>
-                                    <p:set>
-                                      <p:cBhvr>
-                                        <p:cTn id="18" dur="1" fill="hold">
                                           <p:stCondLst>
                                             <p:cond delay="0"/>
                                           </p:stCondLst>
@@ -16429,8 +16185,8 @@
         </p:blipFill>
         <p:spPr>
           <a:xfrm>
-            <a:off x="8819506" y="4563000"/>
-            <a:ext cx="2803641" cy="1944000"/>
+            <a:off x="8702443" y="4469393"/>
+            <a:ext cx="2938641" cy="2037607"/>
           </a:xfrm>
           <a:prstGeom prst="rect">
             <a:avLst/>
@@ -16467,9 +16223,6 @@
                     <p:cTn id="3" fill="hold">
                       <p:stCondLst>
                         <p:cond delay="indefinite"/>
-                        <p:cond evt="onBegin" delay="0">
-                          <p:tn val="2"/>
-                        </p:cond>
                       </p:stCondLst>
                       <p:childTnLst>
                         <p:par>
@@ -16479,7 +16232,7 @@
                             </p:stCondLst>
                             <p:childTnLst>
                               <p:par>
-                                <p:cTn id="5" presetID="1" presetClass="entr" presetSubtype="0" fill="hold" nodeType="withEffect">
+                                <p:cTn id="5" presetID="1" presetClass="entr" presetSubtype="0" fill="hold" nodeType="clickEffect">
                                   <p:stCondLst>
                                     <p:cond delay="0"/>
                                   </p:stCondLst>
@@ -16487,37 +16240,6 @@
                                     <p:set>
                                       <p:cBhvr>
                                         <p:cTn id="6" dur="1" fill="hold">
-                                          <p:stCondLst>
-                                            <p:cond delay="0"/>
-                                          </p:stCondLst>
-                                        </p:cTn>
-                                        <p:tgtEl>
-                                          <p:spTgt spid="7">
-                                            <p:txEl>
-                                              <p:pRg st="0" end="0"/>
-                                            </p:txEl>
-                                          </p:spTgt>
-                                        </p:tgtEl>
-                                        <p:attrNameLst>
-                                          <p:attrName>style.visibility</p:attrName>
-                                        </p:attrNameLst>
-                                      </p:cBhvr>
-                                      <p:to>
-                                        <p:strVal val="visible"/>
-                                      </p:to>
-                                    </p:set>
-                                  </p:childTnLst>
-                                </p:cTn>
-                              </p:par>
-                              <p:par>
-                                <p:cTn id="7" presetID="1" presetClass="entr" presetSubtype="0" fill="hold" nodeType="withEffect">
-                                  <p:stCondLst>
-                                    <p:cond delay="0"/>
-                                  </p:stCondLst>
-                                  <p:childTnLst>
-                                    <p:set>
-                                      <p:cBhvr>
-                                        <p:cTn id="8" dur="1" fill="hold">
                                           <p:stCondLst>
                                             <p:cond delay="0"/>
                                           </p:stCondLst>
@@ -16540,8 +16262,26 @@
                                   </p:childTnLst>
                                 </p:cTn>
                               </p:par>
+                            </p:childTnLst>
+                          </p:cTn>
+                        </p:par>
+                      </p:childTnLst>
+                    </p:cTn>
+                  </p:par>
+                  <p:par>
+                    <p:cTn id="7" fill="hold">
+                      <p:stCondLst>
+                        <p:cond delay="indefinite"/>
+                      </p:stCondLst>
+                      <p:childTnLst>
+                        <p:par>
+                          <p:cTn id="8" fill="hold">
+                            <p:stCondLst>
+                              <p:cond delay="0"/>
+                            </p:stCondLst>
+                            <p:childTnLst>
                               <p:par>
-                                <p:cTn id="9" presetID="1" presetClass="entr" presetSubtype="0" fill="hold" nodeType="withEffect">
+                                <p:cTn id="9" presetID="1" presetClass="entr" presetSubtype="0" fill="hold" nodeType="clickEffect">
                                   <p:stCondLst>
                                     <p:cond delay="0"/>
                                   </p:stCondLst>
@@ -16554,7 +16294,11 @@
                                           </p:stCondLst>
                                         </p:cTn>
                                         <p:tgtEl>
-                                          <p:spTgt spid="3"/>
+                                          <p:spTgt spid="7">
+                                            <p:txEl>
+                                              <p:pRg st="2" end="2"/>
+                                            </p:txEl>
+                                          </p:spTgt>
                                         </p:tgtEl>
                                         <p:attrNameLst>
                                           <p:attrName>style.visibility</p:attrName>
@@ -16601,37 +16345,6 @@
                                         <p:tgtEl>
                                           <p:spTgt spid="7">
                                             <p:txEl>
-                                              <p:pRg st="2" end="2"/>
-                                            </p:txEl>
-                                          </p:spTgt>
-                                        </p:tgtEl>
-                                        <p:attrNameLst>
-                                          <p:attrName>style.visibility</p:attrName>
-                                        </p:attrNameLst>
-                                      </p:cBhvr>
-                                      <p:to>
-                                        <p:strVal val="visible"/>
-                                      </p:to>
-                                    </p:set>
-                                  </p:childTnLst>
-                                </p:cTn>
-                              </p:par>
-                              <p:par>
-                                <p:cTn id="15" presetID="1" presetClass="entr" presetSubtype="0" fill="hold" nodeType="withEffect">
-                                  <p:stCondLst>
-                                    <p:cond delay="0"/>
-                                  </p:stCondLst>
-                                  <p:childTnLst>
-                                    <p:set>
-                                      <p:cBhvr>
-                                        <p:cTn id="16" dur="1" fill="hold">
-                                          <p:stCondLst>
-                                            <p:cond delay="0"/>
-                                          </p:stCondLst>
-                                        </p:cTn>
-                                        <p:tgtEl>
-                                          <p:spTgt spid="7">
-                                            <p:txEl>
                                               <p:pRg st="3" end="3"/>
                                             </p:txEl>
                                           </p:spTgt>
@@ -16654,26 +16367,26 @@
                     </p:cTn>
                   </p:par>
                   <p:par>
-                    <p:cTn id="17" fill="hold">
+                    <p:cTn id="15" fill="hold">
                       <p:stCondLst>
                         <p:cond delay="indefinite"/>
                       </p:stCondLst>
                       <p:childTnLst>
                         <p:par>
-                          <p:cTn id="18" fill="hold">
+                          <p:cTn id="16" fill="hold">
                             <p:stCondLst>
                               <p:cond delay="0"/>
                             </p:stCondLst>
                             <p:childTnLst>
                               <p:par>
-                                <p:cTn id="19" presetID="1" presetClass="entr" presetSubtype="0" fill="hold" nodeType="clickEffect">
+                                <p:cTn id="17" presetID="1" presetClass="entr" presetSubtype="0" fill="hold" nodeType="clickEffect">
                                   <p:stCondLst>
                                     <p:cond delay="0"/>
                                   </p:stCondLst>
                                   <p:childTnLst>
                                     <p:set>
                                       <p:cBhvr>
-                                        <p:cTn id="20" dur="1" fill="hold">
+                                        <p:cTn id="18" dur="1" fill="hold">
                                           <p:stCondLst>
                                             <p:cond delay="0"/>
                                           </p:stCondLst>
@@ -16703,26 +16416,26 @@
                     </p:cTn>
                   </p:par>
                   <p:par>
-                    <p:cTn id="21" fill="hold">
+                    <p:cTn id="19" fill="hold">
                       <p:stCondLst>
                         <p:cond delay="indefinite"/>
                       </p:stCondLst>
                       <p:childTnLst>
                         <p:par>
-                          <p:cTn id="22" fill="hold">
+                          <p:cTn id="20" fill="hold">
                             <p:stCondLst>
                               <p:cond delay="0"/>
                             </p:stCondLst>
                             <p:childTnLst>
                               <p:par>
-                                <p:cTn id="23" presetID="1" presetClass="entr" presetSubtype="0" fill="hold" nodeType="clickEffect">
+                                <p:cTn id="21" presetID="1" presetClass="entr" presetSubtype="0" fill="hold" nodeType="clickEffect">
                                   <p:stCondLst>
                                     <p:cond delay="0"/>
                                   </p:stCondLst>
                                   <p:childTnLst>
                                     <p:set>
                                       <p:cBhvr>
-                                        <p:cTn id="24" dur="1" fill="hold">
+                                        <p:cTn id="22" dur="1" fill="hold">
                                           <p:stCondLst>
                                             <p:cond delay="0"/>
                                           </p:stCondLst>
@@ -17020,8 +16733,8 @@
         </p:blipFill>
         <p:spPr>
           <a:xfrm>
-            <a:off x="4236999" y="4029054"/>
-            <a:ext cx="3718002" cy="2673000"/>
+            <a:off x="4176499" y="3895510"/>
+            <a:ext cx="3839001" cy="2759990"/>
           </a:xfrm>
           <a:prstGeom prst="rect">
             <a:avLst/>
@@ -17058,9 +16771,6 @@
                     <p:cTn id="3" fill="hold">
                       <p:stCondLst>
                         <p:cond delay="indefinite"/>
-                        <p:cond evt="onBegin" delay="0">
-                          <p:tn val="2"/>
-                        </p:cond>
                       </p:stCondLst>
                       <p:childTnLst>
                         <p:par>
@@ -17070,7 +16780,7 @@
                             </p:stCondLst>
                             <p:childTnLst>
                               <p:par>
-                                <p:cTn id="5" presetID="1" presetClass="entr" presetSubtype="0" fill="hold" nodeType="withEffect">
+                                <p:cTn id="5" presetID="1" presetClass="entr" presetSubtype="0" fill="hold" nodeType="clickEffect">
                                   <p:stCondLst>
                                     <p:cond delay="0"/>
                                   </p:stCondLst>
@@ -17078,37 +16788,6 @@
                                     <p:set>
                                       <p:cBhvr>
                                         <p:cTn id="6" dur="1" fill="hold">
-                                          <p:stCondLst>
-                                            <p:cond delay="0"/>
-                                          </p:stCondLst>
-                                        </p:cTn>
-                                        <p:tgtEl>
-                                          <p:spTgt spid="7">
-                                            <p:txEl>
-                                              <p:pRg st="0" end="0"/>
-                                            </p:txEl>
-                                          </p:spTgt>
-                                        </p:tgtEl>
-                                        <p:attrNameLst>
-                                          <p:attrName>style.visibility</p:attrName>
-                                        </p:attrNameLst>
-                                      </p:cBhvr>
-                                      <p:to>
-                                        <p:strVal val="visible"/>
-                                      </p:to>
-                                    </p:set>
-                                  </p:childTnLst>
-                                </p:cTn>
-                              </p:par>
-                              <p:par>
-                                <p:cTn id="7" presetID="1" presetClass="entr" presetSubtype="0" fill="hold" nodeType="withEffect">
-                                  <p:stCondLst>
-                                    <p:cond delay="0"/>
-                                  </p:stCondLst>
-                                  <p:childTnLst>
-                                    <p:set>
-                                      <p:cBhvr>
-                                        <p:cTn id="8" dur="1" fill="hold">
                                           <p:stCondLst>
                                             <p:cond delay="0"/>
                                           </p:stCondLst>
@@ -17131,8 +16810,26 @@
                                   </p:childTnLst>
                                 </p:cTn>
                               </p:par>
+                            </p:childTnLst>
+                          </p:cTn>
+                        </p:par>
+                      </p:childTnLst>
+                    </p:cTn>
+                  </p:par>
+                  <p:par>
+                    <p:cTn id="7" fill="hold">
+                      <p:stCondLst>
+                        <p:cond delay="indefinite"/>
+                      </p:stCondLst>
+                      <p:childTnLst>
+                        <p:par>
+                          <p:cTn id="8" fill="hold">
+                            <p:stCondLst>
+                              <p:cond delay="0"/>
+                            </p:stCondLst>
+                            <p:childTnLst>
                               <p:par>
-                                <p:cTn id="9" presetID="1" presetClass="entr" presetSubtype="0" fill="hold" nodeType="withEffect">
+                                <p:cTn id="9" presetID="1" presetClass="entr" presetSubtype="0" fill="hold" nodeType="clickEffect">
                                   <p:stCondLst>
                                     <p:cond delay="0"/>
                                   </p:stCondLst>
@@ -17140,51 +16837,6 @@
                                     <p:set>
                                       <p:cBhvr>
                                         <p:cTn id="10" dur="1" fill="hold">
-                                          <p:stCondLst>
-                                            <p:cond delay="0"/>
-                                          </p:stCondLst>
-                                        </p:cTn>
-                                        <p:tgtEl>
-                                          <p:spTgt spid="3"/>
-                                        </p:tgtEl>
-                                        <p:attrNameLst>
-                                          <p:attrName>style.visibility</p:attrName>
-                                        </p:attrNameLst>
-                                      </p:cBhvr>
-                                      <p:to>
-                                        <p:strVal val="visible"/>
-                                      </p:to>
-                                    </p:set>
-                                  </p:childTnLst>
-                                </p:cTn>
-                              </p:par>
-                            </p:childTnLst>
-                          </p:cTn>
-                        </p:par>
-                      </p:childTnLst>
-                    </p:cTn>
-                  </p:par>
-                  <p:par>
-                    <p:cTn id="11" fill="hold">
-                      <p:stCondLst>
-                        <p:cond delay="indefinite"/>
-                      </p:stCondLst>
-                      <p:childTnLst>
-                        <p:par>
-                          <p:cTn id="12" fill="hold">
-                            <p:stCondLst>
-                              <p:cond delay="0"/>
-                            </p:stCondLst>
-                            <p:childTnLst>
-                              <p:par>
-                                <p:cTn id="13" presetID="1" presetClass="entr" presetSubtype="0" fill="hold" nodeType="clickEffect">
-                                  <p:stCondLst>
-                                    <p:cond delay="0"/>
-                                  </p:stCondLst>
-                                  <p:childTnLst>
-                                    <p:set>
-                                      <p:cBhvr>
-                                        <p:cTn id="14" dur="1" fill="hold">
                                           <p:stCondLst>
                                             <p:cond delay="0"/>
                                           </p:stCondLst>
@@ -17208,14 +16860,14 @@
                                 </p:cTn>
                               </p:par>
                               <p:par>
-                                <p:cTn id="15" presetID="1" presetClass="entr" presetSubtype="0" fill="hold" nodeType="withEffect">
+                                <p:cTn id="11" presetID="1" presetClass="entr" presetSubtype="0" fill="hold" nodeType="withEffect">
                                   <p:stCondLst>
                                     <p:cond delay="0"/>
                                   </p:stCondLst>
                                   <p:childTnLst>
                                     <p:set>
                                       <p:cBhvr>
-                                        <p:cTn id="16" dur="1" fill="hold">
+                                        <p:cTn id="12" dur="1" fill="hold">
                                           <p:stCondLst>
                                             <p:cond delay="0"/>
                                           </p:stCondLst>
@@ -17521,7 +17173,7 @@
         </p:blipFill>
         <p:spPr>
           <a:xfrm>
-            <a:off x="8436000" y="4329000"/>
+            <a:off x="8554471" y="4344751"/>
             <a:ext cx="2340000" cy="2310749"/>
           </a:xfrm>
           <a:prstGeom prst="rect">
@@ -17559,9 +17211,6 @@
                     <p:cTn id="3" fill="hold">
                       <p:stCondLst>
                         <p:cond delay="indefinite"/>
-                        <p:cond evt="onBegin" delay="0">
-                          <p:tn val="2"/>
-                        </p:cond>
                       </p:stCondLst>
                       <p:childTnLst>
                         <p:par>
@@ -17571,7 +17220,7 @@
                             </p:stCondLst>
                             <p:childTnLst>
                               <p:par>
-                                <p:cTn id="5" presetID="1" presetClass="entr" presetSubtype="0" fill="hold" nodeType="withEffect">
+                                <p:cTn id="5" presetID="1" presetClass="entr" presetSubtype="0" fill="hold" nodeType="clickEffect">
                                   <p:stCondLst>
                                     <p:cond delay="0"/>
                                   </p:stCondLst>
@@ -17579,37 +17228,6 @@
                                     <p:set>
                                       <p:cBhvr>
                                         <p:cTn id="6" dur="1" fill="hold">
-                                          <p:stCondLst>
-                                            <p:cond delay="0"/>
-                                          </p:stCondLst>
-                                        </p:cTn>
-                                        <p:tgtEl>
-                                          <p:spTgt spid="7">
-                                            <p:txEl>
-                                              <p:pRg st="0" end="0"/>
-                                            </p:txEl>
-                                          </p:spTgt>
-                                        </p:tgtEl>
-                                        <p:attrNameLst>
-                                          <p:attrName>style.visibility</p:attrName>
-                                        </p:attrNameLst>
-                                      </p:cBhvr>
-                                      <p:to>
-                                        <p:strVal val="visible"/>
-                                      </p:to>
-                                    </p:set>
-                                  </p:childTnLst>
-                                </p:cTn>
-                              </p:par>
-                              <p:par>
-                                <p:cTn id="7" presetID="1" presetClass="entr" presetSubtype="0" fill="hold" nodeType="withEffect">
-                                  <p:stCondLst>
-                                    <p:cond delay="0"/>
-                                  </p:stCondLst>
-                                  <p:childTnLst>
-                                    <p:set>
-                                      <p:cBhvr>
-                                        <p:cTn id="8" dur="1" fill="hold">
                                           <p:stCondLst>
                                             <p:cond delay="0"/>
                                           </p:stCondLst>
@@ -17632,8 +17250,26 @@
                                   </p:childTnLst>
                                 </p:cTn>
                               </p:par>
+                            </p:childTnLst>
+                          </p:cTn>
+                        </p:par>
+                      </p:childTnLst>
+                    </p:cTn>
+                  </p:par>
+                  <p:par>
+                    <p:cTn id="7" fill="hold">
+                      <p:stCondLst>
+                        <p:cond delay="indefinite"/>
+                      </p:stCondLst>
+                      <p:childTnLst>
+                        <p:par>
+                          <p:cTn id="8" fill="hold">
+                            <p:stCondLst>
+                              <p:cond delay="0"/>
+                            </p:stCondLst>
+                            <p:childTnLst>
                               <p:par>
-                                <p:cTn id="9" presetID="1" presetClass="entr" presetSubtype="0" fill="hold" nodeType="withEffect">
+                                <p:cTn id="9" presetID="1" presetClass="entr" presetSubtype="0" fill="hold" nodeType="clickEffect">
                                   <p:stCondLst>
                                     <p:cond delay="0"/>
                                   </p:stCondLst>
@@ -17646,7 +17282,11 @@
                                           </p:stCondLst>
                                         </p:cTn>
                                         <p:tgtEl>
-                                          <p:spTgt spid="6"/>
+                                          <p:spTgt spid="7">
+                                            <p:txEl>
+                                              <p:pRg st="2" end="2"/>
+                                            </p:txEl>
+                                          </p:spTgt>
                                         </p:tgtEl>
                                         <p:attrNameLst>
                                           <p:attrName>style.visibility</p:attrName>
@@ -17686,37 +17326,6 @@
                                     <p:set>
                                       <p:cBhvr>
                                         <p:cTn id="14" dur="1" fill="hold">
-                                          <p:stCondLst>
-                                            <p:cond delay="0"/>
-                                          </p:stCondLst>
-                                        </p:cTn>
-                                        <p:tgtEl>
-                                          <p:spTgt spid="7">
-                                            <p:txEl>
-                                              <p:pRg st="2" end="2"/>
-                                            </p:txEl>
-                                          </p:spTgt>
-                                        </p:tgtEl>
-                                        <p:attrNameLst>
-                                          <p:attrName>style.visibility</p:attrName>
-                                        </p:attrNameLst>
-                                      </p:cBhvr>
-                                      <p:to>
-                                        <p:strVal val="visible"/>
-                                      </p:to>
-                                    </p:set>
-                                  </p:childTnLst>
-                                </p:cTn>
-                              </p:par>
-                              <p:par>
-                                <p:cTn id="15" presetID="1" presetClass="entr" presetSubtype="0" fill="hold" nodeType="withEffect">
-                                  <p:stCondLst>
-                                    <p:cond delay="0"/>
-                                  </p:stCondLst>
-                                  <p:childTnLst>
-                                    <p:set>
-                                      <p:cBhvr>
-                                        <p:cTn id="16" dur="1" fill="hold">
                                           <p:stCondLst>
                                             <p:cond delay="0"/>
                                           </p:stCondLst>
@@ -18179,9 +17788,6 @@
                     <p:cTn id="3" fill="hold">
                       <p:stCondLst>
                         <p:cond delay="indefinite"/>
-                        <p:cond evt="onBegin" delay="0">
-                          <p:tn val="2"/>
-                        </p:cond>
                       </p:stCondLst>
                       <p:childTnLst>
                         <p:par>
@@ -18191,7 +17797,7 @@
                             </p:stCondLst>
                             <p:childTnLst>
                               <p:par>
-                                <p:cTn id="5" presetID="1" presetClass="entr" presetSubtype="0" fill="hold" nodeType="withEffect">
+                                <p:cTn id="5" presetID="1" presetClass="entr" presetSubtype="0" fill="hold" nodeType="clickEffect">
                                   <p:stCondLst>
                                     <p:cond delay="0"/>
                                   </p:stCondLst>
@@ -18206,7 +17812,7 @@
                                         <p:tgtEl>
                                           <p:spTgt spid="7">
                                             <p:txEl>
-                                              <p:pRg st="0" end="0"/>
+                                              <p:pRg st="1" end="1"/>
                                             </p:txEl>
                                           </p:spTgt>
                                         </p:tgtEl>
@@ -18255,7 +17861,7 @@
                                         <p:tgtEl>
                                           <p:spTgt spid="7">
                                             <p:txEl>
-                                              <p:pRg st="1" end="1"/>
+                                              <p:pRg st="2" end="2"/>
                                             </p:txEl>
                                           </p:spTgt>
                                         </p:tgtEl>
@@ -18304,7 +17910,7 @@
                                         <p:tgtEl>
                                           <p:spTgt spid="7">
                                             <p:txEl>
-                                              <p:pRg st="2" end="2"/>
+                                              <p:pRg st="3" end="3"/>
                                             </p:txEl>
                                           </p:spTgt>
                                         </p:tgtEl>
@@ -18353,7 +17959,7 @@
                                         <p:tgtEl>
                                           <p:spTgt spid="7">
                                             <p:txEl>
-                                              <p:pRg st="3" end="3"/>
+                                              <p:pRg st="4" end="4"/>
                                             </p:txEl>
                                           </p:spTgt>
                                         </p:tgtEl>
@@ -18402,7 +18008,7 @@
                                         <p:tgtEl>
                                           <p:spTgt spid="7">
                                             <p:txEl>
-                                              <p:pRg st="4" end="4"/>
+                                              <p:pRg st="5" end="5"/>
                                             </p:txEl>
                                           </p:spTgt>
                                         </p:tgtEl>
@@ -18444,55 +18050,6 @@
                                     <p:set>
                                       <p:cBhvr>
                                         <p:cTn id="26" dur="1" fill="hold">
-                                          <p:stCondLst>
-                                            <p:cond delay="0"/>
-                                          </p:stCondLst>
-                                        </p:cTn>
-                                        <p:tgtEl>
-                                          <p:spTgt spid="7">
-                                            <p:txEl>
-                                              <p:pRg st="5" end="5"/>
-                                            </p:txEl>
-                                          </p:spTgt>
-                                        </p:tgtEl>
-                                        <p:attrNameLst>
-                                          <p:attrName>style.visibility</p:attrName>
-                                        </p:attrNameLst>
-                                      </p:cBhvr>
-                                      <p:to>
-                                        <p:strVal val="visible"/>
-                                      </p:to>
-                                    </p:set>
-                                  </p:childTnLst>
-                                </p:cTn>
-                              </p:par>
-                            </p:childTnLst>
-                          </p:cTn>
-                        </p:par>
-                      </p:childTnLst>
-                    </p:cTn>
-                  </p:par>
-                  <p:par>
-                    <p:cTn id="27" fill="hold">
-                      <p:stCondLst>
-                        <p:cond delay="indefinite"/>
-                      </p:stCondLst>
-                      <p:childTnLst>
-                        <p:par>
-                          <p:cTn id="28" fill="hold">
-                            <p:stCondLst>
-                              <p:cond delay="0"/>
-                            </p:stCondLst>
-                            <p:childTnLst>
-                              <p:par>
-                                <p:cTn id="29" presetID="1" presetClass="entr" presetSubtype="0" fill="hold" nodeType="clickEffect">
-                                  <p:stCondLst>
-                                    <p:cond delay="0"/>
-                                  </p:stCondLst>
-                                  <p:childTnLst>
-                                    <p:set>
-                                      <p:cBhvr>
-                                        <p:cTn id="30" dur="1" fill="hold">
                                           <p:stCondLst>
                                             <p:cond delay="0"/>
                                           </p:stCondLst>
@@ -18880,9 +18437,6 @@
                     <p:cTn id="3" fill="hold">
                       <p:stCondLst>
                         <p:cond delay="indefinite"/>
-                        <p:cond evt="onBegin" delay="0">
-                          <p:tn val="2"/>
-                        </p:cond>
                       </p:stCondLst>
                       <p:childTnLst>
                         <p:par>
@@ -18892,7 +18446,7 @@
                             </p:stCondLst>
                             <p:childTnLst>
                               <p:par>
-                                <p:cTn id="5" presetID="1" presetClass="entr" presetSubtype="0" fill="hold" nodeType="withEffect">
+                                <p:cTn id="5" presetID="1" presetClass="entr" presetSubtype="0" fill="hold" nodeType="clickEffect">
                                   <p:stCondLst>
                                     <p:cond delay="0"/>
                                   </p:stCondLst>
@@ -18900,37 +18454,6 @@
                                     <p:set>
                                       <p:cBhvr>
                                         <p:cTn id="6" dur="1" fill="hold">
-                                          <p:stCondLst>
-                                            <p:cond delay="0"/>
-                                          </p:stCondLst>
-                                        </p:cTn>
-                                        <p:tgtEl>
-                                          <p:spTgt spid="444419">
-                                            <p:txEl>
-                                              <p:pRg st="0" end="0"/>
-                                            </p:txEl>
-                                          </p:spTgt>
-                                        </p:tgtEl>
-                                        <p:attrNameLst>
-                                          <p:attrName>style.visibility</p:attrName>
-                                        </p:attrNameLst>
-                                      </p:cBhvr>
-                                      <p:to>
-                                        <p:strVal val="visible"/>
-                                      </p:to>
-                                    </p:set>
-                                  </p:childTnLst>
-                                </p:cTn>
-                              </p:par>
-                              <p:par>
-                                <p:cTn id="7" presetID="1" presetClass="entr" presetSubtype="0" fill="hold" nodeType="withEffect">
-                                  <p:stCondLst>
-                                    <p:cond delay="0"/>
-                                  </p:stCondLst>
-                                  <p:childTnLst>
-                                    <p:set>
-                                      <p:cBhvr>
-                                        <p:cTn id="8" dur="1" fill="hold">
                                           <p:stCondLst>
                                             <p:cond delay="0"/>
                                           </p:stCondLst>
@@ -18960,26 +18483,26 @@
                     </p:cTn>
                   </p:par>
                   <p:par>
-                    <p:cTn id="9" fill="hold">
+                    <p:cTn id="7" fill="hold">
                       <p:stCondLst>
                         <p:cond delay="indefinite"/>
                       </p:stCondLst>
                       <p:childTnLst>
                         <p:par>
-                          <p:cTn id="10" fill="hold">
+                          <p:cTn id="8" fill="hold">
                             <p:stCondLst>
                               <p:cond delay="0"/>
                             </p:stCondLst>
                             <p:childTnLst>
                               <p:par>
-                                <p:cTn id="11" presetID="1" presetClass="entr" presetSubtype="0" fill="hold" nodeType="clickEffect">
+                                <p:cTn id="9" presetID="1" presetClass="entr" presetSubtype="0" fill="hold" nodeType="clickEffect">
                                   <p:stCondLst>
                                     <p:cond delay="0"/>
                                   </p:stCondLst>
                                   <p:childTnLst>
                                     <p:set>
                                       <p:cBhvr>
-                                        <p:cTn id="12" dur="1" fill="hold">
+                                        <p:cTn id="10" dur="1" fill="hold">
                                           <p:stCondLst>
                                             <p:cond delay="0"/>
                                           </p:stCondLst>
@@ -19009,26 +18532,26 @@
                     </p:cTn>
                   </p:par>
                   <p:par>
-                    <p:cTn id="13" fill="hold">
+                    <p:cTn id="11" fill="hold">
                       <p:stCondLst>
                         <p:cond delay="indefinite"/>
                       </p:stCondLst>
                       <p:childTnLst>
                         <p:par>
-                          <p:cTn id="14" fill="hold">
+                          <p:cTn id="12" fill="hold">
                             <p:stCondLst>
                               <p:cond delay="0"/>
                             </p:stCondLst>
                             <p:childTnLst>
                               <p:par>
-                                <p:cTn id="15" presetID="1" presetClass="entr" presetSubtype="0" fill="hold" nodeType="clickEffect">
+                                <p:cTn id="13" presetID="1" presetClass="entr" presetSubtype="0" fill="hold" nodeType="clickEffect">
                                   <p:stCondLst>
                                     <p:cond delay="0"/>
                                   </p:stCondLst>
                                   <p:childTnLst>
                                     <p:set>
                                       <p:cBhvr>
-                                        <p:cTn id="16" dur="1" fill="hold">
+                                        <p:cTn id="14" dur="1" fill="hold">
                                           <p:stCondLst>
                                             <p:cond delay="0"/>
                                           </p:stCondLst>
@@ -19058,26 +18581,26 @@
                     </p:cTn>
                   </p:par>
                   <p:par>
-                    <p:cTn id="17" fill="hold">
+                    <p:cTn id="15" fill="hold">
                       <p:stCondLst>
                         <p:cond delay="indefinite"/>
                       </p:stCondLst>
                       <p:childTnLst>
                         <p:par>
-                          <p:cTn id="18" fill="hold">
+                          <p:cTn id="16" fill="hold">
                             <p:stCondLst>
                               <p:cond delay="0"/>
                             </p:stCondLst>
                             <p:childTnLst>
                               <p:par>
-                                <p:cTn id="19" presetID="1" presetClass="entr" presetSubtype="0" fill="hold" nodeType="clickEffect">
+                                <p:cTn id="17" presetID="1" presetClass="entr" presetSubtype="0" fill="hold" nodeType="clickEffect">
                                   <p:stCondLst>
                                     <p:cond delay="0"/>
                                   </p:stCondLst>
                                   <p:childTnLst>
                                     <p:set>
                                       <p:cBhvr>
-                                        <p:cTn id="20" dur="1" fill="hold">
+                                        <p:cTn id="18" dur="1" fill="hold">
                                           <p:stCondLst>
                                             <p:cond delay="0"/>
                                           </p:stCondLst>
@@ -19420,9 +18943,6 @@
                     <p:cTn id="3" fill="hold">
                       <p:stCondLst>
                         <p:cond delay="indefinite"/>
-                        <p:cond evt="onBegin" delay="0">
-                          <p:tn val="2"/>
-                        </p:cond>
                       </p:stCondLst>
                       <p:childTnLst>
                         <p:par>
@@ -19432,7 +18952,7 @@
                             </p:stCondLst>
                             <p:childTnLst>
                               <p:par>
-                                <p:cTn id="5" presetID="1" presetClass="entr" presetSubtype="0" fill="hold" nodeType="withEffect">
+                                <p:cTn id="5" presetID="1" presetClass="entr" presetSubtype="0" fill="hold" nodeType="clickEffect">
                                   <p:stCondLst>
                                     <p:cond delay="0"/>
                                   </p:stCondLst>
@@ -19447,7 +18967,7 @@
                                         <p:tgtEl>
                                           <p:spTgt spid="7">
                                             <p:txEl>
-                                              <p:pRg st="0" end="0"/>
+                                              <p:pRg st="1" end="1"/>
                                             </p:txEl>
                                           </p:spTgt>
                                         </p:tgtEl>
@@ -19496,7 +19016,7 @@
                                         <p:tgtEl>
                                           <p:spTgt spid="7">
                                             <p:txEl>
-                                              <p:pRg st="1" end="1"/>
+                                              <p:pRg st="2" end="2"/>
                                             </p:txEl>
                                           </p:spTgt>
                                         </p:tgtEl>
@@ -19545,7 +19065,7 @@
                                         <p:tgtEl>
                                           <p:spTgt spid="7">
                                             <p:txEl>
-                                              <p:pRg st="2" end="2"/>
+                                              <p:pRg st="3" end="3"/>
                                             </p:txEl>
                                           </p:spTgt>
                                         </p:tgtEl>
@@ -19594,7 +19114,7 @@
                                         <p:tgtEl>
                                           <p:spTgt spid="7">
                                             <p:txEl>
-                                              <p:pRg st="3" end="3"/>
+                                              <p:pRg st="4" end="4"/>
                                             </p:txEl>
                                           </p:spTgt>
                                         </p:tgtEl>
@@ -19636,55 +19156,6 @@
                                     <p:set>
                                       <p:cBhvr>
                                         <p:cTn id="22" dur="1" fill="hold">
-                                          <p:stCondLst>
-                                            <p:cond delay="0"/>
-                                          </p:stCondLst>
-                                        </p:cTn>
-                                        <p:tgtEl>
-                                          <p:spTgt spid="7">
-                                            <p:txEl>
-                                              <p:pRg st="4" end="4"/>
-                                            </p:txEl>
-                                          </p:spTgt>
-                                        </p:tgtEl>
-                                        <p:attrNameLst>
-                                          <p:attrName>style.visibility</p:attrName>
-                                        </p:attrNameLst>
-                                      </p:cBhvr>
-                                      <p:to>
-                                        <p:strVal val="visible"/>
-                                      </p:to>
-                                    </p:set>
-                                  </p:childTnLst>
-                                </p:cTn>
-                              </p:par>
-                            </p:childTnLst>
-                          </p:cTn>
-                        </p:par>
-                      </p:childTnLst>
-                    </p:cTn>
-                  </p:par>
-                  <p:par>
-                    <p:cTn id="23" fill="hold">
-                      <p:stCondLst>
-                        <p:cond delay="indefinite"/>
-                      </p:stCondLst>
-                      <p:childTnLst>
-                        <p:par>
-                          <p:cTn id="24" fill="hold">
-                            <p:stCondLst>
-                              <p:cond delay="0"/>
-                            </p:stCondLst>
-                            <p:childTnLst>
-                              <p:par>
-                                <p:cTn id="25" presetID="1" presetClass="entr" presetSubtype="0" fill="hold" nodeType="clickEffect">
-                                  <p:stCondLst>
-                                    <p:cond delay="0"/>
-                                  </p:stCondLst>
-                                  <p:childTnLst>
-                                    <p:set>
-                                      <p:cBhvr>
-                                        <p:cTn id="26" dur="1" fill="hold">
                                           <p:stCondLst>
                                             <p:cond delay="0"/>
                                           </p:stCondLst>
@@ -19927,118 +19398,6 @@
       <p:transition spd="slow" advClick="0" advTm="5000"/>
     </mc:Fallback>
   </mc:AlternateContent>
-  <p:timing>
-    <p:tnLst>
-      <p:par>
-        <p:cTn id="1" dur="indefinite" restart="never" nodeType="tmRoot">
-          <p:childTnLst>
-            <p:seq concurrent="1" nextAc="seek">
-              <p:cTn id="2" dur="indefinite" nodeType="mainSeq">
-                <p:childTnLst>
-                  <p:par>
-                    <p:cTn id="3" fill="hold">
-                      <p:stCondLst>
-                        <p:cond delay="indefinite"/>
-                        <p:cond evt="onBegin" delay="0">
-                          <p:tn val="2"/>
-                        </p:cond>
-                      </p:stCondLst>
-                      <p:childTnLst>
-                        <p:par>
-                          <p:cTn id="4" fill="hold">
-                            <p:stCondLst>
-                              <p:cond delay="0"/>
-                            </p:stCondLst>
-                            <p:childTnLst>
-                              <p:par>
-                                <p:cTn id="5" presetID="1" presetClass="entr" presetSubtype="0" fill="hold" grpId="1" nodeType="withEffect">
-                                  <p:stCondLst>
-                                    <p:cond delay="0"/>
-                                  </p:stCondLst>
-                                  <p:childTnLst>
-                                    <p:set>
-                                      <p:cBhvr>
-                                        <p:cTn id="6" dur="1" fill="hold">
-                                          <p:stCondLst>
-                                            <p:cond delay="0"/>
-                                          </p:stCondLst>
-                                        </p:cTn>
-                                        <p:tgtEl>
-                                          <p:spTgt spid="6">
-                                            <p:txEl>
-                                              <p:pRg st="0" end="0"/>
-                                            </p:txEl>
-                                          </p:spTgt>
-                                        </p:tgtEl>
-                                        <p:attrNameLst>
-                                          <p:attrName>style.visibility</p:attrName>
-                                        </p:attrNameLst>
-                                      </p:cBhvr>
-                                      <p:to>
-                                        <p:strVal val="visible"/>
-                                      </p:to>
-                                    </p:set>
-                                  </p:childTnLst>
-                                </p:cTn>
-                              </p:par>
-                              <p:par>
-                                <p:cTn id="7" presetID="1" presetClass="entr" presetSubtype="0" fill="hold" nodeType="withEffect">
-                                  <p:stCondLst>
-                                    <p:cond delay="0"/>
-                                  </p:stCondLst>
-                                  <p:childTnLst>
-                                    <p:set>
-                                      <p:cBhvr>
-                                        <p:cTn id="8" dur="1" fill="hold">
-                                          <p:stCondLst>
-                                            <p:cond delay="0"/>
-                                          </p:stCondLst>
-                                        </p:cTn>
-                                        <p:tgtEl>
-                                          <p:spTgt spid="5"/>
-                                        </p:tgtEl>
-                                        <p:attrNameLst>
-                                          <p:attrName>style.visibility</p:attrName>
-                                        </p:attrNameLst>
-                                      </p:cBhvr>
-                                      <p:to>
-                                        <p:strVal val="visible"/>
-                                      </p:to>
-                                    </p:set>
-                                  </p:childTnLst>
-                                </p:cTn>
-                              </p:par>
-                            </p:childTnLst>
-                          </p:cTn>
-                        </p:par>
-                      </p:childTnLst>
-                    </p:cTn>
-                  </p:par>
-                </p:childTnLst>
-              </p:cTn>
-              <p:prevCondLst>
-                <p:cond evt="onPrev" delay="0">
-                  <p:tgtEl>
-                    <p:sldTgt/>
-                  </p:tgtEl>
-                </p:cond>
-              </p:prevCondLst>
-              <p:nextCondLst>
-                <p:cond evt="onNext" delay="0">
-                  <p:tgtEl>
-                    <p:sldTgt/>
-                  </p:tgtEl>
-                </p:cond>
-              </p:nextCondLst>
-            </p:seq>
-          </p:childTnLst>
-        </p:cTn>
-      </p:par>
-    </p:tnLst>
-    <p:bldLst>
-      <p:bldP spid="6" grpId="1" build="p"/>
-    </p:bldLst>
-  </p:timing>
 </p:sld>
 </file>
 
@@ -20168,8 +19527,8 @@
         </p:blipFill>
         <p:spPr>
           <a:xfrm>
-            <a:off x="1787250" y="1446131"/>
-            <a:ext cx="8617500" cy="5060869"/>
+            <a:off x="1713068" y="1357292"/>
+            <a:ext cx="8765864" cy="5148000"/>
           </a:xfrm>
           <a:prstGeom prst="rect">
             <a:avLst/>
@@ -20201,84 +19560,6 @@
       <p:transition spd="slow" advClick="0" advTm="5000"/>
     </mc:Fallback>
   </mc:AlternateContent>
-  <p:timing>
-    <p:tnLst>
-      <p:par>
-        <p:cTn id="1" dur="indefinite" restart="never" nodeType="tmRoot">
-          <p:childTnLst>
-            <p:seq concurrent="1" nextAc="seek">
-              <p:cTn id="2" dur="indefinite" nodeType="mainSeq">
-                <p:childTnLst>
-                  <p:par>
-                    <p:cTn id="3" fill="hold">
-                      <p:stCondLst>
-                        <p:cond delay="indefinite"/>
-                        <p:cond evt="onBegin" delay="0">
-                          <p:tn val="2"/>
-                        </p:cond>
-                      </p:stCondLst>
-                      <p:childTnLst>
-                        <p:par>
-                          <p:cTn id="4" fill="hold">
-                            <p:stCondLst>
-                              <p:cond delay="0"/>
-                            </p:stCondLst>
-                            <p:childTnLst>
-                              <p:par>
-                                <p:cTn id="5" presetID="1" presetClass="entr" presetSubtype="0" fill="hold" nodeType="withEffect">
-                                  <p:stCondLst>
-                                    <p:cond delay="0"/>
-                                  </p:stCondLst>
-                                  <p:childTnLst>
-                                    <p:set>
-                                      <p:cBhvr>
-                                        <p:cTn id="6" dur="1" fill="hold">
-                                          <p:stCondLst>
-                                            <p:cond delay="0"/>
-                                          </p:stCondLst>
-                                        </p:cTn>
-                                        <p:tgtEl>
-                                          <p:spTgt spid="3"/>
-                                        </p:tgtEl>
-                                        <p:attrNameLst>
-                                          <p:attrName>style.visibility</p:attrName>
-                                        </p:attrNameLst>
-                                      </p:cBhvr>
-                                      <p:to>
-                                        <p:strVal val="visible"/>
-                                      </p:to>
-                                    </p:set>
-                                  </p:childTnLst>
-                                </p:cTn>
-                              </p:par>
-                            </p:childTnLst>
-                          </p:cTn>
-                        </p:par>
-                      </p:childTnLst>
-                    </p:cTn>
-                  </p:par>
-                </p:childTnLst>
-              </p:cTn>
-              <p:prevCondLst>
-                <p:cond evt="onPrev" delay="0">
-                  <p:tgtEl>
-                    <p:sldTgt/>
-                  </p:tgtEl>
-                </p:cond>
-              </p:prevCondLst>
-              <p:nextCondLst>
-                <p:cond evt="onNext" delay="0">
-                  <p:tgtEl>
-                    <p:sldTgt/>
-                  </p:tgtEl>
-                </p:cond>
-              </p:nextCondLst>
-            </p:seq>
-          </p:childTnLst>
-        </p:cTn>
-      </p:par>
-    </p:tnLst>
-  </p:timing>
 </p:sld>
 </file>
 
@@ -20597,9 +19878,6 @@
                     <p:cTn id="3" fill="hold">
                       <p:stCondLst>
                         <p:cond delay="indefinite"/>
-                        <p:cond evt="onBegin" delay="0">
-                          <p:tn val="2"/>
-                        </p:cond>
                       </p:stCondLst>
                       <p:childTnLst>
                         <p:par>
@@ -20609,7 +19887,7 @@
                             </p:stCondLst>
                             <p:childTnLst>
                               <p:par>
-                                <p:cTn id="5" presetID="1" presetClass="entr" presetSubtype="0" fill="hold" nodeType="withEffect">
+                                <p:cTn id="5" presetID="1" presetClass="entr" presetSubtype="0" fill="hold" nodeType="clickEffect">
                                   <p:stCondLst>
                                     <p:cond delay="0"/>
                                   </p:stCondLst>
@@ -20624,7 +19902,7 @@
                                         <p:tgtEl>
                                           <p:spTgt spid="7">
                                             <p:txEl>
-                                              <p:pRg st="0" end="0"/>
+                                              <p:pRg st="1" end="1"/>
                                             </p:txEl>
                                           </p:spTgt>
                                         </p:tgtEl>
@@ -20673,7 +19951,7 @@
                                         <p:tgtEl>
                                           <p:spTgt spid="7">
                                             <p:txEl>
-                                              <p:pRg st="1" end="1"/>
+                                              <p:pRg st="2" end="2"/>
                                             </p:txEl>
                                           </p:spTgt>
                                         </p:tgtEl>
@@ -20722,37 +20000,6 @@
                                         <p:tgtEl>
                                           <p:spTgt spid="7">
                                             <p:txEl>
-                                              <p:pRg st="2" end="2"/>
-                                            </p:txEl>
-                                          </p:spTgt>
-                                        </p:tgtEl>
-                                        <p:attrNameLst>
-                                          <p:attrName>style.visibility</p:attrName>
-                                        </p:attrNameLst>
-                                      </p:cBhvr>
-                                      <p:to>
-                                        <p:strVal val="visible"/>
-                                      </p:to>
-                                    </p:set>
-                                  </p:childTnLst>
-                                </p:cTn>
-                              </p:par>
-                              <p:par>
-                                <p:cTn id="15" presetID="1" presetClass="entr" presetSubtype="0" fill="hold" nodeType="withEffect">
-                                  <p:stCondLst>
-                                    <p:cond delay="0"/>
-                                  </p:stCondLst>
-                                  <p:childTnLst>
-                                    <p:set>
-                                      <p:cBhvr>
-                                        <p:cTn id="16" dur="1" fill="hold">
-                                          <p:stCondLst>
-                                            <p:cond delay="0"/>
-                                          </p:stCondLst>
-                                        </p:cTn>
-                                        <p:tgtEl>
-                                          <p:spTgt spid="7">
-                                            <p:txEl>
                                               <p:pRg st="3" end="3"/>
                                             </p:txEl>
                                           </p:spTgt>
@@ -20775,26 +20022,26 @@
                     </p:cTn>
                   </p:par>
                   <p:par>
-                    <p:cTn id="17" fill="hold">
+                    <p:cTn id="15" fill="hold">
                       <p:stCondLst>
                         <p:cond delay="indefinite"/>
                       </p:stCondLst>
                       <p:childTnLst>
                         <p:par>
-                          <p:cTn id="18" fill="hold">
+                          <p:cTn id="16" fill="hold">
                             <p:stCondLst>
                               <p:cond delay="0"/>
                             </p:stCondLst>
                             <p:childTnLst>
                               <p:par>
-                                <p:cTn id="19" presetID="1" presetClass="entr" presetSubtype="0" fill="hold" nodeType="clickEffect">
+                                <p:cTn id="17" presetID="1" presetClass="entr" presetSubtype="0" fill="hold" nodeType="clickEffect">
                                   <p:stCondLst>
                                     <p:cond delay="0"/>
                                   </p:stCondLst>
                                   <p:childTnLst>
                                     <p:set>
                                       <p:cBhvr>
-                                        <p:cTn id="20" dur="1" fill="hold">
+                                        <p:cTn id="18" dur="1" fill="hold">
                                           <p:stCondLst>
                                             <p:cond delay="0"/>
                                           </p:stCondLst>
@@ -20973,8 +20220,8 @@
         </p:blipFill>
         <p:spPr>
           <a:xfrm>
-            <a:off x="1480097" y="1332140"/>
-            <a:ext cx="9231805" cy="5174860"/>
+            <a:off x="1425548" y="1270985"/>
+            <a:ext cx="9340903" cy="5236015"/>
           </a:xfrm>
           <a:prstGeom prst="rect">
             <a:avLst/>
@@ -21006,84 +20253,6 @@
       <p:transition spd="slow" advClick="0" advTm="5000"/>
     </mc:Fallback>
   </mc:AlternateContent>
-  <p:timing>
-    <p:tnLst>
-      <p:par>
-        <p:cTn id="1" dur="indefinite" restart="never" nodeType="tmRoot">
-          <p:childTnLst>
-            <p:seq concurrent="1" nextAc="seek">
-              <p:cTn id="2" dur="indefinite" nodeType="mainSeq">
-                <p:childTnLst>
-                  <p:par>
-                    <p:cTn id="3" fill="hold">
-                      <p:stCondLst>
-                        <p:cond delay="indefinite"/>
-                        <p:cond evt="onBegin" delay="0">
-                          <p:tn val="2"/>
-                        </p:cond>
-                      </p:stCondLst>
-                      <p:childTnLst>
-                        <p:par>
-                          <p:cTn id="4" fill="hold">
-                            <p:stCondLst>
-                              <p:cond delay="0"/>
-                            </p:stCondLst>
-                            <p:childTnLst>
-                              <p:par>
-                                <p:cTn id="5" presetID="1" presetClass="entr" presetSubtype="0" fill="hold" nodeType="withEffect">
-                                  <p:stCondLst>
-                                    <p:cond delay="0"/>
-                                  </p:stCondLst>
-                                  <p:childTnLst>
-                                    <p:set>
-                                      <p:cBhvr>
-                                        <p:cTn id="6" dur="1" fill="hold">
-                                          <p:stCondLst>
-                                            <p:cond delay="0"/>
-                                          </p:stCondLst>
-                                        </p:cTn>
-                                        <p:tgtEl>
-                                          <p:spTgt spid="10"/>
-                                        </p:tgtEl>
-                                        <p:attrNameLst>
-                                          <p:attrName>style.visibility</p:attrName>
-                                        </p:attrNameLst>
-                                      </p:cBhvr>
-                                      <p:to>
-                                        <p:strVal val="visible"/>
-                                      </p:to>
-                                    </p:set>
-                                  </p:childTnLst>
-                                </p:cTn>
-                              </p:par>
-                            </p:childTnLst>
-                          </p:cTn>
-                        </p:par>
-                      </p:childTnLst>
-                    </p:cTn>
-                  </p:par>
-                </p:childTnLst>
-              </p:cTn>
-              <p:prevCondLst>
-                <p:cond evt="onPrev" delay="0">
-                  <p:tgtEl>
-                    <p:sldTgt/>
-                  </p:tgtEl>
-                </p:cond>
-              </p:prevCondLst>
-              <p:nextCondLst>
-                <p:cond evt="onNext" delay="0">
-                  <p:tgtEl>
-                    <p:sldTgt/>
-                  </p:tgtEl>
-                </p:cond>
-              </p:nextCondLst>
-            </p:seq>
-          </p:childTnLst>
-        </p:cTn>
-      </p:par>
-    </p:tnLst>
-  </p:timing>
 </p:sld>
 </file>
 
@@ -21413,9 +20582,6 @@
                     <p:cTn id="3" fill="hold">
                       <p:stCondLst>
                         <p:cond delay="indefinite"/>
-                        <p:cond evt="onBegin" delay="0">
-                          <p:tn val="2"/>
-                        </p:cond>
                       </p:stCondLst>
                       <p:childTnLst>
                         <p:par>
@@ -21425,7 +20591,7 @@
                             </p:stCondLst>
                             <p:childTnLst>
                               <p:par>
-                                <p:cTn id="5" presetID="1" presetClass="entr" presetSubtype="0" fill="hold" nodeType="withEffect">
+                                <p:cTn id="5" presetID="1" presetClass="entr" presetSubtype="0" fill="hold" nodeType="clickEffect">
                                   <p:stCondLst>
                                     <p:cond delay="0"/>
                                   </p:stCondLst>
@@ -21440,7 +20606,7 @@
                                         <p:tgtEl>
                                           <p:spTgt spid="7">
                                             <p:txEl>
-                                              <p:pRg st="0" end="0"/>
+                                              <p:pRg st="1" end="1"/>
                                             </p:txEl>
                                           </p:spTgt>
                                         </p:tgtEl>
@@ -21489,7 +20655,7 @@
                                         <p:tgtEl>
                                           <p:spTgt spid="7">
                                             <p:txEl>
-                                              <p:pRg st="1" end="1"/>
+                                              <p:pRg st="2" end="2"/>
                                             </p:txEl>
                                           </p:spTgt>
                                         </p:tgtEl>
@@ -21538,37 +20704,6 @@
                                         <p:tgtEl>
                                           <p:spTgt spid="7">
                                             <p:txEl>
-                                              <p:pRg st="2" end="2"/>
-                                            </p:txEl>
-                                          </p:spTgt>
-                                        </p:tgtEl>
-                                        <p:attrNameLst>
-                                          <p:attrName>style.visibility</p:attrName>
-                                        </p:attrNameLst>
-                                      </p:cBhvr>
-                                      <p:to>
-                                        <p:strVal val="visible"/>
-                                      </p:to>
-                                    </p:set>
-                                  </p:childTnLst>
-                                </p:cTn>
-                              </p:par>
-                              <p:par>
-                                <p:cTn id="15" presetID="1" presetClass="entr" presetSubtype="0" fill="hold" nodeType="withEffect">
-                                  <p:stCondLst>
-                                    <p:cond delay="0"/>
-                                  </p:stCondLst>
-                                  <p:childTnLst>
-                                    <p:set>
-                                      <p:cBhvr>
-                                        <p:cTn id="16" dur="1" fill="hold">
-                                          <p:stCondLst>
-                                            <p:cond delay="0"/>
-                                          </p:stCondLst>
-                                        </p:cTn>
-                                        <p:tgtEl>
-                                          <p:spTgt spid="7">
-                                            <p:txEl>
                                               <p:pRg st="3" end="3"/>
                                             </p:txEl>
                                           </p:spTgt>
@@ -21591,26 +20726,26 @@
                     </p:cTn>
                   </p:par>
                   <p:par>
-                    <p:cTn id="17" fill="hold">
+                    <p:cTn id="15" fill="hold">
                       <p:stCondLst>
                         <p:cond delay="indefinite"/>
                       </p:stCondLst>
                       <p:childTnLst>
                         <p:par>
-                          <p:cTn id="18" fill="hold">
+                          <p:cTn id="16" fill="hold">
                             <p:stCondLst>
                               <p:cond delay="0"/>
                             </p:stCondLst>
                             <p:childTnLst>
                               <p:par>
-                                <p:cTn id="19" presetID="1" presetClass="entr" presetSubtype="0" fill="hold" nodeType="clickEffect">
+                                <p:cTn id="17" presetID="1" presetClass="entr" presetSubtype="0" fill="hold" nodeType="clickEffect">
                                   <p:stCondLst>
                                     <p:cond delay="0"/>
                                   </p:stCondLst>
                                   <p:childTnLst>
                                     <p:set>
                                       <p:cBhvr>
-                                        <p:cTn id="20" dur="1" fill="hold">
+                                        <p:cTn id="18" dur="1" fill="hold">
                                           <p:stCondLst>
                                             <p:cond delay="0"/>
                                           </p:stCondLst>
@@ -21789,8 +20924,8 @@
         </p:blipFill>
         <p:spPr>
           <a:xfrm>
-            <a:off x="930761" y="1494000"/>
-            <a:ext cx="10330478" cy="5013000"/>
+            <a:off x="791661" y="1359000"/>
+            <a:ext cx="10608678" cy="5148000"/>
           </a:xfrm>
           <a:prstGeom prst="rect">
             <a:avLst/>
@@ -21822,84 +20957,6 @@
       <p:transition spd="slow" advClick="0" advTm="5000"/>
     </mc:Fallback>
   </mc:AlternateContent>
-  <p:timing>
-    <p:tnLst>
-      <p:par>
-        <p:cTn id="1" dur="indefinite" restart="never" nodeType="tmRoot">
-          <p:childTnLst>
-            <p:seq concurrent="1" nextAc="seek">
-              <p:cTn id="2" dur="indefinite" nodeType="mainSeq">
-                <p:childTnLst>
-                  <p:par>
-                    <p:cTn id="3" fill="hold">
-                      <p:stCondLst>
-                        <p:cond delay="indefinite"/>
-                        <p:cond evt="onBegin" delay="0">
-                          <p:tn val="2"/>
-                        </p:cond>
-                      </p:stCondLst>
-                      <p:childTnLst>
-                        <p:par>
-                          <p:cTn id="4" fill="hold">
-                            <p:stCondLst>
-                              <p:cond delay="0"/>
-                            </p:stCondLst>
-                            <p:childTnLst>
-                              <p:par>
-                                <p:cTn id="5" presetID="1" presetClass="entr" presetSubtype="0" fill="hold" nodeType="withEffect">
-                                  <p:stCondLst>
-                                    <p:cond delay="0"/>
-                                  </p:stCondLst>
-                                  <p:childTnLst>
-                                    <p:set>
-                                      <p:cBhvr>
-                                        <p:cTn id="6" dur="1" fill="hold">
-                                          <p:stCondLst>
-                                            <p:cond delay="0"/>
-                                          </p:stCondLst>
-                                        </p:cTn>
-                                        <p:tgtEl>
-                                          <p:spTgt spid="6"/>
-                                        </p:tgtEl>
-                                        <p:attrNameLst>
-                                          <p:attrName>style.visibility</p:attrName>
-                                        </p:attrNameLst>
-                                      </p:cBhvr>
-                                      <p:to>
-                                        <p:strVal val="visible"/>
-                                      </p:to>
-                                    </p:set>
-                                  </p:childTnLst>
-                                </p:cTn>
-                              </p:par>
-                            </p:childTnLst>
-                          </p:cTn>
-                        </p:par>
-                      </p:childTnLst>
-                    </p:cTn>
-                  </p:par>
-                </p:childTnLst>
-              </p:cTn>
-              <p:prevCondLst>
-                <p:cond evt="onPrev" delay="0">
-                  <p:tgtEl>
-                    <p:sldTgt/>
-                  </p:tgtEl>
-                </p:cond>
-              </p:prevCondLst>
-              <p:nextCondLst>
-                <p:cond evt="onNext" delay="0">
-                  <p:tgtEl>
-                    <p:sldTgt/>
-                  </p:tgtEl>
-                </p:cond>
-              </p:nextCondLst>
-            </p:seq>
-          </p:childTnLst>
-        </p:cTn>
-      </p:par>
-    </p:tnLst>
-  </p:timing>
 </p:sld>
 </file>
 
@@ -22189,9 +21246,6 @@
                     <p:cTn id="3" fill="hold">
                       <p:stCondLst>
                         <p:cond delay="indefinite"/>
-                        <p:cond evt="onBegin" delay="0">
-                          <p:tn val="2"/>
-                        </p:cond>
                       </p:stCondLst>
                       <p:childTnLst>
                         <p:par>
@@ -22201,7 +21255,7 @@
                             </p:stCondLst>
                             <p:childTnLst>
                               <p:par>
-                                <p:cTn id="5" presetID="1" presetClass="entr" presetSubtype="0" fill="hold" nodeType="withEffect">
+                                <p:cTn id="5" presetID="1" presetClass="entr" presetSubtype="0" fill="hold" nodeType="clickEffect">
                                   <p:stCondLst>
                                     <p:cond delay="0"/>
                                   </p:stCondLst>
@@ -22216,7 +21270,7 @@
                                         <p:tgtEl>
                                           <p:spTgt spid="7">
                                             <p:txEl>
-                                              <p:pRg st="0" end="0"/>
+                                              <p:pRg st="1" end="1"/>
                                             </p:txEl>
                                           </p:spTgt>
                                         </p:tgtEl>
@@ -22265,7 +21319,7 @@
                                         <p:tgtEl>
                                           <p:spTgt spid="7">
                                             <p:txEl>
-                                              <p:pRg st="1" end="1"/>
+                                              <p:pRg st="2" end="2"/>
                                             </p:txEl>
                                           </p:spTgt>
                                         </p:tgtEl>
@@ -22314,37 +21368,6 @@
                                         <p:tgtEl>
                                           <p:spTgt spid="7">
                                             <p:txEl>
-                                              <p:pRg st="2" end="2"/>
-                                            </p:txEl>
-                                          </p:spTgt>
-                                        </p:tgtEl>
-                                        <p:attrNameLst>
-                                          <p:attrName>style.visibility</p:attrName>
-                                        </p:attrNameLst>
-                                      </p:cBhvr>
-                                      <p:to>
-                                        <p:strVal val="visible"/>
-                                      </p:to>
-                                    </p:set>
-                                  </p:childTnLst>
-                                </p:cTn>
-                              </p:par>
-                              <p:par>
-                                <p:cTn id="15" presetID="1" presetClass="entr" presetSubtype="0" fill="hold" nodeType="withEffect">
-                                  <p:stCondLst>
-                                    <p:cond delay="0"/>
-                                  </p:stCondLst>
-                                  <p:childTnLst>
-                                    <p:set>
-                                      <p:cBhvr>
-                                        <p:cTn id="16" dur="1" fill="hold">
-                                          <p:stCondLst>
-                                            <p:cond delay="0"/>
-                                          </p:stCondLst>
-                                        </p:cTn>
-                                        <p:tgtEl>
-                                          <p:spTgt spid="7">
-                                            <p:txEl>
                                               <p:pRg st="3" end="3"/>
                                             </p:txEl>
                                           </p:spTgt>
@@ -22367,26 +21390,26 @@
                     </p:cTn>
                   </p:par>
                   <p:par>
-                    <p:cTn id="17" fill="hold">
+                    <p:cTn id="15" fill="hold">
                       <p:stCondLst>
                         <p:cond delay="indefinite"/>
                       </p:stCondLst>
                       <p:childTnLst>
                         <p:par>
-                          <p:cTn id="18" fill="hold">
+                          <p:cTn id="16" fill="hold">
                             <p:stCondLst>
                               <p:cond delay="0"/>
                             </p:stCondLst>
                             <p:childTnLst>
                               <p:par>
-                                <p:cTn id="19" presetID="1" presetClass="entr" presetSubtype="0" fill="hold" nodeType="clickEffect">
+                                <p:cTn id="17" presetID="1" presetClass="entr" presetSubtype="0" fill="hold" nodeType="clickEffect">
                                   <p:stCondLst>
                                     <p:cond delay="0"/>
                                   </p:stCondLst>
                                   <p:childTnLst>
                                     <p:set>
                                       <p:cBhvr>
-                                        <p:cTn id="20" dur="1" fill="hold">
+                                        <p:cTn id="18" dur="1" fill="hold">
                                           <p:stCondLst>
                                             <p:cond delay="0"/>
                                           </p:stCondLst>
@@ -22565,8 +21588,8 @@
         </p:blipFill>
         <p:spPr>
           <a:xfrm>
-            <a:off x="1423518" y="1453754"/>
-            <a:ext cx="9344964" cy="5058000"/>
+            <a:off x="1217259" y="1248086"/>
+            <a:ext cx="9757482" cy="5281277"/>
           </a:xfrm>
           <a:prstGeom prst="rect">
             <a:avLst/>
@@ -22598,84 +21621,6 @@
       <p:transition spd="slow" advClick="0" advTm="5000"/>
     </mc:Fallback>
   </mc:AlternateContent>
-  <p:timing>
-    <p:tnLst>
-      <p:par>
-        <p:cTn id="1" dur="indefinite" restart="never" nodeType="tmRoot">
-          <p:childTnLst>
-            <p:seq concurrent="1" nextAc="seek">
-              <p:cTn id="2" dur="indefinite" nodeType="mainSeq">
-                <p:childTnLst>
-                  <p:par>
-                    <p:cTn id="3" fill="hold">
-                      <p:stCondLst>
-                        <p:cond delay="indefinite"/>
-                        <p:cond evt="onBegin" delay="0">
-                          <p:tn val="2"/>
-                        </p:cond>
-                      </p:stCondLst>
-                      <p:childTnLst>
-                        <p:par>
-                          <p:cTn id="4" fill="hold">
-                            <p:stCondLst>
-                              <p:cond delay="0"/>
-                            </p:stCondLst>
-                            <p:childTnLst>
-                              <p:par>
-                                <p:cTn id="5" presetID="1" presetClass="entr" presetSubtype="0" fill="hold" nodeType="withEffect">
-                                  <p:stCondLst>
-                                    <p:cond delay="0"/>
-                                  </p:stCondLst>
-                                  <p:childTnLst>
-                                    <p:set>
-                                      <p:cBhvr>
-                                        <p:cTn id="6" dur="1" fill="hold">
-                                          <p:stCondLst>
-                                            <p:cond delay="0"/>
-                                          </p:stCondLst>
-                                        </p:cTn>
-                                        <p:tgtEl>
-                                          <p:spTgt spid="6"/>
-                                        </p:tgtEl>
-                                        <p:attrNameLst>
-                                          <p:attrName>style.visibility</p:attrName>
-                                        </p:attrNameLst>
-                                      </p:cBhvr>
-                                      <p:to>
-                                        <p:strVal val="visible"/>
-                                      </p:to>
-                                    </p:set>
-                                  </p:childTnLst>
-                                </p:cTn>
-                              </p:par>
-                            </p:childTnLst>
-                          </p:cTn>
-                        </p:par>
-                      </p:childTnLst>
-                    </p:cTn>
-                  </p:par>
-                </p:childTnLst>
-              </p:cTn>
-              <p:prevCondLst>
-                <p:cond evt="onPrev" delay="0">
-                  <p:tgtEl>
-                    <p:sldTgt/>
-                  </p:tgtEl>
-                </p:cond>
-              </p:prevCondLst>
-              <p:nextCondLst>
-                <p:cond evt="onNext" delay="0">
-                  <p:tgtEl>
-                    <p:sldTgt/>
-                  </p:tgtEl>
-                </p:cond>
-              </p:nextCondLst>
-            </p:seq>
-          </p:childTnLst>
-        </p:cTn>
-      </p:par>
-    </p:tnLst>
-  </p:timing>
 </p:sld>
 </file>
 
@@ -22981,9 +21926,6 @@
                     <p:cTn id="3" fill="hold">
                       <p:stCondLst>
                         <p:cond delay="indefinite"/>
-                        <p:cond evt="onBegin" delay="0">
-                          <p:tn val="2"/>
-                        </p:cond>
                       </p:stCondLst>
                       <p:childTnLst>
                         <p:par>
@@ -22993,7 +21935,7 @@
                             </p:stCondLst>
                             <p:childTnLst>
                               <p:par>
-                                <p:cTn id="5" presetID="1" presetClass="entr" presetSubtype="0" fill="hold" nodeType="withEffect">
+                                <p:cTn id="5" presetID="1" presetClass="entr" presetSubtype="0" fill="hold" nodeType="clickEffect">
                                   <p:stCondLst>
                                     <p:cond delay="0"/>
                                   </p:stCondLst>
@@ -23008,7 +21950,7 @@
                                         <p:tgtEl>
                                           <p:spTgt spid="7">
                                             <p:txEl>
-                                              <p:pRg st="0" end="0"/>
+                                              <p:pRg st="1" end="1"/>
                                             </p:txEl>
                                           </p:spTgt>
                                         </p:tgtEl>
@@ -23057,7 +21999,7 @@
                                         <p:tgtEl>
                                           <p:spTgt spid="7">
                                             <p:txEl>
-                                              <p:pRg st="1" end="1"/>
+                                              <p:pRg st="2" end="2"/>
                                             </p:txEl>
                                           </p:spTgt>
                                         </p:tgtEl>
@@ -23106,37 +22048,6 @@
                                         <p:tgtEl>
                                           <p:spTgt spid="7">
                                             <p:txEl>
-                                              <p:pRg st="2" end="2"/>
-                                            </p:txEl>
-                                          </p:spTgt>
-                                        </p:tgtEl>
-                                        <p:attrNameLst>
-                                          <p:attrName>style.visibility</p:attrName>
-                                        </p:attrNameLst>
-                                      </p:cBhvr>
-                                      <p:to>
-                                        <p:strVal val="visible"/>
-                                      </p:to>
-                                    </p:set>
-                                  </p:childTnLst>
-                                </p:cTn>
-                              </p:par>
-                              <p:par>
-                                <p:cTn id="15" presetID="1" presetClass="entr" presetSubtype="0" fill="hold" nodeType="withEffect">
-                                  <p:stCondLst>
-                                    <p:cond delay="0"/>
-                                  </p:stCondLst>
-                                  <p:childTnLst>
-                                    <p:set>
-                                      <p:cBhvr>
-                                        <p:cTn id="16" dur="1" fill="hold">
-                                          <p:stCondLst>
-                                            <p:cond delay="0"/>
-                                          </p:stCondLst>
-                                        </p:cTn>
-                                        <p:tgtEl>
-                                          <p:spTgt spid="7">
-                                            <p:txEl>
                                               <p:pRg st="3" end="3"/>
                                             </p:txEl>
                                           </p:spTgt>
@@ -23159,26 +22070,26 @@
                     </p:cTn>
                   </p:par>
                   <p:par>
-                    <p:cTn id="17" fill="hold">
+                    <p:cTn id="15" fill="hold">
                       <p:stCondLst>
                         <p:cond delay="indefinite"/>
                       </p:stCondLst>
                       <p:childTnLst>
                         <p:par>
-                          <p:cTn id="18" fill="hold">
+                          <p:cTn id="16" fill="hold">
                             <p:stCondLst>
                               <p:cond delay="0"/>
                             </p:stCondLst>
                             <p:childTnLst>
                               <p:par>
-                                <p:cTn id="19" presetID="1" presetClass="entr" presetSubtype="0" fill="hold" nodeType="clickEffect">
+                                <p:cTn id="17" presetID="1" presetClass="entr" presetSubtype="0" fill="hold" nodeType="clickEffect">
                                   <p:stCondLst>
                                     <p:cond delay="0"/>
                                   </p:stCondLst>
                                   <p:childTnLst>
                                     <p:set>
                                       <p:cBhvr>
-                                        <p:cTn id="20" dur="1" fill="hold">
+                                        <p:cTn id="18" dur="1" fill="hold">
                                           <p:stCondLst>
                                             <p:cond delay="0"/>
                                           </p:stCondLst>
@@ -23208,26 +22119,26 @@
                     </p:cTn>
                   </p:par>
                   <p:par>
-                    <p:cTn id="21" fill="hold">
+                    <p:cTn id="19" fill="hold">
                       <p:stCondLst>
                         <p:cond delay="indefinite"/>
                       </p:stCondLst>
                       <p:childTnLst>
                         <p:par>
-                          <p:cTn id="22" fill="hold">
+                          <p:cTn id="20" fill="hold">
                             <p:stCondLst>
                               <p:cond delay="0"/>
                             </p:stCondLst>
                             <p:childTnLst>
                               <p:par>
-                                <p:cTn id="23" presetID="1" presetClass="entr" presetSubtype="0" fill="hold" nodeType="clickEffect">
+                                <p:cTn id="21" presetID="1" presetClass="entr" presetSubtype="0" fill="hold" nodeType="clickEffect">
                                   <p:stCondLst>
                                     <p:cond delay="0"/>
                                   </p:stCondLst>
                                   <p:childTnLst>
                                     <p:set>
                                       <p:cBhvr>
-                                        <p:cTn id="24" dur="1" fill="hold">
+                                        <p:cTn id="22" dur="1" fill="hold">
                                           <p:stCondLst>
                                             <p:cond delay="0"/>
                                           </p:stCondLst>
@@ -23555,7 +22466,7 @@
         </p:blipFill>
         <p:spPr>
           <a:xfrm>
-            <a:off x="1747223" y="1918442"/>
+            <a:off x="1747223" y="1899000"/>
             <a:ext cx="8697554" cy="4480558"/>
           </a:xfrm>
           <a:prstGeom prst="rect">
@@ -23588,118 +22499,6 @@
       <p:transition spd="slow" advClick="0" advTm="5000"/>
     </mc:Fallback>
   </mc:AlternateContent>
-  <p:timing>
-    <p:tnLst>
-      <p:par>
-        <p:cTn id="1" dur="indefinite" restart="never" nodeType="tmRoot">
-          <p:childTnLst>
-            <p:seq concurrent="1" nextAc="seek">
-              <p:cTn id="2" dur="indefinite" nodeType="mainSeq">
-                <p:childTnLst>
-                  <p:par>
-                    <p:cTn id="3" fill="hold">
-                      <p:stCondLst>
-                        <p:cond delay="indefinite"/>
-                        <p:cond evt="onBegin" delay="0">
-                          <p:tn val="2"/>
-                        </p:cond>
-                      </p:stCondLst>
-                      <p:childTnLst>
-                        <p:par>
-                          <p:cTn id="4" fill="hold">
-                            <p:stCondLst>
-                              <p:cond delay="0"/>
-                            </p:stCondLst>
-                            <p:childTnLst>
-                              <p:par>
-                                <p:cTn id="5" presetID="1" presetClass="entr" presetSubtype="0" fill="hold" grpId="0" nodeType="withEffect">
-                                  <p:stCondLst>
-                                    <p:cond delay="0"/>
-                                  </p:stCondLst>
-                                  <p:childTnLst>
-                                    <p:set>
-                                      <p:cBhvr>
-                                        <p:cTn id="6" dur="1" fill="hold">
-                                          <p:stCondLst>
-                                            <p:cond delay="0"/>
-                                          </p:stCondLst>
-                                        </p:cTn>
-                                        <p:tgtEl>
-                                          <p:spTgt spid="2">
-                                            <p:txEl>
-                                              <p:pRg st="0" end="0"/>
-                                            </p:txEl>
-                                          </p:spTgt>
-                                        </p:tgtEl>
-                                        <p:attrNameLst>
-                                          <p:attrName>style.visibility</p:attrName>
-                                        </p:attrNameLst>
-                                      </p:cBhvr>
-                                      <p:to>
-                                        <p:strVal val="visible"/>
-                                      </p:to>
-                                    </p:set>
-                                  </p:childTnLst>
-                                </p:cTn>
-                              </p:par>
-                              <p:par>
-                                <p:cTn id="7" presetID="1" presetClass="entr" presetSubtype="0" fill="hold" nodeType="withEffect">
-                                  <p:stCondLst>
-                                    <p:cond delay="0"/>
-                                  </p:stCondLst>
-                                  <p:childTnLst>
-                                    <p:set>
-                                      <p:cBhvr>
-                                        <p:cTn id="8" dur="1" fill="hold">
-                                          <p:stCondLst>
-                                            <p:cond delay="0"/>
-                                          </p:stCondLst>
-                                        </p:cTn>
-                                        <p:tgtEl>
-                                          <p:spTgt spid="6"/>
-                                        </p:tgtEl>
-                                        <p:attrNameLst>
-                                          <p:attrName>style.visibility</p:attrName>
-                                        </p:attrNameLst>
-                                      </p:cBhvr>
-                                      <p:to>
-                                        <p:strVal val="visible"/>
-                                      </p:to>
-                                    </p:set>
-                                  </p:childTnLst>
-                                </p:cTn>
-                              </p:par>
-                            </p:childTnLst>
-                          </p:cTn>
-                        </p:par>
-                      </p:childTnLst>
-                    </p:cTn>
-                  </p:par>
-                </p:childTnLst>
-              </p:cTn>
-              <p:prevCondLst>
-                <p:cond evt="onPrev" delay="0">
-                  <p:tgtEl>
-                    <p:sldTgt/>
-                  </p:tgtEl>
-                </p:cond>
-              </p:prevCondLst>
-              <p:nextCondLst>
-                <p:cond evt="onNext" delay="0">
-                  <p:tgtEl>
-                    <p:sldTgt/>
-                  </p:tgtEl>
-                </p:cond>
-              </p:nextCondLst>
-            </p:seq>
-          </p:childTnLst>
-        </p:cTn>
-      </p:par>
-    </p:tnLst>
-    <p:bldLst>
-      <p:bldP spid="2" grpId="0" build="p"/>
-    </p:bldLst>
-  </p:timing>
 </p:sld>
 </file>
 
@@ -23818,7 +22617,7 @@
         </p:blipFill>
         <p:spPr>
           <a:xfrm>
-            <a:off x="2271000" y="1338294"/>
+            <a:off x="2271000" y="1326670"/>
             <a:ext cx="7650000" cy="5317206"/>
           </a:xfrm>
           <a:prstGeom prst="rect">
@@ -23851,84 +22650,6 @@
       <p:transition spd="slow" advClick="0" advTm="5000"/>
     </mc:Fallback>
   </mc:AlternateContent>
-  <p:timing>
-    <p:tnLst>
-      <p:par>
-        <p:cTn id="1" dur="indefinite" restart="never" nodeType="tmRoot">
-          <p:childTnLst>
-            <p:seq concurrent="1" nextAc="seek">
-              <p:cTn id="2" dur="indefinite" nodeType="mainSeq">
-                <p:childTnLst>
-                  <p:par>
-                    <p:cTn id="3" fill="hold">
-                      <p:stCondLst>
-                        <p:cond delay="indefinite"/>
-                        <p:cond evt="onBegin" delay="0">
-                          <p:tn val="2"/>
-                        </p:cond>
-                      </p:stCondLst>
-                      <p:childTnLst>
-                        <p:par>
-                          <p:cTn id="4" fill="hold">
-                            <p:stCondLst>
-                              <p:cond delay="0"/>
-                            </p:stCondLst>
-                            <p:childTnLst>
-                              <p:par>
-                                <p:cTn id="5" presetID="1" presetClass="entr" presetSubtype="0" fill="hold" nodeType="withEffect">
-                                  <p:stCondLst>
-                                    <p:cond delay="0"/>
-                                  </p:stCondLst>
-                                  <p:childTnLst>
-                                    <p:set>
-                                      <p:cBhvr>
-                                        <p:cTn id="6" dur="1" fill="hold">
-                                          <p:stCondLst>
-                                            <p:cond delay="0"/>
-                                          </p:stCondLst>
-                                        </p:cTn>
-                                        <p:tgtEl>
-                                          <p:spTgt spid="6"/>
-                                        </p:tgtEl>
-                                        <p:attrNameLst>
-                                          <p:attrName>style.visibility</p:attrName>
-                                        </p:attrNameLst>
-                                      </p:cBhvr>
-                                      <p:to>
-                                        <p:strVal val="visible"/>
-                                      </p:to>
-                                    </p:set>
-                                  </p:childTnLst>
-                                </p:cTn>
-                              </p:par>
-                            </p:childTnLst>
-                          </p:cTn>
-                        </p:par>
-                      </p:childTnLst>
-                    </p:cTn>
-                  </p:par>
-                </p:childTnLst>
-              </p:cTn>
-              <p:prevCondLst>
-                <p:cond evt="onPrev" delay="0">
-                  <p:tgtEl>
-                    <p:sldTgt/>
-                  </p:tgtEl>
-                </p:cond>
-              </p:prevCondLst>
-              <p:nextCondLst>
-                <p:cond evt="onNext" delay="0">
-                  <p:tgtEl>
-                    <p:sldTgt/>
-                  </p:tgtEl>
-                </p:cond>
-              </p:nextCondLst>
-            </p:seq>
-          </p:childTnLst>
-        </p:cTn>
-      </p:par>
-    </p:tnLst>
-  </p:timing>
 </p:sld>
 </file>
 
@@ -24227,9 +22948,6 @@
                     <p:cTn id="3" fill="hold">
                       <p:stCondLst>
                         <p:cond delay="indefinite"/>
-                        <p:cond evt="onBegin" delay="0">
-                          <p:tn val="2"/>
-                        </p:cond>
                       </p:stCondLst>
                       <p:childTnLst>
                         <p:par>
@@ -24239,7 +22957,7 @@
                             </p:stCondLst>
                             <p:childTnLst>
                               <p:par>
-                                <p:cTn id="5" presetID="1" presetClass="entr" presetSubtype="0" fill="hold" nodeType="withEffect">
+                                <p:cTn id="5" presetID="1" presetClass="entr" presetSubtype="0" fill="hold" nodeType="clickEffect">
                                   <p:stCondLst>
                                     <p:cond delay="0"/>
                                   </p:stCondLst>
@@ -24254,7 +22972,7 @@
                                         <p:tgtEl>
                                           <p:spTgt spid="7">
                                             <p:txEl>
-                                              <p:pRg st="0" end="0"/>
+                                              <p:pRg st="1" end="1"/>
                                             </p:txEl>
                                           </p:spTgt>
                                         </p:tgtEl>
@@ -24303,7 +23021,7 @@
                                         <p:tgtEl>
                                           <p:spTgt spid="7">
                                             <p:txEl>
-                                              <p:pRg st="1" end="1"/>
+                                              <p:pRg st="2" end="2"/>
                                             </p:txEl>
                                           </p:spTgt>
                                         </p:tgtEl>
@@ -24352,7 +23070,7 @@
                                         <p:tgtEl>
                                           <p:spTgt spid="7">
                                             <p:txEl>
-                                              <p:pRg st="2" end="2"/>
+                                              <p:pRg st="3" end="3"/>
                                             </p:txEl>
                                           </p:spTgt>
                                         </p:tgtEl>
@@ -24401,37 +23119,6 @@
                                         <p:tgtEl>
                                           <p:spTgt spid="7">
                                             <p:txEl>
-                                              <p:pRg st="3" end="3"/>
-                                            </p:txEl>
-                                          </p:spTgt>
-                                        </p:tgtEl>
-                                        <p:attrNameLst>
-                                          <p:attrName>style.visibility</p:attrName>
-                                        </p:attrNameLst>
-                                      </p:cBhvr>
-                                      <p:to>
-                                        <p:strVal val="visible"/>
-                                      </p:to>
-                                    </p:set>
-                                  </p:childTnLst>
-                                </p:cTn>
-                              </p:par>
-                              <p:par>
-                                <p:cTn id="19" presetID="1" presetClass="entr" presetSubtype="0" fill="hold" nodeType="withEffect">
-                                  <p:stCondLst>
-                                    <p:cond delay="0"/>
-                                  </p:stCondLst>
-                                  <p:childTnLst>
-                                    <p:set>
-                                      <p:cBhvr>
-                                        <p:cTn id="20" dur="1" fill="hold">
-                                          <p:stCondLst>
-                                            <p:cond delay="0"/>
-                                          </p:stCondLst>
-                                        </p:cTn>
-                                        <p:tgtEl>
-                                          <p:spTgt spid="7">
-                                            <p:txEl>
                                               <p:pRg st="4" end="4"/>
                                             </p:txEl>
                                           </p:spTgt>
@@ -24454,26 +23141,26 @@
                     </p:cTn>
                   </p:par>
                   <p:par>
-                    <p:cTn id="21" fill="hold">
+                    <p:cTn id="19" fill="hold">
                       <p:stCondLst>
                         <p:cond delay="indefinite"/>
                       </p:stCondLst>
                       <p:childTnLst>
                         <p:par>
-                          <p:cTn id="22" fill="hold">
+                          <p:cTn id="20" fill="hold">
                             <p:stCondLst>
                               <p:cond delay="0"/>
                             </p:stCondLst>
                             <p:childTnLst>
                               <p:par>
-                                <p:cTn id="23" presetID="1" presetClass="entr" presetSubtype="0" fill="hold" nodeType="clickEffect">
+                                <p:cTn id="21" presetID="1" presetClass="entr" presetSubtype="0" fill="hold" nodeType="clickEffect">
                                   <p:stCondLst>
                                     <p:cond delay="0"/>
                                   </p:stCondLst>
                                   <p:childTnLst>
                                     <p:set>
                                       <p:cBhvr>
-                                        <p:cTn id="24" dur="1" fill="hold">
+                                        <p:cTn id="22" dur="1" fill="hold">
                                           <p:stCondLst>
                                             <p:cond delay="0"/>
                                           </p:stCondLst>
@@ -24677,84 +23364,6 @@
       <p:transition spd="slow" advClick="0" advTm="5000"/>
     </mc:Fallback>
   </mc:AlternateContent>
-  <p:timing>
-    <p:tnLst>
-      <p:par>
-        <p:cTn id="1" dur="indefinite" restart="never" nodeType="tmRoot">
-          <p:childTnLst>
-            <p:seq concurrent="1" nextAc="seek">
-              <p:cTn id="2" dur="indefinite" nodeType="mainSeq">
-                <p:childTnLst>
-                  <p:par>
-                    <p:cTn id="3" fill="hold">
-                      <p:stCondLst>
-                        <p:cond delay="indefinite"/>
-                        <p:cond evt="onBegin" delay="0">
-                          <p:tn val="2"/>
-                        </p:cond>
-                      </p:stCondLst>
-                      <p:childTnLst>
-                        <p:par>
-                          <p:cTn id="4" fill="hold">
-                            <p:stCondLst>
-                              <p:cond delay="0"/>
-                            </p:stCondLst>
-                            <p:childTnLst>
-                              <p:par>
-                                <p:cTn id="5" presetID="1" presetClass="entr" presetSubtype="0" fill="hold" nodeType="withEffect">
-                                  <p:stCondLst>
-                                    <p:cond delay="0"/>
-                                  </p:stCondLst>
-                                  <p:childTnLst>
-                                    <p:set>
-                                      <p:cBhvr>
-                                        <p:cTn id="6" dur="1" fill="hold">
-                                          <p:stCondLst>
-                                            <p:cond delay="0"/>
-                                          </p:stCondLst>
-                                        </p:cTn>
-                                        <p:tgtEl>
-                                          <p:spTgt spid="6"/>
-                                        </p:tgtEl>
-                                        <p:attrNameLst>
-                                          <p:attrName>style.visibility</p:attrName>
-                                        </p:attrNameLst>
-                                      </p:cBhvr>
-                                      <p:to>
-                                        <p:strVal val="visible"/>
-                                      </p:to>
-                                    </p:set>
-                                  </p:childTnLst>
-                                </p:cTn>
-                              </p:par>
-                            </p:childTnLst>
-                          </p:cTn>
-                        </p:par>
-                      </p:childTnLst>
-                    </p:cTn>
-                  </p:par>
-                </p:childTnLst>
-              </p:cTn>
-              <p:prevCondLst>
-                <p:cond evt="onPrev" delay="0">
-                  <p:tgtEl>
-                    <p:sldTgt/>
-                  </p:tgtEl>
-                </p:cond>
-              </p:prevCondLst>
-              <p:nextCondLst>
-                <p:cond evt="onNext" delay="0">
-                  <p:tgtEl>
-                    <p:sldTgt/>
-                  </p:tgtEl>
-                </p:cond>
-              </p:nextCondLst>
-            </p:seq>
-          </p:childTnLst>
-        </p:cTn>
-      </p:par>
-    </p:tnLst>
-  </p:timing>
 </p:sld>
 </file>
 
@@ -25376,9 +23985,6 @@
                     <p:cTn id="3" fill="hold">
                       <p:stCondLst>
                         <p:cond delay="indefinite"/>
-                        <p:cond evt="onBegin" delay="0">
-                          <p:tn val="2"/>
-                        </p:cond>
                       </p:stCondLst>
                       <p:childTnLst>
                         <p:par>
@@ -25388,7 +23994,7 @@
                             </p:stCondLst>
                             <p:childTnLst>
                               <p:par>
-                                <p:cTn id="5" presetID="1" presetClass="entr" presetSubtype="0" fill="hold" nodeType="withEffect">
+                                <p:cTn id="5" presetID="1" presetClass="entr" presetSubtype="0" fill="hold" nodeType="clickEffect">
                                   <p:stCondLst>
                                     <p:cond delay="0"/>
                                   </p:stCondLst>
@@ -25396,37 +24002,6 @@
                                     <p:set>
                                       <p:cBhvr>
                                         <p:cTn id="6" dur="1" fill="hold">
-                                          <p:stCondLst>
-                                            <p:cond delay="0"/>
-                                          </p:stCondLst>
-                                        </p:cTn>
-                                        <p:tgtEl>
-                                          <p:spTgt spid="14">
-                                            <p:txEl>
-                                              <p:pRg st="0" end="0"/>
-                                            </p:txEl>
-                                          </p:spTgt>
-                                        </p:tgtEl>
-                                        <p:attrNameLst>
-                                          <p:attrName>style.visibility</p:attrName>
-                                        </p:attrNameLst>
-                                      </p:cBhvr>
-                                      <p:to>
-                                        <p:strVal val="visible"/>
-                                      </p:to>
-                                    </p:set>
-                                  </p:childTnLst>
-                                </p:cTn>
-                              </p:par>
-                              <p:par>
-                                <p:cTn id="7" presetID="1" presetClass="entr" presetSubtype="0" fill="hold" nodeType="withEffect">
-                                  <p:stCondLst>
-                                    <p:cond delay="0"/>
-                                  </p:stCondLst>
-                                  <p:childTnLst>
-                                    <p:set>
-                                      <p:cBhvr>
-                                        <p:cTn id="8" dur="1" fill="hold">
                                           <p:stCondLst>
                                             <p:cond delay="0"/>
                                           </p:stCondLst>
@@ -25456,26 +24031,26 @@
                     </p:cTn>
                   </p:par>
                   <p:par>
-                    <p:cTn id="9" fill="hold">
+                    <p:cTn id="7" fill="hold">
                       <p:stCondLst>
                         <p:cond delay="indefinite"/>
                       </p:stCondLst>
                       <p:childTnLst>
                         <p:par>
-                          <p:cTn id="10" fill="hold">
+                          <p:cTn id="8" fill="hold">
                             <p:stCondLst>
                               <p:cond delay="0"/>
                             </p:stCondLst>
                             <p:childTnLst>
                               <p:par>
-                                <p:cTn id="11" presetID="1" presetClass="entr" presetSubtype="0" fill="hold" nodeType="clickEffect">
+                                <p:cTn id="9" presetID="1" presetClass="entr" presetSubtype="0" fill="hold" nodeType="clickEffect">
                                   <p:stCondLst>
                                     <p:cond delay="0"/>
                                   </p:stCondLst>
                                   <p:childTnLst>
                                     <p:set>
                                       <p:cBhvr>
-                                        <p:cTn id="12" dur="1" fill="hold">
+                                        <p:cTn id="10" dur="1" fill="hold">
                                           <p:stCondLst>
                                             <p:cond delay="0"/>
                                           </p:stCondLst>
@@ -25498,8 +24073,26 @@
                                   </p:childTnLst>
                                 </p:cTn>
                               </p:par>
+                            </p:childTnLst>
+                          </p:cTn>
+                        </p:par>
+                      </p:childTnLst>
+                    </p:cTn>
+                  </p:par>
+                  <p:par>
+                    <p:cTn id="11" fill="hold">
+                      <p:stCondLst>
+                        <p:cond delay="indefinite"/>
+                      </p:stCondLst>
+                      <p:childTnLst>
+                        <p:par>
+                          <p:cTn id="12" fill="hold">
+                            <p:stCondLst>
+                              <p:cond delay="0"/>
+                            </p:stCondLst>
+                            <p:childTnLst>
                               <p:par>
-                                <p:cTn id="13" presetID="1" presetClass="entr" presetSubtype="0" fill="hold" nodeType="withEffect">
+                                <p:cTn id="13" presetID="1" presetClass="entr" presetSubtype="0" fill="hold" nodeType="clickEffect">
                                   <p:stCondLst>
                                     <p:cond delay="0"/>
                                   </p:stCondLst>
@@ -25578,15 +24171,33 @@
                                   </p:childTnLst>
                                 </p:cTn>
                               </p:par>
+                            </p:childTnLst>
+                          </p:cTn>
+                        </p:par>
+                      </p:childTnLst>
+                    </p:cTn>
+                  </p:par>
+                  <p:par>
+                    <p:cTn id="19" fill="hold">
+                      <p:stCondLst>
+                        <p:cond delay="indefinite"/>
+                      </p:stCondLst>
+                      <p:childTnLst>
+                        <p:par>
+                          <p:cTn id="20" fill="hold">
+                            <p:stCondLst>
+                              <p:cond delay="0"/>
+                            </p:stCondLst>
+                            <p:childTnLst>
                               <p:par>
-                                <p:cTn id="19" presetID="1" presetClass="entr" presetSubtype="0" fill="hold" nodeType="withEffect">
+                                <p:cTn id="21" presetID="1" presetClass="entr" presetSubtype="0" fill="hold" nodeType="clickEffect">
                                   <p:stCondLst>
                                     <p:cond delay="0"/>
                                   </p:stCondLst>
                                   <p:childTnLst>
                                     <p:set>
                                       <p:cBhvr>
-                                        <p:cTn id="20" dur="1" fill="hold">
+                                        <p:cTn id="22" dur="1" fill="hold">
                                           <p:stCondLst>
                                             <p:cond delay="0"/>
                                           </p:stCondLst>
@@ -25616,50 +24227,19 @@
                     </p:cTn>
                   </p:par>
                   <p:par>
-                    <p:cTn id="21" fill="hold">
+                    <p:cTn id="23" fill="hold">
                       <p:stCondLst>
                         <p:cond delay="indefinite"/>
                       </p:stCondLst>
                       <p:childTnLst>
                         <p:par>
-                          <p:cTn id="22" fill="hold">
+                          <p:cTn id="24" fill="hold">
                             <p:stCondLst>
                               <p:cond delay="0"/>
                             </p:stCondLst>
                             <p:childTnLst>
                               <p:par>
-                                <p:cTn id="23" presetID="1" presetClass="entr" presetSubtype="0" fill="hold" nodeType="clickEffect">
-                                  <p:stCondLst>
-                                    <p:cond delay="0"/>
-                                  </p:stCondLst>
-                                  <p:childTnLst>
-                                    <p:set>
-                                      <p:cBhvr>
-                                        <p:cTn id="24" dur="1" fill="hold">
-                                          <p:stCondLst>
-                                            <p:cond delay="0"/>
-                                          </p:stCondLst>
-                                        </p:cTn>
-                                        <p:tgtEl>
-                                          <p:spTgt spid="14">
-                                            <p:txEl>
-                                              <p:pRg st="6" end="6"/>
-                                            </p:txEl>
-                                          </p:spTgt>
-                                        </p:tgtEl>
-                                        <p:attrNameLst>
-                                          <p:attrName>style.visibility</p:attrName>
-                                        </p:attrNameLst>
-                                      </p:cBhvr>
-                                      <p:to>
-                                        <p:strVal val="visible"/>
-                                      </p:to>
-                                    </p:set>
-                                  </p:childTnLst>
-                                </p:cTn>
-                              </p:par>
-                              <p:par>
-                                <p:cTn id="25" presetID="1" presetClass="entr" presetSubtype="0" fill="hold" nodeType="withEffect">
+                                <p:cTn id="25" presetID="1" presetClass="entr" presetSubtype="0" fill="hold" nodeType="clickEffect">
                                   <p:stCondLst>
                                     <p:cond delay="0"/>
                                   </p:stCondLst>
@@ -25674,7 +24254,7 @@
                                         <p:tgtEl>
                                           <p:spTgt spid="14">
                                             <p:txEl>
-                                              <p:pRg st="7" end="7"/>
+                                              <p:pRg st="6" end="6"/>
                                             </p:txEl>
                                           </p:spTgt>
                                         </p:tgtEl>
@@ -25716,6 +24296,55 @@
                                     <p:set>
                                       <p:cBhvr>
                                         <p:cTn id="30" dur="1" fill="hold">
+                                          <p:stCondLst>
+                                            <p:cond delay="0"/>
+                                          </p:stCondLst>
+                                        </p:cTn>
+                                        <p:tgtEl>
+                                          <p:spTgt spid="14">
+                                            <p:txEl>
+                                              <p:pRg st="7" end="7"/>
+                                            </p:txEl>
+                                          </p:spTgt>
+                                        </p:tgtEl>
+                                        <p:attrNameLst>
+                                          <p:attrName>style.visibility</p:attrName>
+                                        </p:attrNameLst>
+                                      </p:cBhvr>
+                                      <p:to>
+                                        <p:strVal val="visible"/>
+                                      </p:to>
+                                    </p:set>
+                                  </p:childTnLst>
+                                </p:cTn>
+                              </p:par>
+                            </p:childTnLst>
+                          </p:cTn>
+                        </p:par>
+                      </p:childTnLst>
+                    </p:cTn>
+                  </p:par>
+                  <p:par>
+                    <p:cTn id="31" fill="hold">
+                      <p:stCondLst>
+                        <p:cond delay="indefinite"/>
+                      </p:stCondLst>
+                      <p:childTnLst>
+                        <p:par>
+                          <p:cTn id="32" fill="hold">
+                            <p:stCondLst>
+                              <p:cond delay="0"/>
+                            </p:stCondLst>
+                            <p:childTnLst>
+                              <p:par>
+                                <p:cTn id="33" presetID="1" presetClass="entr" presetSubtype="0" fill="hold" nodeType="clickEffect">
+                                  <p:stCondLst>
+                                    <p:cond delay="0"/>
+                                  </p:stCondLst>
+                                  <p:childTnLst>
+                                    <p:set>
+                                      <p:cBhvr>
+                                        <p:cTn id="34" dur="1" fill="hold">
                                           <p:stCondLst>
                                             <p:cond delay="0"/>
                                           </p:stCondLst>
@@ -26603,8 +25232,8 @@
         </p:blipFill>
         <p:spPr>
           <a:xfrm>
-            <a:off x="4651152" y="4739628"/>
-            <a:ext cx="2889696" cy="1765925"/>
+            <a:off x="4541076" y="4606538"/>
+            <a:ext cx="3109848" cy="1900462"/>
           </a:xfrm>
           <a:prstGeom prst="rect">
             <a:avLst/>
@@ -26641,9 +25270,6 @@
                     <p:cTn id="3" fill="hold">
                       <p:stCondLst>
                         <p:cond delay="indefinite"/>
-                        <p:cond evt="onBegin" delay="0">
-                          <p:tn val="2"/>
-                        </p:cond>
                       </p:stCondLst>
                       <p:childTnLst>
                         <p:par>
@@ -26653,7 +25279,7 @@
                             </p:stCondLst>
                             <p:childTnLst>
                               <p:par>
-                                <p:cTn id="5" presetID="1" presetClass="entr" presetSubtype="0" fill="hold" nodeType="withEffect">
+                                <p:cTn id="5" presetID="1" presetClass="entr" presetSubtype="0" fill="hold" nodeType="clickEffect">
                                   <p:stCondLst>
                                     <p:cond delay="0"/>
                                   </p:stCondLst>
@@ -26661,37 +25287,6 @@
                                     <p:set>
                                       <p:cBhvr>
                                         <p:cTn id="6" dur="1" fill="hold">
-                                          <p:stCondLst>
-                                            <p:cond delay="0"/>
-                                          </p:stCondLst>
-                                        </p:cTn>
-                                        <p:tgtEl>
-                                          <p:spTgt spid="7">
-                                            <p:txEl>
-                                              <p:pRg st="0" end="0"/>
-                                            </p:txEl>
-                                          </p:spTgt>
-                                        </p:tgtEl>
-                                        <p:attrNameLst>
-                                          <p:attrName>style.visibility</p:attrName>
-                                        </p:attrNameLst>
-                                      </p:cBhvr>
-                                      <p:to>
-                                        <p:strVal val="visible"/>
-                                      </p:to>
-                                    </p:set>
-                                  </p:childTnLst>
-                                </p:cTn>
-                              </p:par>
-                              <p:par>
-                                <p:cTn id="7" presetID="1" presetClass="entr" presetSubtype="0" fill="hold" nodeType="withEffect">
-                                  <p:stCondLst>
-                                    <p:cond delay="0"/>
-                                  </p:stCondLst>
-                                  <p:childTnLst>
-                                    <p:set>
-                                      <p:cBhvr>
-                                        <p:cTn id="8" dur="1" fill="hold">
                                           <p:stCondLst>
                                             <p:cond delay="0"/>
                                           </p:stCondLst>
@@ -26714,8 +25309,26 @@
                                   </p:childTnLst>
                                 </p:cTn>
                               </p:par>
+                            </p:childTnLst>
+                          </p:cTn>
+                        </p:par>
+                      </p:childTnLst>
+                    </p:cTn>
+                  </p:par>
+                  <p:par>
+                    <p:cTn id="7" fill="hold">
+                      <p:stCondLst>
+                        <p:cond delay="indefinite"/>
+                      </p:stCondLst>
+                      <p:childTnLst>
+                        <p:par>
+                          <p:cTn id="8" fill="hold">
+                            <p:stCondLst>
+                              <p:cond delay="0"/>
+                            </p:stCondLst>
+                            <p:childTnLst>
                               <p:par>
-                                <p:cTn id="9" presetID="1" presetClass="entr" presetSubtype="0" fill="hold" nodeType="withEffect">
+                                <p:cTn id="9" presetID="1" presetClass="entr" presetSubtype="0" fill="hold" nodeType="clickEffect">
                                   <p:stCondLst>
                                     <p:cond delay="0"/>
                                   </p:stCondLst>
@@ -26728,7 +25341,11 @@
                                           </p:stCondLst>
                                         </p:cTn>
                                         <p:tgtEl>
-                                          <p:spTgt spid="3"/>
+                                          <p:spTgt spid="7">
+                                            <p:txEl>
+                                              <p:pRg st="2" end="2"/>
+                                            </p:txEl>
+                                          </p:spTgt>
                                         </p:tgtEl>
                                         <p:attrNameLst>
                                           <p:attrName>style.visibility</p:attrName>
@@ -26768,55 +25385,6 @@
                                     <p:set>
                                       <p:cBhvr>
                                         <p:cTn id="14" dur="1" fill="hold">
-                                          <p:stCondLst>
-                                            <p:cond delay="0"/>
-                                          </p:stCondLst>
-                                        </p:cTn>
-                                        <p:tgtEl>
-                                          <p:spTgt spid="7">
-                                            <p:txEl>
-                                              <p:pRg st="2" end="2"/>
-                                            </p:txEl>
-                                          </p:spTgt>
-                                        </p:tgtEl>
-                                        <p:attrNameLst>
-                                          <p:attrName>style.visibility</p:attrName>
-                                        </p:attrNameLst>
-                                      </p:cBhvr>
-                                      <p:to>
-                                        <p:strVal val="visible"/>
-                                      </p:to>
-                                    </p:set>
-                                  </p:childTnLst>
-                                </p:cTn>
-                              </p:par>
-                            </p:childTnLst>
-                          </p:cTn>
-                        </p:par>
-                      </p:childTnLst>
-                    </p:cTn>
-                  </p:par>
-                  <p:par>
-                    <p:cTn id="15" fill="hold">
-                      <p:stCondLst>
-                        <p:cond delay="indefinite"/>
-                      </p:stCondLst>
-                      <p:childTnLst>
-                        <p:par>
-                          <p:cTn id="16" fill="hold">
-                            <p:stCondLst>
-                              <p:cond delay="0"/>
-                            </p:stCondLst>
-                            <p:childTnLst>
-                              <p:par>
-                                <p:cTn id="17" presetID="1" presetClass="entr" presetSubtype="0" fill="hold" nodeType="clickEffect">
-                                  <p:stCondLst>
-                                    <p:cond delay="0"/>
-                                  </p:stCondLst>
-                                  <p:childTnLst>
-                                    <p:set>
-                                      <p:cBhvr>
-                                        <p:cTn id="18" dur="1" fill="hold">
                                           <p:stCondLst>
                                             <p:cond delay="0"/>
                                           </p:stCondLst>
@@ -27097,8 +25665,8 @@
         </p:blipFill>
         <p:spPr>
           <a:xfrm>
-            <a:off x="5273568" y="4928120"/>
-            <a:ext cx="1644865" cy="1614023"/>
+            <a:off x="5212284" y="4921208"/>
+            <a:ext cx="1767432" cy="1734292"/>
           </a:xfrm>
           <a:prstGeom prst="rect">
             <a:avLst/>
@@ -27135,9 +25703,6 @@
                     <p:cTn id="3" fill="hold">
                       <p:stCondLst>
                         <p:cond delay="indefinite"/>
-                        <p:cond evt="onBegin" delay="0">
-                          <p:tn val="2"/>
-                        </p:cond>
                       </p:stCondLst>
                       <p:childTnLst>
                         <p:par>
@@ -27147,7 +25712,7 @@
                             </p:stCondLst>
                             <p:childTnLst>
                               <p:par>
-                                <p:cTn id="5" presetID="1" presetClass="entr" presetSubtype="0" fill="hold" nodeType="withEffect">
+                                <p:cTn id="5" presetID="1" presetClass="entr" presetSubtype="0" fill="hold" nodeType="clickEffect">
                                   <p:stCondLst>
                                     <p:cond delay="0"/>
                                   </p:stCondLst>
@@ -27155,37 +25720,6 @@
                                     <p:set>
                                       <p:cBhvr>
                                         <p:cTn id="6" dur="1" fill="hold">
-                                          <p:stCondLst>
-                                            <p:cond delay="0"/>
-                                          </p:stCondLst>
-                                        </p:cTn>
-                                        <p:tgtEl>
-                                          <p:spTgt spid="3">
-                                            <p:txEl>
-                                              <p:pRg st="0" end="0"/>
-                                            </p:txEl>
-                                          </p:spTgt>
-                                        </p:tgtEl>
-                                        <p:attrNameLst>
-                                          <p:attrName>style.visibility</p:attrName>
-                                        </p:attrNameLst>
-                                      </p:cBhvr>
-                                      <p:to>
-                                        <p:strVal val="visible"/>
-                                      </p:to>
-                                    </p:set>
-                                  </p:childTnLst>
-                                </p:cTn>
-                              </p:par>
-                              <p:par>
-                                <p:cTn id="7" presetID="1" presetClass="entr" presetSubtype="0" fill="hold" nodeType="withEffect">
-                                  <p:stCondLst>
-                                    <p:cond delay="0"/>
-                                  </p:stCondLst>
-                                  <p:childTnLst>
-                                    <p:set>
-                                      <p:cBhvr>
-                                        <p:cTn id="8" dur="1" fill="hold">
                                           <p:stCondLst>
                                             <p:cond delay="0"/>
                                           </p:stCondLst>
@@ -27208,8 +25742,26 @@
                                   </p:childTnLst>
                                 </p:cTn>
                               </p:par>
+                            </p:childTnLst>
+                          </p:cTn>
+                        </p:par>
+                      </p:childTnLst>
+                    </p:cTn>
+                  </p:par>
+                  <p:par>
+                    <p:cTn id="7" fill="hold">
+                      <p:stCondLst>
+                        <p:cond delay="indefinite"/>
+                      </p:stCondLst>
+                      <p:childTnLst>
+                        <p:par>
+                          <p:cTn id="8" fill="hold">
+                            <p:stCondLst>
+                              <p:cond delay="0"/>
+                            </p:stCondLst>
+                            <p:childTnLst>
                               <p:par>
-                                <p:cTn id="9" presetID="1" presetClass="entr" presetSubtype="0" fill="hold" nodeType="withEffect">
+                                <p:cTn id="9" presetID="1" presetClass="entr" presetSubtype="0" fill="hold" nodeType="clickEffect">
                                   <p:stCondLst>
                                     <p:cond delay="0"/>
                                   </p:stCondLst>
@@ -27222,7 +25774,11 @@
                                           </p:stCondLst>
                                         </p:cTn>
                                         <p:tgtEl>
-                                          <p:spTgt spid="6"/>
+                                          <p:spTgt spid="3">
+                                            <p:txEl>
+                                              <p:pRg st="2" end="2"/>
+                                            </p:txEl>
+                                          </p:spTgt>
                                         </p:tgtEl>
                                         <p:attrNameLst>
                                           <p:attrName>style.visibility</p:attrName>
@@ -27262,37 +25818,6 @@
                                     <p:set>
                                       <p:cBhvr>
                                         <p:cTn id="14" dur="1" fill="hold">
-                                          <p:stCondLst>
-                                            <p:cond delay="0"/>
-                                          </p:stCondLst>
-                                        </p:cTn>
-                                        <p:tgtEl>
-                                          <p:spTgt spid="3">
-                                            <p:txEl>
-                                              <p:pRg st="2" end="2"/>
-                                            </p:txEl>
-                                          </p:spTgt>
-                                        </p:tgtEl>
-                                        <p:attrNameLst>
-                                          <p:attrName>style.visibility</p:attrName>
-                                        </p:attrNameLst>
-                                      </p:cBhvr>
-                                      <p:to>
-                                        <p:strVal val="visible"/>
-                                      </p:to>
-                                    </p:set>
-                                  </p:childTnLst>
-                                </p:cTn>
-                              </p:par>
-                              <p:par>
-                                <p:cTn id="15" presetID="1" presetClass="entr" presetSubtype="0" fill="hold" nodeType="withEffect">
-                                  <p:stCondLst>
-                                    <p:cond delay="0"/>
-                                  </p:stCondLst>
-                                  <p:childTnLst>
-                                    <p:set>
-                                      <p:cBhvr>
-                                        <p:cTn id="16" dur="1" fill="hold">
                                           <p:stCondLst>
                                             <p:cond delay="0"/>
                                           </p:stCondLst>
@@ -27612,8 +26137,8 @@
         </p:blipFill>
         <p:spPr>
           <a:xfrm>
-            <a:off x="9786000" y="4391228"/>
-            <a:ext cx="1762689" cy="1861586"/>
+            <a:off x="9531069" y="4374000"/>
+            <a:ext cx="1859861" cy="1964210"/>
           </a:xfrm>
           <a:prstGeom prst="rect">
             <a:avLst/>
@@ -27650,9 +26175,6 @@
                     <p:cTn id="3" fill="hold">
                       <p:stCondLst>
                         <p:cond delay="indefinite"/>
-                        <p:cond evt="onBegin" delay="0">
-                          <p:tn val="2"/>
-                        </p:cond>
                       </p:stCondLst>
                       <p:childTnLst>
                         <p:par>
@@ -27662,7 +26184,7 @@
                             </p:stCondLst>
                             <p:childTnLst>
                               <p:par>
-                                <p:cTn id="5" presetID="1" presetClass="entr" presetSubtype="0" fill="hold" nodeType="withEffect">
+                                <p:cTn id="5" presetID="1" presetClass="entr" presetSubtype="0" fill="hold" nodeType="clickEffect">
                                   <p:stCondLst>
                                     <p:cond delay="0"/>
                                   </p:stCondLst>
@@ -27670,37 +26192,6 @@
                                     <p:set>
                                       <p:cBhvr>
                                         <p:cTn id="6" dur="1" fill="hold">
-                                          <p:stCondLst>
-                                            <p:cond delay="0"/>
-                                          </p:stCondLst>
-                                        </p:cTn>
-                                        <p:tgtEl>
-                                          <p:spTgt spid="3">
-                                            <p:txEl>
-                                              <p:pRg st="0" end="0"/>
-                                            </p:txEl>
-                                          </p:spTgt>
-                                        </p:tgtEl>
-                                        <p:attrNameLst>
-                                          <p:attrName>style.visibility</p:attrName>
-                                        </p:attrNameLst>
-                                      </p:cBhvr>
-                                      <p:to>
-                                        <p:strVal val="visible"/>
-                                      </p:to>
-                                    </p:set>
-                                  </p:childTnLst>
-                                </p:cTn>
-                              </p:par>
-                              <p:par>
-                                <p:cTn id="7" presetID="1" presetClass="entr" presetSubtype="0" fill="hold" nodeType="withEffect">
-                                  <p:stCondLst>
-                                    <p:cond delay="0"/>
-                                  </p:stCondLst>
-                                  <p:childTnLst>
-                                    <p:set>
-                                      <p:cBhvr>
-                                        <p:cTn id="8" dur="1" fill="hold">
                                           <p:stCondLst>
                                             <p:cond delay="0"/>
                                           </p:stCondLst>
@@ -27723,8 +26214,26 @@
                                   </p:childTnLst>
                                 </p:cTn>
                               </p:par>
+                            </p:childTnLst>
+                          </p:cTn>
+                        </p:par>
+                      </p:childTnLst>
+                    </p:cTn>
+                  </p:par>
+                  <p:par>
+                    <p:cTn id="7" fill="hold">
+                      <p:stCondLst>
+                        <p:cond delay="indefinite"/>
+                      </p:stCondLst>
+                      <p:childTnLst>
+                        <p:par>
+                          <p:cTn id="8" fill="hold">
+                            <p:stCondLst>
+                              <p:cond delay="0"/>
+                            </p:stCondLst>
+                            <p:childTnLst>
                               <p:par>
-                                <p:cTn id="9" presetID="1" presetClass="entr" presetSubtype="0" fill="hold" nodeType="withEffect">
+                                <p:cTn id="9" presetID="1" presetClass="entr" presetSubtype="0" fill="hold" nodeType="clickEffect">
                                   <p:stCondLst>
                                     <p:cond delay="0"/>
                                   </p:stCondLst>
@@ -27737,7 +26246,11 @@
                                           </p:stCondLst>
                                         </p:cTn>
                                         <p:tgtEl>
-                                          <p:spTgt spid="5"/>
+                                          <p:spTgt spid="3">
+                                            <p:txEl>
+                                              <p:pRg st="2" end="2"/>
+                                            </p:txEl>
+                                          </p:spTgt>
                                         </p:tgtEl>
                                         <p:attrNameLst>
                                           <p:attrName>style.visibility</p:attrName>
@@ -27784,37 +26297,6 @@
                                         <p:tgtEl>
                                           <p:spTgt spid="3">
                                             <p:txEl>
-                                              <p:pRg st="2" end="2"/>
-                                            </p:txEl>
-                                          </p:spTgt>
-                                        </p:tgtEl>
-                                        <p:attrNameLst>
-                                          <p:attrName>style.visibility</p:attrName>
-                                        </p:attrNameLst>
-                                      </p:cBhvr>
-                                      <p:to>
-                                        <p:strVal val="visible"/>
-                                      </p:to>
-                                    </p:set>
-                                  </p:childTnLst>
-                                </p:cTn>
-                              </p:par>
-                              <p:par>
-                                <p:cTn id="15" presetID="1" presetClass="entr" presetSubtype="0" fill="hold" nodeType="withEffect">
-                                  <p:stCondLst>
-                                    <p:cond delay="0"/>
-                                  </p:stCondLst>
-                                  <p:childTnLst>
-                                    <p:set>
-                                      <p:cBhvr>
-                                        <p:cTn id="16" dur="1" fill="hold">
-                                          <p:stCondLst>
-                                            <p:cond delay="0"/>
-                                          </p:stCondLst>
-                                        </p:cTn>
-                                        <p:tgtEl>
-                                          <p:spTgt spid="3">
-                                            <p:txEl>
                                               <p:pRg st="3" end="3"/>
                                             </p:txEl>
                                           </p:spTgt>
@@ -27837,26 +26319,26 @@
                     </p:cTn>
                   </p:par>
                   <p:par>
-                    <p:cTn id="17" fill="hold">
+                    <p:cTn id="15" fill="hold">
                       <p:stCondLst>
                         <p:cond delay="indefinite"/>
                       </p:stCondLst>
                       <p:childTnLst>
                         <p:par>
-                          <p:cTn id="18" fill="hold">
+                          <p:cTn id="16" fill="hold">
                             <p:stCondLst>
                               <p:cond delay="0"/>
                             </p:stCondLst>
                             <p:childTnLst>
                               <p:par>
-                                <p:cTn id="19" presetID="1" presetClass="entr" presetSubtype="0" fill="hold" nodeType="clickEffect">
+                                <p:cTn id="17" presetID="1" presetClass="entr" presetSubtype="0" fill="hold" nodeType="clickEffect">
                                   <p:stCondLst>
                                     <p:cond delay="0"/>
                                   </p:stCondLst>
                                   <p:childTnLst>
                                     <p:set>
                                       <p:cBhvr>
-                                        <p:cTn id="20" dur="1" fill="hold">
+                                        <p:cTn id="18" dur="1" fill="hold">
                                           <p:stCondLst>
                                             <p:cond delay="0"/>
                                           </p:stCondLst>
@@ -28300,8 +26782,8 @@
         </p:blipFill>
         <p:spPr>
           <a:xfrm>
-            <a:off x="5093439" y="4464000"/>
-            <a:ext cx="2005123" cy="1908000"/>
+            <a:off x="4897219" y="4374071"/>
+            <a:ext cx="2397561" cy="2281429"/>
           </a:xfrm>
           <a:prstGeom prst="rect">
             <a:avLst/>
@@ -28338,9 +26820,6 @@
                     <p:cTn id="3" fill="hold">
                       <p:stCondLst>
                         <p:cond delay="indefinite"/>
-                        <p:cond evt="onBegin" delay="0">
-                          <p:tn val="2"/>
-                        </p:cond>
                       </p:stCondLst>
                       <p:childTnLst>
                         <p:par>
@@ -28350,7 +26829,7 @@
                             </p:stCondLst>
                             <p:childTnLst>
                               <p:par>
-                                <p:cTn id="5" presetID="1" presetClass="entr" presetSubtype="0" fill="hold" nodeType="withEffect">
+                                <p:cTn id="5" presetID="1" presetClass="entr" presetSubtype="0" fill="hold" nodeType="clickEffect">
                                   <p:stCondLst>
                                     <p:cond delay="0"/>
                                   </p:stCondLst>
@@ -28358,37 +26837,6 @@
                                     <p:set>
                                       <p:cBhvr>
                                         <p:cTn id="6" dur="1" fill="hold">
-                                          <p:stCondLst>
-                                            <p:cond delay="0"/>
-                                          </p:stCondLst>
-                                        </p:cTn>
-                                        <p:tgtEl>
-                                          <p:spTgt spid="7">
-                                            <p:txEl>
-                                              <p:pRg st="0" end="0"/>
-                                            </p:txEl>
-                                          </p:spTgt>
-                                        </p:tgtEl>
-                                        <p:attrNameLst>
-                                          <p:attrName>style.visibility</p:attrName>
-                                        </p:attrNameLst>
-                                      </p:cBhvr>
-                                      <p:to>
-                                        <p:strVal val="visible"/>
-                                      </p:to>
-                                    </p:set>
-                                  </p:childTnLst>
-                                </p:cTn>
-                              </p:par>
-                              <p:par>
-                                <p:cTn id="7" presetID="1" presetClass="entr" presetSubtype="0" fill="hold" nodeType="withEffect">
-                                  <p:stCondLst>
-                                    <p:cond delay="0"/>
-                                  </p:stCondLst>
-                                  <p:childTnLst>
-                                    <p:set>
-                                      <p:cBhvr>
-                                        <p:cTn id="8" dur="1" fill="hold">
                                           <p:stCondLst>
                                             <p:cond delay="0"/>
                                           </p:stCondLst>
@@ -28411,8 +26859,26 @@
                                   </p:childTnLst>
                                 </p:cTn>
                               </p:par>
+                            </p:childTnLst>
+                          </p:cTn>
+                        </p:par>
+                      </p:childTnLst>
+                    </p:cTn>
+                  </p:par>
+                  <p:par>
+                    <p:cTn id="7" fill="hold">
+                      <p:stCondLst>
+                        <p:cond delay="indefinite"/>
+                      </p:stCondLst>
+                      <p:childTnLst>
+                        <p:par>
+                          <p:cTn id="8" fill="hold">
+                            <p:stCondLst>
+                              <p:cond delay="0"/>
+                            </p:stCondLst>
+                            <p:childTnLst>
                               <p:par>
-                                <p:cTn id="9" presetID="1" presetClass="entr" presetSubtype="0" fill="hold" nodeType="withEffect">
+                                <p:cTn id="9" presetID="1" presetClass="entr" presetSubtype="0" fill="hold" nodeType="clickEffect">
                                   <p:stCondLst>
                                     <p:cond delay="0"/>
                                   </p:stCondLst>
@@ -28425,7 +26891,11 @@
                                           </p:stCondLst>
                                         </p:cTn>
                                         <p:tgtEl>
-                                          <p:spTgt spid="3"/>
+                                          <p:spTgt spid="7">
+                                            <p:txEl>
+                                              <p:pRg st="2" end="2"/>
+                                            </p:txEl>
+                                          </p:spTgt>
                                         </p:tgtEl>
                                         <p:attrNameLst>
                                           <p:attrName>style.visibility</p:attrName>
@@ -28465,55 +26935,6 @@
                                     <p:set>
                                       <p:cBhvr>
                                         <p:cTn id="14" dur="1" fill="hold">
-                                          <p:stCondLst>
-                                            <p:cond delay="0"/>
-                                          </p:stCondLst>
-                                        </p:cTn>
-                                        <p:tgtEl>
-                                          <p:spTgt spid="7">
-                                            <p:txEl>
-                                              <p:pRg st="2" end="2"/>
-                                            </p:txEl>
-                                          </p:spTgt>
-                                        </p:tgtEl>
-                                        <p:attrNameLst>
-                                          <p:attrName>style.visibility</p:attrName>
-                                        </p:attrNameLst>
-                                      </p:cBhvr>
-                                      <p:to>
-                                        <p:strVal val="visible"/>
-                                      </p:to>
-                                    </p:set>
-                                  </p:childTnLst>
-                                </p:cTn>
-                              </p:par>
-                            </p:childTnLst>
-                          </p:cTn>
-                        </p:par>
-                      </p:childTnLst>
-                    </p:cTn>
-                  </p:par>
-                  <p:par>
-                    <p:cTn id="15" fill="hold">
-                      <p:stCondLst>
-                        <p:cond delay="indefinite"/>
-                      </p:stCondLst>
-                      <p:childTnLst>
-                        <p:par>
-                          <p:cTn id="16" fill="hold">
-                            <p:stCondLst>
-                              <p:cond delay="0"/>
-                            </p:stCondLst>
-                            <p:childTnLst>
-                              <p:par>
-                                <p:cTn id="17" presetID="1" presetClass="entr" presetSubtype="0" fill="hold" nodeType="clickEffect">
-                                  <p:stCondLst>
-                                    <p:cond delay="0"/>
-                                  </p:stCondLst>
-                                  <p:childTnLst>
-                                    <p:set>
-                                      <p:cBhvr>
-                                        <p:cTn id="18" dur="1" fill="hold">
                                           <p:stCondLst>
                                             <p:cond delay="0"/>
                                           </p:stCondLst>
@@ -28848,7 +27269,7 @@
         </p:blipFill>
         <p:spPr>
           <a:xfrm>
-            <a:off x="4566000" y="4497167"/>
+            <a:off x="4431000" y="4481211"/>
             <a:ext cx="3330000" cy="2158333"/>
           </a:xfrm>
           <a:prstGeom prst="rect">
@@ -28896,9 +27317,6 @@
                     <p:cTn id="3" fill="hold">
                       <p:stCondLst>
                         <p:cond delay="indefinite"/>
-                        <p:cond evt="onBegin" delay="0">
-                          <p:tn val="2"/>
-                        </p:cond>
                       </p:stCondLst>
                       <p:childTnLst>
                         <p:par>
@@ -28908,7 +27326,7 @@
                             </p:stCondLst>
                             <p:childTnLst>
                               <p:par>
-                                <p:cTn id="5" presetID="1" presetClass="entr" presetSubtype="0" fill="hold" nodeType="withEffect">
+                                <p:cTn id="5" presetID="1" presetClass="entr" presetSubtype="0" fill="hold" nodeType="clickEffect">
                                   <p:stCondLst>
                                     <p:cond delay="0"/>
                                   </p:stCondLst>
@@ -28916,64 +27334,6 @@
                                     <p:set>
                                       <p:cBhvr>
                                         <p:cTn id="6" dur="1" fill="hold">
-                                          <p:stCondLst>
-                                            <p:cond delay="0"/>
-                                          </p:stCondLst>
-                                        </p:cTn>
-                                        <p:tgtEl>
-                                          <p:spTgt spid="7">
-                                            <p:txEl>
-                                              <p:pRg st="0" end="0"/>
-                                            </p:txEl>
-                                          </p:spTgt>
-                                        </p:tgtEl>
-                                        <p:attrNameLst>
-                                          <p:attrName>style.visibility</p:attrName>
-                                        </p:attrNameLst>
-                                      </p:cBhvr>
-                                      <p:to>
-                                        <p:strVal val="visible"/>
-                                      </p:to>
-                                    </p:set>
-                                  </p:childTnLst>
-                                </p:cTn>
-                              </p:par>
-                              <p:par>
-                                <p:cTn id="7" presetID="1" presetClass="entr" presetSubtype="0" fill="hold" nodeType="withEffect">
-                                  <p:stCondLst>
-                                    <p:cond delay="0"/>
-                                  </p:stCondLst>
-                                  <p:childTnLst>
-                                    <p:set>
-                                      <p:cBhvr>
-                                        <p:cTn id="8" dur="1" fill="hold">
-                                          <p:stCondLst>
-                                            <p:cond delay="0"/>
-                                          </p:stCondLst>
-                                        </p:cTn>
-                                        <p:tgtEl>
-                                          <p:spTgt spid="8"/>
-                                        </p:tgtEl>
-                                        <p:attrNameLst>
-                                          <p:attrName>style.visibility</p:attrName>
-                                        </p:attrNameLst>
-                                      </p:cBhvr>
-                                      <p:to>
-                                        <p:strVal val="visible"/>
-                                      </p:to>
-                                    </p:set>
-                                  </p:childTnLst>
-                                </p:cTn>
-                              </p:par>
-                              <p:par>
-                                <p:cTn id="9" presetID="1" presetClass="entr" presetSubtype="0" fill="hold" nodeType="withEffect">
-                                  <p:stCondLst>
-                                    <p:cond delay="0"/>
-                                  </p:stCondLst>
-                                  <p:childTnLst>
-                                    <p:set>
-                                      <p:cBhvr>
-                                        <p:cTn id="10" dur="1" fill="hold">
                                           <p:stCondLst>
                                             <p:cond delay="0"/>
                                           </p:stCondLst>
@@ -29003,26 +27363,26 @@
                     </p:cTn>
                   </p:par>
                   <p:par>
-                    <p:cTn id="11" fill="hold">
+                    <p:cTn id="7" fill="hold">
                       <p:stCondLst>
                         <p:cond delay="indefinite"/>
                       </p:stCondLst>
                       <p:childTnLst>
                         <p:par>
-                          <p:cTn id="12" fill="hold">
+                          <p:cTn id="8" fill="hold">
                             <p:stCondLst>
                               <p:cond delay="0"/>
                             </p:stCondLst>
                             <p:childTnLst>
                               <p:par>
-                                <p:cTn id="13" presetID="1" presetClass="entr" presetSubtype="0" fill="hold" nodeType="clickEffect">
+                                <p:cTn id="9" presetID="1" presetClass="entr" presetSubtype="0" fill="hold" nodeType="clickEffect">
                                   <p:stCondLst>
                                     <p:cond delay="0"/>
                                   </p:stCondLst>
                                   <p:childTnLst>
                                     <p:set>
                                       <p:cBhvr>
-                                        <p:cTn id="14" dur="1" fill="hold">
+                                        <p:cTn id="10" dur="1" fill="hold">
                                           <p:stCondLst>
                                             <p:cond delay="0"/>
                                           </p:stCondLst>

--- a/Courses/Software-Sciences/Module-4-Information-Systems-New/01-Introduction-to-IT-Systems/01-Introduction-to-IT-Systems.pptx
+++ b/Courses/Software-Sciences/Module-4-Information-Systems-New/01-Introduction-to-IT-Systems/01-Introduction-to-IT-Systems.pptx
@@ -325,7 +325,7 @@
           <a:p>
             <a:fld id="{4E087215-0C8F-4762-A664-737A353EC9A4}" type="datetimeFigureOut">
               <a:rPr lang="bg-BG" smtClean="0"/>
-              <a:t>10.09.24 г.</a:t>
+              <a:t>17.09.24 г.</a:t>
             </a:fld>
             <a:endParaRPr lang="bg-BG"/>
           </a:p>
@@ -521,7 +521,7 @@
           <a:p>
             <a:fld id="{72D84649-876A-46C9-8472-14CB09C070D8}" type="datetimeFigureOut">
               <a:rPr lang="en-US" smtClean="0"/>
-              <a:t>9/10/24</a:t>
+              <a:t>9/17/24</a:t>
             </a:fld>
             <a:endParaRPr lang="en-US"/>
           </a:p>
@@ -23671,18 +23671,14 @@
               <a:t>Информационни системи </a:t>
             </a:r>
             <a:r>
-              <a:rPr lang="bg-BG" sz="4400" dirty="0"/>
-              <a:t>(</a:t>
-            </a:r>
-            <a:r>
               <a:rPr lang="bg-BG" sz="4400" b="1" dirty="0"/>
-              <a:t>ИС</a:t>
-            </a:r>
-            <a:r>
-              <a:rPr lang="en-US" sz="4400" dirty="0"/>
+              <a:t>(ИС</a:t>
+            </a:r>
+            <a:r>
+              <a:rPr lang="en-US" sz="4400" b="1" dirty="0"/>
               <a:t>)</a:t>
             </a:r>
-            <a:endParaRPr lang="bg-BG" sz="4400" dirty="0"/>
+            <a:endParaRPr lang="bg-BG" sz="4400" b="1" dirty="0"/>
           </a:p>
           <a:p>
             <a:pPr marL="969948" lvl="1" indent="-360363" fontAlgn="base">
@@ -27269,8 +27265,8 @@
         </p:blipFill>
         <p:spPr>
           <a:xfrm>
-            <a:off x="4431000" y="4481211"/>
-            <a:ext cx="3330000" cy="2158333"/>
+            <a:off x="4581848" y="4544211"/>
+            <a:ext cx="3028303" cy="1962789"/>
           </a:xfrm>
           <a:prstGeom prst="rect">
             <a:avLst/>

--- a/Courses/Software-Sciences/Module-4-Information-Systems-New/01-Introduction-to-IT-Systems/01-Introduction-to-IT-Systems.pptx
+++ b/Courses/Software-Sciences/Module-4-Information-Systems-New/01-Introduction-to-IT-Systems/01-Introduction-to-IT-Systems.pptx
@@ -231,6 +231,116 @@
 </p:presentation>
 </file>
 
+<file path=ppt/commentAuthors.xml><?xml version="1.0" encoding="utf-8"?>
+<p:cmAuthorLst xmlns:a="http://schemas.openxmlformats.org/drawingml/2006/main" xmlns:r="http://schemas.openxmlformats.org/officeDocument/2006/relationships" xmlns:p="http://schemas.openxmlformats.org/presentationml/2006/main">
+  <p:cmAuthor id="1" name="PC" initials="P" lastIdx="8" clrIdx="0">
+    <p:extLst>
+      <p:ext uri="{19B8F6BF-5375-455C-9EA6-DF929625EA0E}">
+        <p15:presenceInfo xmlns:p15="http://schemas.microsoft.com/office/powerpoint/2012/main" userId="PC" providerId="None"/>
+      </p:ext>
+    </p:extLst>
+  </p:cmAuthor>
+</p:cmAuthorLst>
+</file>
+
+<file path=ppt/comments/comment1.xml><?xml version="1.0" encoding="utf-8"?>
+<p:cmLst xmlns:a="http://schemas.openxmlformats.org/drawingml/2006/main" xmlns:r="http://schemas.openxmlformats.org/officeDocument/2006/relationships" xmlns:p="http://schemas.openxmlformats.org/presentationml/2006/main">
+  <p:cm authorId="1" dt="2024-09-28T12:42:19.517" idx="1">
+    <p:pos x="6385" y="1958"/>
+    <p:text>Анимацията трябва да се появява при кликване</p:text>
+    <p:extLst>
+      <p:ext uri="{C676402C-5697-4E1C-873F-D02D1690AC5C}">
+        <p15:threadingInfo xmlns:p15="http://schemas.microsoft.com/office/powerpoint/2012/main" timeZoneBias="-180"/>
+      </p:ext>
+    </p:extLst>
+  </p:cm>
+</p:cmLst>
+</file>
+
+<file path=ppt/comments/comment2.xml><?xml version="1.0" encoding="utf-8"?>
+<p:cmLst xmlns:a="http://schemas.openxmlformats.org/drawingml/2006/main" xmlns:r="http://schemas.openxmlformats.org/officeDocument/2006/relationships" xmlns:p="http://schemas.openxmlformats.org/presentationml/2006/main">
+  <p:cm authorId="1" dt="2024-09-28T12:57:03.958" idx="3">
+    <p:pos x="5359" y="3356"/>
+    <p:text>Добави изображения на логата на системите като примери (да се запълни празният ъгъл)</p:text>
+    <p:extLst>
+      <p:ext uri="{C676402C-5697-4E1C-873F-D02D1690AC5C}">
+        <p15:threadingInfo xmlns:p15="http://schemas.microsoft.com/office/powerpoint/2012/main" timeZoneBias="-180"/>
+      </p:ext>
+    </p:extLst>
+  </p:cm>
+</p:cmLst>
+</file>
+
+<file path=ppt/comments/comment3.xml><?xml version="1.0" encoding="utf-8"?>
+<p:cmLst xmlns:a="http://schemas.openxmlformats.org/drawingml/2006/main" xmlns:r="http://schemas.openxmlformats.org/officeDocument/2006/relationships" xmlns:p="http://schemas.openxmlformats.org/presentationml/2006/main">
+  <p:cm authorId="1" dt="2024-09-28T12:59:21.936" idx="4">
+    <p:pos x="7045" y="1438"/>
+    <p:text>Намери по-ясна картинка</p:text>
+    <p:extLst>
+      <p:ext uri="{C676402C-5697-4E1C-873F-D02D1690AC5C}">
+        <p15:threadingInfo xmlns:p15="http://schemas.microsoft.com/office/powerpoint/2012/main" timeZoneBias="-180"/>
+      </p:ext>
+    </p:extLst>
+  </p:cm>
+</p:cmLst>
+</file>
+
+<file path=ppt/comments/comment4.xml><?xml version="1.0" encoding="utf-8"?>
+<p:cmLst xmlns:a="http://schemas.openxmlformats.org/drawingml/2006/main" xmlns:r="http://schemas.openxmlformats.org/officeDocument/2006/relationships" xmlns:p="http://schemas.openxmlformats.org/presentationml/2006/main">
+  <p:cm authorId="1" dt="2024-09-28T13:00:10.472" idx="5">
+    <p:pos x="5252" y="2978"/>
+    <p:text>Добави изображения на логата на системите като примери (да се запълни празният ъгъл)</p:text>
+    <p:extLst>
+      <p:ext uri="{C676402C-5697-4E1C-873F-D02D1690AC5C}">
+        <p15:threadingInfo xmlns:p15="http://schemas.microsoft.com/office/powerpoint/2012/main" timeZoneBias="-180"/>
+      </p:ext>
+    </p:extLst>
+  </p:cm>
+</p:cmLst>
+</file>
+
+<file path=ppt/comments/comment5.xml><?xml version="1.0" encoding="utf-8"?>
+<p:cmLst xmlns:a="http://schemas.openxmlformats.org/drawingml/2006/main" xmlns:r="http://schemas.openxmlformats.org/officeDocument/2006/relationships" xmlns:p="http://schemas.openxmlformats.org/presentationml/2006/main">
+  <p:cm authorId="1" dt="2024-09-28T13:00:57.878" idx="6">
+    <p:pos x="5586" y="3068"/>
+    <p:text>Добави изображения на логата на системите като примери (да се запълни празният ъгъл)</p:text>
+    <p:extLst>
+      <p:ext uri="{C676402C-5697-4E1C-873F-D02D1690AC5C}">
+        <p15:threadingInfo xmlns:p15="http://schemas.microsoft.com/office/powerpoint/2012/main" timeZoneBias="-180"/>
+      </p:ext>
+    </p:extLst>
+  </p:cm>
+</p:cmLst>
+</file>
+
+<file path=ppt/comments/comment6.xml><?xml version="1.0" encoding="utf-8"?>
+<p:cmLst xmlns:a="http://schemas.openxmlformats.org/drawingml/2006/main" xmlns:r="http://schemas.openxmlformats.org/officeDocument/2006/relationships" xmlns:p="http://schemas.openxmlformats.org/presentationml/2006/main">
+  <p:cm authorId="1" dt="2024-09-28T13:01:38.579" idx="7">
+    <p:pos x="4998" y="3160"/>
+    <p:text>Добави изображения на логата на системите като примери (да се запълни празният ъгъл)</p:text>
+    <p:extLst>
+      <p:ext uri="{C676402C-5697-4E1C-873F-D02D1690AC5C}">
+        <p15:threadingInfo xmlns:p15="http://schemas.microsoft.com/office/powerpoint/2012/main" timeZoneBias="-180"/>
+      </p:ext>
+    </p:extLst>
+  </p:cm>
+</p:cmLst>
+</file>
+
+<file path=ppt/comments/comment7.xml><?xml version="1.0" encoding="utf-8"?>
+<p:cmLst xmlns:a="http://schemas.openxmlformats.org/drawingml/2006/main" xmlns:r="http://schemas.openxmlformats.org/officeDocument/2006/relationships" xmlns:p="http://schemas.openxmlformats.org/presentationml/2006/main">
+  <p:cm authorId="1" dt="2024-09-28T13:02:28.158" idx="8">
+    <p:pos x="5366" y="3374"/>
+    <p:text>Добави изображения на логата на системите като примери (да се запълни празният ъгъл)</p:text>
+    <p:extLst>
+      <p:ext uri="{C676402C-5697-4E1C-873F-D02D1690AC5C}">
+        <p15:threadingInfo xmlns:p15="http://schemas.microsoft.com/office/powerpoint/2012/main" timeZoneBias="-180"/>
+      </p:ext>
+    </p:extLst>
+  </p:cm>
+</p:cmLst>
+</file>
+
 <file path=ppt/handoutMasters/handoutMaster1.xml><?xml version="1.0" encoding="utf-8"?>
 <p:handoutMaster xmlns:a="http://schemas.openxmlformats.org/drawingml/2006/main" xmlns:r="http://schemas.openxmlformats.org/officeDocument/2006/relationships" xmlns:p="http://schemas.openxmlformats.org/presentationml/2006/main">
   <p:cSld>
@@ -325,7 +435,7 @@
           <a:p>
             <a:fld id="{4E087215-0C8F-4762-A664-737A353EC9A4}" type="datetimeFigureOut">
               <a:rPr lang="bg-BG" smtClean="0"/>
-              <a:t>17.09.24 г.</a:t>
+              <a:t>28.9.2024 г.</a:t>
             </a:fld>
             <a:endParaRPr lang="bg-BG"/>
           </a:p>
@@ -521,7 +631,7 @@
           <a:p>
             <a:fld id="{72D84649-876A-46C9-8472-14CB09C070D8}" type="datetimeFigureOut">
               <a:rPr lang="en-US" smtClean="0"/>
-              <a:t>9/17/24</a:t>
+              <a:t>9/28/2024</a:t>
             </a:fld>
             <a:endParaRPr lang="en-US"/>
           </a:p>
@@ -2143,7 +2253,7 @@
           <a:bodyPr/>
           <a:lstStyle/>
           <a:p>
-            <a:endParaRPr lang="en-US"/>
+            <a:endParaRPr lang="en-US" dirty="0"/>
           </a:p>
         </p:txBody>
       </p:sp>
@@ -14043,6 +14153,13 @@
       <p:transition spd="slow" advClick="0" advTm="5000"/>
     </mc:Fallback>
   </mc:AlternateContent>
+  <p:timing>
+    <p:tnLst>
+      <p:par>
+        <p:cTn id="1" dur="indefinite" restart="never" nodeType="tmRoot"/>
+      </p:par>
+    </p:tnLst>
+  </p:timing>
 </p:sld>
 </file>
 
@@ -14289,7 +14406,7 @@
           <p:nvPr/>
         </p:nvPicPr>
         <p:blipFill>
-          <a:blip r:embed="rId3">
+          <a:blip r:embed="rId3" cstate="hqprint">
             <a:extLst>
               <a:ext uri="{28A0092B-C50C-407E-A947-70E740481C1C}">
                 <a14:useLocalDpi xmlns:a14="http://schemas.microsoft.com/office/drawing/2010/main" val="0"/>
@@ -14726,7 +14843,7 @@
           <p:nvPr/>
         </p:nvPicPr>
         <p:blipFill rotWithShape="1">
-          <a:blip r:embed="rId3">
+          <a:blip r:embed="rId3" cstate="hqprint">
             <a:extLst>
               <a:ext uri="{28A0092B-C50C-407E-A947-70E740481C1C}">
                 <a14:useLocalDpi xmlns:a14="http://schemas.microsoft.com/office/drawing/2010/main" val="0"/>
@@ -15126,7 +15243,7 @@
           <p:nvPr/>
         </p:nvPicPr>
         <p:blipFill>
-          <a:blip r:embed="rId3">
+          <a:blip r:embed="rId3" cstate="hqprint">
             <a:extLst>
               <a:ext uri="{28A0092B-C50C-407E-A947-70E740481C1C}">
                 <a14:useLocalDpi xmlns:a14="http://schemas.microsoft.com/office/drawing/2010/main" val="0"/>
@@ -15579,7 +15696,7 @@
           <p:nvPr/>
         </p:nvPicPr>
         <p:blipFill>
-          <a:blip r:embed="rId3">
+          <a:blip r:embed="rId3" cstate="hqprint">
             <a:extLst>
               <a:ext uri="{28A0092B-C50C-407E-A947-70E740481C1C}">
                 <a14:useLocalDpi xmlns:a14="http://schemas.microsoft.com/office/drawing/2010/main" val="0"/>
@@ -15887,7 +16004,7 @@
           <p:nvPr/>
         </p:nvPicPr>
         <p:blipFill>
-          <a:blip r:embed="rId3">
+          <a:blip r:embed="rId3" cstate="hqprint">
             <a:extLst>
               <a:ext uri="{28A0092B-C50C-407E-A947-70E740481C1C}">
                 <a14:useLocalDpi xmlns:a14="http://schemas.microsoft.com/office/drawing/2010/main" val="0"/>
@@ -15926,6 +16043,13 @@
       <p:transition spd="slow" advClick="0" advTm="5000"/>
     </mc:Fallback>
   </mc:AlternateContent>
+  <p:timing>
+    <p:tnLst>
+      <p:par>
+        <p:cTn id="1" dur="indefinite" restart="never" nodeType="tmRoot"/>
+      </p:par>
+    </p:tnLst>
+  </p:timing>
 </p:sld>
 </file>
 
@@ -16172,7 +16296,7 @@
           <p:nvPr/>
         </p:nvPicPr>
         <p:blipFill>
-          <a:blip r:embed="rId3">
+          <a:blip r:embed="rId3" cstate="hqprint">
             <a:extLst>
               <a:ext uri="{28A0092B-C50C-407E-A947-70E740481C1C}">
                 <a14:useLocalDpi xmlns:a14="http://schemas.microsoft.com/office/drawing/2010/main" val="0"/>
@@ -16859,15 +16983,33 @@
                                   </p:childTnLst>
                                 </p:cTn>
                               </p:par>
+                            </p:childTnLst>
+                          </p:cTn>
+                        </p:par>
+                      </p:childTnLst>
+                    </p:cTn>
+                  </p:par>
+                  <p:par>
+                    <p:cTn id="11" fill="hold">
+                      <p:stCondLst>
+                        <p:cond delay="indefinite"/>
+                      </p:stCondLst>
+                      <p:childTnLst>
+                        <p:par>
+                          <p:cTn id="12" fill="hold">
+                            <p:stCondLst>
+                              <p:cond delay="0"/>
+                            </p:stCondLst>
+                            <p:childTnLst>
                               <p:par>
-                                <p:cTn id="11" presetID="1" presetClass="entr" presetSubtype="0" fill="hold" nodeType="withEffect">
+                                <p:cTn id="13" presetID="1" presetClass="entr" presetSubtype="0" fill="hold" nodeType="clickEffect">
                                   <p:stCondLst>
                                     <p:cond delay="0"/>
                                   </p:stCondLst>
                                   <p:childTnLst>
                                     <p:set>
                                       <p:cBhvr>
-                                        <p:cTn id="12" dur="1" fill="hold">
+                                        <p:cTn id="14" dur="1" fill="hold">
                                           <p:stCondLst>
                                             <p:cond delay="0"/>
                                           </p:stCondLst>
@@ -17160,7 +17302,7 @@
           <p:nvPr/>
         </p:nvPicPr>
         <p:blipFill>
-          <a:blip r:embed="rId3">
+          <a:blip r:embed="rId3" cstate="hqprint">
             <a:extLst>
               <a:ext uri="{28A0092B-C50C-407E-A947-70E740481C1C}">
                 <a14:useLocalDpi xmlns:a14="http://schemas.microsoft.com/office/drawing/2010/main" val="0"/>
@@ -17468,7 +17610,7 @@
           <p:nvPr/>
         </p:nvPicPr>
         <p:blipFill>
-          <a:blip r:embed="rId3">
+          <a:blip r:embed="rId3" cstate="hqprint">
             <a:extLst>
               <a:ext uri="{28A0092B-C50C-407E-A947-70E740481C1C}">
                 <a14:useLocalDpi xmlns:a14="http://schemas.microsoft.com/office/drawing/2010/main" val="0"/>
@@ -17507,6 +17649,13 @@
       <p:transition spd="slow" advClick="0" advTm="5000"/>
     </mc:Fallback>
   </mc:AlternateContent>
+  <p:timing>
+    <p:tnLst>
+      <p:par>
+        <p:cTn id="1" dur="indefinite" restart="never" nodeType="tmRoot"/>
+      </p:par>
+    </p:tnLst>
+  </p:timing>
 </p:sld>
 </file>
 
@@ -18734,11 +18883,10 @@
         </p:spPr>
         <p:txBody>
           <a:bodyPr>
-            <a:normAutofit lnSpcReduction="10000"/>
+            <a:normAutofit fontScale="92500" lnSpcReduction="10000"/>
           </a:bodyPr>
           <a:lstStyle/>
           <a:p>
-            <a:pPr lvl="1"/>
             <a:r>
               <a:rPr lang="en-GB" b="1" dirty="0">
                 <a:solidFill>
@@ -18805,7 +18953,6 @@
             </a:r>
           </a:p>
           <a:p>
-            <a:pPr lvl="1"/>
             <a:r>
               <a:rPr lang="bg-BG" b="1" dirty="0">
                 <a:solidFill>
@@ -18844,7 +18991,6 @@
             </a:r>
           </a:p>
           <a:p>
-            <a:pPr lvl="1"/>
             <a:r>
               <a:rPr lang="bg-BG" dirty="0"/>
               <a:t>Примери за </a:t>
@@ -18859,21 +19005,21 @@
             </a:r>
           </a:p>
           <a:p>
-            <a:pPr lvl="2"/>
+            <a:pPr lvl="1"/>
             <a:r>
               <a:rPr lang="bg-BG" dirty="0"/>
               <a:t>Система за управление на данни за продажбите в търговска верига</a:t>
             </a:r>
           </a:p>
           <a:p>
-            <a:pPr lvl="2"/>
+            <a:pPr lvl="1"/>
             <a:r>
               <a:rPr lang="bg-BG" dirty="0"/>
               <a:t>Портал за електронни услуги на НАП</a:t>
             </a:r>
           </a:p>
           <a:p>
-            <a:pPr lvl="2"/>
+            <a:pPr lvl="1"/>
             <a:r>
               <a:rPr lang="en-GB" dirty="0"/>
               <a:t>Oracle Business Intelligence (BI)</a:t>
@@ -19289,7 +19435,7 @@
                 <a:hlinkClick r:id="rId3">
                   <a:extLst>
                     <a:ext uri="{A12FA001-AC4F-418D-AE19-62706E023703}">
-                      <ahyp:hlinkClr xmlns:ahyp="http://schemas.microsoft.com/office/drawing/2018/hyperlinkcolor" val="tx"/>
+                      <ahyp:hlinkClr xmlns:ahyp="http://schemas.microsoft.com/office/drawing/2018/hyperlinkcolor" xmlns="" val="tx"/>
                     </a:ext>
                   </a:extLst>
                 </a:hlinkClick>
@@ -19398,6 +19544,13 @@
       <p:transition spd="slow" advClick="0" advTm="5000"/>
     </mc:Fallback>
   </mc:AlternateContent>
+  <p:timing>
+    <p:tnLst>
+      <p:par>
+        <p:cTn id="1" dur="indefinite" restart="never" nodeType="tmRoot"/>
+      </p:par>
+    </p:tnLst>
+  </p:timing>
 </p:sld>
 </file>
 
@@ -19560,6 +19713,13 @@
       <p:transition spd="slow" advClick="0" advTm="5000"/>
     </mc:Fallback>
   </mc:AlternateContent>
+  <p:timing>
+    <p:tnLst>
+      <p:par>
+        <p:cTn id="1" dur="indefinite" restart="never" nodeType="tmRoot"/>
+      </p:par>
+    </p:tnLst>
+  </p:timing>
 </p:sld>
 </file>
 
@@ -20253,6 +20413,13 @@
       <p:transition spd="slow" advClick="0" advTm="5000"/>
     </mc:Fallback>
   </mc:AlternateContent>
+  <p:timing>
+    <p:tnLst>
+      <p:par>
+        <p:cTn id="1" dur="indefinite" restart="never" nodeType="tmRoot"/>
+      </p:par>
+    </p:tnLst>
+  </p:timing>
 </p:sld>
 </file>
 
@@ -20957,6 +21124,13 @@
       <p:transition spd="slow" advClick="0" advTm="5000"/>
     </mc:Fallback>
   </mc:AlternateContent>
+  <p:timing>
+    <p:tnLst>
+      <p:par>
+        <p:cTn id="1" dur="indefinite" restart="never" nodeType="tmRoot"/>
+      </p:par>
+    </p:tnLst>
+  </p:timing>
 </p:sld>
 </file>
 
@@ -21621,6 +21795,13 @@
       <p:transition spd="slow" advClick="0" advTm="5000"/>
     </mc:Fallback>
   </mc:AlternateContent>
+  <p:timing>
+    <p:tnLst>
+      <p:par>
+        <p:cTn id="1" dur="indefinite" restart="never" nodeType="tmRoot"/>
+      </p:par>
+    </p:tnLst>
+  </p:timing>
 </p:sld>
 </file>
 
@@ -22328,6 +22509,13 @@
       <p:transition spd="slow" advClick="0" advTm="5000"/>
     </mc:Fallback>
   </mc:AlternateContent>
+  <p:timing>
+    <p:tnLst>
+      <p:par>
+        <p:cTn id="1" dur="indefinite" restart="never" nodeType="tmRoot"/>
+      </p:par>
+    </p:tnLst>
+  </p:timing>
 </p:sld>
 </file>
 
@@ -22499,6 +22687,13 @@
       <p:transition spd="slow" advClick="0" advTm="5000"/>
     </mc:Fallback>
   </mc:AlternateContent>
+  <p:timing>
+    <p:tnLst>
+      <p:par>
+        <p:cTn id="1" dur="indefinite" restart="never" nodeType="tmRoot"/>
+      </p:par>
+    </p:tnLst>
+  </p:timing>
 </p:sld>
 </file>
 
@@ -22650,6 +22845,13 @@
       <p:transition spd="slow" advClick="0" advTm="5000"/>
     </mc:Fallback>
   </mc:AlternateContent>
+  <p:timing>
+    <p:tnLst>
+      <p:par>
+        <p:cTn id="1" dur="indefinite" restart="never" nodeType="tmRoot"/>
+      </p:par>
+    </p:tnLst>
+  </p:timing>
 </p:sld>
 </file>
 
@@ -23364,6 +23566,13 @@
       <p:transition spd="slow" advClick="0" advTm="5000"/>
     </mc:Fallback>
   </mc:AlternateContent>
+  <p:timing>
+    <p:tnLst>
+      <p:par>
+        <p:cTn id="1" dur="indefinite" restart="never" nodeType="tmRoot"/>
+      </p:par>
+    </p:tnLst>
+  </p:timing>
 </p:sld>
 </file>
 
@@ -23832,7 +24041,7 @@
             <a:r>
               <a:rPr lang="bg-BG" sz="4400" b="1" dirty="0">
                 <a:solidFill>
-                  <a:schemeClr val="bg1">
+                  <a:schemeClr val="accent1">
                     <a:lumMod val="60000"/>
                     <a:lumOff val="40000"/>
                   </a:schemeClr>
@@ -24508,7 +24717,7 @@
                 <a:hlinkClick r:id="rId3">
                   <a:extLst>
                     <a:ext uri="{A12FA001-AC4F-418D-AE19-62706E023703}">
-                      <ahyp:hlinkClr xmlns:ahyp="http://schemas.microsoft.com/office/drawing/2018/hyperlinkcolor" val="tx"/>
+                      <ahyp:hlinkClr xmlns:ahyp="http://schemas.microsoft.com/office/drawing/2018/hyperlinkcolor" xmlns="" val="tx"/>
                     </a:ext>
                   </a:extLst>
                 </a:hlinkClick>
@@ -24581,6 +24790,13 @@
       <p:transition spd="slow" advClick="0" advTm="5000"/>
     </mc:Fallback>
   </mc:AlternateContent>
+  <p:timing>
+    <p:tnLst>
+      <p:par>
+        <p:cTn id="1" dur="indefinite" restart="never" nodeType="tmRoot"/>
+      </p:par>
+    </p:tnLst>
+  </p:timing>
 </p:sld>
 </file>
 
@@ -24964,6 +25180,13 @@
       <p:transition spd="slow" advClick="0" advTm="5000"/>
     </mc:Fallback>
   </mc:AlternateContent>
+  <p:timing>
+    <p:tnLst>
+      <p:par>
+        <p:cTn id="1" dur="indefinite" restart="never" nodeType="tmRoot"/>
+      </p:par>
+    </p:tnLst>
+  </p:timing>
 </p:sld>
 </file>
 
@@ -25648,7 +25871,7 @@
           <p:nvPr/>
         </p:nvPicPr>
         <p:blipFill>
-          <a:blip r:embed="rId2">
+          <a:blip r:embed="rId2" cstate="hqprint">
             <a:extLst>
               <a:ext uri="{28A0092B-C50C-407E-A947-70E740481C1C}">
                 <a14:useLocalDpi xmlns:a14="http://schemas.microsoft.com/office/drawing/2010/main" val="0"/>
@@ -26120,7 +26343,7 @@
           <p:nvPr/>
         </p:nvPicPr>
         <p:blipFill>
-          <a:blip r:embed="rId3">
+          <a:blip r:embed="rId3" cstate="hqprint">
             <a:extLst>
               <a:ext uri="{28A0092B-C50C-407E-A947-70E740481C1C}">
                 <a14:useLocalDpi xmlns:a14="http://schemas.microsoft.com/office/drawing/2010/main" val="0"/>
@@ -26477,7 +26700,7 @@
           <p:nvPr/>
         </p:nvPicPr>
         <p:blipFill>
-          <a:blip r:embed="rId3">
+          <a:blip r:embed="rId3" cstate="hqprint">
             <a:extLst>
               <a:ext uri="{28A0092B-C50C-407E-A947-70E740481C1C}">
                 <a14:useLocalDpi xmlns:a14="http://schemas.microsoft.com/office/drawing/2010/main" val="0"/>
@@ -26516,6 +26739,13 @@
       <p:transition spd="slow" advClick="0" advTm="5000"/>
     </mc:Fallback>
   </mc:AlternateContent>
+  <p:timing>
+    <p:tnLst>
+      <p:par>
+        <p:cTn id="1" dur="indefinite" restart="never" nodeType="tmRoot"/>
+      </p:par>
+    </p:tnLst>
+  </p:timing>
 </p:sld>
 </file>
 
@@ -26765,7 +26995,7 @@
           <p:nvPr/>
         </p:nvPicPr>
         <p:blipFill>
-          <a:blip r:embed="rId3">
+          <a:blip r:embed="rId3" cstate="hqprint">
             <a:extLst>
               <a:ext uri="{28A0092B-C50C-407E-A947-70E740481C1C}">
                 <a14:useLocalDpi xmlns:a14="http://schemas.microsoft.com/office/drawing/2010/main" val="0"/>

--- a/Courses/Software-Sciences/Module-4-Information-Systems-New/01-Introduction-to-IT-Systems/01-Introduction-to-IT-Systems.pptx
+++ b/Courses/Software-Sciences/Module-4-Information-Systems-New/01-Introduction-to-IT-Systems/01-Introduction-to-IT-Systems.pptx
@@ -240,6 +240,13 @@
       </p:ext>
     </p:extLst>
   </p:cmAuthor>
+  <p:cmAuthor id="2" name="Mirela Damyanova" initials="MD" lastIdx="5" clrIdx="1">
+    <p:extLst>
+      <p:ext uri="{19B8F6BF-5375-455C-9EA6-DF929625EA0E}">
+        <p15:presenceInfo xmlns:p15="http://schemas.microsoft.com/office/powerpoint/2012/main" userId="Mirela Damyanova" providerId="None"/>
+      </p:ext>
+    </p:extLst>
+  </p:cmAuthor>
 </p:cmAuthorLst>
 </file>
 
@@ -268,6 +275,17 @@
       </p:ext>
     </p:extLst>
   </p:cm>
+  <p:cm authorId="2" dt="2024-09-29T11:25:05.906" idx="1">
+    <p:pos x="5359" y="3469"/>
+    <p:text>Done</p:text>
+    <p:extLst>
+      <p:ext uri="{C676402C-5697-4E1C-873F-D02D1690AC5C}">
+        <p15:threadingInfo xmlns:p15="http://schemas.microsoft.com/office/powerpoint/2012/main" timeZoneBias="-180">
+          <p15:parentCm authorId="1" idx="3"/>
+        </p15:threadingInfo>
+      </p:ext>
+    </p:extLst>
+  </p:cm>
 </p:cmLst>
 </file>
 
@@ -282,6 +300,17 @@
       </p:ext>
     </p:extLst>
   </p:cm>
+  <p:cm authorId="2" dt="2024-09-29T11:27:29.056" idx="2">
+    <p:pos x="7045" y="1551"/>
+    <p:text>Done</p:text>
+    <p:extLst>
+      <p:ext uri="{C676402C-5697-4E1C-873F-D02D1690AC5C}">
+        <p15:threadingInfo xmlns:p15="http://schemas.microsoft.com/office/powerpoint/2012/main" timeZoneBias="-180">
+          <p15:parentCm authorId="1" idx="4"/>
+        </p15:threadingInfo>
+      </p:ext>
+    </p:extLst>
+  </p:cm>
 </p:cmLst>
 </file>
 
@@ -293,6 +322,17 @@
     <p:extLst>
       <p:ext uri="{C676402C-5697-4E1C-873F-D02D1690AC5C}">
         <p15:threadingInfo xmlns:p15="http://schemas.microsoft.com/office/powerpoint/2012/main" timeZoneBias="-180"/>
+      </p:ext>
+    </p:extLst>
+  </p:cm>
+  <p:cm authorId="2" dt="2024-09-29T11:30:09.101" idx="3">
+    <p:pos x="5252" y="3091"/>
+    <p:text>Done</p:text>
+    <p:extLst>
+      <p:ext uri="{C676402C-5697-4E1C-873F-D02D1690AC5C}">
+        <p15:threadingInfo xmlns:p15="http://schemas.microsoft.com/office/powerpoint/2012/main" timeZoneBias="-180">
+          <p15:parentCm authorId="1" idx="5"/>
+        </p15:threadingInfo>
       </p:ext>
     </p:extLst>
   </p:cm>
@@ -324,6 +364,17 @@
       </p:ext>
     </p:extLst>
   </p:cm>
+  <p:cm authorId="2" dt="2024-09-29T11:33:49.669" idx="4">
+    <p:pos x="4998" y="3273"/>
+    <p:text>Done</p:text>
+    <p:extLst>
+      <p:ext uri="{C676402C-5697-4E1C-873F-D02D1690AC5C}">
+        <p15:threadingInfo xmlns:p15="http://schemas.microsoft.com/office/powerpoint/2012/main" timeZoneBias="-180">
+          <p15:parentCm authorId="1" idx="7"/>
+        </p15:threadingInfo>
+      </p:ext>
+    </p:extLst>
+  </p:cm>
 </p:cmLst>
 </file>
 
@@ -335,6 +386,17 @@
     <p:extLst>
       <p:ext uri="{C676402C-5697-4E1C-873F-D02D1690AC5C}">
         <p15:threadingInfo xmlns:p15="http://schemas.microsoft.com/office/powerpoint/2012/main" timeZoneBias="-180"/>
+      </p:ext>
+    </p:extLst>
+  </p:cm>
+  <p:cm authorId="2" dt="2024-09-29T11:35:08.750" idx="5">
+    <p:pos x="5366" y="3487"/>
+    <p:text>Done</p:text>
+    <p:extLst>
+      <p:ext uri="{C676402C-5697-4E1C-873F-D02D1690AC5C}">
+        <p15:threadingInfo xmlns:p15="http://schemas.microsoft.com/office/powerpoint/2012/main" timeZoneBias="-180">
+          <p15:parentCm authorId="1" idx="8"/>
+        </p15:threadingInfo>
       </p:ext>
     </p:extLst>
   </p:cm>
@@ -435,7 +497,7 @@
           <a:p>
             <a:fld id="{4E087215-0C8F-4762-A664-737A353EC9A4}" type="datetimeFigureOut">
               <a:rPr lang="bg-BG" smtClean="0"/>
-              <a:t>28.9.2024 г.</a:t>
+              <a:t>29.09.24 г.</a:t>
             </a:fld>
             <a:endParaRPr lang="bg-BG"/>
           </a:p>
@@ -631,7 +693,7 @@
           <a:p>
             <a:fld id="{72D84649-876A-46C9-8472-14CB09C070D8}" type="datetimeFigureOut">
               <a:rPr lang="en-US" smtClean="0"/>
-              <a:t>9/28/2024</a:t>
+              <a:t>9/29/24</a:t>
             </a:fld>
             <a:endParaRPr lang="en-US"/>
           </a:p>
@@ -14153,13 +14215,6 @@
       <p:transition spd="slow" advClick="0" advTm="5000"/>
     </mc:Fallback>
   </mc:AlternateContent>
-  <p:timing>
-    <p:tnLst>
-      <p:par>
-        <p:cTn id="1" dur="indefinite" restart="never" nodeType="tmRoot"/>
-      </p:par>
-    </p:tnLst>
-  </p:timing>
 </p:sld>
 </file>
 
@@ -16043,13 +16098,6 @@
       <p:transition spd="slow" advClick="0" advTm="5000"/>
     </mc:Fallback>
   </mc:AlternateContent>
-  <p:timing>
-    <p:tnLst>
-      <p:par>
-        <p:cTn id="1" dur="indefinite" restart="never" nodeType="tmRoot"/>
-      </p:par>
-    </p:tnLst>
-  </p:timing>
 </p:sld>
 </file>
 
@@ -17649,13 +17697,6 @@
       <p:transition spd="slow" advClick="0" advTm="5000"/>
     </mc:Fallback>
   </mc:AlternateContent>
-  <p:timing>
-    <p:tnLst>
-      <p:par>
-        <p:cTn id="1" dur="indefinite" restart="never" nodeType="tmRoot"/>
-      </p:par>
-    </p:tnLst>
-  </p:timing>
 </p:sld>
 </file>
 
@@ -19435,7 +19476,7 @@
                 <a:hlinkClick r:id="rId3">
                   <a:extLst>
                     <a:ext uri="{A12FA001-AC4F-418D-AE19-62706E023703}">
-                      <ahyp:hlinkClr xmlns:ahyp="http://schemas.microsoft.com/office/drawing/2018/hyperlinkcolor" xmlns="" val="tx"/>
+                      <ahyp:hlinkClr xmlns:ahyp="http://schemas.microsoft.com/office/drawing/2018/hyperlinkcolor" val="tx"/>
                     </a:ext>
                   </a:extLst>
                 </a:hlinkClick>
@@ -19544,13 +19585,6 @@
       <p:transition spd="slow" advClick="0" advTm="5000"/>
     </mc:Fallback>
   </mc:AlternateContent>
-  <p:timing>
-    <p:tnLst>
-      <p:par>
-        <p:cTn id="1" dur="indefinite" restart="never" nodeType="tmRoot"/>
-      </p:par>
-    </p:tnLst>
-  </p:timing>
 </p:sld>
 </file>
 
@@ -19713,13 +19747,6 @@
       <p:transition spd="slow" advClick="0" advTm="5000"/>
     </mc:Fallback>
   </mc:AlternateContent>
-  <p:timing>
-    <p:tnLst>
-      <p:par>
-        <p:cTn id="1" dur="indefinite" restart="never" nodeType="tmRoot"/>
-      </p:par>
-    </p:tnLst>
-  </p:timing>
 </p:sld>
 </file>
 
@@ -20008,6 +20035,78 @@
           </a:p>
         </p:txBody>
       </p:sp>
+      <p:pic>
+        <p:nvPicPr>
+          <p:cNvPr id="3" name="Picture 2">
+            <a:extLst>
+              <a:ext uri="{FF2B5EF4-FFF2-40B4-BE49-F238E27FC236}">
+                <a16:creationId xmlns:a16="http://schemas.microsoft.com/office/drawing/2014/main" id="{E205884E-ED63-24E4-F9C7-70ABA0D7C38A}"/>
+              </a:ext>
+            </a:extLst>
+          </p:cNvPr>
+          <p:cNvPicPr>
+            <a:picLocks noChangeAspect="1"/>
+          </p:cNvPicPr>
+          <p:nvPr/>
+        </p:nvPicPr>
+        <p:blipFill>
+          <a:blip r:embed="rId3">
+            <a:extLst>
+              <a:ext uri="{28A0092B-C50C-407E-A947-70E740481C1C}">
+                <a14:useLocalDpi xmlns:a14="http://schemas.microsoft.com/office/drawing/2010/main" val="0"/>
+              </a:ext>
+            </a:extLst>
+          </a:blip>
+          <a:stretch>
+            <a:fillRect/>
+          </a:stretch>
+        </p:blipFill>
+        <p:spPr>
+          <a:xfrm>
+            <a:off x="5646000" y="4689000"/>
+            <a:ext cx="2880000" cy="1276168"/>
+          </a:xfrm>
+          <a:prstGeom prst="rect">
+            <a:avLst/>
+          </a:prstGeom>
+        </p:spPr>
+      </p:pic>
+      <p:pic>
+        <p:nvPicPr>
+          <p:cNvPr id="6" name="Picture 5">
+            <a:extLst>
+              <a:ext uri="{FF2B5EF4-FFF2-40B4-BE49-F238E27FC236}">
+                <a16:creationId xmlns:a16="http://schemas.microsoft.com/office/drawing/2014/main" id="{D7223D84-C021-A688-1716-21D1DC160316}"/>
+              </a:ext>
+            </a:extLst>
+          </p:cNvPr>
+          <p:cNvPicPr>
+            <a:picLocks noChangeAspect="1"/>
+          </p:cNvPicPr>
+          <p:nvPr/>
+        </p:nvPicPr>
+        <p:blipFill>
+          <a:blip r:embed="rId4">
+            <a:extLst>
+              <a:ext uri="{28A0092B-C50C-407E-A947-70E740481C1C}">
+                <a14:useLocalDpi xmlns:a14="http://schemas.microsoft.com/office/drawing/2010/main" val="0"/>
+              </a:ext>
+            </a:extLst>
+          </a:blip>
+          <a:stretch>
+            <a:fillRect/>
+          </a:stretch>
+        </p:blipFill>
+        <p:spPr>
+          <a:xfrm>
+            <a:off x="9275898" y="4689000"/>
+            <a:ext cx="2477132" cy="1262851"/>
+          </a:xfrm>
+          <a:prstGeom prst="rect">
+            <a:avLst/>
+          </a:prstGeom>
+        </p:spPr>
+      </p:pic>
     </p:spTree>
     <p:extLst>
       <p:ext uri="{BB962C8B-B14F-4D97-AF65-F5344CB8AC3E}">
@@ -20207,11 +20306,101 @@
                                           </p:stCondLst>
                                         </p:cTn>
                                         <p:tgtEl>
+                                          <p:spTgt spid="3"/>
+                                        </p:tgtEl>
+                                        <p:attrNameLst>
+                                          <p:attrName>style.visibility</p:attrName>
+                                        </p:attrNameLst>
+                                      </p:cBhvr>
+                                      <p:to>
+                                        <p:strVal val="visible"/>
+                                      </p:to>
+                                    </p:set>
+                                  </p:childTnLst>
+                                </p:cTn>
+                              </p:par>
+                            </p:childTnLst>
+                          </p:cTn>
+                        </p:par>
+                      </p:childTnLst>
+                    </p:cTn>
+                  </p:par>
+                  <p:par>
+                    <p:cTn id="19" fill="hold">
+                      <p:stCondLst>
+                        <p:cond delay="indefinite"/>
+                      </p:stCondLst>
+                      <p:childTnLst>
+                        <p:par>
+                          <p:cTn id="20" fill="hold">
+                            <p:stCondLst>
+                              <p:cond delay="0"/>
+                            </p:stCondLst>
+                            <p:childTnLst>
+                              <p:par>
+                                <p:cTn id="21" presetID="1" presetClass="entr" presetSubtype="0" fill="hold" nodeType="clickEffect">
+                                  <p:stCondLst>
+                                    <p:cond delay="0"/>
+                                  </p:stCondLst>
+                                  <p:childTnLst>
+                                    <p:set>
+                                      <p:cBhvr>
+                                        <p:cTn id="22" dur="1" fill="hold">
+                                          <p:stCondLst>
+                                            <p:cond delay="0"/>
+                                          </p:stCondLst>
+                                        </p:cTn>
+                                        <p:tgtEl>
                                           <p:spTgt spid="7">
                                             <p:txEl>
                                               <p:pRg st="4" end="4"/>
                                             </p:txEl>
                                           </p:spTgt>
+                                        </p:tgtEl>
+                                        <p:attrNameLst>
+                                          <p:attrName>style.visibility</p:attrName>
+                                        </p:attrNameLst>
+                                      </p:cBhvr>
+                                      <p:to>
+                                        <p:strVal val="visible"/>
+                                      </p:to>
+                                    </p:set>
+                                  </p:childTnLst>
+                                </p:cTn>
+                              </p:par>
+                            </p:childTnLst>
+                          </p:cTn>
+                        </p:par>
+                      </p:childTnLst>
+                    </p:cTn>
+                  </p:par>
+                  <p:par>
+                    <p:cTn id="23" fill="hold">
+                      <p:stCondLst>
+                        <p:cond delay="indefinite"/>
+                      </p:stCondLst>
+                      <p:childTnLst>
+                        <p:par>
+                          <p:cTn id="24" fill="hold">
+                            <p:stCondLst>
+                              <p:cond delay="0"/>
+                            </p:stCondLst>
+                            <p:childTnLst>
+                              <p:par>
+                                <p:cTn id="25" presetID="1" presetClass="entr" presetSubtype="0" fill="hold" nodeType="clickEffect">
+                                  <p:stCondLst>
+                                    <p:cond delay="0"/>
+                                  </p:stCondLst>
+                                  <p:childTnLst>
+                                    <p:set>
+                                      <p:cBhvr>
+                                        <p:cTn id="26" dur="1" fill="hold">
+                                          <p:stCondLst>
+                                            <p:cond delay="0"/>
+                                          </p:stCondLst>
+                                        </p:cTn>
+                                        <p:tgtEl>
+                                          <p:spTgt spid="6"/>
                                         </p:tgtEl>
                                         <p:attrNameLst>
                                           <p:attrName>style.visibility</p:attrName>
@@ -20374,14 +20563,13 @@
               </a:ext>
             </a:extLst>
           </a:blip>
-          <a:stretch>
-            <a:fillRect/>
-          </a:stretch>
+          <a:srcRect/>
+          <a:stretch/>
         </p:blipFill>
         <p:spPr>
           <a:xfrm>
-            <a:off x="1425548" y="1270985"/>
-            <a:ext cx="9340903" cy="5236015"/>
+            <a:off x="1123743" y="1179000"/>
+            <a:ext cx="9944513" cy="5578250"/>
           </a:xfrm>
           <a:prstGeom prst="rect">
             <a:avLst/>
@@ -20413,13 +20601,6 @@
       <p:transition spd="slow" advClick="0" advTm="5000"/>
     </mc:Fallback>
   </mc:AlternateContent>
-  <p:timing>
-    <p:tnLst>
-      <p:par>
-        <p:cTn id="1" dur="indefinite" restart="never" nodeType="tmRoot"/>
-      </p:par>
-    </p:tnLst>
-  </p:timing>
 </p:sld>
 </file>
 
@@ -20719,6 +20900,78 @@
           </a:p>
         </p:txBody>
       </p:sp>
+      <p:pic>
+        <p:nvPicPr>
+          <p:cNvPr id="6" name="Picture 5">
+            <a:extLst>
+              <a:ext uri="{FF2B5EF4-FFF2-40B4-BE49-F238E27FC236}">
+                <a16:creationId xmlns:a16="http://schemas.microsoft.com/office/drawing/2014/main" id="{2D586768-1F9E-37D0-CC71-F1E87280B1DE}"/>
+              </a:ext>
+            </a:extLst>
+          </p:cNvPr>
+          <p:cNvPicPr>
+            <a:picLocks noChangeAspect="1"/>
+          </p:cNvPicPr>
+          <p:nvPr/>
+        </p:nvPicPr>
+        <p:blipFill>
+          <a:blip r:embed="rId3">
+            <a:extLst>
+              <a:ext uri="{28A0092B-C50C-407E-A947-70E740481C1C}">
+                <a14:useLocalDpi xmlns:a14="http://schemas.microsoft.com/office/drawing/2010/main" val="0"/>
+              </a:ext>
+            </a:extLst>
+          </a:blip>
+          <a:stretch>
+            <a:fillRect/>
+          </a:stretch>
+        </p:blipFill>
+        <p:spPr>
+          <a:xfrm>
+            <a:off x="5601000" y="4420365"/>
+            <a:ext cx="2574875" cy="1800401"/>
+          </a:xfrm>
+          <a:prstGeom prst="rect">
+            <a:avLst/>
+          </a:prstGeom>
+        </p:spPr>
+      </p:pic>
+      <p:pic>
+        <p:nvPicPr>
+          <p:cNvPr id="10" name="Picture 9">
+            <a:extLst>
+              <a:ext uri="{FF2B5EF4-FFF2-40B4-BE49-F238E27FC236}">
+                <a16:creationId xmlns:a16="http://schemas.microsoft.com/office/drawing/2014/main" id="{FA8F8143-4199-AE70-94F1-254E1E201D9C}"/>
+              </a:ext>
+            </a:extLst>
+          </p:cNvPr>
+          <p:cNvPicPr>
+            <a:picLocks noChangeAspect="1"/>
+          </p:cNvPicPr>
+          <p:nvPr/>
+        </p:nvPicPr>
+        <p:blipFill>
+          <a:blip r:embed="rId4">
+            <a:extLst>
+              <a:ext uri="{28A0092B-C50C-407E-A947-70E740481C1C}">
+                <a14:useLocalDpi xmlns:a14="http://schemas.microsoft.com/office/drawing/2010/main" val="0"/>
+              </a:ext>
+            </a:extLst>
+          </a:blip>
+          <a:stretch>
+            <a:fillRect/>
+          </a:stretch>
+        </p:blipFill>
+        <p:spPr>
+          <a:xfrm>
+            <a:off x="8717030" y="4513016"/>
+            <a:ext cx="3036000" cy="1707750"/>
+          </a:xfrm>
+          <a:prstGeom prst="rect">
+            <a:avLst/>
+          </a:prstGeom>
+        </p:spPr>
+      </p:pic>
     </p:spTree>
     <p:extLst>
       <p:ext uri="{BB962C8B-B14F-4D97-AF65-F5344CB8AC3E}">
@@ -20918,11 +21171,101 @@
                                           </p:stCondLst>
                                         </p:cTn>
                                         <p:tgtEl>
+                                          <p:spTgt spid="6"/>
+                                        </p:tgtEl>
+                                        <p:attrNameLst>
+                                          <p:attrName>style.visibility</p:attrName>
+                                        </p:attrNameLst>
+                                      </p:cBhvr>
+                                      <p:to>
+                                        <p:strVal val="visible"/>
+                                      </p:to>
+                                    </p:set>
+                                  </p:childTnLst>
+                                </p:cTn>
+                              </p:par>
+                            </p:childTnLst>
+                          </p:cTn>
+                        </p:par>
+                      </p:childTnLst>
+                    </p:cTn>
+                  </p:par>
+                  <p:par>
+                    <p:cTn id="19" fill="hold">
+                      <p:stCondLst>
+                        <p:cond delay="indefinite"/>
+                      </p:stCondLst>
+                      <p:childTnLst>
+                        <p:par>
+                          <p:cTn id="20" fill="hold">
+                            <p:stCondLst>
+                              <p:cond delay="0"/>
+                            </p:stCondLst>
+                            <p:childTnLst>
+                              <p:par>
+                                <p:cTn id="21" presetID="1" presetClass="entr" presetSubtype="0" fill="hold" nodeType="clickEffect">
+                                  <p:stCondLst>
+                                    <p:cond delay="0"/>
+                                  </p:stCondLst>
+                                  <p:childTnLst>
+                                    <p:set>
+                                      <p:cBhvr>
+                                        <p:cTn id="22" dur="1" fill="hold">
+                                          <p:stCondLst>
+                                            <p:cond delay="0"/>
+                                          </p:stCondLst>
+                                        </p:cTn>
+                                        <p:tgtEl>
                                           <p:spTgt spid="7">
                                             <p:txEl>
                                               <p:pRg st="4" end="4"/>
                                             </p:txEl>
                                           </p:spTgt>
+                                        </p:tgtEl>
+                                        <p:attrNameLst>
+                                          <p:attrName>style.visibility</p:attrName>
+                                        </p:attrNameLst>
+                                      </p:cBhvr>
+                                      <p:to>
+                                        <p:strVal val="visible"/>
+                                      </p:to>
+                                    </p:set>
+                                  </p:childTnLst>
+                                </p:cTn>
+                              </p:par>
+                            </p:childTnLst>
+                          </p:cTn>
+                        </p:par>
+                      </p:childTnLst>
+                    </p:cTn>
+                  </p:par>
+                  <p:par>
+                    <p:cTn id="23" fill="hold">
+                      <p:stCondLst>
+                        <p:cond delay="indefinite"/>
+                      </p:stCondLst>
+                      <p:childTnLst>
+                        <p:par>
+                          <p:cTn id="24" fill="hold">
+                            <p:stCondLst>
+                              <p:cond delay="0"/>
+                            </p:stCondLst>
+                            <p:childTnLst>
+                              <p:par>
+                                <p:cTn id="25" presetID="1" presetClass="entr" presetSubtype="0" fill="hold" nodeType="clickEffect">
+                                  <p:stCondLst>
+                                    <p:cond delay="0"/>
+                                  </p:stCondLst>
+                                  <p:childTnLst>
+                                    <p:set>
+                                      <p:cBhvr>
+                                        <p:cTn id="26" dur="1" fill="hold">
+                                          <p:stCondLst>
+                                            <p:cond delay="0"/>
+                                          </p:stCondLst>
+                                        </p:cTn>
+                                        <p:tgtEl>
+                                          <p:spTgt spid="10"/>
                                         </p:tgtEl>
                                         <p:attrNameLst>
                                           <p:attrName>style.visibility</p:attrName>
@@ -21124,13 +21467,6 @@
       <p:transition spd="slow" advClick="0" advTm="5000"/>
     </mc:Fallback>
   </mc:AlternateContent>
-  <p:timing>
-    <p:tnLst>
-      <p:par>
-        <p:cTn id="1" dur="indefinite" restart="never" nodeType="tmRoot"/>
-      </p:par>
-    </p:tnLst>
-  </p:timing>
 </p:sld>
 </file>
 
@@ -21390,6 +21726,78 @@
           </a:p>
         </p:txBody>
       </p:sp>
+      <p:pic>
+        <p:nvPicPr>
+          <p:cNvPr id="3" name="Picture 2">
+            <a:extLst>
+              <a:ext uri="{FF2B5EF4-FFF2-40B4-BE49-F238E27FC236}">
+                <a16:creationId xmlns:a16="http://schemas.microsoft.com/office/drawing/2014/main" id="{AEE96627-8DF2-FC44-5FDE-2C68F5CFF9FF}"/>
+              </a:ext>
+            </a:extLst>
+          </p:cNvPr>
+          <p:cNvPicPr>
+            <a:picLocks noChangeAspect="1"/>
+          </p:cNvPicPr>
+          <p:nvPr/>
+        </p:nvPicPr>
+        <p:blipFill>
+          <a:blip r:embed="rId3">
+            <a:extLst>
+              <a:ext uri="{28A0092B-C50C-407E-A947-70E740481C1C}">
+                <a14:useLocalDpi xmlns:a14="http://schemas.microsoft.com/office/drawing/2010/main" val="0"/>
+              </a:ext>
+            </a:extLst>
+          </a:blip>
+          <a:stretch>
+            <a:fillRect/>
+          </a:stretch>
+        </p:blipFill>
+        <p:spPr>
+          <a:xfrm>
+            <a:off x="3801000" y="4576025"/>
+            <a:ext cx="3810000" cy="1085850"/>
+          </a:xfrm>
+          <a:prstGeom prst="rect">
+            <a:avLst/>
+          </a:prstGeom>
+        </p:spPr>
+      </p:pic>
+      <p:pic>
+        <p:nvPicPr>
+          <p:cNvPr id="6" name="Picture 5">
+            <a:extLst>
+              <a:ext uri="{FF2B5EF4-FFF2-40B4-BE49-F238E27FC236}">
+                <a16:creationId xmlns:a16="http://schemas.microsoft.com/office/drawing/2014/main" id="{C7904121-B4E3-C47A-64D0-AB9C2F61BA8D}"/>
+              </a:ext>
+            </a:extLst>
+          </p:cNvPr>
+          <p:cNvPicPr>
+            <a:picLocks noChangeAspect="1"/>
+          </p:cNvPicPr>
+          <p:nvPr/>
+        </p:nvPicPr>
+        <p:blipFill>
+          <a:blip r:embed="rId4">
+            <a:extLst>
+              <a:ext uri="{28A0092B-C50C-407E-A947-70E740481C1C}">
+                <a14:useLocalDpi xmlns:a14="http://schemas.microsoft.com/office/drawing/2010/main" val="0"/>
+              </a:ext>
+            </a:extLst>
+          </a:blip>
+          <a:stretch>
+            <a:fillRect/>
+          </a:stretch>
+        </p:blipFill>
+        <p:spPr>
+          <a:xfrm>
+            <a:off x="8401159" y="4576025"/>
+            <a:ext cx="2817179" cy="1188752"/>
+          </a:xfrm>
+          <a:prstGeom prst="rect">
+            <a:avLst/>
+          </a:prstGeom>
+        </p:spPr>
+      </p:pic>
     </p:spTree>
     <p:extLst>
       <p:ext uri="{BB962C8B-B14F-4D97-AF65-F5344CB8AC3E}">
@@ -21589,11 +21997,101 @@
                                           </p:stCondLst>
                                         </p:cTn>
                                         <p:tgtEl>
+                                          <p:spTgt spid="3"/>
+                                        </p:tgtEl>
+                                        <p:attrNameLst>
+                                          <p:attrName>style.visibility</p:attrName>
+                                        </p:attrNameLst>
+                                      </p:cBhvr>
+                                      <p:to>
+                                        <p:strVal val="visible"/>
+                                      </p:to>
+                                    </p:set>
+                                  </p:childTnLst>
+                                </p:cTn>
+                              </p:par>
+                            </p:childTnLst>
+                          </p:cTn>
+                        </p:par>
+                      </p:childTnLst>
+                    </p:cTn>
+                  </p:par>
+                  <p:par>
+                    <p:cTn id="19" fill="hold">
+                      <p:stCondLst>
+                        <p:cond delay="indefinite"/>
+                      </p:stCondLst>
+                      <p:childTnLst>
+                        <p:par>
+                          <p:cTn id="20" fill="hold">
+                            <p:stCondLst>
+                              <p:cond delay="0"/>
+                            </p:stCondLst>
+                            <p:childTnLst>
+                              <p:par>
+                                <p:cTn id="21" presetID="1" presetClass="entr" presetSubtype="0" fill="hold" nodeType="clickEffect">
+                                  <p:stCondLst>
+                                    <p:cond delay="0"/>
+                                  </p:stCondLst>
+                                  <p:childTnLst>
+                                    <p:set>
+                                      <p:cBhvr>
+                                        <p:cTn id="22" dur="1" fill="hold">
+                                          <p:stCondLst>
+                                            <p:cond delay="0"/>
+                                          </p:stCondLst>
+                                        </p:cTn>
+                                        <p:tgtEl>
                                           <p:spTgt spid="7">
                                             <p:txEl>
                                               <p:pRg st="4" end="4"/>
                                             </p:txEl>
                                           </p:spTgt>
+                                        </p:tgtEl>
+                                        <p:attrNameLst>
+                                          <p:attrName>style.visibility</p:attrName>
+                                        </p:attrNameLst>
+                                      </p:cBhvr>
+                                      <p:to>
+                                        <p:strVal val="visible"/>
+                                      </p:to>
+                                    </p:set>
+                                  </p:childTnLst>
+                                </p:cTn>
+                              </p:par>
+                            </p:childTnLst>
+                          </p:cTn>
+                        </p:par>
+                      </p:childTnLst>
+                    </p:cTn>
+                  </p:par>
+                  <p:par>
+                    <p:cTn id="23" fill="hold">
+                      <p:stCondLst>
+                        <p:cond delay="indefinite"/>
+                      </p:stCondLst>
+                      <p:childTnLst>
+                        <p:par>
+                          <p:cTn id="24" fill="hold">
+                            <p:stCondLst>
+                              <p:cond delay="0"/>
+                            </p:stCondLst>
+                            <p:childTnLst>
+                              <p:par>
+                                <p:cTn id="25" presetID="1" presetClass="entr" presetSubtype="0" fill="hold" nodeType="clickEffect">
+                                  <p:stCondLst>
+                                    <p:cond delay="0"/>
+                                  </p:stCondLst>
+                                  <p:childTnLst>
+                                    <p:set>
+                                      <p:cBhvr>
+                                        <p:cTn id="26" dur="1" fill="hold">
+                                          <p:stCondLst>
+                                            <p:cond delay="0"/>
+                                          </p:stCondLst>
+                                        </p:cTn>
+                                        <p:tgtEl>
+                                          <p:spTgt spid="6"/>
                                         </p:tgtEl>
                                         <p:attrNameLst>
                                           <p:attrName>style.visibility</p:attrName>
@@ -21795,13 +22293,6 @@
       <p:transition spd="slow" advClick="0" advTm="5000"/>
     </mc:Fallback>
   </mc:AlternateContent>
-  <p:timing>
-    <p:tnLst>
-      <p:par>
-        <p:cTn id="1" dur="indefinite" restart="never" nodeType="tmRoot"/>
-      </p:par>
-    </p:tnLst>
-  </p:timing>
 </p:sld>
 </file>
 
@@ -22077,6 +22568,112 @@
           </a:p>
         </p:txBody>
       </p:sp>
+      <p:pic>
+        <p:nvPicPr>
+          <p:cNvPr id="3" name="Picture 2">
+            <a:extLst>
+              <a:ext uri="{FF2B5EF4-FFF2-40B4-BE49-F238E27FC236}">
+                <a16:creationId xmlns:a16="http://schemas.microsoft.com/office/drawing/2014/main" id="{44421AA4-DE5D-470E-544E-AE5A7C3A2F14}"/>
+              </a:ext>
+            </a:extLst>
+          </p:cNvPr>
+          <p:cNvPicPr>
+            <a:picLocks noChangeAspect="1"/>
+          </p:cNvPicPr>
+          <p:nvPr/>
+        </p:nvPicPr>
+        <p:blipFill rotWithShape="1">
+          <a:blip r:embed="rId3">
+            <a:extLst>
+              <a:ext uri="{28A0092B-C50C-407E-A947-70E740481C1C}">
+                <a14:useLocalDpi xmlns:a14="http://schemas.microsoft.com/office/drawing/2010/main" val="0"/>
+              </a:ext>
+            </a:extLst>
+          </a:blip>
+          <a:srcRect l="12496" r="12238"/>
+          <a:stretch/>
+        </p:blipFill>
+        <p:spPr>
+          <a:xfrm>
+            <a:off x="9233030" y="4141466"/>
+            <a:ext cx="2520000" cy="1883312"/>
+          </a:xfrm>
+          <a:prstGeom prst="rect">
+            <a:avLst/>
+          </a:prstGeom>
+        </p:spPr>
+      </p:pic>
+      <p:pic>
+        <p:nvPicPr>
+          <p:cNvPr id="6" name="Picture 5">
+            <a:extLst>
+              <a:ext uri="{FF2B5EF4-FFF2-40B4-BE49-F238E27FC236}">
+                <a16:creationId xmlns:a16="http://schemas.microsoft.com/office/drawing/2014/main" id="{9E557575-94BB-8829-86BB-E25B485EE8ED}"/>
+              </a:ext>
+            </a:extLst>
+          </p:cNvPr>
+          <p:cNvPicPr>
+            <a:picLocks noChangeAspect="1"/>
+          </p:cNvPicPr>
+          <p:nvPr/>
+        </p:nvPicPr>
+        <p:blipFill>
+          <a:blip r:embed="rId4">
+            <a:extLst>
+              <a:ext uri="{28A0092B-C50C-407E-A947-70E740481C1C}">
+                <a14:useLocalDpi xmlns:a14="http://schemas.microsoft.com/office/drawing/2010/main" val="0"/>
+              </a:ext>
+            </a:extLst>
+          </a:blip>
+          <a:stretch>
+            <a:fillRect/>
+          </a:stretch>
+        </p:blipFill>
+        <p:spPr>
+          <a:xfrm>
+            <a:off x="3036000" y="4958763"/>
+            <a:ext cx="2465854" cy="608244"/>
+          </a:xfrm>
+          <a:prstGeom prst="rect">
+            <a:avLst/>
+          </a:prstGeom>
+        </p:spPr>
+      </p:pic>
+      <p:pic>
+        <p:nvPicPr>
+          <p:cNvPr id="10" name="Picture 9">
+            <a:extLst>
+              <a:ext uri="{FF2B5EF4-FFF2-40B4-BE49-F238E27FC236}">
+                <a16:creationId xmlns:a16="http://schemas.microsoft.com/office/drawing/2014/main" id="{C52C1ECF-2052-98C2-74B9-B358D88A73FA}"/>
+              </a:ext>
+            </a:extLst>
+          </p:cNvPr>
+          <p:cNvPicPr>
+            <a:picLocks noChangeAspect="1"/>
+          </p:cNvPicPr>
+          <p:nvPr/>
+        </p:nvPicPr>
+        <p:blipFill rotWithShape="1">
+          <a:blip r:embed="rId5">
+            <a:extLst>
+              <a:ext uri="{28A0092B-C50C-407E-A947-70E740481C1C}">
+                <a14:useLocalDpi xmlns:a14="http://schemas.microsoft.com/office/drawing/2010/main" val="0"/>
+              </a:ext>
+            </a:extLst>
+          </a:blip>
+          <a:srcRect l="9584" t="31543" r="9360" b="29858"/>
+          <a:stretch/>
+        </p:blipFill>
+        <p:spPr>
+          <a:xfrm>
+            <a:off x="5926084" y="4552695"/>
+            <a:ext cx="3195000" cy="1014312"/>
+          </a:xfrm>
+          <a:prstGeom prst="rect">
+            <a:avLst/>
+          </a:prstGeom>
+        </p:spPr>
+      </p:pic>
     </p:spTree>
     <p:extLst>
       <p:ext uri="{BB962C8B-B14F-4D97-AF65-F5344CB8AC3E}">
@@ -22276,11 +22873,7 @@
                                           </p:stCondLst>
                                         </p:cTn>
                                         <p:tgtEl>
-                                          <p:spTgt spid="7">
-                                            <p:txEl>
-                                              <p:pRg st="4" end="4"/>
-                                            </p:txEl>
-                                          </p:spTgt>
+                                          <p:spTgt spid="6"/>
                                         </p:tgtEl>
                                         <p:attrNameLst>
                                           <p:attrName>style.visibility</p:attrName>
@@ -22327,9 +22920,148 @@
                                         <p:tgtEl>
                                           <p:spTgt spid="7">
                                             <p:txEl>
+                                              <p:pRg st="4" end="4"/>
+                                            </p:txEl>
+                                          </p:spTgt>
+                                        </p:tgtEl>
+                                        <p:attrNameLst>
+                                          <p:attrName>style.visibility</p:attrName>
+                                        </p:attrNameLst>
+                                      </p:cBhvr>
+                                      <p:to>
+                                        <p:strVal val="visible"/>
+                                      </p:to>
+                                    </p:set>
+                                  </p:childTnLst>
+                                </p:cTn>
+                              </p:par>
+                            </p:childTnLst>
+                          </p:cTn>
+                        </p:par>
+                      </p:childTnLst>
+                    </p:cTn>
+                  </p:par>
+                  <p:par>
+                    <p:cTn id="23" fill="hold">
+                      <p:stCondLst>
+                        <p:cond delay="indefinite"/>
+                      </p:stCondLst>
+                      <p:childTnLst>
+                        <p:par>
+                          <p:cTn id="24" fill="hold">
+                            <p:stCondLst>
+                              <p:cond delay="0"/>
+                            </p:stCondLst>
+                            <p:childTnLst>
+                              <p:par>
+                                <p:cTn id="25" presetID="1" presetClass="entr" presetSubtype="0" fill="hold" nodeType="clickEffect">
+                                  <p:stCondLst>
+                                    <p:cond delay="0"/>
+                                  </p:stCondLst>
+                                  <p:childTnLst>
+                                    <p:set>
+                                      <p:cBhvr>
+                                        <p:cTn id="26" dur="1" fill="hold">
+                                          <p:stCondLst>
+                                            <p:cond delay="0"/>
+                                          </p:stCondLst>
+                                        </p:cTn>
+                                        <p:tgtEl>
+                                          <p:spTgt spid="10"/>
+                                        </p:tgtEl>
+                                        <p:attrNameLst>
+                                          <p:attrName>style.visibility</p:attrName>
+                                        </p:attrNameLst>
+                                      </p:cBhvr>
+                                      <p:to>
+                                        <p:strVal val="visible"/>
+                                      </p:to>
+                                    </p:set>
+                                  </p:childTnLst>
+                                </p:cTn>
+                              </p:par>
+                            </p:childTnLst>
+                          </p:cTn>
+                        </p:par>
+                      </p:childTnLst>
+                    </p:cTn>
+                  </p:par>
+                  <p:par>
+                    <p:cTn id="27" fill="hold">
+                      <p:stCondLst>
+                        <p:cond delay="indefinite"/>
+                      </p:stCondLst>
+                      <p:childTnLst>
+                        <p:par>
+                          <p:cTn id="28" fill="hold">
+                            <p:stCondLst>
+                              <p:cond delay="0"/>
+                            </p:stCondLst>
+                            <p:childTnLst>
+                              <p:par>
+                                <p:cTn id="29" presetID="1" presetClass="entr" presetSubtype="0" fill="hold" nodeType="clickEffect">
+                                  <p:stCondLst>
+                                    <p:cond delay="0"/>
+                                  </p:stCondLst>
+                                  <p:childTnLst>
+                                    <p:set>
+                                      <p:cBhvr>
+                                        <p:cTn id="30" dur="1" fill="hold">
+                                          <p:stCondLst>
+                                            <p:cond delay="0"/>
+                                          </p:stCondLst>
+                                        </p:cTn>
+                                        <p:tgtEl>
+                                          <p:spTgt spid="7">
+                                            <p:txEl>
                                               <p:pRg st="5" end="5"/>
                                             </p:txEl>
                                           </p:spTgt>
+                                        </p:tgtEl>
+                                        <p:attrNameLst>
+                                          <p:attrName>style.visibility</p:attrName>
+                                        </p:attrNameLst>
+                                      </p:cBhvr>
+                                      <p:to>
+                                        <p:strVal val="visible"/>
+                                      </p:to>
+                                    </p:set>
+                                  </p:childTnLst>
+                                </p:cTn>
+                              </p:par>
+                            </p:childTnLst>
+                          </p:cTn>
+                        </p:par>
+                      </p:childTnLst>
+                    </p:cTn>
+                  </p:par>
+                  <p:par>
+                    <p:cTn id="31" fill="hold">
+                      <p:stCondLst>
+                        <p:cond delay="indefinite"/>
+                      </p:stCondLst>
+                      <p:childTnLst>
+                        <p:par>
+                          <p:cTn id="32" fill="hold">
+                            <p:stCondLst>
+                              <p:cond delay="0"/>
+                            </p:stCondLst>
+                            <p:childTnLst>
+                              <p:par>
+                                <p:cTn id="33" presetID="1" presetClass="entr" presetSubtype="0" fill="hold" nodeType="clickEffect">
+                                  <p:stCondLst>
+                                    <p:cond delay="0"/>
+                                  </p:stCondLst>
+                                  <p:childTnLst>
+                                    <p:set>
+                                      <p:cBhvr>
+                                        <p:cTn id="34" dur="1" fill="hold">
+                                          <p:stCondLst>
+                                            <p:cond delay="0"/>
+                                          </p:stCondLst>
+                                        </p:cTn>
+                                        <p:tgtEl>
+                                          <p:spTgt spid="3"/>
                                         </p:tgtEl>
                                         <p:attrNameLst>
                                           <p:attrName>style.visibility</p:attrName>
@@ -22509,13 +23241,6 @@
       <p:transition spd="slow" advClick="0" advTm="5000"/>
     </mc:Fallback>
   </mc:AlternateContent>
-  <p:timing>
-    <p:tnLst>
-      <p:par>
-        <p:cTn id="1" dur="indefinite" restart="never" nodeType="tmRoot"/>
-      </p:par>
-    </p:tnLst>
-  </p:timing>
 </p:sld>
 </file>
 
@@ -22687,13 +23412,6 @@
       <p:transition spd="slow" advClick="0" advTm="5000"/>
     </mc:Fallback>
   </mc:AlternateContent>
-  <p:timing>
-    <p:tnLst>
-      <p:par>
-        <p:cTn id="1" dur="indefinite" restart="never" nodeType="tmRoot"/>
-      </p:par>
-    </p:tnLst>
-  </p:timing>
 </p:sld>
 </file>
 
@@ -22845,13 +23563,6 @@
       <p:transition spd="slow" advClick="0" advTm="5000"/>
     </mc:Fallback>
   </mc:AlternateContent>
-  <p:timing>
-    <p:tnLst>
-      <p:par>
-        <p:cTn id="1" dur="indefinite" restart="never" nodeType="tmRoot"/>
-      </p:par>
-    </p:tnLst>
-  </p:timing>
 </p:sld>
 </file>
 
@@ -23120,6 +23831,78 @@
           </a:p>
         </p:txBody>
       </p:sp>
+      <p:pic>
+        <p:nvPicPr>
+          <p:cNvPr id="3" name="Picture 2">
+            <a:extLst>
+              <a:ext uri="{FF2B5EF4-FFF2-40B4-BE49-F238E27FC236}">
+                <a16:creationId xmlns:a16="http://schemas.microsoft.com/office/drawing/2014/main" id="{95E45AA9-06AC-44F0-243D-4B38B6E0856C}"/>
+              </a:ext>
+            </a:extLst>
+          </p:cNvPr>
+          <p:cNvPicPr>
+            <a:picLocks noChangeAspect="1"/>
+          </p:cNvPicPr>
+          <p:nvPr/>
+        </p:nvPicPr>
+        <p:blipFill>
+          <a:blip r:embed="rId3">
+            <a:extLst>
+              <a:ext uri="{28A0092B-C50C-407E-A947-70E740481C1C}">
+                <a14:useLocalDpi xmlns:a14="http://schemas.microsoft.com/office/drawing/2010/main" val="0"/>
+              </a:ext>
+            </a:extLst>
+          </a:blip>
+          <a:stretch>
+            <a:fillRect/>
+          </a:stretch>
+        </p:blipFill>
+        <p:spPr>
+          <a:xfrm>
+            <a:off x="7596830" y="5169286"/>
+            <a:ext cx="4156200" cy="635522"/>
+          </a:xfrm>
+          <a:prstGeom prst="rect">
+            <a:avLst/>
+          </a:prstGeom>
+        </p:spPr>
+      </p:pic>
+      <p:pic>
+        <p:nvPicPr>
+          <p:cNvPr id="6" name="Picture 5">
+            <a:extLst>
+              <a:ext uri="{FF2B5EF4-FFF2-40B4-BE49-F238E27FC236}">
+                <a16:creationId xmlns:a16="http://schemas.microsoft.com/office/drawing/2014/main" id="{5362243B-A01E-3AFD-1908-5775553E0180}"/>
+              </a:ext>
+            </a:extLst>
+          </p:cNvPr>
+          <p:cNvPicPr>
+            <a:picLocks noChangeAspect="1"/>
+          </p:cNvPicPr>
+          <p:nvPr/>
+        </p:nvPicPr>
+        <p:blipFill>
+          <a:blip r:embed="rId4">
+            <a:extLst>
+              <a:ext uri="{28A0092B-C50C-407E-A947-70E740481C1C}">
+                <a14:useLocalDpi xmlns:a14="http://schemas.microsoft.com/office/drawing/2010/main" val="0"/>
+              </a:ext>
+            </a:extLst>
+          </a:blip>
+          <a:stretch>
+            <a:fillRect/>
+          </a:stretch>
+        </p:blipFill>
+        <p:spPr>
+          <a:xfrm>
+            <a:off x="4965700" y="4959525"/>
+            <a:ext cx="2260600" cy="901700"/>
+          </a:xfrm>
+          <a:prstGeom prst="rect">
+            <a:avLst/>
+          </a:prstGeom>
+        </p:spPr>
+      </p:pic>
     </p:spTree>
     <p:extLst>
       <p:ext uri="{BB962C8B-B14F-4D97-AF65-F5344CB8AC3E}">
@@ -23368,11 +24151,101 @@
                                           </p:stCondLst>
                                         </p:cTn>
                                         <p:tgtEl>
+                                          <p:spTgt spid="6"/>
+                                        </p:tgtEl>
+                                        <p:attrNameLst>
+                                          <p:attrName>style.visibility</p:attrName>
+                                        </p:attrNameLst>
+                                      </p:cBhvr>
+                                      <p:to>
+                                        <p:strVal val="visible"/>
+                                      </p:to>
+                                    </p:set>
+                                  </p:childTnLst>
+                                </p:cTn>
+                              </p:par>
+                            </p:childTnLst>
+                          </p:cTn>
+                        </p:par>
+                      </p:childTnLst>
+                    </p:cTn>
+                  </p:par>
+                  <p:par>
+                    <p:cTn id="23" fill="hold">
+                      <p:stCondLst>
+                        <p:cond delay="indefinite"/>
+                      </p:stCondLst>
+                      <p:childTnLst>
+                        <p:par>
+                          <p:cTn id="24" fill="hold">
+                            <p:stCondLst>
+                              <p:cond delay="0"/>
+                            </p:stCondLst>
+                            <p:childTnLst>
+                              <p:par>
+                                <p:cTn id="25" presetID="1" presetClass="entr" presetSubtype="0" fill="hold" nodeType="clickEffect">
+                                  <p:stCondLst>
+                                    <p:cond delay="0"/>
+                                  </p:stCondLst>
+                                  <p:childTnLst>
+                                    <p:set>
+                                      <p:cBhvr>
+                                        <p:cTn id="26" dur="1" fill="hold">
+                                          <p:stCondLst>
+                                            <p:cond delay="0"/>
+                                          </p:stCondLst>
+                                        </p:cTn>
+                                        <p:tgtEl>
                                           <p:spTgt spid="7">
                                             <p:txEl>
                                               <p:pRg st="5" end="5"/>
                                             </p:txEl>
                                           </p:spTgt>
+                                        </p:tgtEl>
+                                        <p:attrNameLst>
+                                          <p:attrName>style.visibility</p:attrName>
+                                        </p:attrNameLst>
+                                      </p:cBhvr>
+                                      <p:to>
+                                        <p:strVal val="visible"/>
+                                      </p:to>
+                                    </p:set>
+                                  </p:childTnLst>
+                                </p:cTn>
+                              </p:par>
+                            </p:childTnLst>
+                          </p:cTn>
+                        </p:par>
+                      </p:childTnLst>
+                    </p:cTn>
+                  </p:par>
+                  <p:par>
+                    <p:cTn id="27" fill="hold">
+                      <p:stCondLst>
+                        <p:cond delay="indefinite"/>
+                      </p:stCondLst>
+                      <p:childTnLst>
+                        <p:par>
+                          <p:cTn id="28" fill="hold">
+                            <p:stCondLst>
+                              <p:cond delay="0"/>
+                            </p:stCondLst>
+                            <p:childTnLst>
+                              <p:par>
+                                <p:cTn id="29" presetID="1" presetClass="entr" presetSubtype="0" fill="hold" nodeType="clickEffect">
+                                  <p:stCondLst>
+                                    <p:cond delay="0"/>
+                                  </p:stCondLst>
+                                  <p:childTnLst>
+                                    <p:set>
+                                      <p:cBhvr>
+                                        <p:cTn id="30" dur="1" fill="hold">
+                                          <p:stCondLst>
+                                            <p:cond delay="0"/>
+                                          </p:stCondLst>
+                                        </p:cTn>
+                                        <p:tgtEl>
+                                          <p:spTgt spid="3"/>
                                         </p:tgtEl>
                                         <p:attrNameLst>
                                           <p:attrName>style.visibility</p:attrName>
@@ -23566,13 +24439,6 @@
       <p:transition spd="slow" advClick="0" advTm="5000"/>
     </mc:Fallback>
   </mc:AlternateContent>
-  <p:timing>
-    <p:tnLst>
-      <p:par>
-        <p:cTn id="1" dur="indefinite" restart="never" nodeType="tmRoot"/>
-      </p:par>
-    </p:tnLst>
-  </p:timing>
 </p:sld>
 </file>
 
@@ -24717,7 +25583,7 @@
                 <a:hlinkClick r:id="rId3">
                   <a:extLst>
                     <a:ext uri="{A12FA001-AC4F-418D-AE19-62706E023703}">
-                      <ahyp:hlinkClr xmlns:ahyp="http://schemas.microsoft.com/office/drawing/2018/hyperlinkcolor" xmlns="" val="tx"/>
+                      <ahyp:hlinkClr xmlns:ahyp="http://schemas.microsoft.com/office/drawing/2018/hyperlinkcolor" val="tx"/>
                     </a:ext>
                   </a:extLst>
                 </a:hlinkClick>
@@ -24790,13 +25656,6 @@
       <p:transition spd="slow" advClick="0" advTm="5000"/>
     </mc:Fallback>
   </mc:AlternateContent>
-  <p:timing>
-    <p:tnLst>
-      <p:par>
-        <p:cTn id="1" dur="indefinite" restart="never" nodeType="tmRoot"/>
-      </p:par>
-    </p:tnLst>
-  </p:timing>
 </p:sld>
 </file>
 
@@ -25180,13 +26039,6 @@
       <p:transition spd="slow" advClick="0" advTm="5000"/>
     </mc:Fallback>
   </mc:AlternateContent>
-  <p:timing>
-    <p:tnLst>
-      <p:par>
-        <p:cTn id="1" dur="indefinite" restart="never" nodeType="tmRoot"/>
-      </p:par>
-    </p:tnLst>
-  </p:timing>
 </p:sld>
 </file>
 
@@ -26739,13 +27591,6 @@
       <p:transition spd="slow" advClick="0" advTm="5000"/>
     </mc:Fallback>
   </mc:AlternateContent>
-  <p:timing>
-    <p:tnLst>
-      <p:par>
-        <p:cTn id="1" dur="indefinite" restart="never" nodeType="tmRoot"/>
-      </p:par>
-    </p:tnLst>
-  </p:timing>
 </p:sld>
 </file>
 

--- a/Courses/Software-Sciences/Module-4-Information-Systems-New/01-Introduction-to-IT-Systems/01-Introduction-to-IT-Systems.pptx
+++ b/Courses/Software-Sciences/Module-4-Information-Systems-New/01-Introduction-to-IT-Systems/01-Introduction-to-IT-Systems.pptx
@@ -250,159 +250,6 @@
 </p:cmAuthorLst>
 </file>
 
-<file path=ppt/comments/comment1.xml><?xml version="1.0" encoding="utf-8"?>
-<p:cmLst xmlns:a="http://schemas.openxmlformats.org/drawingml/2006/main" xmlns:r="http://schemas.openxmlformats.org/officeDocument/2006/relationships" xmlns:p="http://schemas.openxmlformats.org/presentationml/2006/main">
-  <p:cm authorId="1" dt="2024-09-28T12:42:19.517" idx="1">
-    <p:pos x="6385" y="1958"/>
-    <p:text>Анимацията трябва да се появява при кликване</p:text>
-    <p:extLst>
-      <p:ext uri="{C676402C-5697-4E1C-873F-D02D1690AC5C}">
-        <p15:threadingInfo xmlns:p15="http://schemas.microsoft.com/office/powerpoint/2012/main" timeZoneBias="-180"/>
-      </p:ext>
-    </p:extLst>
-  </p:cm>
-</p:cmLst>
-</file>
-
-<file path=ppt/comments/comment2.xml><?xml version="1.0" encoding="utf-8"?>
-<p:cmLst xmlns:a="http://schemas.openxmlformats.org/drawingml/2006/main" xmlns:r="http://schemas.openxmlformats.org/officeDocument/2006/relationships" xmlns:p="http://schemas.openxmlformats.org/presentationml/2006/main">
-  <p:cm authorId="1" dt="2024-09-28T12:57:03.958" idx="3">
-    <p:pos x="5359" y="3356"/>
-    <p:text>Добави изображения на логата на системите като примери (да се запълни празният ъгъл)</p:text>
-    <p:extLst>
-      <p:ext uri="{C676402C-5697-4E1C-873F-D02D1690AC5C}">
-        <p15:threadingInfo xmlns:p15="http://schemas.microsoft.com/office/powerpoint/2012/main" timeZoneBias="-180"/>
-      </p:ext>
-    </p:extLst>
-  </p:cm>
-  <p:cm authorId="2" dt="2024-09-29T11:25:05.906" idx="1">
-    <p:pos x="5359" y="3469"/>
-    <p:text>Done</p:text>
-    <p:extLst>
-      <p:ext uri="{C676402C-5697-4E1C-873F-D02D1690AC5C}">
-        <p15:threadingInfo xmlns:p15="http://schemas.microsoft.com/office/powerpoint/2012/main" timeZoneBias="-180">
-          <p15:parentCm authorId="1" idx="3"/>
-        </p15:threadingInfo>
-      </p:ext>
-    </p:extLst>
-  </p:cm>
-</p:cmLst>
-</file>
-
-<file path=ppt/comments/comment3.xml><?xml version="1.0" encoding="utf-8"?>
-<p:cmLst xmlns:a="http://schemas.openxmlformats.org/drawingml/2006/main" xmlns:r="http://schemas.openxmlformats.org/officeDocument/2006/relationships" xmlns:p="http://schemas.openxmlformats.org/presentationml/2006/main">
-  <p:cm authorId="1" dt="2024-09-28T12:59:21.936" idx="4">
-    <p:pos x="7045" y="1438"/>
-    <p:text>Намери по-ясна картинка</p:text>
-    <p:extLst>
-      <p:ext uri="{C676402C-5697-4E1C-873F-D02D1690AC5C}">
-        <p15:threadingInfo xmlns:p15="http://schemas.microsoft.com/office/powerpoint/2012/main" timeZoneBias="-180"/>
-      </p:ext>
-    </p:extLst>
-  </p:cm>
-  <p:cm authorId="2" dt="2024-09-29T11:27:29.056" idx="2">
-    <p:pos x="7045" y="1551"/>
-    <p:text>Done</p:text>
-    <p:extLst>
-      <p:ext uri="{C676402C-5697-4E1C-873F-D02D1690AC5C}">
-        <p15:threadingInfo xmlns:p15="http://schemas.microsoft.com/office/powerpoint/2012/main" timeZoneBias="-180">
-          <p15:parentCm authorId="1" idx="4"/>
-        </p15:threadingInfo>
-      </p:ext>
-    </p:extLst>
-  </p:cm>
-</p:cmLst>
-</file>
-
-<file path=ppt/comments/comment4.xml><?xml version="1.0" encoding="utf-8"?>
-<p:cmLst xmlns:a="http://schemas.openxmlformats.org/drawingml/2006/main" xmlns:r="http://schemas.openxmlformats.org/officeDocument/2006/relationships" xmlns:p="http://schemas.openxmlformats.org/presentationml/2006/main">
-  <p:cm authorId="1" dt="2024-09-28T13:00:10.472" idx="5">
-    <p:pos x="5252" y="2978"/>
-    <p:text>Добави изображения на логата на системите като примери (да се запълни празният ъгъл)</p:text>
-    <p:extLst>
-      <p:ext uri="{C676402C-5697-4E1C-873F-D02D1690AC5C}">
-        <p15:threadingInfo xmlns:p15="http://schemas.microsoft.com/office/powerpoint/2012/main" timeZoneBias="-180"/>
-      </p:ext>
-    </p:extLst>
-  </p:cm>
-  <p:cm authorId="2" dt="2024-09-29T11:30:09.101" idx="3">
-    <p:pos x="5252" y="3091"/>
-    <p:text>Done</p:text>
-    <p:extLst>
-      <p:ext uri="{C676402C-5697-4E1C-873F-D02D1690AC5C}">
-        <p15:threadingInfo xmlns:p15="http://schemas.microsoft.com/office/powerpoint/2012/main" timeZoneBias="-180">
-          <p15:parentCm authorId="1" idx="5"/>
-        </p15:threadingInfo>
-      </p:ext>
-    </p:extLst>
-  </p:cm>
-</p:cmLst>
-</file>
-
-<file path=ppt/comments/comment5.xml><?xml version="1.0" encoding="utf-8"?>
-<p:cmLst xmlns:a="http://schemas.openxmlformats.org/drawingml/2006/main" xmlns:r="http://schemas.openxmlformats.org/officeDocument/2006/relationships" xmlns:p="http://schemas.openxmlformats.org/presentationml/2006/main">
-  <p:cm authorId="1" dt="2024-09-28T13:00:57.878" idx="6">
-    <p:pos x="5586" y="3068"/>
-    <p:text>Добави изображения на логата на системите като примери (да се запълни празният ъгъл)</p:text>
-    <p:extLst>
-      <p:ext uri="{C676402C-5697-4E1C-873F-D02D1690AC5C}">
-        <p15:threadingInfo xmlns:p15="http://schemas.microsoft.com/office/powerpoint/2012/main" timeZoneBias="-180"/>
-      </p:ext>
-    </p:extLst>
-  </p:cm>
-</p:cmLst>
-</file>
-
-<file path=ppt/comments/comment6.xml><?xml version="1.0" encoding="utf-8"?>
-<p:cmLst xmlns:a="http://schemas.openxmlformats.org/drawingml/2006/main" xmlns:r="http://schemas.openxmlformats.org/officeDocument/2006/relationships" xmlns:p="http://schemas.openxmlformats.org/presentationml/2006/main">
-  <p:cm authorId="1" dt="2024-09-28T13:01:38.579" idx="7">
-    <p:pos x="4998" y="3160"/>
-    <p:text>Добави изображения на логата на системите като примери (да се запълни празният ъгъл)</p:text>
-    <p:extLst>
-      <p:ext uri="{C676402C-5697-4E1C-873F-D02D1690AC5C}">
-        <p15:threadingInfo xmlns:p15="http://schemas.microsoft.com/office/powerpoint/2012/main" timeZoneBias="-180"/>
-      </p:ext>
-    </p:extLst>
-  </p:cm>
-  <p:cm authorId="2" dt="2024-09-29T11:33:49.669" idx="4">
-    <p:pos x="4998" y="3273"/>
-    <p:text>Done</p:text>
-    <p:extLst>
-      <p:ext uri="{C676402C-5697-4E1C-873F-D02D1690AC5C}">
-        <p15:threadingInfo xmlns:p15="http://schemas.microsoft.com/office/powerpoint/2012/main" timeZoneBias="-180">
-          <p15:parentCm authorId="1" idx="7"/>
-        </p15:threadingInfo>
-      </p:ext>
-    </p:extLst>
-  </p:cm>
-</p:cmLst>
-</file>
-
-<file path=ppt/comments/comment7.xml><?xml version="1.0" encoding="utf-8"?>
-<p:cmLst xmlns:a="http://schemas.openxmlformats.org/drawingml/2006/main" xmlns:r="http://schemas.openxmlformats.org/officeDocument/2006/relationships" xmlns:p="http://schemas.openxmlformats.org/presentationml/2006/main">
-  <p:cm authorId="1" dt="2024-09-28T13:02:28.158" idx="8">
-    <p:pos x="5366" y="3374"/>
-    <p:text>Добави изображения на логата на системите като примери (да се запълни празният ъгъл)</p:text>
-    <p:extLst>
-      <p:ext uri="{C676402C-5697-4E1C-873F-D02D1690AC5C}">
-        <p15:threadingInfo xmlns:p15="http://schemas.microsoft.com/office/powerpoint/2012/main" timeZoneBias="-180"/>
-      </p:ext>
-    </p:extLst>
-  </p:cm>
-  <p:cm authorId="2" dt="2024-09-29T11:35:08.750" idx="5">
-    <p:pos x="5366" y="3487"/>
-    <p:text>Done</p:text>
-    <p:extLst>
-      <p:ext uri="{C676402C-5697-4E1C-873F-D02D1690AC5C}">
-        <p15:threadingInfo xmlns:p15="http://schemas.microsoft.com/office/powerpoint/2012/main" timeZoneBias="-180">
-          <p15:parentCm authorId="1" idx="8"/>
-        </p15:threadingInfo>
-      </p:ext>
-    </p:extLst>
-  </p:cm>
-</p:cmLst>
-</file>
-
 <file path=ppt/handoutMasters/handoutMaster1.xml><?xml version="1.0" encoding="utf-8"?>
 <p:handoutMaster xmlns:a="http://schemas.openxmlformats.org/drawingml/2006/main" xmlns:r="http://schemas.openxmlformats.org/officeDocument/2006/relationships" xmlns:p="http://schemas.openxmlformats.org/presentationml/2006/main">
   <p:cSld>
@@ -497,7 +344,7 @@
           <a:p>
             <a:fld id="{4E087215-0C8F-4762-A664-737A353EC9A4}" type="datetimeFigureOut">
               <a:rPr lang="bg-BG" smtClean="0"/>
-              <a:t>29.09.24 г.</a:t>
+              <a:t>30.09.24 г.</a:t>
             </a:fld>
             <a:endParaRPr lang="bg-BG"/>
           </a:p>
@@ -693,7 +540,7 @@
           <a:p>
             <a:fld id="{72D84649-876A-46C9-8472-14CB09C070D8}" type="datetimeFigureOut">
               <a:rPr lang="en-US" smtClean="0"/>
-              <a:t>9/29/24</a:t>
+              <a:t>9/30/24</a:t>
             </a:fld>
             <a:endParaRPr lang="en-US"/>
           </a:p>

--- a/Courses/Software-Sciences/Module-4-Information-Systems-New/01-Introduction-to-IT-Systems/01-Introduction-to-IT-Systems.pptx
+++ b/Courses/Software-Sciences/Module-4-Information-Systems-New/01-Introduction-to-IT-Systems/01-Introduction-to-IT-Systems.pptx
@@ -344,7 +344,7 @@
           <a:p>
             <a:fld id="{4E087215-0C8F-4762-A664-737A353EC9A4}" type="datetimeFigureOut">
               <a:rPr lang="bg-BG" smtClean="0"/>
-              <a:t>30.09.24 г.</a:t>
+              <a:t>19.12.24 г.</a:t>
             </a:fld>
             <a:endParaRPr lang="bg-BG"/>
           </a:p>
@@ -540,7 +540,7 @@
           <a:p>
             <a:fld id="{72D84649-876A-46C9-8472-14CB09C070D8}" type="datetimeFigureOut">
               <a:rPr lang="en-US" smtClean="0"/>
-              <a:t>9/30/24</a:t>
+              <a:t>12/19/24</a:t>
             </a:fld>
             <a:endParaRPr lang="en-US"/>
           </a:p>
@@ -18880,8 +18880,12 @@
           </a:p>
           <a:p>
             <a:r>
+              <a:rPr lang="bg-BG" b="1" dirty="0"/>
+              <a:t>Примери</a:t>
+            </a:r>
+            <a:r>
               <a:rPr lang="bg-BG" dirty="0"/>
-              <a:t>Примери за </a:t>
+              <a:t> за </a:t>
             </a:r>
             <a:r>
               <a:rPr lang="en-US" dirty="0"/>
@@ -21508,8 +21512,12 @@
           </a:p>
           <a:p>
             <a:r>
+              <a:rPr lang="bg-BG" b="1" dirty="0"/>
+              <a:t>Примери</a:t>
+            </a:r>
+            <a:r>
               <a:rPr lang="bg-BG" dirty="0"/>
-              <a:t>Примери за</a:t>
+              <a:t> за</a:t>
             </a:r>
             <a:r>
               <a:rPr lang="en-US" dirty="0"/>
@@ -22348,8 +22356,12 @@
           </a:p>
           <a:p>
             <a:r>
+              <a:rPr lang="bg-BG" b="1" dirty="0"/>
+              <a:t>Примери</a:t>
+            </a:r>
+            <a:r>
               <a:rPr lang="bg-BG" dirty="0"/>
-              <a:t>Примери за </a:t>
+              <a:t> за </a:t>
             </a:r>
             <a:r>
               <a:rPr lang="en-US" dirty="0"/>
@@ -23614,8 +23626,12 @@
           </a:p>
           <a:p>
             <a:r>
+              <a:rPr lang="bg-BG" b="1" dirty="0"/>
+              <a:t>Примери</a:t>
+            </a:r>
+            <a:r>
               <a:rPr lang="bg-BG" dirty="0"/>
-              <a:t>Примери за </a:t>
+              <a:t> за </a:t>
             </a:r>
             <a:r>
               <a:rPr lang="en-US" dirty="0"/>

--- a/Courses/Software-Sciences/Module-4-Information-Systems-New/01-Introduction-to-IT-Systems/01-Introduction-to-IT-Systems.pptx
+++ b/Courses/Software-Sciences/Module-4-Information-Systems-New/01-Introduction-to-IT-Systems/01-Introduction-to-IT-Systems.pptx
@@ -344,7 +344,7 @@
           <a:p>
             <a:fld id="{4E087215-0C8F-4762-A664-737A353EC9A4}" type="datetimeFigureOut">
               <a:rPr lang="bg-BG" smtClean="0"/>
-              <a:t>19.12.24 г.</a:t>
+              <a:t>23.12.2024 г.</a:t>
             </a:fld>
             <a:endParaRPr lang="bg-BG"/>
           </a:p>
@@ -540,7 +540,7 @@
           <a:p>
             <a:fld id="{72D84649-876A-46C9-8472-14CB09C070D8}" type="datetimeFigureOut">
               <a:rPr lang="en-US" smtClean="0"/>
-              <a:t>12/19/24</a:t>
+              <a:t>12/23/2024</a:t>
             </a:fld>
             <a:endParaRPr lang="en-US"/>
           </a:p>
@@ -18951,6 +18951,53 @@
           </a:p>
         </p:txBody>
       </p:sp>
+      <p:pic>
+        <p:nvPicPr>
+          <p:cNvPr id="1026" name="Picture 2" descr="Портал за електронни услуги на НАП">
+            <a:extLst>
+              <a:ext uri="{FF2B5EF4-FFF2-40B4-BE49-F238E27FC236}">
+                <a16:creationId xmlns:a16="http://schemas.microsoft.com/office/drawing/2014/main" id="{483898F7-B204-516F-FB11-74D70F84DBDB}"/>
+              </a:ext>
+            </a:extLst>
+          </p:cNvPr>
+          <p:cNvPicPr>
+            <a:picLocks noChangeAspect="1" noChangeArrowheads="1"/>
+          </p:cNvPicPr>
+          <p:nvPr/>
+        </p:nvPicPr>
+        <p:blipFill>
+          <a:blip r:embed="rId3">
+            <a:extLst>
+              <a:ext uri="{28A0092B-C50C-407E-A947-70E740481C1C}">
+                <a14:useLocalDpi xmlns:a14="http://schemas.microsoft.com/office/drawing/2010/main" val="0"/>
+              </a:ext>
+            </a:extLst>
+          </a:blip>
+          <a:srcRect/>
+          <a:stretch>
+            <a:fillRect/>
+          </a:stretch>
+        </p:blipFill>
+        <p:spPr bwMode="auto">
+          <a:xfrm>
+            <a:off x="8031000" y="5069609"/>
+            <a:ext cx="3020745" cy="1585891"/>
+          </a:xfrm>
+          <a:prstGeom prst="rect">
+            <a:avLst/>
+          </a:prstGeom>
+          <a:noFill/>
+          <a:extLst>
+            <a:ext uri="{909E8E84-426E-40DD-AFC4-6F175D3DCCD1}">
+              <a14:hiddenFill xmlns:a14="http://schemas.microsoft.com/office/drawing/2010/main">
+                <a:solidFill>
+                  <a:srgbClr val="FFFFFF"/>
+                </a:solidFill>
+              </a14:hiddenFill>
+            </a:ext>
+          </a:extLst>
+        </p:spPr>
+      </p:pic>
     </p:spTree>
     <p:extLst>
       <p:ext uri="{BB962C8B-B14F-4D97-AF65-F5344CB8AC3E}">
@@ -19194,6 +19241,51 @@
                                     <p:set>
                                       <p:cBhvr>
                                         <p:cTn id="22" dur="1" fill="hold">
+                                          <p:stCondLst>
+                                            <p:cond delay="0"/>
+                                          </p:stCondLst>
+                                        </p:cTn>
+                                        <p:tgtEl>
+                                          <p:spTgt spid="1026"/>
+                                        </p:tgtEl>
+                                        <p:attrNameLst>
+                                          <p:attrName>style.visibility</p:attrName>
+                                        </p:attrNameLst>
+                                      </p:cBhvr>
+                                      <p:to>
+                                        <p:strVal val="visible"/>
+                                      </p:to>
+                                    </p:set>
+                                  </p:childTnLst>
+                                </p:cTn>
+                              </p:par>
+                            </p:childTnLst>
+                          </p:cTn>
+                        </p:par>
+                      </p:childTnLst>
+                    </p:cTn>
+                  </p:par>
+                  <p:par>
+                    <p:cTn id="23" fill="hold">
+                      <p:stCondLst>
+                        <p:cond delay="indefinite"/>
+                      </p:stCondLst>
+                      <p:childTnLst>
+                        <p:par>
+                          <p:cTn id="24" fill="hold">
+                            <p:stCondLst>
+                              <p:cond delay="0"/>
+                            </p:stCondLst>
+                            <p:childTnLst>
+                              <p:par>
+                                <p:cTn id="25" presetID="1" presetClass="entr" presetSubtype="0" fill="hold" nodeType="clickEffect">
+                                  <p:stCondLst>
+                                    <p:cond delay="0"/>
+                                  </p:stCondLst>
+                                  <p:childTnLst>
+                                    <p:set>
+                                      <p:cBhvr>
+                                        <p:cTn id="26" dur="1" fill="hold">
                                           <p:stCondLst>
                                             <p:cond delay="0"/>
                                           </p:stCondLst>
